--- a/docs/walkthroughs.pptx
+++ b/docs/walkthroughs.pptx
@@ -4,6 +4,9 @@
   <p:sldMasterIdLst>
     <p:sldMasterId id="2147483648" r:id="rId1"/>
   </p:sldMasterIdLst>
+  <p:notesMasterIdLst>
+    <p:notesMasterId r:id="rId16"/>
+  </p:notesMasterIdLst>
   <p:sldIdLst>
     <p:sldId id="258" r:id="rId2"/>
     <p:sldId id="260" r:id="rId3"/>
@@ -12,6 +15,13 @@
     <p:sldId id="263" r:id="rId6"/>
     <p:sldId id="264" r:id="rId7"/>
     <p:sldId id="265" r:id="rId8"/>
+    <p:sldId id="266" r:id="rId9"/>
+    <p:sldId id="267" r:id="rId10"/>
+    <p:sldId id="269" r:id="rId11"/>
+    <p:sldId id="271" r:id="rId12"/>
+    <p:sldId id="270" r:id="rId13"/>
+    <p:sldId id="272" r:id="rId14"/>
+    <p:sldId id="268" r:id="rId15"/>
   </p:sldIdLst>
   <p:sldSz cx="12192000" cy="6858000"/>
   <p:notesSz cx="6858000" cy="9144000"/>
@@ -140,10 +150,458 @@
             <p14:sldId id="265"/>
           </p14:sldIdLst>
         </p14:section>
+        <p14:section name="RISC-V Register Bank" id="{212E1982-1E5B-4D6E-A388-1FCD2044B70A}">
+          <p14:sldIdLst>
+            <p14:sldId id="266"/>
+            <p14:sldId id="267"/>
+            <p14:sldId id="269"/>
+            <p14:sldId id="271"/>
+            <p14:sldId id="270"/>
+            <p14:sldId id="272"/>
+            <p14:sldId id="268"/>
+          </p14:sldIdLst>
+        </p14:section>
       </p14:sectionLst>
+    </p:ext>
+    <p:ext uri="{EFAFB233-063F-42B5-8137-9DF3F51BA10A}">
+      <p15:sldGuideLst xmlns:p15="http://schemas.microsoft.com/office/powerpoint/2012/main"/>
     </p:ext>
   </p:extLst>
 </p:presentation>
+</file>
+
+<file path=ppt/notesMasters/notesMaster1.xml><?xml version="1.0" encoding="utf-8"?>
+<p:notesMaster xmlns:a="http://schemas.openxmlformats.org/drawingml/2006/main" xmlns:r="http://schemas.openxmlformats.org/officeDocument/2006/relationships" xmlns:p="http://schemas.openxmlformats.org/presentationml/2006/main">
+  <p:cSld>
+    <p:bg>
+      <p:bgRef idx="1001">
+        <a:schemeClr val="bg1"/>
+      </p:bgRef>
+    </p:bg>
+    <p:spTree>
+      <p:nvGrpSpPr>
+        <p:cNvPr id="1" name=""/>
+        <p:cNvGrpSpPr/>
+        <p:nvPr/>
+      </p:nvGrpSpPr>
+      <p:grpSpPr>
+        <a:xfrm>
+          <a:off x="0" y="0"/>
+          <a:ext cx="0" cy="0"/>
+          <a:chOff x="0" y="0"/>
+          <a:chExt cx="0" cy="0"/>
+        </a:xfrm>
+      </p:grpSpPr>
+      <p:sp>
+        <p:nvSpPr>
+          <p:cNvPr id="2" name="Header Placeholder 1"/>
+          <p:cNvSpPr>
+            <a:spLocks noGrp="1"/>
+          </p:cNvSpPr>
+          <p:nvPr>
+            <p:ph type="hdr" sz="quarter"/>
+          </p:nvPr>
+        </p:nvSpPr>
+        <p:spPr>
+          <a:xfrm>
+            <a:off x="0" y="0"/>
+            <a:ext cx="2971800" cy="458788"/>
+          </a:xfrm>
+          <a:prstGeom prst="rect">
+            <a:avLst/>
+          </a:prstGeom>
+        </p:spPr>
+        <p:txBody>
+          <a:bodyPr vert="horz" lIns="91440" tIns="45720" rIns="91440" bIns="45720" rtlCol="0"/>
+          <a:lstStyle>
+            <a:lvl1pPr algn="l">
+              <a:defRPr sz="1200"/>
+            </a:lvl1pPr>
+          </a:lstStyle>
+          <a:p>
+            <a:endParaRPr lang="en-IE"/>
+          </a:p>
+        </p:txBody>
+      </p:sp>
+      <p:sp>
+        <p:nvSpPr>
+          <p:cNvPr id="3" name="Date Placeholder 2"/>
+          <p:cNvSpPr>
+            <a:spLocks noGrp="1"/>
+          </p:cNvSpPr>
+          <p:nvPr>
+            <p:ph type="dt" idx="1"/>
+          </p:nvPr>
+        </p:nvSpPr>
+        <p:spPr>
+          <a:xfrm>
+            <a:off x="3884613" y="0"/>
+            <a:ext cx="2971800" cy="458788"/>
+          </a:xfrm>
+          <a:prstGeom prst="rect">
+            <a:avLst/>
+          </a:prstGeom>
+        </p:spPr>
+        <p:txBody>
+          <a:bodyPr vert="horz" lIns="91440" tIns="45720" rIns="91440" bIns="45720" rtlCol="0"/>
+          <a:lstStyle>
+            <a:lvl1pPr algn="r">
+              <a:defRPr sz="1200"/>
+            </a:lvl1pPr>
+          </a:lstStyle>
+          <a:p>
+            <a:fld id="{BA55FEFE-ABF1-487A-9341-20249636FC0C}" type="datetimeFigureOut">
+              <a:rPr lang="en-IE" smtClean="0"/>
+              <a:t>08/05/2024</a:t>
+            </a:fld>
+            <a:endParaRPr lang="en-IE"/>
+          </a:p>
+        </p:txBody>
+      </p:sp>
+      <p:sp>
+        <p:nvSpPr>
+          <p:cNvPr id="4" name="Slide Image Placeholder 3"/>
+          <p:cNvSpPr>
+            <a:spLocks noGrp="1" noRot="1" noChangeAspect="1"/>
+          </p:cNvSpPr>
+          <p:nvPr>
+            <p:ph type="sldImg" idx="2"/>
+          </p:nvPr>
+        </p:nvSpPr>
+        <p:spPr>
+          <a:xfrm>
+            <a:off x="685800" y="1143000"/>
+            <a:ext cx="5486400" cy="3086100"/>
+          </a:xfrm>
+          <a:prstGeom prst="rect">
+            <a:avLst/>
+          </a:prstGeom>
+          <a:noFill/>
+          <a:ln w="12700">
+            <a:solidFill>
+              <a:prstClr val="black"/>
+            </a:solidFill>
+          </a:ln>
+        </p:spPr>
+        <p:txBody>
+          <a:bodyPr vert="horz" lIns="91440" tIns="45720" rIns="91440" bIns="45720" rtlCol="0" anchor="ctr"/>
+          <a:lstStyle/>
+          <a:p>
+            <a:endParaRPr lang="en-IE"/>
+          </a:p>
+        </p:txBody>
+      </p:sp>
+      <p:sp>
+        <p:nvSpPr>
+          <p:cNvPr id="5" name="Notes Placeholder 4"/>
+          <p:cNvSpPr>
+            <a:spLocks noGrp="1"/>
+          </p:cNvSpPr>
+          <p:nvPr>
+            <p:ph type="body" sz="quarter" idx="3"/>
+          </p:nvPr>
+        </p:nvSpPr>
+        <p:spPr>
+          <a:xfrm>
+            <a:off x="685800" y="4400550"/>
+            <a:ext cx="5486400" cy="3600450"/>
+          </a:xfrm>
+          <a:prstGeom prst="rect">
+            <a:avLst/>
+          </a:prstGeom>
+        </p:spPr>
+        <p:txBody>
+          <a:bodyPr vert="horz" lIns="91440" tIns="45720" rIns="91440" bIns="45720" rtlCol="0"/>
+          <a:lstStyle/>
+          <a:p>
+            <a:pPr lvl="0"/>
+            <a:r>
+              <a:rPr lang="en-US"/>
+              <a:t>Click to edit Master text styles</a:t>
+            </a:r>
+          </a:p>
+          <a:p>
+            <a:pPr lvl="1"/>
+            <a:r>
+              <a:rPr lang="en-US"/>
+              <a:t>Second level</a:t>
+            </a:r>
+          </a:p>
+          <a:p>
+            <a:pPr lvl="2"/>
+            <a:r>
+              <a:rPr lang="en-US"/>
+              <a:t>Third level</a:t>
+            </a:r>
+          </a:p>
+          <a:p>
+            <a:pPr lvl="3"/>
+            <a:r>
+              <a:rPr lang="en-US"/>
+              <a:t>Fourth level</a:t>
+            </a:r>
+          </a:p>
+          <a:p>
+            <a:pPr lvl="4"/>
+            <a:r>
+              <a:rPr lang="en-US"/>
+              <a:t>Fifth level</a:t>
+            </a:r>
+            <a:endParaRPr lang="en-IE"/>
+          </a:p>
+        </p:txBody>
+      </p:sp>
+      <p:sp>
+        <p:nvSpPr>
+          <p:cNvPr id="6" name="Footer Placeholder 5"/>
+          <p:cNvSpPr>
+            <a:spLocks noGrp="1"/>
+          </p:cNvSpPr>
+          <p:nvPr>
+            <p:ph type="ftr" sz="quarter" idx="4"/>
+          </p:nvPr>
+        </p:nvSpPr>
+        <p:spPr>
+          <a:xfrm>
+            <a:off x="0" y="8685213"/>
+            <a:ext cx="2971800" cy="458787"/>
+          </a:xfrm>
+          <a:prstGeom prst="rect">
+            <a:avLst/>
+          </a:prstGeom>
+        </p:spPr>
+        <p:txBody>
+          <a:bodyPr vert="horz" lIns="91440" tIns="45720" rIns="91440" bIns="45720" rtlCol="0" anchor="b"/>
+          <a:lstStyle>
+            <a:lvl1pPr algn="l">
+              <a:defRPr sz="1200"/>
+            </a:lvl1pPr>
+          </a:lstStyle>
+          <a:p>
+            <a:endParaRPr lang="en-IE"/>
+          </a:p>
+        </p:txBody>
+      </p:sp>
+      <p:sp>
+        <p:nvSpPr>
+          <p:cNvPr id="7" name="Slide Number Placeholder 6"/>
+          <p:cNvSpPr>
+            <a:spLocks noGrp="1"/>
+          </p:cNvSpPr>
+          <p:nvPr>
+            <p:ph type="sldNum" sz="quarter" idx="5"/>
+          </p:nvPr>
+        </p:nvSpPr>
+        <p:spPr>
+          <a:xfrm>
+            <a:off x="3884613" y="8685213"/>
+            <a:ext cx="2971800" cy="458787"/>
+          </a:xfrm>
+          <a:prstGeom prst="rect">
+            <a:avLst/>
+          </a:prstGeom>
+        </p:spPr>
+        <p:txBody>
+          <a:bodyPr vert="horz" lIns="91440" tIns="45720" rIns="91440" bIns="45720" rtlCol="0" anchor="b"/>
+          <a:lstStyle>
+            <a:lvl1pPr algn="r">
+              <a:defRPr sz="1200"/>
+            </a:lvl1pPr>
+          </a:lstStyle>
+          <a:p>
+            <a:fld id="{79A10C78-43C6-487D-84BD-18E34AB8E670}" type="slidenum">
+              <a:rPr lang="en-IE" smtClean="0"/>
+              <a:t>‹#›</a:t>
+            </a:fld>
+            <a:endParaRPr lang="en-IE"/>
+          </a:p>
+        </p:txBody>
+      </p:sp>
+    </p:spTree>
+    <p:extLst>
+      <p:ext uri="{BB962C8B-B14F-4D97-AF65-F5344CB8AC3E}">
+        <p14:creationId xmlns:p14="http://schemas.microsoft.com/office/powerpoint/2010/main" val="1422262388"/>
+      </p:ext>
+    </p:extLst>
+  </p:cSld>
+  <p:clrMap bg1="lt1" tx1="dk1" bg2="lt2" tx2="dk2" accent1="accent1" accent2="accent2" accent3="accent3" accent4="accent4" accent5="accent5" accent6="accent6" hlink="hlink" folHlink="folHlink"/>
+  <p:notesStyle>
+    <a:lvl1pPr marL="0" algn="l" defTabSz="914400" rtl="0" eaLnBrk="1" latinLnBrk="0" hangingPunct="1">
+      <a:defRPr sz="1200" kern="1200">
+        <a:solidFill>
+          <a:schemeClr val="tx1"/>
+        </a:solidFill>
+        <a:latin typeface="+mn-lt"/>
+        <a:ea typeface="+mn-ea"/>
+        <a:cs typeface="+mn-cs"/>
+      </a:defRPr>
+    </a:lvl1pPr>
+    <a:lvl2pPr marL="457200" algn="l" defTabSz="914400" rtl="0" eaLnBrk="1" latinLnBrk="0" hangingPunct="1">
+      <a:defRPr sz="1200" kern="1200">
+        <a:solidFill>
+          <a:schemeClr val="tx1"/>
+        </a:solidFill>
+        <a:latin typeface="+mn-lt"/>
+        <a:ea typeface="+mn-ea"/>
+        <a:cs typeface="+mn-cs"/>
+      </a:defRPr>
+    </a:lvl2pPr>
+    <a:lvl3pPr marL="914400" algn="l" defTabSz="914400" rtl="0" eaLnBrk="1" latinLnBrk="0" hangingPunct="1">
+      <a:defRPr sz="1200" kern="1200">
+        <a:solidFill>
+          <a:schemeClr val="tx1"/>
+        </a:solidFill>
+        <a:latin typeface="+mn-lt"/>
+        <a:ea typeface="+mn-ea"/>
+        <a:cs typeface="+mn-cs"/>
+      </a:defRPr>
+    </a:lvl3pPr>
+    <a:lvl4pPr marL="1371600" algn="l" defTabSz="914400" rtl="0" eaLnBrk="1" latinLnBrk="0" hangingPunct="1">
+      <a:defRPr sz="1200" kern="1200">
+        <a:solidFill>
+          <a:schemeClr val="tx1"/>
+        </a:solidFill>
+        <a:latin typeface="+mn-lt"/>
+        <a:ea typeface="+mn-ea"/>
+        <a:cs typeface="+mn-cs"/>
+      </a:defRPr>
+    </a:lvl4pPr>
+    <a:lvl5pPr marL="1828800" algn="l" defTabSz="914400" rtl="0" eaLnBrk="1" latinLnBrk="0" hangingPunct="1">
+      <a:defRPr sz="1200" kern="1200">
+        <a:solidFill>
+          <a:schemeClr val="tx1"/>
+        </a:solidFill>
+        <a:latin typeface="+mn-lt"/>
+        <a:ea typeface="+mn-ea"/>
+        <a:cs typeface="+mn-cs"/>
+      </a:defRPr>
+    </a:lvl5pPr>
+    <a:lvl6pPr marL="2286000" algn="l" defTabSz="914400" rtl="0" eaLnBrk="1" latinLnBrk="0" hangingPunct="1">
+      <a:defRPr sz="1200" kern="1200">
+        <a:solidFill>
+          <a:schemeClr val="tx1"/>
+        </a:solidFill>
+        <a:latin typeface="+mn-lt"/>
+        <a:ea typeface="+mn-ea"/>
+        <a:cs typeface="+mn-cs"/>
+      </a:defRPr>
+    </a:lvl6pPr>
+    <a:lvl7pPr marL="2743200" algn="l" defTabSz="914400" rtl="0" eaLnBrk="1" latinLnBrk="0" hangingPunct="1">
+      <a:defRPr sz="1200" kern="1200">
+        <a:solidFill>
+          <a:schemeClr val="tx1"/>
+        </a:solidFill>
+        <a:latin typeface="+mn-lt"/>
+        <a:ea typeface="+mn-ea"/>
+        <a:cs typeface="+mn-cs"/>
+      </a:defRPr>
+    </a:lvl7pPr>
+    <a:lvl8pPr marL="3200400" algn="l" defTabSz="914400" rtl="0" eaLnBrk="1" latinLnBrk="0" hangingPunct="1">
+      <a:defRPr sz="1200" kern="1200">
+        <a:solidFill>
+          <a:schemeClr val="tx1"/>
+        </a:solidFill>
+        <a:latin typeface="+mn-lt"/>
+        <a:ea typeface="+mn-ea"/>
+        <a:cs typeface="+mn-cs"/>
+      </a:defRPr>
+    </a:lvl8pPr>
+    <a:lvl9pPr marL="3657600" algn="l" defTabSz="914400" rtl="0" eaLnBrk="1" latinLnBrk="0" hangingPunct="1">
+      <a:defRPr sz="1200" kern="1200">
+        <a:solidFill>
+          <a:schemeClr val="tx1"/>
+        </a:solidFill>
+        <a:latin typeface="+mn-lt"/>
+        <a:ea typeface="+mn-ea"/>
+        <a:cs typeface="+mn-cs"/>
+      </a:defRPr>
+    </a:lvl9pPr>
+  </p:notesStyle>
+</p:notesMaster>
+</file>
+
+<file path=ppt/notesSlides/notesSlide1.xml><?xml version="1.0" encoding="utf-8"?>
+<p:notes xmlns:a="http://schemas.openxmlformats.org/drawingml/2006/main" xmlns:r="http://schemas.openxmlformats.org/officeDocument/2006/relationships" xmlns:p="http://schemas.openxmlformats.org/presentationml/2006/main">
+  <p:cSld>
+    <p:spTree>
+      <p:nvGrpSpPr>
+        <p:cNvPr id="1" name=""/>
+        <p:cNvGrpSpPr/>
+        <p:nvPr/>
+      </p:nvGrpSpPr>
+      <p:grpSpPr>
+        <a:xfrm>
+          <a:off x="0" y="0"/>
+          <a:ext cx="0" cy="0"/>
+          <a:chOff x="0" y="0"/>
+          <a:chExt cx="0" cy="0"/>
+        </a:xfrm>
+      </p:grpSpPr>
+      <p:sp>
+        <p:nvSpPr>
+          <p:cNvPr id="2" name="Slide Image Placeholder 1"/>
+          <p:cNvSpPr>
+            <a:spLocks noGrp="1" noRot="1" noChangeAspect="1"/>
+          </p:cNvSpPr>
+          <p:nvPr>
+            <p:ph type="sldImg"/>
+          </p:nvPr>
+        </p:nvSpPr>
+        <p:spPr/>
+      </p:sp>
+      <p:sp>
+        <p:nvSpPr>
+          <p:cNvPr id="3" name="Notes Placeholder 2"/>
+          <p:cNvSpPr>
+            <a:spLocks noGrp="1"/>
+          </p:cNvSpPr>
+          <p:nvPr>
+            <p:ph type="body" idx="1"/>
+          </p:nvPr>
+        </p:nvSpPr>
+        <p:spPr/>
+        <p:txBody>
+          <a:bodyPr/>
+          <a:lstStyle/>
+          <a:p>
+            <a:endParaRPr lang="en-IE" dirty="0"/>
+          </a:p>
+        </p:txBody>
+      </p:sp>
+      <p:sp>
+        <p:nvSpPr>
+          <p:cNvPr id="4" name="Slide Number Placeholder 3"/>
+          <p:cNvSpPr>
+            <a:spLocks noGrp="1"/>
+          </p:cNvSpPr>
+          <p:nvPr>
+            <p:ph type="sldNum" sz="quarter" idx="5"/>
+          </p:nvPr>
+        </p:nvSpPr>
+        <p:spPr/>
+        <p:txBody>
+          <a:bodyPr/>
+          <a:lstStyle/>
+          <a:p>
+            <a:fld id="{79A10C78-43C6-487D-84BD-18E34AB8E670}" type="slidenum">
+              <a:rPr lang="en-IE" smtClean="0"/>
+              <a:t>11</a:t>
+            </a:fld>
+            <a:endParaRPr lang="en-IE"/>
+          </a:p>
+        </p:txBody>
+      </p:sp>
+    </p:spTree>
+    <p:extLst>
+      <p:ext uri="{BB962C8B-B14F-4D97-AF65-F5344CB8AC3E}">
+        <p14:creationId xmlns:p14="http://schemas.microsoft.com/office/powerpoint/2010/main" val="2070633498"/>
+      </p:ext>
+    </p:extLst>
+  </p:cSld>
+  <p:clrMapOvr>
+    <a:masterClrMapping/>
+  </p:clrMapOvr>
+</p:notes>
 </file>
 
 <file path=ppt/slideLayouts/slideLayout1.xml><?xml version="1.0" encoding="utf-8"?>
@@ -295,7 +753,7 @@
           <a:p>
             <a:fld id="{F806B19E-785D-496F-9875-753CF7F81483}" type="datetimeFigureOut">
               <a:rPr lang="en-IE" smtClean="0"/>
-              <a:t>17/04/2024</a:t>
+              <a:t>08/05/2024</a:t>
             </a:fld>
             <a:endParaRPr lang="en-IE"/>
           </a:p>
@@ -495,7 +953,7 @@
           <a:p>
             <a:fld id="{F806B19E-785D-496F-9875-753CF7F81483}" type="datetimeFigureOut">
               <a:rPr lang="en-IE" smtClean="0"/>
-              <a:t>17/04/2024</a:t>
+              <a:t>08/05/2024</a:t>
             </a:fld>
             <a:endParaRPr lang="en-IE"/>
           </a:p>
@@ -705,7 +1163,7 @@
           <a:p>
             <a:fld id="{F806B19E-785D-496F-9875-753CF7F81483}" type="datetimeFigureOut">
               <a:rPr lang="en-IE" smtClean="0"/>
-              <a:t>17/04/2024</a:t>
+              <a:t>08/05/2024</a:t>
             </a:fld>
             <a:endParaRPr lang="en-IE"/>
           </a:p>
@@ -905,7 +1363,7 @@
           <a:p>
             <a:fld id="{F806B19E-785D-496F-9875-753CF7F81483}" type="datetimeFigureOut">
               <a:rPr lang="en-IE" smtClean="0"/>
-              <a:t>17/04/2024</a:t>
+              <a:t>08/05/2024</a:t>
             </a:fld>
             <a:endParaRPr lang="en-IE"/>
           </a:p>
@@ -1181,7 +1639,7 @@
           <a:p>
             <a:fld id="{F806B19E-785D-496F-9875-753CF7F81483}" type="datetimeFigureOut">
               <a:rPr lang="en-IE" smtClean="0"/>
-              <a:t>17/04/2024</a:t>
+              <a:t>08/05/2024</a:t>
             </a:fld>
             <a:endParaRPr lang="en-IE"/>
           </a:p>
@@ -1449,7 +1907,7 @@
           <a:p>
             <a:fld id="{F806B19E-785D-496F-9875-753CF7F81483}" type="datetimeFigureOut">
               <a:rPr lang="en-IE" smtClean="0"/>
-              <a:t>17/04/2024</a:t>
+              <a:t>08/05/2024</a:t>
             </a:fld>
             <a:endParaRPr lang="en-IE"/>
           </a:p>
@@ -1864,7 +2322,7 @@
           <a:p>
             <a:fld id="{F806B19E-785D-496F-9875-753CF7F81483}" type="datetimeFigureOut">
               <a:rPr lang="en-IE" smtClean="0"/>
-              <a:t>17/04/2024</a:t>
+              <a:t>08/05/2024</a:t>
             </a:fld>
             <a:endParaRPr lang="en-IE"/>
           </a:p>
@@ -2006,7 +2464,7 @@
           <a:p>
             <a:fld id="{F806B19E-785D-496F-9875-753CF7F81483}" type="datetimeFigureOut">
               <a:rPr lang="en-IE" smtClean="0"/>
-              <a:t>17/04/2024</a:t>
+              <a:t>08/05/2024</a:t>
             </a:fld>
             <a:endParaRPr lang="en-IE"/>
           </a:p>
@@ -2119,7 +2577,7 @@
           <a:p>
             <a:fld id="{F806B19E-785D-496F-9875-753CF7F81483}" type="datetimeFigureOut">
               <a:rPr lang="en-IE" smtClean="0"/>
-              <a:t>17/04/2024</a:t>
+              <a:t>08/05/2024</a:t>
             </a:fld>
             <a:endParaRPr lang="en-IE"/>
           </a:p>
@@ -2432,7 +2890,7 @@
           <a:p>
             <a:fld id="{F806B19E-785D-496F-9875-753CF7F81483}" type="datetimeFigureOut">
               <a:rPr lang="en-IE" smtClean="0"/>
-              <a:t>17/04/2024</a:t>
+              <a:t>08/05/2024</a:t>
             </a:fld>
             <a:endParaRPr lang="en-IE"/>
           </a:p>
@@ -2721,7 +3179,7 @@
           <a:p>
             <a:fld id="{F806B19E-785D-496F-9875-753CF7F81483}" type="datetimeFigureOut">
               <a:rPr lang="en-IE" smtClean="0"/>
-              <a:t>17/04/2024</a:t>
+              <a:t>08/05/2024</a:t>
             </a:fld>
             <a:endParaRPr lang="en-IE"/>
           </a:p>
@@ -2964,7 +3422,7 @@
           <a:p>
             <a:fld id="{F806B19E-785D-496F-9875-753CF7F81483}" type="datetimeFigureOut">
               <a:rPr lang="en-IE" smtClean="0"/>
-              <a:t>17/04/2024</a:t>
+              <a:t>08/05/2024</a:t>
             </a:fld>
             <a:endParaRPr lang="en-IE"/>
           </a:p>
@@ -5196,6 +5654,3610 @@
 </p:sld>
 </file>
 
+<file path=ppt/slides/slide10.xml><?xml version="1.0" encoding="utf-8"?>
+<p:sld xmlns:a="http://schemas.openxmlformats.org/drawingml/2006/main" xmlns:r="http://schemas.openxmlformats.org/officeDocument/2006/relationships" xmlns:p="http://schemas.openxmlformats.org/presentationml/2006/main">
+  <p:cSld>
+    <p:spTree>
+      <p:nvGrpSpPr>
+        <p:cNvPr id="1" name=""/>
+        <p:cNvGrpSpPr/>
+        <p:nvPr/>
+      </p:nvGrpSpPr>
+      <p:grpSpPr>
+        <a:xfrm>
+          <a:off x="0" y="0"/>
+          <a:ext cx="0" cy="0"/>
+          <a:chOff x="0" y="0"/>
+          <a:chExt cx="0" cy="0"/>
+        </a:xfrm>
+      </p:grpSpPr>
+      <p:pic>
+        <p:nvPicPr>
+          <p:cNvPr id="3" name="Picture 2">
+            <a:extLst>
+              <a:ext uri="{FF2B5EF4-FFF2-40B4-BE49-F238E27FC236}">
+                <a16:creationId xmlns:a16="http://schemas.microsoft.com/office/drawing/2014/main" id="{FF2DF34A-78F4-3F6A-C09E-AEA74CF67273}"/>
+              </a:ext>
+            </a:extLst>
+          </p:cNvPr>
+          <p:cNvPicPr>
+            <a:picLocks noChangeAspect="1"/>
+          </p:cNvPicPr>
+          <p:nvPr/>
+        </p:nvPicPr>
+        <p:blipFill rotWithShape="1">
+          <a:blip r:embed="rId2"/>
+          <a:srcRect l="22679" t="19556" r="1276" b="17747"/>
+          <a:stretch/>
+        </p:blipFill>
+        <p:spPr>
+          <a:xfrm>
+            <a:off x="0" y="553741"/>
+            <a:ext cx="12192000" cy="5460551"/>
+          </a:xfrm>
+          <a:prstGeom prst="rect">
+            <a:avLst/>
+          </a:prstGeom>
+        </p:spPr>
+      </p:pic>
+      <p:sp>
+        <p:nvSpPr>
+          <p:cNvPr id="12" name="Rectangle 11">
+            <a:extLst>
+              <a:ext uri="{FF2B5EF4-FFF2-40B4-BE49-F238E27FC236}">
+                <a16:creationId xmlns:a16="http://schemas.microsoft.com/office/drawing/2014/main" id="{BCE62BD9-1419-A5E2-C832-B4BFDF27BD07}"/>
+              </a:ext>
+            </a:extLst>
+          </p:cNvPr>
+          <p:cNvSpPr/>
+          <p:nvPr/>
+        </p:nvSpPr>
+        <p:spPr>
+          <a:xfrm>
+            <a:off x="10932276" y="794592"/>
+            <a:ext cx="1213071" cy="419878"/>
+          </a:xfrm>
+          <a:prstGeom prst="rect">
+            <a:avLst/>
+          </a:prstGeom>
+          <a:noFill/>
+          <a:ln w="38100" cap="flat" cmpd="sng" algn="ctr">
+            <a:solidFill>
+              <a:srgbClr val="FFC000"/>
+            </a:solidFill>
+            <a:prstDash val="solid"/>
+            <a:round/>
+            <a:headEnd type="none" w="med" len="med"/>
+            <a:tailEnd type="none" w="med" len="med"/>
+          </a:ln>
+        </p:spPr>
+        <p:style>
+          <a:lnRef idx="0">
+            <a:scrgbClr r="0" g="0" b="0"/>
+          </a:lnRef>
+          <a:fillRef idx="0">
+            <a:scrgbClr r="0" g="0" b="0"/>
+          </a:fillRef>
+          <a:effectRef idx="0">
+            <a:scrgbClr r="0" g="0" b="0"/>
+          </a:effectRef>
+          <a:fontRef idx="minor">
+            <a:schemeClr val="accent2"/>
+          </a:fontRef>
+        </p:style>
+        <p:txBody>
+          <a:bodyPr rtlCol="0" anchor="ctr"/>
+          <a:lstStyle/>
+          <a:p>
+            <a:pPr algn="ctr"/>
+            <a:endParaRPr lang="en-IE"/>
+          </a:p>
+        </p:txBody>
+      </p:sp>
+      <p:sp>
+        <p:nvSpPr>
+          <p:cNvPr id="13" name="TextBox 12">
+            <a:extLst>
+              <a:ext uri="{FF2B5EF4-FFF2-40B4-BE49-F238E27FC236}">
+                <a16:creationId xmlns:a16="http://schemas.microsoft.com/office/drawing/2014/main" id="{4D8C64A0-2744-0F00-20F4-A063602C3708}"/>
+              </a:ext>
+            </a:extLst>
+          </p:cNvPr>
+          <p:cNvSpPr txBox="1"/>
+          <p:nvPr/>
+        </p:nvSpPr>
+        <p:spPr>
+          <a:xfrm>
+            <a:off x="10932276" y="553740"/>
+            <a:ext cx="1213071" cy="276999"/>
+          </a:xfrm>
+          <a:prstGeom prst="rect">
+            <a:avLst/>
+          </a:prstGeom>
+          <a:ln w="38100">
+            <a:solidFill>
+              <a:srgbClr val="FFC000"/>
+            </a:solidFill>
+          </a:ln>
+        </p:spPr>
+        <p:style>
+          <a:lnRef idx="2">
+            <a:schemeClr val="accent2"/>
+          </a:lnRef>
+          <a:fillRef idx="1">
+            <a:schemeClr val="lt1"/>
+          </a:fillRef>
+          <a:effectRef idx="0">
+            <a:schemeClr val="accent2"/>
+          </a:effectRef>
+          <a:fontRef idx="minor">
+            <a:schemeClr val="dk1"/>
+          </a:fontRef>
+        </p:style>
+        <p:txBody>
+          <a:bodyPr wrap="square" rtlCol="0">
+            <a:spAutoFit/>
+          </a:bodyPr>
+          <a:lstStyle/>
+          <a:p>
+            <a:pPr algn="ctr"/>
+            <a:r>
+              <a:rPr lang="en-IE" sz="1200" b="1" dirty="0"/>
+              <a:t>External Ports</a:t>
+            </a:r>
+          </a:p>
+        </p:txBody>
+      </p:sp>
+      <p:sp>
+        <p:nvSpPr>
+          <p:cNvPr id="15" name="Rectangle 14">
+            <a:extLst>
+              <a:ext uri="{FF2B5EF4-FFF2-40B4-BE49-F238E27FC236}">
+                <a16:creationId xmlns:a16="http://schemas.microsoft.com/office/drawing/2014/main" id="{35F713CF-7ED5-6883-FDDA-580CACA1877F}"/>
+              </a:ext>
+            </a:extLst>
+          </p:cNvPr>
+          <p:cNvSpPr/>
+          <p:nvPr/>
+        </p:nvSpPr>
+        <p:spPr>
+          <a:xfrm>
+            <a:off x="480524" y="4925711"/>
+            <a:ext cx="1726163" cy="843516"/>
+          </a:xfrm>
+          <a:prstGeom prst="rect">
+            <a:avLst/>
+          </a:prstGeom>
+          <a:noFill/>
+          <a:ln w="38100" cap="flat" cmpd="sng" algn="ctr">
+            <a:solidFill>
+              <a:srgbClr val="00B050"/>
+            </a:solidFill>
+            <a:prstDash val="solid"/>
+            <a:round/>
+            <a:headEnd type="none" w="med" len="med"/>
+            <a:tailEnd type="none" w="med" len="med"/>
+          </a:ln>
+        </p:spPr>
+        <p:style>
+          <a:lnRef idx="0">
+            <a:scrgbClr r="0" g="0" b="0"/>
+          </a:lnRef>
+          <a:fillRef idx="0">
+            <a:scrgbClr r="0" g="0" b="0"/>
+          </a:fillRef>
+          <a:effectRef idx="0">
+            <a:scrgbClr r="0" g="0" b="0"/>
+          </a:effectRef>
+          <a:fontRef idx="minor">
+            <a:schemeClr val="accent2"/>
+          </a:fontRef>
+        </p:style>
+        <p:txBody>
+          <a:bodyPr rtlCol="0" anchor="ctr"/>
+          <a:lstStyle/>
+          <a:p>
+            <a:pPr algn="ctr"/>
+            <a:endParaRPr lang="en-IE"/>
+          </a:p>
+        </p:txBody>
+      </p:sp>
+      <p:sp>
+        <p:nvSpPr>
+          <p:cNvPr id="17" name="Rectangle 16">
+            <a:extLst>
+              <a:ext uri="{FF2B5EF4-FFF2-40B4-BE49-F238E27FC236}">
+                <a16:creationId xmlns:a16="http://schemas.microsoft.com/office/drawing/2014/main" id="{25084C04-4FDF-CB61-55F8-72DACE7AF4D5}"/>
+              </a:ext>
+            </a:extLst>
+          </p:cNvPr>
+          <p:cNvSpPr/>
+          <p:nvPr/>
+        </p:nvSpPr>
+        <p:spPr>
+          <a:xfrm>
+            <a:off x="438538" y="3873756"/>
+            <a:ext cx="1810139" cy="974009"/>
+          </a:xfrm>
+          <a:prstGeom prst="rect">
+            <a:avLst/>
+          </a:prstGeom>
+          <a:noFill/>
+          <a:ln w="38100" cap="flat" cmpd="sng" algn="ctr">
+            <a:solidFill>
+              <a:schemeClr val="accent2"/>
+            </a:solidFill>
+            <a:prstDash val="solid"/>
+            <a:round/>
+            <a:headEnd type="none" w="med" len="med"/>
+            <a:tailEnd type="none" w="med" len="med"/>
+          </a:ln>
+        </p:spPr>
+        <p:style>
+          <a:lnRef idx="0">
+            <a:scrgbClr r="0" g="0" b="0"/>
+          </a:lnRef>
+          <a:fillRef idx="0">
+            <a:scrgbClr r="0" g="0" b="0"/>
+          </a:fillRef>
+          <a:effectRef idx="0">
+            <a:scrgbClr r="0" g="0" b="0"/>
+          </a:effectRef>
+          <a:fontRef idx="minor">
+            <a:schemeClr val="accent2"/>
+          </a:fontRef>
+        </p:style>
+        <p:txBody>
+          <a:bodyPr rtlCol="0" anchor="ctr"/>
+          <a:lstStyle/>
+          <a:p>
+            <a:pPr algn="ctr"/>
+            <a:endParaRPr lang="en-IE"/>
+          </a:p>
+        </p:txBody>
+      </p:sp>
+      <p:sp>
+        <p:nvSpPr>
+          <p:cNvPr id="18" name="TextBox 17">
+            <a:extLst>
+              <a:ext uri="{FF2B5EF4-FFF2-40B4-BE49-F238E27FC236}">
+                <a16:creationId xmlns:a16="http://schemas.microsoft.com/office/drawing/2014/main" id="{EB3C8F57-89A7-4829-C49A-11032E2F9EDB}"/>
+              </a:ext>
+            </a:extLst>
+          </p:cNvPr>
+          <p:cNvSpPr txBox="1"/>
+          <p:nvPr/>
+        </p:nvSpPr>
+        <p:spPr>
+          <a:xfrm>
+            <a:off x="737071" y="3730496"/>
+            <a:ext cx="1213071" cy="276999"/>
+          </a:xfrm>
+          <a:prstGeom prst="rect">
+            <a:avLst/>
+          </a:prstGeom>
+          <a:ln w="38100"/>
+        </p:spPr>
+        <p:style>
+          <a:lnRef idx="2">
+            <a:schemeClr val="accent2"/>
+          </a:lnRef>
+          <a:fillRef idx="1">
+            <a:schemeClr val="lt1"/>
+          </a:fillRef>
+          <a:effectRef idx="0">
+            <a:schemeClr val="accent2"/>
+          </a:effectRef>
+          <a:fontRef idx="minor">
+            <a:schemeClr val="dk1"/>
+          </a:fontRef>
+        </p:style>
+        <p:txBody>
+          <a:bodyPr wrap="square" rtlCol="0">
+            <a:spAutoFit/>
+          </a:bodyPr>
+          <a:lstStyle/>
+          <a:p>
+            <a:pPr algn="ctr"/>
+            <a:r>
+              <a:rPr lang="en-IE" sz="1200" b="1" dirty="0"/>
+              <a:t>RISC-V ALU</a:t>
+            </a:r>
+          </a:p>
+        </p:txBody>
+      </p:sp>
+      <p:sp>
+        <p:nvSpPr>
+          <p:cNvPr id="19" name="Rectangle 18">
+            <a:extLst>
+              <a:ext uri="{FF2B5EF4-FFF2-40B4-BE49-F238E27FC236}">
+                <a16:creationId xmlns:a16="http://schemas.microsoft.com/office/drawing/2014/main" id="{688909E0-0921-9179-B32D-8235BB61786F}"/>
+              </a:ext>
+            </a:extLst>
+          </p:cNvPr>
+          <p:cNvSpPr/>
+          <p:nvPr/>
+        </p:nvSpPr>
+        <p:spPr>
+          <a:xfrm>
+            <a:off x="2582894" y="3079102"/>
+            <a:ext cx="1899185" cy="2432180"/>
+          </a:xfrm>
+          <a:prstGeom prst="rect">
+            <a:avLst/>
+          </a:prstGeom>
+          <a:noFill/>
+          <a:ln w="38100" cap="flat" cmpd="sng" algn="ctr">
+            <a:solidFill>
+              <a:srgbClr val="00B050"/>
+            </a:solidFill>
+            <a:prstDash val="solid"/>
+            <a:round/>
+            <a:headEnd type="none" w="med" len="med"/>
+            <a:tailEnd type="none" w="med" len="med"/>
+          </a:ln>
+        </p:spPr>
+        <p:style>
+          <a:lnRef idx="0">
+            <a:scrgbClr r="0" g="0" b="0"/>
+          </a:lnRef>
+          <a:fillRef idx="0">
+            <a:scrgbClr r="0" g="0" b="0"/>
+          </a:fillRef>
+          <a:effectRef idx="0">
+            <a:scrgbClr r="0" g="0" b="0"/>
+          </a:effectRef>
+          <a:fontRef idx="minor">
+            <a:schemeClr val="accent2"/>
+          </a:fontRef>
+        </p:style>
+        <p:txBody>
+          <a:bodyPr rtlCol="0" anchor="ctr"/>
+          <a:lstStyle/>
+          <a:p>
+            <a:pPr algn="ctr"/>
+            <a:endParaRPr lang="en-IE"/>
+          </a:p>
+        </p:txBody>
+      </p:sp>
+      <p:sp>
+        <p:nvSpPr>
+          <p:cNvPr id="20" name="TextBox 19">
+            <a:extLst>
+              <a:ext uri="{FF2B5EF4-FFF2-40B4-BE49-F238E27FC236}">
+                <a16:creationId xmlns:a16="http://schemas.microsoft.com/office/drawing/2014/main" id="{83004E82-6E38-C812-8D3C-BEA642ED0B8E}"/>
+              </a:ext>
+            </a:extLst>
+          </p:cNvPr>
+          <p:cNvSpPr txBox="1"/>
+          <p:nvPr/>
+        </p:nvSpPr>
+        <p:spPr>
+          <a:xfrm>
+            <a:off x="2925950" y="2576092"/>
+            <a:ext cx="1213071" cy="461665"/>
+          </a:xfrm>
+          <a:prstGeom prst="rect">
+            <a:avLst/>
+          </a:prstGeom>
+          <a:ln w="38100">
+            <a:solidFill>
+              <a:srgbClr val="00B050"/>
+            </a:solidFill>
+          </a:ln>
+        </p:spPr>
+        <p:style>
+          <a:lnRef idx="2">
+            <a:schemeClr val="accent2"/>
+          </a:lnRef>
+          <a:fillRef idx="1">
+            <a:schemeClr val="lt1"/>
+          </a:fillRef>
+          <a:effectRef idx="0">
+            <a:schemeClr val="accent2"/>
+          </a:effectRef>
+          <a:fontRef idx="minor">
+            <a:schemeClr val="dk1"/>
+          </a:fontRef>
+        </p:style>
+        <p:txBody>
+          <a:bodyPr wrap="square" rtlCol="0">
+            <a:spAutoFit/>
+          </a:bodyPr>
+          <a:lstStyle/>
+          <a:p>
+            <a:pPr algn="ctr"/>
+            <a:r>
+              <a:rPr lang="en-IE" sz="1200" b="1" dirty="0"/>
+              <a:t>AXI GPIO </a:t>
+            </a:r>
+          </a:p>
+          <a:p>
+            <a:pPr algn="ctr"/>
+            <a:r>
+              <a:rPr lang="en-IE" sz="1200" b="1" dirty="0"/>
+              <a:t>IP Blocks</a:t>
+            </a:r>
+          </a:p>
+        </p:txBody>
+      </p:sp>
+      <p:sp>
+        <p:nvSpPr>
+          <p:cNvPr id="21" name="TextBox 20">
+            <a:extLst>
+              <a:ext uri="{FF2B5EF4-FFF2-40B4-BE49-F238E27FC236}">
+                <a16:creationId xmlns:a16="http://schemas.microsoft.com/office/drawing/2014/main" id="{09A6FB18-69AB-9A59-F522-607E688A6213}"/>
+              </a:ext>
+            </a:extLst>
+          </p:cNvPr>
+          <p:cNvSpPr txBox="1"/>
+          <p:nvPr/>
+        </p:nvSpPr>
+        <p:spPr>
+          <a:xfrm>
+            <a:off x="6178548" y="5795111"/>
+            <a:ext cx="1119902" cy="461665"/>
+          </a:xfrm>
+          <a:prstGeom prst="rect">
+            <a:avLst/>
+          </a:prstGeom>
+          <a:ln w="38100">
+            <a:solidFill>
+              <a:srgbClr val="FF0000"/>
+            </a:solidFill>
+          </a:ln>
+        </p:spPr>
+        <p:style>
+          <a:lnRef idx="2">
+            <a:schemeClr val="accent2"/>
+          </a:lnRef>
+          <a:fillRef idx="1">
+            <a:schemeClr val="lt1"/>
+          </a:fillRef>
+          <a:effectRef idx="0">
+            <a:schemeClr val="accent2"/>
+          </a:effectRef>
+          <a:fontRef idx="minor">
+            <a:schemeClr val="dk1"/>
+          </a:fontRef>
+        </p:style>
+        <p:txBody>
+          <a:bodyPr wrap="square" rtlCol="0">
+            <a:spAutoFit/>
+          </a:bodyPr>
+          <a:lstStyle/>
+          <a:p>
+            <a:pPr algn="ctr"/>
+            <a:r>
+              <a:rPr lang="en-IE" sz="1200" b="1" dirty="0"/>
+              <a:t>AXI Interconnect</a:t>
+            </a:r>
+          </a:p>
+        </p:txBody>
+      </p:sp>
+      <p:sp>
+        <p:nvSpPr>
+          <p:cNvPr id="22" name="TextBox 21">
+            <a:extLst>
+              <a:ext uri="{FF2B5EF4-FFF2-40B4-BE49-F238E27FC236}">
+                <a16:creationId xmlns:a16="http://schemas.microsoft.com/office/drawing/2014/main" id="{DF4F15FA-87A8-0B4B-E14A-E6A13D8BDD0F}"/>
+              </a:ext>
+            </a:extLst>
+          </p:cNvPr>
+          <p:cNvSpPr txBox="1"/>
+          <p:nvPr/>
+        </p:nvSpPr>
+        <p:spPr>
+          <a:xfrm>
+            <a:off x="6178548" y="1774976"/>
+            <a:ext cx="1119902" cy="646331"/>
+          </a:xfrm>
+          <a:prstGeom prst="rect">
+            <a:avLst/>
+          </a:prstGeom>
+          <a:ln w="38100">
+            <a:solidFill>
+              <a:srgbClr val="FF0000"/>
+            </a:solidFill>
+          </a:ln>
+        </p:spPr>
+        <p:style>
+          <a:lnRef idx="2">
+            <a:schemeClr val="accent2"/>
+          </a:lnRef>
+          <a:fillRef idx="1">
+            <a:schemeClr val="lt1"/>
+          </a:fillRef>
+          <a:effectRef idx="0">
+            <a:schemeClr val="accent2"/>
+          </a:effectRef>
+          <a:fontRef idx="minor">
+            <a:schemeClr val="dk1"/>
+          </a:fontRef>
+        </p:style>
+        <p:txBody>
+          <a:bodyPr wrap="square" rtlCol="0">
+            <a:spAutoFit/>
+          </a:bodyPr>
+          <a:lstStyle/>
+          <a:p>
+            <a:pPr algn="ctr"/>
+            <a:r>
+              <a:rPr lang="en-IE" sz="1200" b="1" dirty="0"/>
+              <a:t>ZYNQ Processing System</a:t>
+            </a:r>
+          </a:p>
+        </p:txBody>
+      </p:sp>
+      <p:sp>
+        <p:nvSpPr>
+          <p:cNvPr id="23" name="TextBox 22">
+            <a:extLst>
+              <a:ext uri="{FF2B5EF4-FFF2-40B4-BE49-F238E27FC236}">
+                <a16:creationId xmlns:a16="http://schemas.microsoft.com/office/drawing/2014/main" id="{F6593426-C4DA-CDD9-BA5C-8A93BC509ED5}"/>
+              </a:ext>
+            </a:extLst>
+          </p:cNvPr>
+          <p:cNvSpPr txBox="1"/>
+          <p:nvPr/>
+        </p:nvSpPr>
+        <p:spPr>
+          <a:xfrm>
+            <a:off x="9054890" y="3356091"/>
+            <a:ext cx="1119902" cy="646331"/>
+          </a:xfrm>
+          <a:prstGeom prst="rect">
+            <a:avLst/>
+          </a:prstGeom>
+          <a:ln w="38100">
+            <a:solidFill>
+              <a:srgbClr val="FF0000"/>
+            </a:solidFill>
+          </a:ln>
+        </p:spPr>
+        <p:style>
+          <a:lnRef idx="2">
+            <a:schemeClr val="accent2"/>
+          </a:lnRef>
+          <a:fillRef idx="1">
+            <a:schemeClr val="lt1"/>
+          </a:fillRef>
+          <a:effectRef idx="0">
+            <a:schemeClr val="accent2"/>
+          </a:effectRef>
+          <a:fontRef idx="minor">
+            <a:schemeClr val="dk1"/>
+          </a:fontRef>
+        </p:style>
+        <p:txBody>
+          <a:bodyPr wrap="square" rtlCol="0">
+            <a:spAutoFit/>
+          </a:bodyPr>
+          <a:lstStyle/>
+          <a:p>
+            <a:pPr algn="ctr"/>
+            <a:r>
+              <a:rPr lang="en-IE" sz="1200" b="1" dirty="0"/>
+              <a:t>Processor System Reset</a:t>
+            </a:r>
+          </a:p>
+        </p:txBody>
+      </p:sp>
+      <p:sp>
+        <p:nvSpPr>
+          <p:cNvPr id="24" name="Rectangle 23">
+            <a:extLst>
+              <a:ext uri="{FF2B5EF4-FFF2-40B4-BE49-F238E27FC236}">
+                <a16:creationId xmlns:a16="http://schemas.microsoft.com/office/drawing/2014/main" id="{37690357-8391-9ADB-91CE-588B1FE2A86A}"/>
+              </a:ext>
+            </a:extLst>
+          </p:cNvPr>
+          <p:cNvSpPr/>
+          <p:nvPr/>
+        </p:nvSpPr>
+        <p:spPr>
+          <a:xfrm>
+            <a:off x="5915883" y="2802293"/>
+            <a:ext cx="1651518" cy="2982685"/>
+          </a:xfrm>
+          <a:prstGeom prst="rect">
+            <a:avLst/>
+          </a:prstGeom>
+          <a:noFill/>
+          <a:ln w="38100" cap="flat" cmpd="sng" algn="ctr">
+            <a:solidFill>
+              <a:srgbClr val="FF0000"/>
+            </a:solidFill>
+            <a:prstDash val="solid"/>
+            <a:round/>
+            <a:headEnd type="none" w="med" len="med"/>
+            <a:tailEnd type="none" w="med" len="med"/>
+          </a:ln>
+        </p:spPr>
+        <p:style>
+          <a:lnRef idx="0">
+            <a:scrgbClr r="0" g="0" b="0"/>
+          </a:lnRef>
+          <a:fillRef idx="0">
+            <a:scrgbClr r="0" g="0" b="0"/>
+          </a:fillRef>
+          <a:effectRef idx="0">
+            <a:scrgbClr r="0" g="0" b="0"/>
+          </a:effectRef>
+          <a:fontRef idx="minor">
+            <a:schemeClr val="accent2"/>
+          </a:fontRef>
+        </p:style>
+        <p:txBody>
+          <a:bodyPr rtlCol="0" anchor="ctr"/>
+          <a:lstStyle/>
+          <a:p>
+            <a:pPr algn="ctr"/>
+            <a:endParaRPr lang="en-IE"/>
+          </a:p>
+        </p:txBody>
+      </p:sp>
+      <p:sp>
+        <p:nvSpPr>
+          <p:cNvPr id="25" name="Rectangle 24">
+            <a:extLst>
+              <a:ext uri="{FF2B5EF4-FFF2-40B4-BE49-F238E27FC236}">
+                <a16:creationId xmlns:a16="http://schemas.microsoft.com/office/drawing/2014/main" id="{234DA96F-10C6-F94A-E21B-37198E1964BA}"/>
+              </a:ext>
+            </a:extLst>
+          </p:cNvPr>
+          <p:cNvSpPr/>
+          <p:nvPr/>
+        </p:nvSpPr>
+        <p:spPr>
+          <a:xfrm>
+            <a:off x="8471486" y="2098142"/>
+            <a:ext cx="2286710" cy="1257949"/>
+          </a:xfrm>
+          <a:prstGeom prst="rect">
+            <a:avLst/>
+          </a:prstGeom>
+          <a:noFill/>
+          <a:ln w="38100" cap="flat" cmpd="sng" algn="ctr">
+            <a:solidFill>
+              <a:srgbClr val="FF0000"/>
+            </a:solidFill>
+            <a:prstDash val="solid"/>
+            <a:round/>
+            <a:headEnd type="none" w="med" len="med"/>
+            <a:tailEnd type="none" w="med" len="med"/>
+          </a:ln>
+        </p:spPr>
+        <p:style>
+          <a:lnRef idx="0">
+            <a:scrgbClr r="0" g="0" b="0"/>
+          </a:lnRef>
+          <a:fillRef idx="0">
+            <a:scrgbClr r="0" g="0" b="0"/>
+          </a:fillRef>
+          <a:effectRef idx="0">
+            <a:scrgbClr r="0" g="0" b="0"/>
+          </a:effectRef>
+          <a:fontRef idx="minor">
+            <a:schemeClr val="accent2"/>
+          </a:fontRef>
+        </p:style>
+        <p:txBody>
+          <a:bodyPr rtlCol="0" anchor="ctr"/>
+          <a:lstStyle/>
+          <a:p>
+            <a:pPr algn="ctr"/>
+            <a:endParaRPr lang="en-IE"/>
+          </a:p>
+        </p:txBody>
+      </p:sp>
+      <p:sp>
+        <p:nvSpPr>
+          <p:cNvPr id="26" name="Rectangle 25">
+            <a:extLst>
+              <a:ext uri="{FF2B5EF4-FFF2-40B4-BE49-F238E27FC236}">
+                <a16:creationId xmlns:a16="http://schemas.microsoft.com/office/drawing/2014/main" id="{B7881B00-840C-D4E6-1B6D-957EBDA61208}"/>
+              </a:ext>
+            </a:extLst>
+          </p:cNvPr>
+          <p:cNvSpPr/>
+          <p:nvPr/>
+        </p:nvSpPr>
+        <p:spPr>
+          <a:xfrm>
+            <a:off x="5437484" y="1456365"/>
+            <a:ext cx="2764123" cy="1334276"/>
+          </a:xfrm>
+          <a:prstGeom prst="rect">
+            <a:avLst/>
+          </a:prstGeom>
+          <a:noFill/>
+          <a:ln w="38100" cap="flat" cmpd="sng" algn="ctr">
+            <a:solidFill>
+              <a:srgbClr val="FF0000"/>
+            </a:solidFill>
+            <a:prstDash val="solid"/>
+            <a:round/>
+            <a:headEnd type="none" w="med" len="med"/>
+            <a:tailEnd type="none" w="med" len="med"/>
+          </a:ln>
+        </p:spPr>
+        <p:style>
+          <a:lnRef idx="0">
+            <a:scrgbClr r="0" g="0" b="0"/>
+          </a:lnRef>
+          <a:fillRef idx="0">
+            <a:scrgbClr r="0" g="0" b="0"/>
+          </a:fillRef>
+          <a:effectRef idx="0">
+            <a:scrgbClr r="0" g="0" b="0"/>
+          </a:effectRef>
+          <a:fontRef idx="minor">
+            <a:schemeClr val="accent2"/>
+          </a:fontRef>
+        </p:style>
+        <p:txBody>
+          <a:bodyPr rtlCol="0" anchor="ctr"/>
+          <a:lstStyle/>
+          <a:p>
+            <a:pPr algn="ctr"/>
+            <a:endParaRPr lang="en-IE"/>
+          </a:p>
+        </p:txBody>
+      </p:sp>
+      <p:sp>
+        <p:nvSpPr>
+          <p:cNvPr id="4" name="Rectangle 3">
+            <a:extLst>
+              <a:ext uri="{FF2B5EF4-FFF2-40B4-BE49-F238E27FC236}">
+                <a16:creationId xmlns:a16="http://schemas.microsoft.com/office/drawing/2014/main" id="{F3E0F994-15EB-BDA2-89EF-AC09423FF241}"/>
+              </a:ext>
+            </a:extLst>
+          </p:cNvPr>
+          <p:cNvSpPr/>
+          <p:nvPr/>
+        </p:nvSpPr>
+        <p:spPr>
+          <a:xfrm>
+            <a:off x="438538" y="2730324"/>
+            <a:ext cx="1726163" cy="744292"/>
+          </a:xfrm>
+          <a:prstGeom prst="rect">
+            <a:avLst/>
+          </a:prstGeom>
+          <a:noFill/>
+          <a:ln w="38100" cap="flat" cmpd="sng" algn="ctr">
+            <a:solidFill>
+              <a:srgbClr val="00B050"/>
+            </a:solidFill>
+            <a:prstDash val="solid"/>
+            <a:round/>
+            <a:headEnd type="none" w="med" len="med"/>
+            <a:tailEnd type="none" w="med" len="med"/>
+          </a:ln>
+        </p:spPr>
+        <p:style>
+          <a:lnRef idx="0">
+            <a:scrgbClr r="0" g="0" b="0"/>
+          </a:lnRef>
+          <a:fillRef idx="0">
+            <a:scrgbClr r="0" g="0" b="0"/>
+          </a:fillRef>
+          <a:effectRef idx="0">
+            <a:scrgbClr r="0" g="0" b="0"/>
+          </a:effectRef>
+          <a:fontRef idx="minor">
+            <a:schemeClr val="accent2"/>
+          </a:fontRef>
+        </p:style>
+        <p:txBody>
+          <a:bodyPr rtlCol="0" anchor="ctr"/>
+          <a:lstStyle/>
+          <a:p>
+            <a:pPr algn="ctr"/>
+            <a:endParaRPr lang="en-IE"/>
+          </a:p>
+        </p:txBody>
+      </p:sp>
+      <p:sp>
+        <p:nvSpPr>
+          <p:cNvPr id="7" name="Rectangle 6">
+            <a:extLst>
+              <a:ext uri="{FF2B5EF4-FFF2-40B4-BE49-F238E27FC236}">
+                <a16:creationId xmlns:a16="http://schemas.microsoft.com/office/drawing/2014/main" id="{297247A4-E64A-7E2F-D5B9-5CA887236EDF}"/>
+              </a:ext>
+            </a:extLst>
+          </p:cNvPr>
+          <p:cNvSpPr/>
+          <p:nvPr/>
+        </p:nvSpPr>
+        <p:spPr>
+          <a:xfrm>
+            <a:off x="5741436" y="478920"/>
+            <a:ext cx="1946988" cy="926722"/>
+          </a:xfrm>
+          <a:prstGeom prst="rect">
+            <a:avLst/>
+          </a:prstGeom>
+          <a:noFill/>
+          <a:ln w="38100" cap="flat" cmpd="sng" algn="ctr">
+            <a:solidFill>
+              <a:srgbClr val="00B050"/>
+            </a:solidFill>
+            <a:prstDash val="solid"/>
+            <a:round/>
+            <a:headEnd type="none" w="med" len="med"/>
+            <a:tailEnd type="none" w="med" len="med"/>
+          </a:ln>
+        </p:spPr>
+        <p:style>
+          <a:lnRef idx="0">
+            <a:scrgbClr r="0" g="0" b="0"/>
+          </a:lnRef>
+          <a:fillRef idx="0">
+            <a:scrgbClr r="0" g="0" b="0"/>
+          </a:fillRef>
+          <a:effectRef idx="0">
+            <a:scrgbClr r="0" g="0" b="0"/>
+          </a:effectRef>
+          <a:fontRef idx="minor">
+            <a:schemeClr val="accent2"/>
+          </a:fontRef>
+        </p:style>
+        <p:txBody>
+          <a:bodyPr rtlCol="0" anchor="ctr"/>
+          <a:lstStyle/>
+          <a:p>
+            <a:pPr algn="ctr"/>
+            <a:endParaRPr lang="en-IE"/>
+          </a:p>
+        </p:txBody>
+      </p:sp>
+    </p:spTree>
+    <p:extLst>
+      <p:ext uri="{BB962C8B-B14F-4D97-AF65-F5344CB8AC3E}">
+        <p14:creationId xmlns:p14="http://schemas.microsoft.com/office/powerpoint/2010/main" val="2208455248"/>
+      </p:ext>
+    </p:extLst>
+  </p:cSld>
+  <p:clrMapOvr>
+    <a:masterClrMapping/>
+  </p:clrMapOvr>
+</p:sld>
+</file>
+
+<file path=ppt/slides/slide11.xml><?xml version="1.0" encoding="utf-8"?>
+<p:sld xmlns:a="http://schemas.openxmlformats.org/drawingml/2006/main" xmlns:r="http://schemas.openxmlformats.org/officeDocument/2006/relationships" xmlns:p="http://schemas.openxmlformats.org/presentationml/2006/main">
+  <p:cSld>
+    <p:spTree>
+      <p:nvGrpSpPr>
+        <p:cNvPr id="1" name=""/>
+        <p:cNvGrpSpPr/>
+        <p:nvPr/>
+      </p:nvGrpSpPr>
+      <p:grpSpPr>
+        <a:xfrm>
+          <a:off x="0" y="0"/>
+          <a:ext cx="0" cy="0"/>
+          <a:chOff x="0" y="0"/>
+          <a:chExt cx="0" cy="0"/>
+        </a:xfrm>
+      </p:grpSpPr>
+      <p:pic>
+        <p:nvPicPr>
+          <p:cNvPr id="3" name="Picture 2">
+            <a:extLst>
+              <a:ext uri="{FF2B5EF4-FFF2-40B4-BE49-F238E27FC236}">
+                <a16:creationId xmlns:a16="http://schemas.microsoft.com/office/drawing/2014/main" id="{94E9CCB1-F888-6FC7-DBE6-A1C35D3863A2}"/>
+              </a:ext>
+            </a:extLst>
+          </p:cNvPr>
+          <p:cNvPicPr>
+            <a:picLocks noChangeAspect="1"/>
+          </p:cNvPicPr>
+          <p:nvPr/>
+        </p:nvPicPr>
+        <p:blipFill rotWithShape="1">
+          <a:blip r:embed="rId3"/>
+          <a:srcRect l="41862" t="18954" r="20499" b="17605"/>
+          <a:stretch/>
+        </p:blipFill>
+        <p:spPr>
+          <a:xfrm>
+            <a:off x="1970431" y="92076"/>
+            <a:ext cx="7406833" cy="6768734"/>
+          </a:xfrm>
+          <a:prstGeom prst="rect">
+            <a:avLst/>
+          </a:prstGeom>
+        </p:spPr>
+      </p:pic>
+      <p:sp>
+        <p:nvSpPr>
+          <p:cNvPr id="12" name="Rectangle 11">
+            <a:extLst>
+              <a:ext uri="{FF2B5EF4-FFF2-40B4-BE49-F238E27FC236}">
+                <a16:creationId xmlns:a16="http://schemas.microsoft.com/office/drawing/2014/main" id="{BCE62BD9-1419-A5E2-C832-B4BFDF27BD07}"/>
+              </a:ext>
+            </a:extLst>
+          </p:cNvPr>
+          <p:cNvSpPr/>
+          <p:nvPr/>
+        </p:nvSpPr>
+        <p:spPr>
+          <a:xfrm>
+            <a:off x="8593400" y="5201577"/>
+            <a:ext cx="985935" cy="646331"/>
+          </a:xfrm>
+          <a:prstGeom prst="rect">
+            <a:avLst/>
+          </a:prstGeom>
+          <a:noFill/>
+          <a:ln w="38100" cap="flat" cmpd="sng" algn="ctr">
+            <a:solidFill>
+              <a:srgbClr val="FFC000"/>
+            </a:solidFill>
+            <a:prstDash val="solid"/>
+            <a:round/>
+            <a:headEnd type="none" w="med" len="med"/>
+            <a:tailEnd type="none" w="med" len="med"/>
+          </a:ln>
+        </p:spPr>
+        <p:style>
+          <a:lnRef idx="0">
+            <a:scrgbClr r="0" g="0" b="0"/>
+          </a:lnRef>
+          <a:fillRef idx="0">
+            <a:scrgbClr r="0" g="0" b="0"/>
+          </a:fillRef>
+          <a:effectRef idx="0">
+            <a:scrgbClr r="0" g="0" b="0"/>
+          </a:effectRef>
+          <a:fontRef idx="minor">
+            <a:schemeClr val="accent2"/>
+          </a:fontRef>
+        </p:style>
+        <p:txBody>
+          <a:bodyPr rtlCol="0" anchor="ctr"/>
+          <a:lstStyle/>
+          <a:p>
+            <a:pPr algn="ctr"/>
+            <a:endParaRPr lang="en-IE"/>
+          </a:p>
+        </p:txBody>
+      </p:sp>
+      <p:sp>
+        <p:nvSpPr>
+          <p:cNvPr id="13" name="TextBox 12">
+            <a:extLst>
+              <a:ext uri="{FF2B5EF4-FFF2-40B4-BE49-F238E27FC236}">
+                <a16:creationId xmlns:a16="http://schemas.microsoft.com/office/drawing/2014/main" id="{4D8C64A0-2744-0F00-20F4-A063602C3708}"/>
+              </a:ext>
+            </a:extLst>
+          </p:cNvPr>
+          <p:cNvSpPr txBox="1"/>
+          <p:nvPr/>
+        </p:nvSpPr>
+        <p:spPr>
+          <a:xfrm>
+            <a:off x="9574879" y="5386242"/>
+            <a:ext cx="1213071" cy="276999"/>
+          </a:xfrm>
+          <a:prstGeom prst="rect">
+            <a:avLst/>
+          </a:prstGeom>
+          <a:ln w="38100">
+            <a:solidFill>
+              <a:srgbClr val="FFC000"/>
+            </a:solidFill>
+          </a:ln>
+        </p:spPr>
+        <p:style>
+          <a:lnRef idx="2">
+            <a:schemeClr val="accent2"/>
+          </a:lnRef>
+          <a:fillRef idx="1">
+            <a:schemeClr val="lt1"/>
+          </a:fillRef>
+          <a:effectRef idx="0">
+            <a:schemeClr val="accent2"/>
+          </a:effectRef>
+          <a:fontRef idx="minor">
+            <a:schemeClr val="dk1"/>
+          </a:fontRef>
+        </p:style>
+        <p:txBody>
+          <a:bodyPr wrap="square" rtlCol="0">
+            <a:spAutoFit/>
+          </a:bodyPr>
+          <a:lstStyle/>
+          <a:p>
+            <a:pPr algn="ctr"/>
+            <a:r>
+              <a:rPr lang="en-IE" sz="1200" b="1" dirty="0"/>
+              <a:t>External Ports</a:t>
+            </a:r>
+          </a:p>
+        </p:txBody>
+      </p:sp>
+      <p:sp>
+        <p:nvSpPr>
+          <p:cNvPr id="17" name="Rectangle 16">
+            <a:extLst>
+              <a:ext uri="{FF2B5EF4-FFF2-40B4-BE49-F238E27FC236}">
+                <a16:creationId xmlns:a16="http://schemas.microsoft.com/office/drawing/2014/main" id="{25084C04-4FDF-CB61-55F8-72DACE7AF4D5}"/>
+              </a:ext>
+            </a:extLst>
+          </p:cNvPr>
+          <p:cNvSpPr/>
+          <p:nvPr/>
+        </p:nvSpPr>
+        <p:spPr>
+          <a:xfrm>
+            <a:off x="7552215" y="2510010"/>
+            <a:ext cx="1059847" cy="1206596"/>
+          </a:xfrm>
+          <a:prstGeom prst="rect">
+            <a:avLst/>
+          </a:prstGeom>
+          <a:noFill/>
+          <a:ln w="38100" cap="flat" cmpd="sng" algn="ctr">
+            <a:solidFill>
+              <a:schemeClr val="accent2"/>
+            </a:solidFill>
+            <a:prstDash val="solid"/>
+            <a:round/>
+            <a:headEnd type="none" w="med" len="med"/>
+            <a:tailEnd type="none" w="med" len="med"/>
+          </a:ln>
+        </p:spPr>
+        <p:style>
+          <a:lnRef idx="0">
+            <a:scrgbClr r="0" g="0" b="0"/>
+          </a:lnRef>
+          <a:fillRef idx="0">
+            <a:scrgbClr r="0" g="0" b="0"/>
+          </a:fillRef>
+          <a:effectRef idx="0">
+            <a:scrgbClr r="0" g="0" b="0"/>
+          </a:effectRef>
+          <a:fontRef idx="minor">
+            <a:schemeClr val="accent2"/>
+          </a:fontRef>
+        </p:style>
+        <p:txBody>
+          <a:bodyPr rtlCol="0" anchor="ctr"/>
+          <a:lstStyle/>
+          <a:p>
+            <a:pPr algn="ctr"/>
+            <a:endParaRPr lang="en-IE"/>
+          </a:p>
+        </p:txBody>
+      </p:sp>
+      <p:sp>
+        <p:nvSpPr>
+          <p:cNvPr id="18" name="TextBox 17">
+            <a:extLst>
+              <a:ext uri="{FF2B5EF4-FFF2-40B4-BE49-F238E27FC236}">
+                <a16:creationId xmlns:a16="http://schemas.microsoft.com/office/drawing/2014/main" id="{EB3C8F57-89A7-4829-C49A-11032E2F9EDB}"/>
+              </a:ext>
+            </a:extLst>
+          </p:cNvPr>
+          <p:cNvSpPr txBox="1"/>
+          <p:nvPr/>
+        </p:nvSpPr>
+        <p:spPr>
+          <a:xfrm>
+            <a:off x="8770882" y="2797607"/>
+            <a:ext cx="783065" cy="646331"/>
+          </a:xfrm>
+          <a:prstGeom prst="rect">
+            <a:avLst/>
+          </a:prstGeom>
+          <a:ln w="38100"/>
+        </p:spPr>
+        <p:style>
+          <a:lnRef idx="2">
+            <a:schemeClr val="accent2"/>
+          </a:lnRef>
+          <a:fillRef idx="1">
+            <a:schemeClr val="lt1"/>
+          </a:fillRef>
+          <a:effectRef idx="0">
+            <a:schemeClr val="accent2"/>
+          </a:effectRef>
+          <a:fontRef idx="minor">
+            <a:schemeClr val="dk1"/>
+          </a:fontRef>
+        </p:style>
+        <p:txBody>
+          <a:bodyPr wrap="square" rtlCol="0">
+            <a:spAutoFit/>
+          </a:bodyPr>
+          <a:lstStyle/>
+          <a:p>
+            <a:pPr algn="ctr"/>
+            <a:r>
+              <a:rPr lang="en-IE" sz="1200" b="1" dirty="0"/>
+              <a:t>RISC-V</a:t>
+            </a:r>
+          </a:p>
+          <a:p>
+            <a:pPr algn="ctr"/>
+            <a:r>
+              <a:rPr lang="en-IE" sz="1200" b="1" dirty="0"/>
+              <a:t>Register Bank</a:t>
+            </a:r>
+          </a:p>
+        </p:txBody>
+      </p:sp>
+      <p:sp>
+        <p:nvSpPr>
+          <p:cNvPr id="19" name="Rectangle 18">
+            <a:extLst>
+              <a:ext uri="{FF2B5EF4-FFF2-40B4-BE49-F238E27FC236}">
+                <a16:creationId xmlns:a16="http://schemas.microsoft.com/office/drawing/2014/main" id="{688909E0-0921-9179-B32D-8235BB61786F}"/>
+              </a:ext>
+            </a:extLst>
+          </p:cNvPr>
+          <p:cNvSpPr/>
+          <p:nvPr/>
+        </p:nvSpPr>
+        <p:spPr>
+          <a:xfrm>
+            <a:off x="5730805" y="54750"/>
+            <a:ext cx="1726163" cy="6765925"/>
+          </a:xfrm>
+          <a:prstGeom prst="rect">
+            <a:avLst/>
+          </a:prstGeom>
+          <a:noFill/>
+          <a:ln w="38100" cap="flat" cmpd="sng" algn="ctr">
+            <a:solidFill>
+              <a:srgbClr val="00B050"/>
+            </a:solidFill>
+            <a:prstDash val="solid"/>
+            <a:round/>
+            <a:headEnd type="none" w="med" len="med"/>
+            <a:tailEnd type="none" w="med" len="med"/>
+          </a:ln>
+        </p:spPr>
+        <p:style>
+          <a:lnRef idx="0">
+            <a:scrgbClr r="0" g="0" b="0"/>
+          </a:lnRef>
+          <a:fillRef idx="0">
+            <a:scrgbClr r="0" g="0" b="0"/>
+          </a:fillRef>
+          <a:effectRef idx="0">
+            <a:scrgbClr r="0" g="0" b="0"/>
+          </a:effectRef>
+          <a:fontRef idx="minor">
+            <a:schemeClr val="accent2"/>
+          </a:fontRef>
+        </p:style>
+        <p:txBody>
+          <a:bodyPr rtlCol="0" anchor="ctr"/>
+          <a:lstStyle/>
+          <a:p>
+            <a:pPr algn="ctr"/>
+            <a:endParaRPr lang="en-IE"/>
+          </a:p>
+        </p:txBody>
+      </p:sp>
+      <p:sp>
+        <p:nvSpPr>
+          <p:cNvPr id="20" name="TextBox 19">
+            <a:extLst>
+              <a:ext uri="{FF2B5EF4-FFF2-40B4-BE49-F238E27FC236}">
+                <a16:creationId xmlns:a16="http://schemas.microsoft.com/office/drawing/2014/main" id="{83004E82-6E38-C812-8D3C-BEA642ED0B8E}"/>
+              </a:ext>
+            </a:extLst>
+          </p:cNvPr>
+          <p:cNvSpPr txBox="1"/>
+          <p:nvPr/>
+        </p:nvSpPr>
+        <p:spPr>
+          <a:xfrm>
+            <a:off x="4517734" y="322908"/>
+            <a:ext cx="1213071" cy="461665"/>
+          </a:xfrm>
+          <a:prstGeom prst="rect">
+            <a:avLst/>
+          </a:prstGeom>
+          <a:ln w="38100">
+            <a:solidFill>
+              <a:srgbClr val="00B050"/>
+            </a:solidFill>
+          </a:ln>
+        </p:spPr>
+        <p:style>
+          <a:lnRef idx="2">
+            <a:schemeClr val="accent2"/>
+          </a:lnRef>
+          <a:fillRef idx="1">
+            <a:schemeClr val="lt1"/>
+          </a:fillRef>
+          <a:effectRef idx="0">
+            <a:schemeClr val="accent2"/>
+          </a:effectRef>
+          <a:fontRef idx="minor">
+            <a:schemeClr val="dk1"/>
+          </a:fontRef>
+        </p:style>
+        <p:txBody>
+          <a:bodyPr wrap="square" rtlCol="0">
+            <a:spAutoFit/>
+          </a:bodyPr>
+          <a:lstStyle/>
+          <a:p>
+            <a:pPr algn="ctr"/>
+            <a:r>
+              <a:rPr lang="en-IE" sz="1200" b="1" dirty="0"/>
+              <a:t>AXI GPIO </a:t>
+            </a:r>
+          </a:p>
+          <a:p>
+            <a:pPr algn="ctr"/>
+            <a:r>
+              <a:rPr lang="en-IE" sz="1200" b="1" dirty="0"/>
+              <a:t>IP Blocks</a:t>
+            </a:r>
+          </a:p>
+        </p:txBody>
+      </p:sp>
+      <p:sp>
+        <p:nvSpPr>
+          <p:cNvPr id="21" name="TextBox 20">
+            <a:extLst>
+              <a:ext uri="{FF2B5EF4-FFF2-40B4-BE49-F238E27FC236}">
+                <a16:creationId xmlns:a16="http://schemas.microsoft.com/office/drawing/2014/main" id="{09A6FB18-69AB-9A59-F522-607E688A6213}"/>
+              </a:ext>
+            </a:extLst>
+          </p:cNvPr>
+          <p:cNvSpPr txBox="1"/>
+          <p:nvPr/>
+        </p:nvSpPr>
+        <p:spPr>
+          <a:xfrm>
+            <a:off x="4270637" y="1459600"/>
+            <a:ext cx="1119902" cy="461665"/>
+          </a:xfrm>
+          <a:prstGeom prst="rect">
+            <a:avLst/>
+          </a:prstGeom>
+          <a:ln w="38100">
+            <a:solidFill>
+              <a:srgbClr val="FF0000"/>
+            </a:solidFill>
+          </a:ln>
+        </p:spPr>
+        <p:style>
+          <a:lnRef idx="2">
+            <a:schemeClr val="accent2"/>
+          </a:lnRef>
+          <a:fillRef idx="1">
+            <a:schemeClr val="lt1"/>
+          </a:fillRef>
+          <a:effectRef idx="0">
+            <a:schemeClr val="accent2"/>
+          </a:effectRef>
+          <a:fontRef idx="minor">
+            <a:schemeClr val="dk1"/>
+          </a:fontRef>
+        </p:style>
+        <p:txBody>
+          <a:bodyPr wrap="square" rtlCol="0">
+            <a:spAutoFit/>
+          </a:bodyPr>
+          <a:lstStyle/>
+          <a:p>
+            <a:pPr algn="ctr"/>
+            <a:r>
+              <a:rPr lang="en-IE" sz="1200" b="1" dirty="0"/>
+              <a:t>AXI Interconnect</a:t>
+            </a:r>
+          </a:p>
+        </p:txBody>
+      </p:sp>
+      <p:sp>
+        <p:nvSpPr>
+          <p:cNvPr id="22" name="TextBox 21">
+            <a:extLst>
+              <a:ext uri="{FF2B5EF4-FFF2-40B4-BE49-F238E27FC236}">
+                <a16:creationId xmlns:a16="http://schemas.microsoft.com/office/drawing/2014/main" id="{DF4F15FA-87A8-0B4B-E14A-E6A13D8BDD0F}"/>
+              </a:ext>
+            </a:extLst>
+          </p:cNvPr>
+          <p:cNvSpPr txBox="1"/>
+          <p:nvPr/>
+        </p:nvSpPr>
+        <p:spPr>
+          <a:xfrm>
+            <a:off x="2538843" y="6145433"/>
+            <a:ext cx="1119902" cy="646331"/>
+          </a:xfrm>
+          <a:prstGeom prst="rect">
+            <a:avLst/>
+          </a:prstGeom>
+          <a:ln w="38100">
+            <a:solidFill>
+              <a:srgbClr val="FF0000"/>
+            </a:solidFill>
+          </a:ln>
+        </p:spPr>
+        <p:style>
+          <a:lnRef idx="2">
+            <a:schemeClr val="accent2"/>
+          </a:lnRef>
+          <a:fillRef idx="1">
+            <a:schemeClr val="lt1"/>
+          </a:fillRef>
+          <a:effectRef idx="0">
+            <a:schemeClr val="accent2"/>
+          </a:effectRef>
+          <a:fontRef idx="minor">
+            <a:schemeClr val="dk1"/>
+          </a:fontRef>
+        </p:style>
+        <p:txBody>
+          <a:bodyPr wrap="square" rtlCol="0">
+            <a:spAutoFit/>
+          </a:bodyPr>
+          <a:lstStyle/>
+          <a:p>
+            <a:pPr algn="ctr"/>
+            <a:r>
+              <a:rPr lang="en-IE" sz="1200" b="1" dirty="0"/>
+              <a:t>ZYNQ Processing System</a:t>
+            </a:r>
+          </a:p>
+        </p:txBody>
+      </p:sp>
+      <p:sp>
+        <p:nvSpPr>
+          <p:cNvPr id="23" name="TextBox 22">
+            <a:extLst>
+              <a:ext uri="{FF2B5EF4-FFF2-40B4-BE49-F238E27FC236}">
+                <a16:creationId xmlns:a16="http://schemas.microsoft.com/office/drawing/2014/main" id="{F6593426-C4DA-CDD9-BA5C-8A93BC509ED5}"/>
+              </a:ext>
+            </a:extLst>
+          </p:cNvPr>
+          <p:cNvSpPr txBox="1"/>
+          <p:nvPr/>
+        </p:nvSpPr>
+        <p:spPr>
+          <a:xfrm>
+            <a:off x="2547740" y="3557879"/>
+            <a:ext cx="1119902" cy="646331"/>
+          </a:xfrm>
+          <a:prstGeom prst="rect">
+            <a:avLst/>
+          </a:prstGeom>
+          <a:ln w="38100">
+            <a:solidFill>
+              <a:srgbClr val="FF0000"/>
+            </a:solidFill>
+          </a:ln>
+        </p:spPr>
+        <p:style>
+          <a:lnRef idx="2">
+            <a:schemeClr val="accent2"/>
+          </a:lnRef>
+          <a:fillRef idx="1">
+            <a:schemeClr val="lt1"/>
+          </a:fillRef>
+          <a:effectRef idx="0">
+            <a:schemeClr val="accent2"/>
+          </a:effectRef>
+          <a:fontRef idx="minor">
+            <a:schemeClr val="dk1"/>
+          </a:fontRef>
+        </p:style>
+        <p:txBody>
+          <a:bodyPr wrap="square" rtlCol="0">
+            <a:spAutoFit/>
+          </a:bodyPr>
+          <a:lstStyle/>
+          <a:p>
+            <a:pPr algn="ctr"/>
+            <a:r>
+              <a:rPr lang="en-IE" sz="1200" b="1" dirty="0"/>
+              <a:t>Processor System Reset</a:t>
+            </a:r>
+          </a:p>
+        </p:txBody>
+      </p:sp>
+      <p:sp>
+        <p:nvSpPr>
+          <p:cNvPr id="24" name="Rectangle 23">
+            <a:extLst>
+              <a:ext uri="{FF2B5EF4-FFF2-40B4-BE49-F238E27FC236}">
+                <a16:creationId xmlns:a16="http://schemas.microsoft.com/office/drawing/2014/main" id="{37690357-8391-9ADB-91CE-588B1FE2A86A}"/>
+              </a:ext>
+            </a:extLst>
+          </p:cNvPr>
+          <p:cNvSpPr/>
+          <p:nvPr/>
+        </p:nvSpPr>
+        <p:spPr>
+          <a:xfrm>
+            <a:off x="4140529" y="1939928"/>
+            <a:ext cx="1380119" cy="2967974"/>
+          </a:xfrm>
+          <a:prstGeom prst="rect">
+            <a:avLst/>
+          </a:prstGeom>
+          <a:noFill/>
+          <a:ln w="38100" cap="flat" cmpd="sng" algn="ctr">
+            <a:solidFill>
+              <a:srgbClr val="FF0000"/>
+            </a:solidFill>
+            <a:prstDash val="solid"/>
+            <a:round/>
+            <a:headEnd type="none" w="med" len="med"/>
+            <a:tailEnd type="none" w="med" len="med"/>
+          </a:ln>
+        </p:spPr>
+        <p:style>
+          <a:lnRef idx="0">
+            <a:scrgbClr r="0" g="0" b="0"/>
+          </a:lnRef>
+          <a:fillRef idx="0">
+            <a:scrgbClr r="0" g="0" b="0"/>
+          </a:fillRef>
+          <a:effectRef idx="0">
+            <a:scrgbClr r="0" g="0" b="0"/>
+          </a:effectRef>
+          <a:fontRef idx="minor">
+            <a:schemeClr val="accent2"/>
+          </a:fontRef>
+        </p:style>
+        <p:txBody>
+          <a:bodyPr rtlCol="0" anchor="ctr"/>
+          <a:lstStyle/>
+          <a:p>
+            <a:pPr algn="ctr"/>
+            <a:endParaRPr lang="en-IE"/>
+          </a:p>
+        </p:txBody>
+      </p:sp>
+      <p:sp>
+        <p:nvSpPr>
+          <p:cNvPr id="25" name="Rectangle 24">
+            <a:extLst>
+              <a:ext uri="{FF2B5EF4-FFF2-40B4-BE49-F238E27FC236}">
+                <a16:creationId xmlns:a16="http://schemas.microsoft.com/office/drawing/2014/main" id="{234DA96F-10C6-F94A-E21B-37198E1964BA}"/>
+              </a:ext>
+            </a:extLst>
+          </p:cNvPr>
+          <p:cNvSpPr/>
+          <p:nvPr/>
+        </p:nvSpPr>
+        <p:spPr>
+          <a:xfrm>
+            <a:off x="2273036" y="4222873"/>
+            <a:ext cx="1651517" cy="830997"/>
+          </a:xfrm>
+          <a:prstGeom prst="rect">
+            <a:avLst/>
+          </a:prstGeom>
+          <a:noFill/>
+          <a:ln w="38100" cap="flat" cmpd="sng" algn="ctr">
+            <a:solidFill>
+              <a:srgbClr val="FF0000"/>
+            </a:solidFill>
+            <a:prstDash val="solid"/>
+            <a:round/>
+            <a:headEnd type="none" w="med" len="med"/>
+            <a:tailEnd type="none" w="med" len="med"/>
+          </a:ln>
+        </p:spPr>
+        <p:style>
+          <a:lnRef idx="0">
+            <a:scrgbClr r="0" g="0" b="0"/>
+          </a:lnRef>
+          <a:fillRef idx="0">
+            <a:scrgbClr r="0" g="0" b="0"/>
+          </a:fillRef>
+          <a:effectRef idx="0">
+            <a:scrgbClr r="0" g="0" b="0"/>
+          </a:effectRef>
+          <a:fontRef idx="minor">
+            <a:schemeClr val="accent2"/>
+          </a:fontRef>
+        </p:style>
+        <p:txBody>
+          <a:bodyPr rtlCol="0" anchor="ctr"/>
+          <a:lstStyle/>
+          <a:p>
+            <a:pPr algn="ctr"/>
+            <a:endParaRPr lang="en-IE"/>
+          </a:p>
+        </p:txBody>
+      </p:sp>
+      <p:sp>
+        <p:nvSpPr>
+          <p:cNvPr id="26" name="Rectangle 25">
+            <a:extLst>
+              <a:ext uri="{FF2B5EF4-FFF2-40B4-BE49-F238E27FC236}">
+                <a16:creationId xmlns:a16="http://schemas.microsoft.com/office/drawing/2014/main" id="{B7881B00-840C-D4E6-1B6D-957EBDA61208}"/>
+              </a:ext>
+            </a:extLst>
+          </p:cNvPr>
+          <p:cNvSpPr/>
+          <p:nvPr/>
+        </p:nvSpPr>
+        <p:spPr>
+          <a:xfrm>
+            <a:off x="2186315" y="5207995"/>
+            <a:ext cx="1824958" cy="937438"/>
+          </a:xfrm>
+          <a:prstGeom prst="rect">
+            <a:avLst/>
+          </a:prstGeom>
+          <a:noFill/>
+          <a:ln w="38100" cap="flat" cmpd="sng" algn="ctr">
+            <a:solidFill>
+              <a:srgbClr val="FF0000"/>
+            </a:solidFill>
+            <a:prstDash val="solid"/>
+            <a:round/>
+            <a:headEnd type="none" w="med" len="med"/>
+            <a:tailEnd type="none" w="med" len="med"/>
+          </a:ln>
+        </p:spPr>
+        <p:style>
+          <a:lnRef idx="0">
+            <a:scrgbClr r="0" g="0" b="0"/>
+          </a:lnRef>
+          <a:fillRef idx="0">
+            <a:scrgbClr r="0" g="0" b="0"/>
+          </a:fillRef>
+          <a:effectRef idx="0">
+            <a:scrgbClr r="0" g="0" b="0"/>
+          </a:effectRef>
+          <a:fontRef idx="minor">
+            <a:schemeClr val="accent2"/>
+          </a:fontRef>
+        </p:style>
+        <p:txBody>
+          <a:bodyPr rtlCol="0" anchor="ctr"/>
+          <a:lstStyle/>
+          <a:p>
+            <a:pPr algn="ctr"/>
+            <a:endParaRPr lang="en-IE"/>
+          </a:p>
+        </p:txBody>
+      </p:sp>
+    </p:spTree>
+    <p:extLst>
+      <p:ext uri="{BB962C8B-B14F-4D97-AF65-F5344CB8AC3E}">
+        <p14:creationId xmlns:p14="http://schemas.microsoft.com/office/powerpoint/2010/main" val="2877656586"/>
+      </p:ext>
+    </p:extLst>
+  </p:cSld>
+  <p:clrMapOvr>
+    <a:masterClrMapping/>
+  </p:clrMapOvr>
+</p:sld>
+</file>
+
+<file path=ppt/slides/slide12.xml><?xml version="1.0" encoding="utf-8"?>
+<p:sld xmlns:a="http://schemas.openxmlformats.org/drawingml/2006/main" xmlns:r="http://schemas.openxmlformats.org/officeDocument/2006/relationships" xmlns:p="http://schemas.openxmlformats.org/presentationml/2006/main">
+  <p:cSld>
+    <p:spTree>
+      <p:nvGrpSpPr>
+        <p:cNvPr id="1" name=""/>
+        <p:cNvGrpSpPr/>
+        <p:nvPr/>
+      </p:nvGrpSpPr>
+      <p:grpSpPr>
+        <a:xfrm>
+          <a:off x="0" y="0"/>
+          <a:ext cx="0" cy="0"/>
+          <a:chOff x="0" y="0"/>
+          <a:chExt cx="0" cy="0"/>
+        </a:xfrm>
+      </p:grpSpPr>
+      <p:pic>
+        <p:nvPicPr>
+          <p:cNvPr id="3" name="Picture 2">
+            <a:extLst>
+              <a:ext uri="{FF2B5EF4-FFF2-40B4-BE49-F238E27FC236}">
+                <a16:creationId xmlns:a16="http://schemas.microsoft.com/office/drawing/2014/main" id="{23238898-B507-7BD8-38E7-A3DDBD6FF01A}"/>
+              </a:ext>
+            </a:extLst>
+          </p:cNvPr>
+          <p:cNvPicPr>
+            <a:picLocks noChangeAspect="1"/>
+          </p:cNvPicPr>
+          <p:nvPr/>
+        </p:nvPicPr>
+        <p:blipFill>
+          <a:blip r:embed="rId2"/>
+          <a:stretch>
+            <a:fillRect/>
+          </a:stretch>
+        </p:blipFill>
+        <p:spPr>
+          <a:xfrm>
+            <a:off x="0" y="395064"/>
+            <a:ext cx="12192000" cy="6067871"/>
+          </a:xfrm>
+          <a:prstGeom prst="rect">
+            <a:avLst/>
+          </a:prstGeom>
+        </p:spPr>
+      </p:pic>
+      <p:sp>
+        <p:nvSpPr>
+          <p:cNvPr id="15" name="Rectangle 14">
+            <a:extLst>
+              <a:ext uri="{FF2B5EF4-FFF2-40B4-BE49-F238E27FC236}">
+                <a16:creationId xmlns:a16="http://schemas.microsoft.com/office/drawing/2014/main" id="{35F713CF-7ED5-6883-FDDA-580CACA1877F}"/>
+              </a:ext>
+            </a:extLst>
+          </p:cNvPr>
+          <p:cNvSpPr/>
+          <p:nvPr/>
+        </p:nvSpPr>
+        <p:spPr>
+          <a:xfrm>
+            <a:off x="911483" y="1227226"/>
+            <a:ext cx="1878175" cy="2295834"/>
+          </a:xfrm>
+          <a:prstGeom prst="rect">
+            <a:avLst/>
+          </a:prstGeom>
+          <a:noFill/>
+          <a:ln w="38100" cap="flat" cmpd="sng" algn="ctr">
+            <a:solidFill>
+              <a:srgbClr val="00B050"/>
+            </a:solidFill>
+            <a:prstDash val="solid"/>
+            <a:round/>
+            <a:headEnd type="none" w="med" len="med"/>
+            <a:tailEnd type="none" w="med" len="med"/>
+          </a:ln>
+        </p:spPr>
+        <p:style>
+          <a:lnRef idx="0">
+            <a:scrgbClr r="0" g="0" b="0"/>
+          </a:lnRef>
+          <a:fillRef idx="0">
+            <a:scrgbClr r="0" g="0" b="0"/>
+          </a:fillRef>
+          <a:effectRef idx="0">
+            <a:scrgbClr r="0" g="0" b="0"/>
+          </a:effectRef>
+          <a:fontRef idx="minor">
+            <a:schemeClr val="accent2"/>
+          </a:fontRef>
+        </p:style>
+        <p:txBody>
+          <a:bodyPr rtlCol="0" anchor="ctr"/>
+          <a:lstStyle/>
+          <a:p>
+            <a:pPr algn="ctr"/>
+            <a:endParaRPr lang="en-IE"/>
+          </a:p>
+        </p:txBody>
+      </p:sp>
+      <p:sp>
+        <p:nvSpPr>
+          <p:cNvPr id="16" name="TextBox 15">
+            <a:extLst>
+              <a:ext uri="{FF2B5EF4-FFF2-40B4-BE49-F238E27FC236}">
+                <a16:creationId xmlns:a16="http://schemas.microsoft.com/office/drawing/2014/main" id="{D110D662-8E21-FA1F-91D7-56E932874CCF}"/>
+              </a:ext>
+            </a:extLst>
+          </p:cNvPr>
+          <p:cNvSpPr txBox="1"/>
+          <p:nvPr/>
+        </p:nvSpPr>
+        <p:spPr>
+          <a:xfrm>
+            <a:off x="1244034" y="765561"/>
+            <a:ext cx="1213071" cy="461665"/>
+          </a:xfrm>
+          <a:prstGeom prst="rect">
+            <a:avLst/>
+          </a:prstGeom>
+          <a:ln w="38100">
+            <a:solidFill>
+              <a:srgbClr val="00B050"/>
+            </a:solidFill>
+          </a:ln>
+        </p:spPr>
+        <p:style>
+          <a:lnRef idx="2">
+            <a:schemeClr val="accent2"/>
+          </a:lnRef>
+          <a:fillRef idx="1">
+            <a:schemeClr val="lt1"/>
+          </a:fillRef>
+          <a:effectRef idx="0">
+            <a:schemeClr val="accent2"/>
+          </a:effectRef>
+          <a:fontRef idx="minor">
+            <a:schemeClr val="dk1"/>
+          </a:fontRef>
+        </p:style>
+        <p:txBody>
+          <a:bodyPr wrap="square" rtlCol="0">
+            <a:spAutoFit/>
+          </a:bodyPr>
+          <a:lstStyle/>
+          <a:p>
+            <a:pPr algn="ctr"/>
+            <a:r>
+              <a:rPr lang="en-IE" sz="1200" b="1" dirty="0"/>
+              <a:t>Input AXI GPIO IP Blocks</a:t>
+            </a:r>
+          </a:p>
+        </p:txBody>
+      </p:sp>
+      <p:sp>
+        <p:nvSpPr>
+          <p:cNvPr id="17" name="Rectangle 16">
+            <a:extLst>
+              <a:ext uri="{FF2B5EF4-FFF2-40B4-BE49-F238E27FC236}">
+                <a16:creationId xmlns:a16="http://schemas.microsoft.com/office/drawing/2014/main" id="{25084C04-4FDF-CB61-55F8-72DACE7AF4D5}"/>
+              </a:ext>
+            </a:extLst>
+          </p:cNvPr>
+          <p:cNvSpPr/>
+          <p:nvPr/>
+        </p:nvSpPr>
+        <p:spPr>
+          <a:xfrm>
+            <a:off x="1265328" y="3747854"/>
+            <a:ext cx="1213072" cy="875970"/>
+          </a:xfrm>
+          <a:prstGeom prst="rect">
+            <a:avLst/>
+          </a:prstGeom>
+          <a:noFill/>
+          <a:ln w="38100" cap="flat" cmpd="sng" algn="ctr">
+            <a:solidFill>
+              <a:schemeClr val="accent2"/>
+            </a:solidFill>
+            <a:prstDash val="solid"/>
+            <a:round/>
+            <a:headEnd type="none" w="med" len="med"/>
+            <a:tailEnd type="none" w="med" len="med"/>
+          </a:ln>
+        </p:spPr>
+        <p:style>
+          <a:lnRef idx="0">
+            <a:scrgbClr r="0" g="0" b="0"/>
+          </a:lnRef>
+          <a:fillRef idx="0">
+            <a:scrgbClr r="0" g="0" b="0"/>
+          </a:fillRef>
+          <a:effectRef idx="0">
+            <a:scrgbClr r="0" g="0" b="0"/>
+          </a:effectRef>
+          <a:fontRef idx="minor">
+            <a:schemeClr val="accent2"/>
+          </a:fontRef>
+        </p:style>
+        <p:txBody>
+          <a:bodyPr rtlCol="0" anchor="ctr"/>
+          <a:lstStyle/>
+          <a:p>
+            <a:pPr algn="ctr"/>
+            <a:endParaRPr lang="en-IE"/>
+          </a:p>
+        </p:txBody>
+      </p:sp>
+      <p:sp>
+        <p:nvSpPr>
+          <p:cNvPr id="18" name="TextBox 17">
+            <a:extLst>
+              <a:ext uri="{FF2B5EF4-FFF2-40B4-BE49-F238E27FC236}">
+                <a16:creationId xmlns:a16="http://schemas.microsoft.com/office/drawing/2014/main" id="{EB3C8F57-89A7-4829-C49A-11032E2F9EDB}"/>
+              </a:ext>
+            </a:extLst>
+          </p:cNvPr>
+          <p:cNvSpPr txBox="1"/>
+          <p:nvPr/>
+        </p:nvSpPr>
+        <p:spPr>
+          <a:xfrm>
+            <a:off x="2505636" y="3747853"/>
+            <a:ext cx="1213071" cy="276999"/>
+          </a:xfrm>
+          <a:prstGeom prst="rect">
+            <a:avLst/>
+          </a:prstGeom>
+          <a:ln w="38100"/>
+        </p:spPr>
+        <p:style>
+          <a:lnRef idx="2">
+            <a:schemeClr val="accent2"/>
+          </a:lnRef>
+          <a:fillRef idx="1">
+            <a:schemeClr val="lt1"/>
+          </a:fillRef>
+          <a:effectRef idx="0">
+            <a:schemeClr val="accent2"/>
+          </a:effectRef>
+          <a:fontRef idx="minor">
+            <a:schemeClr val="dk1"/>
+          </a:fontRef>
+        </p:style>
+        <p:txBody>
+          <a:bodyPr wrap="square" rtlCol="0">
+            <a:spAutoFit/>
+          </a:bodyPr>
+          <a:lstStyle/>
+          <a:p>
+            <a:pPr algn="ctr"/>
+            <a:r>
+              <a:rPr lang="en-IE" sz="1200" b="1" dirty="0"/>
+              <a:t>Mux2_1</a:t>
+            </a:r>
+          </a:p>
+        </p:txBody>
+      </p:sp>
+      <p:sp>
+        <p:nvSpPr>
+          <p:cNvPr id="19" name="Rectangle 18">
+            <a:extLst>
+              <a:ext uri="{FF2B5EF4-FFF2-40B4-BE49-F238E27FC236}">
+                <a16:creationId xmlns:a16="http://schemas.microsoft.com/office/drawing/2014/main" id="{688909E0-0921-9179-B32D-8235BB61786F}"/>
+              </a:ext>
+            </a:extLst>
+          </p:cNvPr>
+          <p:cNvSpPr/>
+          <p:nvPr/>
+        </p:nvSpPr>
+        <p:spPr>
+          <a:xfrm>
+            <a:off x="3112172" y="4650340"/>
+            <a:ext cx="1726163" cy="1048608"/>
+          </a:xfrm>
+          <a:prstGeom prst="rect">
+            <a:avLst/>
+          </a:prstGeom>
+          <a:noFill/>
+          <a:ln w="38100" cap="flat" cmpd="sng" algn="ctr">
+            <a:solidFill>
+              <a:srgbClr val="00B050"/>
+            </a:solidFill>
+            <a:prstDash val="solid"/>
+            <a:round/>
+            <a:headEnd type="none" w="med" len="med"/>
+            <a:tailEnd type="none" w="med" len="med"/>
+          </a:ln>
+        </p:spPr>
+        <p:style>
+          <a:lnRef idx="0">
+            <a:scrgbClr r="0" g="0" b="0"/>
+          </a:lnRef>
+          <a:fillRef idx="0">
+            <a:scrgbClr r="0" g="0" b="0"/>
+          </a:fillRef>
+          <a:effectRef idx="0">
+            <a:scrgbClr r="0" g="0" b="0"/>
+          </a:effectRef>
+          <a:fontRef idx="minor">
+            <a:schemeClr val="accent2"/>
+          </a:fontRef>
+        </p:style>
+        <p:txBody>
+          <a:bodyPr rtlCol="0" anchor="ctr"/>
+          <a:lstStyle/>
+          <a:p>
+            <a:pPr algn="ctr"/>
+            <a:endParaRPr lang="en-IE"/>
+          </a:p>
+        </p:txBody>
+      </p:sp>
+      <p:sp>
+        <p:nvSpPr>
+          <p:cNvPr id="20" name="TextBox 19">
+            <a:extLst>
+              <a:ext uri="{FF2B5EF4-FFF2-40B4-BE49-F238E27FC236}">
+                <a16:creationId xmlns:a16="http://schemas.microsoft.com/office/drawing/2014/main" id="{83004E82-6E38-C812-8D3C-BEA642ED0B8E}"/>
+              </a:ext>
+            </a:extLst>
+          </p:cNvPr>
+          <p:cNvSpPr txBox="1"/>
+          <p:nvPr/>
+        </p:nvSpPr>
+        <p:spPr>
+          <a:xfrm>
+            <a:off x="3368717" y="4188641"/>
+            <a:ext cx="1213071" cy="461665"/>
+          </a:xfrm>
+          <a:prstGeom prst="rect">
+            <a:avLst/>
+          </a:prstGeom>
+          <a:ln w="38100">
+            <a:solidFill>
+              <a:srgbClr val="00B050"/>
+            </a:solidFill>
+          </a:ln>
+        </p:spPr>
+        <p:style>
+          <a:lnRef idx="2">
+            <a:schemeClr val="accent2"/>
+          </a:lnRef>
+          <a:fillRef idx="1">
+            <a:schemeClr val="lt1"/>
+          </a:fillRef>
+          <a:effectRef idx="0">
+            <a:schemeClr val="accent2"/>
+          </a:effectRef>
+          <a:fontRef idx="minor">
+            <a:schemeClr val="dk1"/>
+          </a:fontRef>
+        </p:style>
+        <p:txBody>
+          <a:bodyPr wrap="square" rtlCol="0">
+            <a:spAutoFit/>
+          </a:bodyPr>
+          <a:lstStyle/>
+          <a:p>
+            <a:pPr algn="ctr"/>
+            <a:r>
+              <a:rPr lang="en-IE" sz="1200" b="1" dirty="0"/>
+              <a:t>Output AXI GPIO IP Blocks</a:t>
+            </a:r>
+          </a:p>
+        </p:txBody>
+      </p:sp>
+      <p:sp>
+        <p:nvSpPr>
+          <p:cNvPr id="21" name="TextBox 20">
+            <a:extLst>
+              <a:ext uri="{FF2B5EF4-FFF2-40B4-BE49-F238E27FC236}">
+                <a16:creationId xmlns:a16="http://schemas.microsoft.com/office/drawing/2014/main" id="{09A6FB18-69AB-9A59-F522-607E688A6213}"/>
+              </a:ext>
+            </a:extLst>
+          </p:cNvPr>
+          <p:cNvSpPr txBox="1"/>
+          <p:nvPr/>
+        </p:nvSpPr>
+        <p:spPr>
+          <a:xfrm>
+            <a:off x="6157861" y="5979525"/>
+            <a:ext cx="1119902" cy="461665"/>
+          </a:xfrm>
+          <a:prstGeom prst="rect">
+            <a:avLst/>
+          </a:prstGeom>
+          <a:ln w="38100">
+            <a:solidFill>
+              <a:srgbClr val="FF0000"/>
+            </a:solidFill>
+          </a:ln>
+        </p:spPr>
+        <p:style>
+          <a:lnRef idx="2">
+            <a:schemeClr val="accent2"/>
+          </a:lnRef>
+          <a:fillRef idx="1">
+            <a:schemeClr val="lt1"/>
+          </a:fillRef>
+          <a:effectRef idx="0">
+            <a:schemeClr val="accent2"/>
+          </a:effectRef>
+          <a:fontRef idx="minor">
+            <a:schemeClr val="dk1"/>
+          </a:fontRef>
+        </p:style>
+        <p:txBody>
+          <a:bodyPr wrap="square" rtlCol="0">
+            <a:spAutoFit/>
+          </a:bodyPr>
+          <a:lstStyle/>
+          <a:p>
+            <a:pPr algn="ctr"/>
+            <a:r>
+              <a:rPr lang="en-IE" sz="1200" b="1" dirty="0"/>
+              <a:t>AXI Interconnect</a:t>
+            </a:r>
+          </a:p>
+        </p:txBody>
+      </p:sp>
+      <p:sp>
+        <p:nvSpPr>
+          <p:cNvPr id="22" name="TextBox 21">
+            <a:extLst>
+              <a:ext uri="{FF2B5EF4-FFF2-40B4-BE49-F238E27FC236}">
+                <a16:creationId xmlns:a16="http://schemas.microsoft.com/office/drawing/2014/main" id="{DF4F15FA-87A8-0B4B-E14A-E6A13D8BDD0F}"/>
+              </a:ext>
+            </a:extLst>
+          </p:cNvPr>
+          <p:cNvSpPr txBox="1"/>
+          <p:nvPr/>
+        </p:nvSpPr>
+        <p:spPr>
+          <a:xfrm>
+            <a:off x="6228093" y="1398266"/>
+            <a:ext cx="1119902" cy="646331"/>
+          </a:xfrm>
+          <a:prstGeom prst="rect">
+            <a:avLst/>
+          </a:prstGeom>
+          <a:ln w="38100">
+            <a:solidFill>
+              <a:srgbClr val="FF0000"/>
+            </a:solidFill>
+          </a:ln>
+        </p:spPr>
+        <p:style>
+          <a:lnRef idx="2">
+            <a:schemeClr val="accent2"/>
+          </a:lnRef>
+          <a:fillRef idx="1">
+            <a:schemeClr val="lt1"/>
+          </a:fillRef>
+          <a:effectRef idx="0">
+            <a:schemeClr val="accent2"/>
+          </a:effectRef>
+          <a:fontRef idx="minor">
+            <a:schemeClr val="dk1"/>
+          </a:fontRef>
+        </p:style>
+        <p:txBody>
+          <a:bodyPr wrap="square" rtlCol="0">
+            <a:spAutoFit/>
+          </a:bodyPr>
+          <a:lstStyle/>
+          <a:p>
+            <a:pPr algn="ctr"/>
+            <a:r>
+              <a:rPr lang="en-IE" sz="1200" b="1" dirty="0"/>
+              <a:t>ZYNQ Processing System</a:t>
+            </a:r>
+          </a:p>
+        </p:txBody>
+      </p:sp>
+      <p:sp>
+        <p:nvSpPr>
+          <p:cNvPr id="23" name="TextBox 22">
+            <a:extLst>
+              <a:ext uri="{FF2B5EF4-FFF2-40B4-BE49-F238E27FC236}">
+                <a16:creationId xmlns:a16="http://schemas.microsoft.com/office/drawing/2014/main" id="{F6593426-C4DA-CDD9-BA5C-8A93BC509ED5}"/>
+              </a:ext>
+            </a:extLst>
+          </p:cNvPr>
+          <p:cNvSpPr txBox="1"/>
+          <p:nvPr/>
+        </p:nvSpPr>
+        <p:spPr>
+          <a:xfrm>
+            <a:off x="9143652" y="2488701"/>
+            <a:ext cx="1119902" cy="646331"/>
+          </a:xfrm>
+          <a:prstGeom prst="rect">
+            <a:avLst/>
+          </a:prstGeom>
+          <a:ln w="38100">
+            <a:solidFill>
+              <a:srgbClr val="FF0000"/>
+            </a:solidFill>
+          </a:ln>
+        </p:spPr>
+        <p:style>
+          <a:lnRef idx="2">
+            <a:schemeClr val="accent2"/>
+          </a:lnRef>
+          <a:fillRef idx="1">
+            <a:schemeClr val="lt1"/>
+          </a:fillRef>
+          <a:effectRef idx="0">
+            <a:schemeClr val="accent2"/>
+          </a:effectRef>
+          <a:fontRef idx="minor">
+            <a:schemeClr val="dk1"/>
+          </a:fontRef>
+        </p:style>
+        <p:txBody>
+          <a:bodyPr wrap="square" rtlCol="0">
+            <a:spAutoFit/>
+          </a:bodyPr>
+          <a:lstStyle/>
+          <a:p>
+            <a:pPr algn="ctr"/>
+            <a:r>
+              <a:rPr lang="en-IE" sz="1200" b="1" dirty="0"/>
+              <a:t>Processor System Reset</a:t>
+            </a:r>
+          </a:p>
+        </p:txBody>
+      </p:sp>
+      <p:sp>
+        <p:nvSpPr>
+          <p:cNvPr id="24" name="Rectangle 23">
+            <a:extLst>
+              <a:ext uri="{FF2B5EF4-FFF2-40B4-BE49-F238E27FC236}">
+                <a16:creationId xmlns:a16="http://schemas.microsoft.com/office/drawing/2014/main" id="{37690357-8391-9ADB-91CE-588B1FE2A86A}"/>
+              </a:ext>
+            </a:extLst>
+          </p:cNvPr>
+          <p:cNvSpPr/>
+          <p:nvPr/>
+        </p:nvSpPr>
+        <p:spPr>
+          <a:xfrm>
+            <a:off x="5738327" y="3428999"/>
+            <a:ext cx="2099387" cy="2556305"/>
+          </a:xfrm>
+          <a:prstGeom prst="rect">
+            <a:avLst/>
+          </a:prstGeom>
+          <a:noFill/>
+          <a:ln w="38100" cap="flat" cmpd="sng" algn="ctr">
+            <a:solidFill>
+              <a:srgbClr val="FF0000"/>
+            </a:solidFill>
+            <a:prstDash val="solid"/>
+            <a:round/>
+            <a:headEnd type="none" w="med" len="med"/>
+            <a:tailEnd type="none" w="med" len="med"/>
+          </a:ln>
+        </p:spPr>
+        <p:style>
+          <a:lnRef idx="0">
+            <a:scrgbClr r="0" g="0" b="0"/>
+          </a:lnRef>
+          <a:fillRef idx="0">
+            <a:scrgbClr r="0" g="0" b="0"/>
+          </a:fillRef>
+          <a:effectRef idx="0">
+            <a:scrgbClr r="0" g="0" b="0"/>
+          </a:effectRef>
+          <a:fontRef idx="minor">
+            <a:schemeClr val="accent2"/>
+          </a:fontRef>
+        </p:style>
+        <p:txBody>
+          <a:bodyPr rtlCol="0" anchor="ctr"/>
+          <a:lstStyle/>
+          <a:p>
+            <a:pPr algn="ctr"/>
+            <a:endParaRPr lang="en-IE"/>
+          </a:p>
+        </p:txBody>
+      </p:sp>
+      <p:sp>
+        <p:nvSpPr>
+          <p:cNvPr id="25" name="Rectangle 24">
+            <a:extLst>
+              <a:ext uri="{FF2B5EF4-FFF2-40B4-BE49-F238E27FC236}">
+                <a16:creationId xmlns:a16="http://schemas.microsoft.com/office/drawing/2014/main" id="{234DA96F-10C6-F94A-E21B-37198E1964BA}"/>
+              </a:ext>
+            </a:extLst>
+          </p:cNvPr>
+          <p:cNvSpPr/>
+          <p:nvPr/>
+        </p:nvSpPr>
+        <p:spPr>
+          <a:xfrm>
+            <a:off x="8546131" y="1095377"/>
+            <a:ext cx="2314944" cy="1393324"/>
+          </a:xfrm>
+          <a:prstGeom prst="rect">
+            <a:avLst/>
+          </a:prstGeom>
+          <a:noFill/>
+          <a:ln w="38100" cap="flat" cmpd="sng" algn="ctr">
+            <a:solidFill>
+              <a:srgbClr val="FF0000"/>
+            </a:solidFill>
+            <a:prstDash val="solid"/>
+            <a:round/>
+            <a:headEnd type="none" w="med" len="med"/>
+            <a:tailEnd type="none" w="med" len="med"/>
+          </a:ln>
+        </p:spPr>
+        <p:style>
+          <a:lnRef idx="0">
+            <a:scrgbClr r="0" g="0" b="0"/>
+          </a:lnRef>
+          <a:fillRef idx="0">
+            <a:scrgbClr r="0" g="0" b="0"/>
+          </a:fillRef>
+          <a:effectRef idx="0">
+            <a:scrgbClr r="0" g="0" b="0"/>
+          </a:effectRef>
+          <a:fontRef idx="minor">
+            <a:schemeClr val="accent2"/>
+          </a:fontRef>
+        </p:style>
+        <p:txBody>
+          <a:bodyPr rtlCol="0" anchor="ctr"/>
+          <a:lstStyle/>
+          <a:p>
+            <a:pPr algn="ctr"/>
+            <a:endParaRPr lang="en-IE" dirty="0"/>
+          </a:p>
+        </p:txBody>
+      </p:sp>
+      <p:sp>
+        <p:nvSpPr>
+          <p:cNvPr id="26" name="Rectangle 25">
+            <a:extLst>
+              <a:ext uri="{FF2B5EF4-FFF2-40B4-BE49-F238E27FC236}">
+                <a16:creationId xmlns:a16="http://schemas.microsoft.com/office/drawing/2014/main" id="{B7881B00-840C-D4E6-1B6D-957EBDA61208}"/>
+              </a:ext>
+            </a:extLst>
+          </p:cNvPr>
+          <p:cNvSpPr/>
+          <p:nvPr/>
+        </p:nvSpPr>
+        <p:spPr>
+          <a:xfrm>
+            <a:off x="5368989" y="2035675"/>
+            <a:ext cx="2841950" cy="1393324"/>
+          </a:xfrm>
+          <a:prstGeom prst="rect">
+            <a:avLst/>
+          </a:prstGeom>
+          <a:noFill/>
+          <a:ln w="38100" cap="flat" cmpd="sng" algn="ctr">
+            <a:solidFill>
+              <a:srgbClr val="FF0000"/>
+            </a:solidFill>
+            <a:prstDash val="solid"/>
+            <a:round/>
+            <a:headEnd type="none" w="med" len="med"/>
+            <a:tailEnd type="none" w="med" len="med"/>
+          </a:ln>
+        </p:spPr>
+        <p:style>
+          <a:lnRef idx="0">
+            <a:scrgbClr r="0" g="0" b="0"/>
+          </a:lnRef>
+          <a:fillRef idx="0">
+            <a:scrgbClr r="0" g="0" b="0"/>
+          </a:fillRef>
+          <a:effectRef idx="0">
+            <a:scrgbClr r="0" g="0" b="0"/>
+          </a:effectRef>
+          <a:fontRef idx="minor">
+            <a:schemeClr val="accent2"/>
+          </a:fontRef>
+        </p:style>
+        <p:txBody>
+          <a:bodyPr rtlCol="0" anchor="ctr"/>
+          <a:lstStyle/>
+          <a:p>
+            <a:pPr algn="ctr"/>
+            <a:endParaRPr lang="en-IE"/>
+          </a:p>
+        </p:txBody>
+      </p:sp>
+    </p:spTree>
+    <p:extLst>
+      <p:ext uri="{BB962C8B-B14F-4D97-AF65-F5344CB8AC3E}">
+        <p14:creationId xmlns:p14="http://schemas.microsoft.com/office/powerpoint/2010/main" val="2780190067"/>
+      </p:ext>
+    </p:extLst>
+  </p:cSld>
+  <p:clrMapOvr>
+    <a:masterClrMapping/>
+  </p:clrMapOvr>
+</p:sld>
+</file>
+
+<file path=ppt/slides/slide13.xml><?xml version="1.0" encoding="utf-8"?>
+<p:sld xmlns:a="http://schemas.openxmlformats.org/drawingml/2006/main" xmlns:r="http://schemas.openxmlformats.org/officeDocument/2006/relationships" xmlns:p="http://schemas.openxmlformats.org/presentationml/2006/main">
+  <p:cSld>
+    <p:spTree>
+      <p:nvGrpSpPr>
+        <p:cNvPr id="1" name=""/>
+        <p:cNvGrpSpPr/>
+        <p:nvPr/>
+      </p:nvGrpSpPr>
+      <p:grpSpPr>
+        <a:xfrm>
+          <a:off x="0" y="0"/>
+          <a:ext cx="0" cy="0"/>
+          <a:chOff x="0" y="0"/>
+          <a:chExt cx="0" cy="0"/>
+        </a:xfrm>
+      </p:grpSpPr>
+      <p:pic>
+        <p:nvPicPr>
+          <p:cNvPr id="2" name="Picture 1" descr="A diagram of a computer&#10;&#10;Description automatically generated">
+            <a:extLst>
+              <a:ext uri="{FF2B5EF4-FFF2-40B4-BE49-F238E27FC236}">
+                <a16:creationId xmlns:a16="http://schemas.microsoft.com/office/drawing/2014/main" id="{B0506330-B115-79F9-3F43-C11525C5849F}"/>
+              </a:ext>
+            </a:extLst>
+          </p:cNvPr>
+          <p:cNvPicPr>
+            <a:picLocks noChangeAspect="1"/>
+          </p:cNvPicPr>
+          <p:nvPr/>
+        </p:nvPicPr>
+        <p:blipFill>
+          <a:blip r:embed="rId2"/>
+          <a:stretch>
+            <a:fillRect/>
+          </a:stretch>
+        </p:blipFill>
+        <p:spPr>
+          <a:xfrm>
+            <a:off x="31515" y="1011119"/>
+            <a:ext cx="12160485" cy="5015897"/>
+          </a:xfrm>
+          <a:prstGeom prst="rect">
+            <a:avLst/>
+          </a:prstGeom>
+        </p:spPr>
+      </p:pic>
+      <p:sp>
+        <p:nvSpPr>
+          <p:cNvPr id="15" name="Rectangle 14">
+            <a:extLst>
+              <a:ext uri="{FF2B5EF4-FFF2-40B4-BE49-F238E27FC236}">
+                <a16:creationId xmlns:a16="http://schemas.microsoft.com/office/drawing/2014/main" id="{35F713CF-7ED5-6883-FDDA-580CACA1877F}"/>
+              </a:ext>
+            </a:extLst>
+          </p:cNvPr>
+          <p:cNvSpPr/>
+          <p:nvPr/>
+        </p:nvSpPr>
+        <p:spPr>
+          <a:xfrm>
+            <a:off x="522515" y="1175655"/>
+            <a:ext cx="1856792" cy="2062569"/>
+          </a:xfrm>
+          <a:prstGeom prst="rect">
+            <a:avLst/>
+          </a:prstGeom>
+          <a:noFill/>
+          <a:ln w="38100" cap="flat" cmpd="sng" algn="ctr">
+            <a:solidFill>
+              <a:srgbClr val="00B050"/>
+            </a:solidFill>
+            <a:prstDash val="solid"/>
+            <a:round/>
+            <a:headEnd type="none" w="med" len="med"/>
+            <a:tailEnd type="none" w="med" len="med"/>
+          </a:ln>
+        </p:spPr>
+        <p:style>
+          <a:lnRef idx="0">
+            <a:scrgbClr r="0" g="0" b="0"/>
+          </a:lnRef>
+          <a:fillRef idx="0">
+            <a:scrgbClr r="0" g="0" b="0"/>
+          </a:fillRef>
+          <a:effectRef idx="0">
+            <a:scrgbClr r="0" g="0" b="0"/>
+          </a:effectRef>
+          <a:fontRef idx="minor">
+            <a:schemeClr val="accent2"/>
+          </a:fontRef>
+        </p:style>
+        <p:txBody>
+          <a:bodyPr rtlCol="0" anchor="ctr"/>
+          <a:lstStyle/>
+          <a:p>
+            <a:pPr algn="ctr"/>
+            <a:endParaRPr lang="en-IE"/>
+          </a:p>
+        </p:txBody>
+      </p:sp>
+      <p:sp>
+        <p:nvSpPr>
+          <p:cNvPr id="16" name="TextBox 15">
+            <a:extLst>
+              <a:ext uri="{FF2B5EF4-FFF2-40B4-BE49-F238E27FC236}">
+                <a16:creationId xmlns:a16="http://schemas.microsoft.com/office/drawing/2014/main" id="{D110D662-8E21-FA1F-91D7-56E932874CCF}"/>
+              </a:ext>
+            </a:extLst>
+          </p:cNvPr>
+          <p:cNvSpPr txBox="1"/>
+          <p:nvPr/>
+        </p:nvSpPr>
+        <p:spPr>
+          <a:xfrm>
+            <a:off x="2394447" y="1917820"/>
+            <a:ext cx="892676" cy="461665"/>
+          </a:xfrm>
+          <a:prstGeom prst="rect">
+            <a:avLst/>
+          </a:prstGeom>
+          <a:ln w="38100">
+            <a:solidFill>
+              <a:srgbClr val="00B050"/>
+            </a:solidFill>
+          </a:ln>
+        </p:spPr>
+        <p:style>
+          <a:lnRef idx="2">
+            <a:schemeClr val="accent2"/>
+          </a:lnRef>
+          <a:fillRef idx="1">
+            <a:schemeClr val="lt1"/>
+          </a:fillRef>
+          <a:effectRef idx="0">
+            <a:schemeClr val="accent2"/>
+          </a:effectRef>
+          <a:fontRef idx="minor">
+            <a:schemeClr val="dk1"/>
+          </a:fontRef>
+        </p:style>
+        <p:txBody>
+          <a:bodyPr wrap="square" rtlCol="0">
+            <a:spAutoFit/>
+          </a:bodyPr>
+          <a:lstStyle/>
+          <a:p>
+            <a:pPr algn="ctr"/>
+            <a:r>
+              <a:rPr lang="en-IE" sz="1200" b="1" dirty="0"/>
+              <a:t>AXI GPIO IP Blocks</a:t>
+            </a:r>
+          </a:p>
+        </p:txBody>
+      </p:sp>
+      <p:sp>
+        <p:nvSpPr>
+          <p:cNvPr id="17" name="Rectangle 16">
+            <a:extLst>
+              <a:ext uri="{FF2B5EF4-FFF2-40B4-BE49-F238E27FC236}">
+                <a16:creationId xmlns:a16="http://schemas.microsoft.com/office/drawing/2014/main" id="{25084C04-4FDF-CB61-55F8-72DACE7AF4D5}"/>
+              </a:ext>
+            </a:extLst>
+          </p:cNvPr>
+          <p:cNvSpPr/>
+          <p:nvPr/>
+        </p:nvSpPr>
+        <p:spPr>
+          <a:xfrm>
+            <a:off x="805746" y="3275547"/>
+            <a:ext cx="1213072" cy="1063187"/>
+          </a:xfrm>
+          <a:prstGeom prst="rect">
+            <a:avLst/>
+          </a:prstGeom>
+          <a:noFill/>
+          <a:ln w="38100" cap="flat" cmpd="sng" algn="ctr">
+            <a:solidFill>
+              <a:schemeClr val="accent2"/>
+            </a:solidFill>
+            <a:prstDash val="solid"/>
+            <a:round/>
+            <a:headEnd type="none" w="med" len="med"/>
+            <a:tailEnd type="none" w="med" len="med"/>
+          </a:ln>
+        </p:spPr>
+        <p:style>
+          <a:lnRef idx="0">
+            <a:scrgbClr r="0" g="0" b="0"/>
+          </a:lnRef>
+          <a:fillRef idx="0">
+            <a:scrgbClr r="0" g="0" b="0"/>
+          </a:fillRef>
+          <a:effectRef idx="0">
+            <a:scrgbClr r="0" g="0" b="0"/>
+          </a:effectRef>
+          <a:fontRef idx="minor">
+            <a:schemeClr val="accent2"/>
+          </a:fontRef>
+        </p:style>
+        <p:txBody>
+          <a:bodyPr rtlCol="0" anchor="ctr"/>
+          <a:lstStyle/>
+          <a:p>
+            <a:pPr algn="ctr"/>
+            <a:endParaRPr lang="en-IE"/>
+          </a:p>
+        </p:txBody>
+      </p:sp>
+      <p:sp>
+        <p:nvSpPr>
+          <p:cNvPr id="18" name="TextBox 17">
+            <a:extLst>
+              <a:ext uri="{FF2B5EF4-FFF2-40B4-BE49-F238E27FC236}">
+                <a16:creationId xmlns:a16="http://schemas.microsoft.com/office/drawing/2014/main" id="{EB3C8F57-89A7-4829-C49A-11032E2F9EDB}"/>
+              </a:ext>
+            </a:extLst>
+          </p:cNvPr>
+          <p:cNvSpPr txBox="1"/>
+          <p:nvPr/>
+        </p:nvSpPr>
+        <p:spPr>
+          <a:xfrm>
+            <a:off x="2018818" y="3402760"/>
+            <a:ext cx="1213071" cy="276999"/>
+          </a:xfrm>
+          <a:prstGeom prst="rect">
+            <a:avLst/>
+          </a:prstGeom>
+          <a:ln w="38100"/>
+        </p:spPr>
+        <p:style>
+          <a:lnRef idx="2">
+            <a:schemeClr val="accent2"/>
+          </a:lnRef>
+          <a:fillRef idx="1">
+            <a:schemeClr val="lt1"/>
+          </a:fillRef>
+          <a:effectRef idx="0">
+            <a:schemeClr val="accent2"/>
+          </a:effectRef>
+          <a:fontRef idx="minor">
+            <a:schemeClr val="dk1"/>
+          </a:fontRef>
+        </p:style>
+        <p:txBody>
+          <a:bodyPr wrap="square" rtlCol="0">
+            <a:spAutoFit/>
+          </a:bodyPr>
+          <a:lstStyle/>
+          <a:p>
+            <a:pPr algn="ctr"/>
+            <a:r>
+              <a:rPr lang="en-IE" sz="1200" b="1" dirty="0"/>
+              <a:t>Mux2_1</a:t>
+            </a:r>
+          </a:p>
+        </p:txBody>
+      </p:sp>
+      <p:sp>
+        <p:nvSpPr>
+          <p:cNvPr id="19" name="Rectangle 18">
+            <a:extLst>
+              <a:ext uri="{FF2B5EF4-FFF2-40B4-BE49-F238E27FC236}">
+                <a16:creationId xmlns:a16="http://schemas.microsoft.com/office/drawing/2014/main" id="{688909E0-0921-9179-B32D-8235BB61786F}"/>
+              </a:ext>
+            </a:extLst>
+          </p:cNvPr>
+          <p:cNvSpPr/>
+          <p:nvPr/>
+        </p:nvSpPr>
+        <p:spPr>
+          <a:xfrm>
+            <a:off x="3012961" y="3928188"/>
+            <a:ext cx="1726990" cy="934850"/>
+          </a:xfrm>
+          <a:prstGeom prst="rect">
+            <a:avLst/>
+          </a:prstGeom>
+          <a:noFill/>
+          <a:ln w="38100" cap="flat" cmpd="sng" algn="ctr">
+            <a:solidFill>
+              <a:srgbClr val="00B050"/>
+            </a:solidFill>
+            <a:prstDash val="solid"/>
+            <a:round/>
+            <a:headEnd type="none" w="med" len="med"/>
+            <a:tailEnd type="none" w="med" len="med"/>
+          </a:ln>
+        </p:spPr>
+        <p:style>
+          <a:lnRef idx="0">
+            <a:scrgbClr r="0" g="0" b="0"/>
+          </a:lnRef>
+          <a:fillRef idx="0">
+            <a:scrgbClr r="0" g="0" b="0"/>
+          </a:fillRef>
+          <a:effectRef idx="0">
+            <a:scrgbClr r="0" g="0" b="0"/>
+          </a:effectRef>
+          <a:fontRef idx="minor">
+            <a:schemeClr val="accent2"/>
+          </a:fontRef>
+        </p:style>
+        <p:txBody>
+          <a:bodyPr rtlCol="0" anchor="ctr"/>
+          <a:lstStyle/>
+          <a:p>
+            <a:pPr algn="ctr"/>
+            <a:endParaRPr lang="en-IE"/>
+          </a:p>
+        </p:txBody>
+      </p:sp>
+      <p:sp>
+        <p:nvSpPr>
+          <p:cNvPr id="21" name="TextBox 20">
+            <a:extLst>
+              <a:ext uri="{FF2B5EF4-FFF2-40B4-BE49-F238E27FC236}">
+                <a16:creationId xmlns:a16="http://schemas.microsoft.com/office/drawing/2014/main" id="{09A6FB18-69AB-9A59-F522-607E688A6213}"/>
+              </a:ext>
+            </a:extLst>
+          </p:cNvPr>
+          <p:cNvSpPr txBox="1"/>
+          <p:nvPr/>
+        </p:nvSpPr>
+        <p:spPr>
+          <a:xfrm>
+            <a:off x="6231506" y="5018472"/>
+            <a:ext cx="1119902" cy="461665"/>
+          </a:xfrm>
+          <a:prstGeom prst="rect">
+            <a:avLst/>
+          </a:prstGeom>
+          <a:ln w="38100">
+            <a:solidFill>
+              <a:srgbClr val="FF0000"/>
+            </a:solidFill>
+          </a:ln>
+        </p:spPr>
+        <p:style>
+          <a:lnRef idx="2">
+            <a:schemeClr val="accent2"/>
+          </a:lnRef>
+          <a:fillRef idx="1">
+            <a:schemeClr val="lt1"/>
+          </a:fillRef>
+          <a:effectRef idx="0">
+            <a:schemeClr val="accent2"/>
+          </a:effectRef>
+          <a:fontRef idx="minor">
+            <a:schemeClr val="dk1"/>
+          </a:fontRef>
+        </p:style>
+        <p:txBody>
+          <a:bodyPr wrap="square" rtlCol="0">
+            <a:spAutoFit/>
+          </a:bodyPr>
+          <a:lstStyle/>
+          <a:p>
+            <a:pPr algn="ctr"/>
+            <a:r>
+              <a:rPr lang="en-IE" sz="1200" b="1" dirty="0"/>
+              <a:t>AXI Interconnect</a:t>
+            </a:r>
+          </a:p>
+        </p:txBody>
+      </p:sp>
+      <p:sp>
+        <p:nvSpPr>
+          <p:cNvPr id="22" name="TextBox 21">
+            <a:extLst>
+              <a:ext uri="{FF2B5EF4-FFF2-40B4-BE49-F238E27FC236}">
+                <a16:creationId xmlns:a16="http://schemas.microsoft.com/office/drawing/2014/main" id="{DF4F15FA-87A8-0B4B-E14A-E6A13D8BDD0F}"/>
+              </a:ext>
+            </a:extLst>
+          </p:cNvPr>
+          <p:cNvSpPr txBox="1"/>
+          <p:nvPr/>
+        </p:nvSpPr>
+        <p:spPr>
+          <a:xfrm>
+            <a:off x="6330730" y="332975"/>
+            <a:ext cx="1119902" cy="646331"/>
+          </a:xfrm>
+          <a:prstGeom prst="rect">
+            <a:avLst/>
+          </a:prstGeom>
+          <a:ln w="38100">
+            <a:solidFill>
+              <a:srgbClr val="FF0000"/>
+            </a:solidFill>
+          </a:ln>
+        </p:spPr>
+        <p:style>
+          <a:lnRef idx="2">
+            <a:schemeClr val="accent2"/>
+          </a:lnRef>
+          <a:fillRef idx="1">
+            <a:schemeClr val="lt1"/>
+          </a:fillRef>
+          <a:effectRef idx="0">
+            <a:schemeClr val="accent2"/>
+          </a:effectRef>
+          <a:fontRef idx="minor">
+            <a:schemeClr val="dk1"/>
+          </a:fontRef>
+        </p:style>
+        <p:txBody>
+          <a:bodyPr wrap="square" rtlCol="0">
+            <a:spAutoFit/>
+          </a:bodyPr>
+          <a:lstStyle/>
+          <a:p>
+            <a:pPr algn="ctr"/>
+            <a:r>
+              <a:rPr lang="en-IE" sz="1200" b="1" dirty="0"/>
+              <a:t>ZYNQ Processing System</a:t>
+            </a:r>
+          </a:p>
+        </p:txBody>
+      </p:sp>
+      <p:sp>
+        <p:nvSpPr>
+          <p:cNvPr id="23" name="TextBox 22">
+            <a:extLst>
+              <a:ext uri="{FF2B5EF4-FFF2-40B4-BE49-F238E27FC236}">
+                <a16:creationId xmlns:a16="http://schemas.microsoft.com/office/drawing/2014/main" id="{F6593426-C4DA-CDD9-BA5C-8A93BC509ED5}"/>
+              </a:ext>
+            </a:extLst>
+          </p:cNvPr>
+          <p:cNvSpPr txBox="1"/>
+          <p:nvPr/>
+        </p:nvSpPr>
+        <p:spPr>
+          <a:xfrm>
+            <a:off x="9297383" y="4003975"/>
+            <a:ext cx="1119902" cy="646331"/>
+          </a:xfrm>
+          <a:prstGeom prst="rect">
+            <a:avLst/>
+          </a:prstGeom>
+          <a:ln w="38100">
+            <a:solidFill>
+              <a:srgbClr val="FF0000"/>
+            </a:solidFill>
+          </a:ln>
+        </p:spPr>
+        <p:style>
+          <a:lnRef idx="2">
+            <a:schemeClr val="accent2"/>
+          </a:lnRef>
+          <a:fillRef idx="1">
+            <a:schemeClr val="lt1"/>
+          </a:fillRef>
+          <a:effectRef idx="0">
+            <a:schemeClr val="accent2"/>
+          </a:effectRef>
+          <a:fontRef idx="minor">
+            <a:schemeClr val="dk1"/>
+          </a:fontRef>
+        </p:style>
+        <p:txBody>
+          <a:bodyPr wrap="square" rtlCol="0">
+            <a:spAutoFit/>
+          </a:bodyPr>
+          <a:lstStyle/>
+          <a:p>
+            <a:pPr algn="ctr"/>
+            <a:r>
+              <a:rPr lang="en-IE" sz="1200" b="1" dirty="0"/>
+              <a:t>Processor System Reset</a:t>
+            </a:r>
+          </a:p>
+        </p:txBody>
+      </p:sp>
+      <p:sp>
+        <p:nvSpPr>
+          <p:cNvPr id="24" name="Rectangle 23">
+            <a:extLst>
+              <a:ext uri="{FF2B5EF4-FFF2-40B4-BE49-F238E27FC236}">
+                <a16:creationId xmlns:a16="http://schemas.microsoft.com/office/drawing/2014/main" id="{37690357-8391-9ADB-91CE-588B1FE2A86A}"/>
+              </a:ext>
+            </a:extLst>
+          </p:cNvPr>
+          <p:cNvSpPr/>
+          <p:nvPr/>
+        </p:nvSpPr>
+        <p:spPr>
+          <a:xfrm>
+            <a:off x="5811972" y="2467946"/>
+            <a:ext cx="2099387" cy="2556305"/>
+          </a:xfrm>
+          <a:prstGeom prst="rect">
+            <a:avLst/>
+          </a:prstGeom>
+          <a:noFill/>
+          <a:ln w="38100" cap="flat" cmpd="sng" algn="ctr">
+            <a:solidFill>
+              <a:srgbClr val="FF0000"/>
+            </a:solidFill>
+            <a:prstDash val="solid"/>
+            <a:round/>
+            <a:headEnd type="none" w="med" len="med"/>
+            <a:tailEnd type="none" w="med" len="med"/>
+          </a:ln>
+        </p:spPr>
+        <p:style>
+          <a:lnRef idx="0">
+            <a:scrgbClr r="0" g="0" b="0"/>
+          </a:lnRef>
+          <a:fillRef idx="0">
+            <a:scrgbClr r="0" g="0" b="0"/>
+          </a:fillRef>
+          <a:effectRef idx="0">
+            <a:scrgbClr r="0" g="0" b="0"/>
+          </a:effectRef>
+          <a:fontRef idx="minor">
+            <a:schemeClr val="accent2"/>
+          </a:fontRef>
+        </p:style>
+        <p:txBody>
+          <a:bodyPr rtlCol="0" anchor="ctr"/>
+          <a:lstStyle/>
+          <a:p>
+            <a:pPr algn="ctr"/>
+            <a:endParaRPr lang="en-IE"/>
+          </a:p>
+        </p:txBody>
+      </p:sp>
+      <p:sp>
+        <p:nvSpPr>
+          <p:cNvPr id="25" name="Rectangle 24">
+            <a:extLst>
+              <a:ext uri="{FF2B5EF4-FFF2-40B4-BE49-F238E27FC236}">
+                <a16:creationId xmlns:a16="http://schemas.microsoft.com/office/drawing/2014/main" id="{234DA96F-10C6-F94A-E21B-37198E1964BA}"/>
+              </a:ext>
+            </a:extLst>
+          </p:cNvPr>
+          <p:cNvSpPr/>
+          <p:nvPr/>
+        </p:nvSpPr>
+        <p:spPr>
+          <a:xfrm>
+            <a:off x="8699862" y="2610651"/>
+            <a:ext cx="2314944" cy="1393324"/>
+          </a:xfrm>
+          <a:prstGeom prst="rect">
+            <a:avLst/>
+          </a:prstGeom>
+          <a:noFill/>
+          <a:ln w="38100" cap="flat" cmpd="sng" algn="ctr">
+            <a:solidFill>
+              <a:srgbClr val="FF0000"/>
+            </a:solidFill>
+            <a:prstDash val="solid"/>
+            <a:round/>
+            <a:headEnd type="none" w="med" len="med"/>
+            <a:tailEnd type="none" w="med" len="med"/>
+          </a:ln>
+        </p:spPr>
+        <p:style>
+          <a:lnRef idx="0">
+            <a:scrgbClr r="0" g="0" b="0"/>
+          </a:lnRef>
+          <a:fillRef idx="0">
+            <a:scrgbClr r="0" g="0" b="0"/>
+          </a:fillRef>
+          <a:effectRef idx="0">
+            <a:scrgbClr r="0" g="0" b="0"/>
+          </a:effectRef>
+          <a:fontRef idx="minor">
+            <a:schemeClr val="accent2"/>
+          </a:fontRef>
+        </p:style>
+        <p:txBody>
+          <a:bodyPr rtlCol="0" anchor="ctr"/>
+          <a:lstStyle/>
+          <a:p>
+            <a:pPr algn="ctr"/>
+            <a:endParaRPr lang="en-IE" dirty="0"/>
+          </a:p>
+        </p:txBody>
+      </p:sp>
+      <p:sp>
+        <p:nvSpPr>
+          <p:cNvPr id="26" name="Rectangle 25">
+            <a:extLst>
+              <a:ext uri="{FF2B5EF4-FFF2-40B4-BE49-F238E27FC236}">
+                <a16:creationId xmlns:a16="http://schemas.microsoft.com/office/drawing/2014/main" id="{B7881B00-840C-D4E6-1B6D-957EBDA61208}"/>
+              </a:ext>
+            </a:extLst>
+          </p:cNvPr>
+          <p:cNvSpPr/>
+          <p:nvPr/>
+        </p:nvSpPr>
+        <p:spPr>
+          <a:xfrm>
+            <a:off x="5471626" y="970384"/>
+            <a:ext cx="2841950" cy="1393324"/>
+          </a:xfrm>
+          <a:prstGeom prst="rect">
+            <a:avLst/>
+          </a:prstGeom>
+          <a:noFill/>
+          <a:ln w="38100" cap="flat" cmpd="sng" algn="ctr">
+            <a:solidFill>
+              <a:srgbClr val="FF0000"/>
+            </a:solidFill>
+            <a:prstDash val="solid"/>
+            <a:round/>
+            <a:headEnd type="none" w="med" len="med"/>
+            <a:tailEnd type="none" w="med" len="med"/>
+          </a:ln>
+        </p:spPr>
+        <p:style>
+          <a:lnRef idx="0">
+            <a:scrgbClr r="0" g="0" b="0"/>
+          </a:lnRef>
+          <a:fillRef idx="0">
+            <a:scrgbClr r="0" g="0" b="0"/>
+          </a:fillRef>
+          <a:effectRef idx="0">
+            <a:scrgbClr r="0" g="0" b="0"/>
+          </a:effectRef>
+          <a:fontRef idx="minor">
+            <a:schemeClr val="accent2"/>
+          </a:fontRef>
+        </p:style>
+        <p:txBody>
+          <a:bodyPr rtlCol="0" anchor="ctr"/>
+          <a:lstStyle/>
+          <a:p>
+            <a:pPr algn="ctr"/>
+            <a:endParaRPr lang="en-IE"/>
+          </a:p>
+        </p:txBody>
+      </p:sp>
+      <p:sp>
+        <p:nvSpPr>
+          <p:cNvPr id="5" name="Rectangle 4">
+            <a:extLst>
+              <a:ext uri="{FF2B5EF4-FFF2-40B4-BE49-F238E27FC236}">
+                <a16:creationId xmlns:a16="http://schemas.microsoft.com/office/drawing/2014/main" id="{62120549-0F15-6B90-D656-4E4E605B98B6}"/>
+              </a:ext>
+            </a:extLst>
+          </p:cNvPr>
+          <p:cNvSpPr/>
+          <p:nvPr/>
+        </p:nvSpPr>
+        <p:spPr>
+          <a:xfrm>
+            <a:off x="522515" y="4456616"/>
+            <a:ext cx="1856792" cy="1063187"/>
+          </a:xfrm>
+          <a:prstGeom prst="rect">
+            <a:avLst/>
+          </a:prstGeom>
+          <a:noFill/>
+          <a:ln w="38100" cap="flat" cmpd="sng" algn="ctr">
+            <a:solidFill>
+              <a:srgbClr val="00B050"/>
+            </a:solidFill>
+            <a:prstDash val="solid"/>
+            <a:round/>
+            <a:headEnd type="none" w="med" len="med"/>
+            <a:tailEnd type="none" w="med" len="med"/>
+          </a:ln>
+        </p:spPr>
+        <p:style>
+          <a:lnRef idx="0">
+            <a:scrgbClr r="0" g="0" b="0"/>
+          </a:lnRef>
+          <a:fillRef idx="0">
+            <a:scrgbClr r="0" g="0" b="0"/>
+          </a:fillRef>
+          <a:effectRef idx="0">
+            <a:scrgbClr r="0" g="0" b="0"/>
+          </a:effectRef>
+          <a:fontRef idx="minor">
+            <a:schemeClr val="accent2"/>
+          </a:fontRef>
+        </p:style>
+        <p:txBody>
+          <a:bodyPr rtlCol="0" anchor="ctr"/>
+          <a:lstStyle/>
+          <a:p>
+            <a:pPr algn="ctr"/>
+            <a:endParaRPr lang="en-IE"/>
+          </a:p>
+        </p:txBody>
+      </p:sp>
+    </p:spTree>
+    <p:extLst>
+      <p:ext uri="{BB962C8B-B14F-4D97-AF65-F5344CB8AC3E}">
+        <p14:creationId xmlns:p14="http://schemas.microsoft.com/office/powerpoint/2010/main" val="3251904019"/>
+      </p:ext>
+    </p:extLst>
+  </p:cSld>
+  <p:clrMapOvr>
+    <a:masterClrMapping/>
+  </p:clrMapOvr>
+</p:sld>
+</file>
+
+<file path=ppt/slides/slide14.xml><?xml version="1.0" encoding="utf-8"?>
+<p:sld xmlns:a="http://schemas.openxmlformats.org/drawingml/2006/main" xmlns:r="http://schemas.openxmlformats.org/officeDocument/2006/relationships" xmlns:p="http://schemas.openxmlformats.org/presentationml/2006/main">
+  <p:cSld>
+    <p:spTree>
+      <p:nvGrpSpPr>
+        <p:cNvPr id="1" name=""/>
+        <p:cNvGrpSpPr/>
+        <p:nvPr/>
+      </p:nvGrpSpPr>
+      <p:grpSpPr>
+        <a:xfrm>
+          <a:off x="0" y="0"/>
+          <a:ext cx="0" cy="0"/>
+          <a:chOff x="0" y="0"/>
+          <a:chExt cx="0" cy="0"/>
+        </a:xfrm>
+      </p:grpSpPr>
+      <p:pic>
+        <p:nvPicPr>
+          <p:cNvPr id="5" name="Picture 4">
+            <a:extLst>
+              <a:ext uri="{FF2B5EF4-FFF2-40B4-BE49-F238E27FC236}">
+                <a16:creationId xmlns:a16="http://schemas.microsoft.com/office/drawing/2014/main" id="{371668C9-A016-41C8-7702-6BB7AEE276DC}"/>
+              </a:ext>
+            </a:extLst>
+          </p:cNvPr>
+          <p:cNvPicPr>
+            <a:picLocks noChangeAspect="1"/>
+          </p:cNvPicPr>
+          <p:nvPr/>
+        </p:nvPicPr>
+        <p:blipFill rotWithShape="1">
+          <a:blip r:embed="rId2"/>
+          <a:srcRect l="22121" r="16591"/>
+          <a:stretch/>
+        </p:blipFill>
+        <p:spPr>
+          <a:xfrm>
+            <a:off x="2697018" y="907640"/>
+            <a:ext cx="7472217" cy="376978"/>
+          </a:xfrm>
+          <a:prstGeom prst="rect">
+            <a:avLst/>
+          </a:prstGeom>
+        </p:spPr>
+      </p:pic>
+      <p:sp>
+        <p:nvSpPr>
+          <p:cNvPr id="6" name="TextBox 5">
+            <a:extLst>
+              <a:ext uri="{FF2B5EF4-FFF2-40B4-BE49-F238E27FC236}">
+                <a16:creationId xmlns:a16="http://schemas.microsoft.com/office/drawing/2014/main" id="{8FA7EA77-C9F8-F485-EEE9-FFF38BA9F283}"/>
+              </a:ext>
+            </a:extLst>
+          </p:cNvPr>
+          <p:cNvSpPr txBox="1"/>
+          <p:nvPr/>
+        </p:nvSpPr>
+        <p:spPr>
+          <a:xfrm>
+            <a:off x="2539998" y="1487084"/>
+            <a:ext cx="1543628" cy="461665"/>
+          </a:xfrm>
+          <a:prstGeom prst="rect">
+            <a:avLst/>
+          </a:prstGeom>
+        </p:spPr>
+        <p:style>
+          <a:lnRef idx="2">
+            <a:schemeClr val="accent2"/>
+          </a:lnRef>
+          <a:fillRef idx="1">
+            <a:schemeClr val="lt1"/>
+          </a:fillRef>
+          <a:effectRef idx="0">
+            <a:schemeClr val="accent2"/>
+          </a:effectRef>
+          <a:fontRef idx="minor">
+            <a:schemeClr val="dk1"/>
+          </a:fontRef>
+        </p:style>
+        <p:txBody>
+          <a:bodyPr wrap="square" rtlCol="0">
+            <a:spAutoFit/>
+          </a:bodyPr>
+          <a:lstStyle/>
+          <a:p>
+            <a:pPr algn="ctr"/>
+            <a:r>
+              <a:rPr lang="en-IE" sz="1200" b="1" dirty="0"/>
+              <a:t>Path to Vivado Bat File </a:t>
+            </a:r>
+          </a:p>
+        </p:txBody>
+      </p:sp>
+      <p:cxnSp>
+        <p:nvCxnSpPr>
+          <p:cNvPr id="8" name="Straight Connector 7">
+            <a:extLst>
+              <a:ext uri="{FF2B5EF4-FFF2-40B4-BE49-F238E27FC236}">
+                <a16:creationId xmlns:a16="http://schemas.microsoft.com/office/drawing/2014/main" id="{E2EBF456-E7F8-AEB2-0A8C-D2B91D90FED9}"/>
+              </a:ext>
+            </a:extLst>
+          </p:cNvPr>
+          <p:cNvCxnSpPr>
+            <a:cxnSpLocks/>
+            <a:stCxn id="6" idx="0"/>
+            <a:endCxn id="14" idx="2"/>
+          </p:cNvCxnSpPr>
+          <p:nvPr/>
+        </p:nvCxnSpPr>
+        <p:spPr>
+          <a:xfrm flipV="1">
+            <a:off x="3311812" y="1231533"/>
+            <a:ext cx="144899" cy="255551"/>
+          </a:xfrm>
+          <a:prstGeom prst="line">
+            <a:avLst/>
+          </a:prstGeom>
+        </p:spPr>
+        <p:style>
+          <a:lnRef idx="2">
+            <a:schemeClr val="accent2"/>
+          </a:lnRef>
+          <a:fillRef idx="0">
+            <a:schemeClr val="accent2"/>
+          </a:fillRef>
+          <a:effectRef idx="1">
+            <a:schemeClr val="accent2"/>
+          </a:effectRef>
+          <a:fontRef idx="minor">
+            <a:schemeClr val="tx1"/>
+          </a:fontRef>
+        </p:style>
+      </p:cxnSp>
+      <p:sp>
+        <p:nvSpPr>
+          <p:cNvPr id="11" name="TextBox 10">
+            <a:extLst>
+              <a:ext uri="{FF2B5EF4-FFF2-40B4-BE49-F238E27FC236}">
+                <a16:creationId xmlns:a16="http://schemas.microsoft.com/office/drawing/2014/main" id="{3278B688-BAEA-BFF1-427B-1FA6569F6543}"/>
+              </a:ext>
+            </a:extLst>
+          </p:cNvPr>
+          <p:cNvSpPr txBox="1"/>
+          <p:nvPr/>
+        </p:nvSpPr>
+        <p:spPr>
+          <a:xfrm>
+            <a:off x="4105561" y="1487084"/>
+            <a:ext cx="2133600" cy="461665"/>
+          </a:xfrm>
+          <a:prstGeom prst="rect">
+            <a:avLst/>
+          </a:prstGeom>
+        </p:spPr>
+        <p:style>
+          <a:lnRef idx="2">
+            <a:schemeClr val="accent2"/>
+          </a:lnRef>
+          <a:fillRef idx="1">
+            <a:schemeClr val="lt1"/>
+          </a:fillRef>
+          <a:effectRef idx="0">
+            <a:schemeClr val="accent2"/>
+          </a:effectRef>
+          <a:fontRef idx="minor">
+            <a:schemeClr val="dk1"/>
+          </a:fontRef>
+        </p:style>
+        <p:txBody>
+          <a:bodyPr wrap="square" rtlCol="0">
+            <a:spAutoFit/>
+          </a:bodyPr>
+          <a:lstStyle/>
+          <a:p>
+            <a:pPr algn="ctr"/>
+            <a:r>
+              <a:rPr lang="en-IE" sz="1200" b="1" dirty="0"/>
+              <a:t>Instructs Vivado to operate in Tcl Console Mode</a:t>
+            </a:r>
+          </a:p>
+        </p:txBody>
+      </p:sp>
+      <p:sp>
+        <p:nvSpPr>
+          <p:cNvPr id="14" name="TextBox 13">
+            <a:extLst>
+              <a:ext uri="{FF2B5EF4-FFF2-40B4-BE49-F238E27FC236}">
+                <a16:creationId xmlns:a16="http://schemas.microsoft.com/office/drawing/2014/main" id="{BB1BBD29-1318-3A7C-1814-8D9470A88D77}"/>
+              </a:ext>
+            </a:extLst>
+          </p:cNvPr>
+          <p:cNvSpPr txBox="1"/>
+          <p:nvPr/>
+        </p:nvSpPr>
+        <p:spPr>
+          <a:xfrm>
+            <a:off x="2697019" y="954534"/>
+            <a:ext cx="1519383" cy="276999"/>
+          </a:xfrm>
+          <a:prstGeom prst="rect">
+            <a:avLst/>
+          </a:prstGeom>
+          <a:noFill/>
+          <a:ln w="38100"/>
+        </p:spPr>
+        <p:style>
+          <a:lnRef idx="2">
+            <a:schemeClr val="accent2"/>
+          </a:lnRef>
+          <a:fillRef idx="1">
+            <a:schemeClr val="lt1"/>
+          </a:fillRef>
+          <a:effectRef idx="0">
+            <a:schemeClr val="accent2"/>
+          </a:effectRef>
+          <a:fontRef idx="minor">
+            <a:schemeClr val="dk1"/>
+          </a:fontRef>
+        </p:style>
+        <p:txBody>
+          <a:bodyPr wrap="square" rtlCol="0">
+            <a:spAutoFit/>
+          </a:bodyPr>
+          <a:lstStyle/>
+          <a:p>
+            <a:pPr algn="ctr"/>
+            <a:endParaRPr lang="en-IE" sz="1200" b="1" dirty="0"/>
+          </a:p>
+        </p:txBody>
+      </p:sp>
+      <p:sp>
+        <p:nvSpPr>
+          <p:cNvPr id="17" name="TextBox 16">
+            <a:extLst>
+              <a:ext uri="{FF2B5EF4-FFF2-40B4-BE49-F238E27FC236}">
+                <a16:creationId xmlns:a16="http://schemas.microsoft.com/office/drawing/2014/main" id="{3DAE2F7B-619B-88BB-3828-316AC5958637}"/>
+              </a:ext>
+            </a:extLst>
+          </p:cNvPr>
+          <p:cNvSpPr txBox="1"/>
+          <p:nvPr/>
+        </p:nvSpPr>
+        <p:spPr>
+          <a:xfrm>
+            <a:off x="4216402" y="954198"/>
+            <a:ext cx="1159161" cy="276999"/>
+          </a:xfrm>
+          <a:prstGeom prst="rect">
+            <a:avLst/>
+          </a:prstGeom>
+          <a:noFill/>
+          <a:ln w="38100"/>
+        </p:spPr>
+        <p:style>
+          <a:lnRef idx="2">
+            <a:schemeClr val="accent2"/>
+          </a:lnRef>
+          <a:fillRef idx="1">
+            <a:schemeClr val="lt1"/>
+          </a:fillRef>
+          <a:effectRef idx="0">
+            <a:schemeClr val="accent2"/>
+          </a:effectRef>
+          <a:fontRef idx="minor">
+            <a:schemeClr val="dk1"/>
+          </a:fontRef>
+        </p:style>
+        <p:txBody>
+          <a:bodyPr wrap="square" rtlCol="0">
+            <a:spAutoFit/>
+          </a:bodyPr>
+          <a:lstStyle/>
+          <a:p>
+            <a:pPr algn="ctr"/>
+            <a:endParaRPr lang="en-IE" sz="1200" b="1" dirty="0"/>
+          </a:p>
+        </p:txBody>
+      </p:sp>
+      <p:cxnSp>
+        <p:nvCxnSpPr>
+          <p:cNvPr id="18" name="Straight Connector 17">
+            <a:extLst>
+              <a:ext uri="{FF2B5EF4-FFF2-40B4-BE49-F238E27FC236}">
+                <a16:creationId xmlns:a16="http://schemas.microsoft.com/office/drawing/2014/main" id="{73440573-F1CA-8926-50E6-95BF9AE31276}"/>
+              </a:ext>
+            </a:extLst>
+          </p:cNvPr>
+          <p:cNvCxnSpPr>
+            <a:cxnSpLocks/>
+            <a:stCxn id="11" idx="0"/>
+            <a:endCxn id="17" idx="2"/>
+          </p:cNvCxnSpPr>
+          <p:nvPr/>
+        </p:nvCxnSpPr>
+        <p:spPr>
+          <a:xfrm flipH="1" flipV="1">
+            <a:off x="4795983" y="1231197"/>
+            <a:ext cx="376378" cy="255887"/>
+          </a:xfrm>
+          <a:prstGeom prst="line">
+            <a:avLst/>
+          </a:prstGeom>
+        </p:spPr>
+        <p:style>
+          <a:lnRef idx="2">
+            <a:schemeClr val="accent2"/>
+          </a:lnRef>
+          <a:fillRef idx="0">
+            <a:schemeClr val="accent2"/>
+          </a:fillRef>
+          <a:effectRef idx="1">
+            <a:schemeClr val="accent2"/>
+          </a:effectRef>
+          <a:fontRef idx="minor">
+            <a:schemeClr val="tx1"/>
+          </a:fontRef>
+        </p:style>
+      </p:cxnSp>
+      <p:sp>
+        <p:nvSpPr>
+          <p:cNvPr id="22" name="TextBox 21">
+            <a:extLst>
+              <a:ext uri="{FF2B5EF4-FFF2-40B4-BE49-F238E27FC236}">
+                <a16:creationId xmlns:a16="http://schemas.microsoft.com/office/drawing/2014/main" id="{0E35CC86-2F43-969E-5AE8-8BD5A17BFFC8}"/>
+              </a:ext>
+            </a:extLst>
+          </p:cNvPr>
+          <p:cNvSpPr txBox="1"/>
+          <p:nvPr/>
+        </p:nvSpPr>
+        <p:spPr>
+          <a:xfrm>
+            <a:off x="6239161" y="1487084"/>
+            <a:ext cx="2133600" cy="461665"/>
+          </a:xfrm>
+          <a:prstGeom prst="rect">
+            <a:avLst/>
+          </a:prstGeom>
+        </p:spPr>
+        <p:style>
+          <a:lnRef idx="2">
+            <a:schemeClr val="accent2"/>
+          </a:lnRef>
+          <a:fillRef idx="1">
+            <a:schemeClr val="lt1"/>
+          </a:fillRef>
+          <a:effectRef idx="0">
+            <a:schemeClr val="accent2"/>
+          </a:effectRef>
+          <a:fontRef idx="minor">
+            <a:schemeClr val="dk1"/>
+          </a:fontRef>
+        </p:style>
+        <p:txBody>
+          <a:bodyPr wrap="square" rtlCol="0">
+            <a:spAutoFit/>
+          </a:bodyPr>
+          <a:lstStyle/>
+          <a:p>
+            <a:pPr algn="ctr"/>
+            <a:r>
+              <a:rPr lang="en-IE" sz="1200" b="1" dirty="0"/>
+              <a:t>Source command in Tcl is used to execute Tcl scripts</a:t>
+            </a:r>
+          </a:p>
+        </p:txBody>
+      </p:sp>
+      <p:sp>
+        <p:nvSpPr>
+          <p:cNvPr id="23" name="TextBox 22">
+            <a:extLst>
+              <a:ext uri="{FF2B5EF4-FFF2-40B4-BE49-F238E27FC236}">
+                <a16:creationId xmlns:a16="http://schemas.microsoft.com/office/drawing/2014/main" id="{AA2AB7CF-77B9-442E-144F-D9C9E9F9E370}"/>
+              </a:ext>
+            </a:extLst>
+          </p:cNvPr>
+          <p:cNvSpPr txBox="1"/>
+          <p:nvPr/>
+        </p:nvSpPr>
+        <p:spPr>
+          <a:xfrm>
+            <a:off x="5375563" y="954305"/>
+            <a:ext cx="863598" cy="276999"/>
+          </a:xfrm>
+          <a:prstGeom prst="rect">
+            <a:avLst/>
+          </a:prstGeom>
+          <a:noFill/>
+          <a:ln w="38100"/>
+        </p:spPr>
+        <p:style>
+          <a:lnRef idx="2">
+            <a:schemeClr val="accent2"/>
+          </a:lnRef>
+          <a:fillRef idx="1">
+            <a:schemeClr val="lt1"/>
+          </a:fillRef>
+          <a:effectRef idx="0">
+            <a:schemeClr val="accent2"/>
+          </a:effectRef>
+          <a:fontRef idx="minor">
+            <a:schemeClr val="dk1"/>
+          </a:fontRef>
+        </p:style>
+        <p:txBody>
+          <a:bodyPr wrap="square" rtlCol="0">
+            <a:spAutoFit/>
+          </a:bodyPr>
+          <a:lstStyle/>
+          <a:p>
+            <a:pPr algn="ctr"/>
+            <a:endParaRPr lang="en-IE" sz="1200" b="1" dirty="0"/>
+          </a:p>
+        </p:txBody>
+      </p:sp>
+      <p:cxnSp>
+        <p:nvCxnSpPr>
+          <p:cNvPr id="24" name="Straight Connector 23">
+            <a:extLst>
+              <a:ext uri="{FF2B5EF4-FFF2-40B4-BE49-F238E27FC236}">
+                <a16:creationId xmlns:a16="http://schemas.microsoft.com/office/drawing/2014/main" id="{7BB1EDCC-6351-4432-772C-7A5D2AFE743B}"/>
+              </a:ext>
+            </a:extLst>
+          </p:cNvPr>
+          <p:cNvCxnSpPr>
+            <a:cxnSpLocks/>
+            <a:stCxn id="22" idx="0"/>
+            <a:endCxn id="23" idx="2"/>
+          </p:cNvCxnSpPr>
+          <p:nvPr/>
+        </p:nvCxnSpPr>
+        <p:spPr>
+          <a:xfrm flipH="1" flipV="1">
+            <a:off x="5807362" y="1231304"/>
+            <a:ext cx="1498599" cy="255780"/>
+          </a:xfrm>
+          <a:prstGeom prst="line">
+            <a:avLst/>
+          </a:prstGeom>
+        </p:spPr>
+        <p:style>
+          <a:lnRef idx="2">
+            <a:schemeClr val="accent2"/>
+          </a:lnRef>
+          <a:fillRef idx="0">
+            <a:schemeClr val="accent2"/>
+          </a:fillRef>
+          <a:effectRef idx="1">
+            <a:schemeClr val="accent2"/>
+          </a:effectRef>
+          <a:fontRef idx="minor">
+            <a:schemeClr val="tx1"/>
+          </a:fontRef>
+        </p:style>
+      </p:cxnSp>
+      <p:sp>
+        <p:nvSpPr>
+          <p:cNvPr id="28" name="TextBox 27">
+            <a:extLst>
+              <a:ext uri="{FF2B5EF4-FFF2-40B4-BE49-F238E27FC236}">
+                <a16:creationId xmlns:a16="http://schemas.microsoft.com/office/drawing/2014/main" id="{34719562-3B95-DB09-14A9-6D8940E14C80}"/>
+              </a:ext>
+            </a:extLst>
+          </p:cNvPr>
+          <p:cNvSpPr txBox="1"/>
+          <p:nvPr/>
+        </p:nvSpPr>
+        <p:spPr>
+          <a:xfrm>
+            <a:off x="8372761" y="1487084"/>
+            <a:ext cx="2133600" cy="461665"/>
+          </a:xfrm>
+          <a:prstGeom prst="rect">
+            <a:avLst/>
+          </a:prstGeom>
+        </p:spPr>
+        <p:style>
+          <a:lnRef idx="2">
+            <a:schemeClr val="accent2"/>
+          </a:lnRef>
+          <a:fillRef idx="1">
+            <a:schemeClr val="lt1"/>
+          </a:fillRef>
+          <a:effectRef idx="0">
+            <a:schemeClr val="accent2"/>
+          </a:effectRef>
+          <a:fontRef idx="minor">
+            <a:schemeClr val="dk1"/>
+          </a:fontRef>
+        </p:style>
+        <p:txBody>
+          <a:bodyPr wrap="square" rtlCol="0">
+            <a:spAutoFit/>
+          </a:bodyPr>
+          <a:lstStyle/>
+          <a:p>
+            <a:pPr algn="ctr"/>
+            <a:r>
+              <a:rPr lang="en-IE" sz="1200" b="1" dirty="0"/>
+              <a:t>Path to Tcl script with build instructions</a:t>
+            </a:r>
+          </a:p>
+        </p:txBody>
+      </p:sp>
+      <p:sp>
+        <p:nvSpPr>
+          <p:cNvPr id="29" name="TextBox 28">
+            <a:extLst>
+              <a:ext uri="{FF2B5EF4-FFF2-40B4-BE49-F238E27FC236}">
+                <a16:creationId xmlns:a16="http://schemas.microsoft.com/office/drawing/2014/main" id="{2E4244FC-23BE-C2C9-3EC4-E1B29392D37E}"/>
+              </a:ext>
+            </a:extLst>
+          </p:cNvPr>
+          <p:cNvSpPr txBox="1"/>
+          <p:nvPr/>
+        </p:nvSpPr>
+        <p:spPr>
+          <a:xfrm>
+            <a:off x="6242628" y="954198"/>
+            <a:ext cx="3926608" cy="276999"/>
+          </a:xfrm>
+          <a:prstGeom prst="rect">
+            <a:avLst/>
+          </a:prstGeom>
+          <a:noFill/>
+          <a:ln w="38100"/>
+        </p:spPr>
+        <p:style>
+          <a:lnRef idx="2">
+            <a:schemeClr val="accent2"/>
+          </a:lnRef>
+          <a:fillRef idx="1">
+            <a:schemeClr val="lt1"/>
+          </a:fillRef>
+          <a:effectRef idx="0">
+            <a:schemeClr val="accent2"/>
+          </a:effectRef>
+          <a:fontRef idx="minor">
+            <a:schemeClr val="dk1"/>
+          </a:fontRef>
+        </p:style>
+        <p:txBody>
+          <a:bodyPr wrap="square" rtlCol="0">
+            <a:spAutoFit/>
+          </a:bodyPr>
+          <a:lstStyle/>
+          <a:p>
+            <a:pPr algn="ctr"/>
+            <a:endParaRPr lang="en-IE" sz="1200" b="1" dirty="0"/>
+          </a:p>
+        </p:txBody>
+      </p:sp>
+      <p:cxnSp>
+        <p:nvCxnSpPr>
+          <p:cNvPr id="30" name="Straight Connector 29">
+            <a:extLst>
+              <a:ext uri="{FF2B5EF4-FFF2-40B4-BE49-F238E27FC236}">
+                <a16:creationId xmlns:a16="http://schemas.microsoft.com/office/drawing/2014/main" id="{361D5CD0-BC1A-4FB3-93CB-8CA513F4220A}"/>
+              </a:ext>
+            </a:extLst>
+          </p:cNvPr>
+          <p:cNvCxnSpPr>
+            <a:cxnSpLocks/>
+            <a:stCxn id="28" idx="0"/>
+            <a:endCxn id="29" idx="2"/>
+          </p:cNvCxnSpPr>
+          <p:nvPr/>
+        </p:nvCxnSpPr>
+        <p:spPr>
+          <a:xfrm flipH="1" flipV="1">
+            <a:off x="8205932" y="1231197"/>
+            <a:ext cx="1233629" cy="255887"/>
+          </a:xfrm>
+          <a:prstGeom prst="line">
+            <a:avLst/>
+          </a:prstGeom>
+        </p:spPr>
+        <p:style>
+          <a:lnRef idx="2">
+            <a:schemeClr val="accent2"/>
+          </a:lnRef>
+          <a:fillRef idx="0">
+            <a:schemeClr val="accent2"/>
+          </a:fillRef>
+          <a:effectRef idx="1">
+            <a:schemeClr val="accent2"/>
+          </a:effectRef>
+          <a:fontRef idx="minor">
+            <a:schemeClr val="tx1"/>
+          </a:fontRef>
+        </p:style>
+      </p:cxnSp>
+    </p:spTree>
+    <p:extLst>
+      <p:ext uri="{BB962C8B-B14F-4D97-AF65-F5344CB8AC3E}">
+        <p14:creationId xmlns:p14="http://schemas.microsoft.com/office/powerpoint/2010/main" val="4163306356"/>
+      </p:ext>
+    </p:extLst>
+  </p:cSld>
+  <p:clrMapOvr>
+    <a:masterClrMapping/>
+  </p:clrMapOvr>
+</p:sld>
+</file>
+
 <file path=ppt/slides/slide2.xml><?xml version="1.0" encoding="utf-8"?>
 <p:sld xmlns:a="http://schemas.openxmlformats.org/drawingml/2006/main" xmlns:r="http://schemas.openxmlformats.org/officeDocument/2006/relationships" xmlns:p="http://schemas.openxmlformats.org/presentationml/2006/main">
   <p:cSld>
@@ -5523,7 +9585,7 @@
         </p:nvSpPr>
         <p:spPr>
           <a:xfrm>
-            <a:off x="1440085" y="1240799"/>
+            <a:off x="1440084" y="1668326"/>
             <a:ext cx="4874117" cy="369332"/>
           </a:xfrm>
           <a:prstGeom prst="rect">
@@ -5559,7 +9621,7 @@
         </p:nvSpPr>
         <p:spPr>
           <a:xfrm>
-            <a:off x="6725852" y="742305"/>
+            <a:off x="6725851" y="601067"/>
             <a:ext cx="4874117" cy="369332"/>
           </a:xfrm>
           <a:prstGeom prst="rect">
@@ -8579,6 +12641,85 @@
           </a:fontRef>
         </p:style>
       </p:cxnSp>
+      <p:cxnSp>
+        <p:nvCxnSpPr>
+          <p:cNvPr id="3" name="Straight Connector 2">
+            <a:extLst>
+              <a:ext uri="{FF2B5EF4-FFF2-40B4-BE49-F238E27FC236}">
+                <a16:creationId xmlns:a16="http://schemas.microsoft.com/office/drawing/2014/main" id="{FCDE06F0-6AB5-362C-5CFA-6B8AD3058662}"/>
+              </a:ext>
+            </a:extLst>
+          </p:cNvPr>
+          <p:cNvCxnSpPr>
+            <a:cxnSpLocks/>
+          </p:cNvCxnSpPr>
+          <p:nvPr/>
+        </p:nvCxnSpPr>
+        <p:spPr>
+          <a:xfrm rot="2700000" flipH="1">
+            <a:off x="5527280" y="5904776"/>
+            <a:ext cx="432000" cy="0"/>
+          </a:xfrm>
+          <a:prstGeom prst="line">
+            <a:avLst/>
+          </a:prstGeom>
+          <a:ln w="19050">
+            <a:solidFill>
+              <a:schemeClr val="tx1"/>
+            </a:solidFill>
+          </a:ln>
+        </p:spPr>
+        <p:style>
+          <a:lnRef idx="2">
+            <a:schemeClr val="accent1"/>
+          </a:lnRef>
+          <a:fillRef idx="0">
+            <a:schemeClr val="accent1"/>
+          </a:fillRef>
+          <a:effectRef idx="1">
+            <a:schemeClr val="accent1"/>
+          </a:effectRef>
+          <a:fontRef idx="minor">
+            <a:schemeClr val="tx1"/>
+          </a:fontRef>
+        </p:style>
+      </p:cxnSp>
+      <p:sp>
+        <p:nvSpPr>
+          <p:cNvPr id="4" name="TextBox 3">
+            <a:extLst>
+              <a:ext uri="{FF2B5EF4-FFF2-40B4-BE49-F238E27FC236}">
+                <a16:creationId xmlns:a16="http://schemas.microsoft.com/office/drawing/2014/main" id="{3C4C5211-5E8E-5545-B6FC-433E4B9B4A02}"/>
+              </a:ext>
+            </a:extLst>
+          </p:cNvPr>
+          <p:cNvSpPr txBox="1"/>
+          <p:nvPr/>
+        </p:nvSpPr>
+        <p:spPr>
+          <a:xfrm>
+            <a:off x="4858984" y="5523523"/>
+            <a:ext cx="1765082" cy="307777"/>
+          </a:xfrm>
+          <a:prstGeom prst="rect">
+            <a:avLst/>
+          </a:prstGeom>
+          <a:noFill/>
+        </p:spPr>
+        <p:txBody>
+          <a:bodyPr wrap="square" rtlCol="0">
+            <a:spAutoFit/>
+          </a:bodyPr>
+          <a:lstStyle/>
+          <a:p>
+            <a:pPr algn="ctr"/>
+            <a:r>
+              <a:rPr lang="en-IE" sz="1400" dirty="0"/>
+              <a:t>4</a:t>
+            </a:r>
+          </a:p>
+        </p:txBody>
+      </p:sp>
     </p:spTree>
     <p:extLst>
       <p:ext uri="{BB962C8B-B14F-4D97-AF65-F5344CB8AC3E}">
@@ -8719,7 +12860,7 @@
           <p:nvPr>
             <p:extLst>
               <p:ext uri="{D42A27DB-BD31-4B8C-83A1-F6EECF244321}">
-                <p14:modId xmlns:p14="http://schemas.microsoft.com/office/powerpoint/2010/main" val="3568281573"/>
+                <p14:modId xmlns:p14="http://schemas.microsoft.com/office/powerpoint/2010/main" val="1907537858"/>
               </p:ext>
             </p:extLst>
           </p:nvPr>
@@ -9168,7 +13309,7 @@
                     <a:p>
                       <a:pPr algn="ctr" fontAlgn="b"/>
                       <a:r>
-                        <a:rPr lang="en-IE" sz="1400" b="1" i="0" u="none" strike="noStrike" dirty="0" err="1">
+                        <a:rPr lang="en-IE" sz="1400" b="1" i="0" u="none" strike="noStrike" dirty="0">
                           <a:solidFill>
                             <a:srgbClr val="FFFFFF"/>
                           </a:solidFill>
@@ -9180,16 +13321,6 @@
                         </a:rPr>
                         <a:t>TestNo</a:t>
                       </a:r>
-                      <a:endParaRPr lang="en-IE" sz="1400" b="1" i="0" u="none" strike="noStrike" dirty="0">
-                        <a:solidFill>
-                          <a:srgbClr val="FFFFFF"/>
-                        </a:solidFill>
-                        <a:effectLst/>
-                        <a:highlight>
-                          <a:srgbClr val="156082"/>
-                        </a:highlight>
-                        <a:latin typeface="Aptos Narrow" panose="020B0004020202020204" pitchFamily="34" charset="0"/>
-                      </a:endParaRPr>
                     </a:p>
                   </a:txBody>
                   <a:tcPr marL="4445" marR="4445" marT="4445" marB="0" anchor="b">
@@ -10823,7 +14954,7 @@
                     <a:p>
                       <a:pPr algn="ctr" fontAlgn="b"/>
                       <a:r>
-                        <a:rPr lang="en-IE" sz="1400" b="0" i="0" u="none" strike="noStrike">
+                        <a:rPr lang="en-IE" sz="1400" b="0" i="0" u="none" strike="noStrike" dirty="0">
                           <a:solidFill>
                             <a:srgbClr val="000000"/>
                           </a:solidFill>
@@ -10869,7 +15000,7 @@
                     <a:p>
                       <a:pPr algn="ctr" fontAlgn="b"/>
                       <a:r>
-                        <a:rPr lang="en-IE" sz="1400" b="0" i="0" u="none" strike="noStrike">
+                        <a:rPr lang="en-IE" sz="1400" b="0" i="0" u="none" strike="noStrike" dirty="0">
                           <a:solidFill>
                             <a:srgbClr val="000000"/>
                           </a:solidFill>
@@ -11053,7 +15184,7 @@
                     <a:p>
                       <a:pPr algn="ctr" fontAlgn="b"/>
                       <a:r>
-                        <a:rPr lang="en-IE" sz="1400" b="0" i="0" u="none" strike="noStrike">
+                        <a:rPr lang="en-IE" sz="1400" b="0" i="0" u="none" strike="noStrike" dirty="0">
                           <a:solidFill>
                             <a:srgbClr val="000000"/>
                           </a:solidFill>
@@ -11523,19 +15654,6 @@
                     <a:p>
                       <a:pPr algn="ctr" fontAlgn="b"/>
                       <a:r>
-                        <a:rPr lang="en-IE" sz="1400" b="0" i="0" u="none" strike="noStrike" dirty="0" err="1">
-                          <a:solidFill>
-                            <a:srgbClr val="000000"/>
-                          </a:solidFill>
-                          <a:effectLst/>
-                          <a:highlight>
-                            <a:srgbClr val="C0E6F5"/>
-                          </a:highlight>
-                          <a:latin typeface="Aptos Narrow" panose="020B0004020202020204" pitchFamily="34" charset="0"/>
-                        </a:rPr>
-                        <a:t>sgnA</a:t>
-                      </a:r>
-                      <a:r>
                         <a:rPr lang="en-IE" sz="1400" b="0" i="0" u="none" strike="noStrike" dirty="0">
                           <a:solidFill>
                             <a:srgbClr val="000000"/>
@@ -11546,31 +15664,8 @@
                           </a:highlight>
                           <a:latin typeface="Aptos Narrow" panose="020B0004020202020204" pitchFamily="34" charset="0"/>
                         </a:rPr>
-                        <a:t> + </a:t>
+                        <a:t>sgnA + sgnB</a:t>
                       </a:r>
-                      <a:r>
-                        <a:rPr lang="en-IE" sz="1400" b="0" i="0" u="none" strike="noStrike" dirty="0" err="1">
-                          <a:solidFill>
-                            <a:srgbClr val="000000"/>
-                          </a:solidFill>
-                          <a:effectLst/>
-                          <a:highlight>
-                            <a:srgbClr val="C0E6F5"/>
-                          </a:highlight>
-                          <a:latin typeface="Aptos Narrow" panose="020B0004020202020204" pitchFamily="34" charset="0"/>
-                        </a:rPr>
-                        <a:t>sgnB</a:t>
-                      </a:r>
-                      <a:endParaRPr lang="en-IE" sz="1400" b="0" i="0" u="none" strike="noStrike" dirty="0">
-                        <a:solidFill>
-                          <a:srgbClr val="000000"/>
-                        </a:solidFill>
-                        <a:effectLst/>
-                        <a:highlight>
-                          <a:srgbClr val="C0E6F5"/>
-                        </a:highlight>
-                        <a:latin typeface="Aptos Narrow" panose="020B0004020202020204" pitchFamily="34" charset="0"/>
-                      </a:endParaRPr>
                     </a:p>
                   </a:txBody>
                   <a:tcPr marL="4445" marR="4445" marT="4445" marB="0" anchor="b">
@@ -11718,7 +15813,7 @@
                     <a:p>
                       <a:pPr algn="ctr" fontAlgn="b"/>
                       <a:r>
-                        <a:rPr lang="en-IE" sz="1400" b="0" i="0" u="none" strike="noStrike">
+                        <a:rPr lang="en-IE" sz="1400" b="0" i="0" u="none" strike="noStrike" dirty="0" err="1">
                           <a:solidFill>
                             <a:srgbClr val="000000"/>
                           </a:solidFill>
@@ -11727,6 +15822,13 @@
                         </a:rPr>
                         <a:t>ffffffff</a:t>
                       </a:r>
+                      <a:endParaRPr lang="en-IE" sz="1400" b="0" i="0" u="none" strike="noStrike" dirty="0">
+                        <a:solidFill>
+                          <a:srgbClr val="000000"/>
+                        </a:solidFill>
+                        <a:effectLst/>
+                        <a:latin typeface="Aptos Narrow" panose="020B0004020202020204" pitchFamily="34" charset="0"/>
+                      </a:endParaRPr>
                     </a:p>
                   </a:txBody>
                   <a:tcPr marL="4445" marR="4445" marT="4445" marB="0" anchor="b">
@@ -12471,19 +16573,6 @@
                     <a:p>
                       <a:pPr algn="ctr" fontAlgn="b"/>
                       <a:r>
-                        <a:rPr lang="en-IE" sz="1400" b="0" i="0" u="none" strike="noStrike" dirty="0" err="1">
-                          <a:solidFill>
-                            <a:srgbClr val="000000"/>
-                          </a:solidFill>
-                          <a:effectLst/>
-                          <a:highlight>
-                            <a:srgbClr val="C0E6F5"/>
-                          </a:highlight>
-                          <a:latin typeface="Aptos Narrow" panose="020B0004020202020204" pitchFamily="34" charset="0"/>
-                        </a:rPr>
-                        <a:t>sgnA</a:t>
-                      </a:r>
-                      <a:r>
                         <a:rPr lang="en-IE" sz="1400" b="0" i="0" u="none" strike="noStrike" dirty="0">
                           <a:solidFill>
                             <a:srgbClr val="000000"/>
@@ -12494,31 +16583,8 @@
                           </a:highlight>
                           <a:latin typeface="Aptos Narrow" panose="020B0004020202020204" pitchFamily="34" charset="0"/>
                         </a:rPr>
-                        <a:t> - </a:t>
+                        <a:t>sgnA - sgnB</a:t>
                       </a:r>
-                      <a:r>
-                        <a:rPr lang="en-IE" sz="1400" b="0" i="0" u="none" strike="noStrike" dirty="0" err="1">
-                          <a:solidFill>
-                            <a:srgbClr val="000000"/>
-                          </a:solidFill>
-                          <a:effectLst/>
-                          <a:highlight>
-                            <a:srgbClr val="C0E6F5"/>
-                          </a:highlight>
-                          <a:latin typeface="Aptos Narrow" panose="020B0004020202020204" pitchFamily="34" charset="0"/>
-                        </a:rPr>
-                        <a:t>sgnB</a:t>
-                      </a:r>
-                      <a:endParaRPr lang="en-IE" sz="1400" b="0" i="0" u="none" strike="noStrike" dirty="0">
-                        <a:solidFill>
-                          <a:srgbClr val="000000"/>
-                        </a:solidFill>
-                        <a:effectLst/>
-                        <a:highlight>
-                          <a:srgbClr val="C0E6F5"/>
-                        </a:highlight>
-                        <a:latin typeface="Aptos Narrow" panose="020B0004020202020204" pitchFamily="34" charset="0"/>
-                      </a:endParaRPr>
                     </a:p>
                   </a:txBody>
                   <a:tcPr marL="4445" marR="4445" marT="4445" marB="0" anchor="b">
@@ -13157,7 +17223,7 @@
                     <a:p>
                       <a:pPr algn="ctr" fontAlgn="b"/>
                       <a:r>
-                        <a:rPr lang="en-IE" sz="1400" b="0" i="0" u="none" strike="noStrike">
+                        <a:rPr lang="en-IE" sz="1400" b="0" i="0" u="none" strike="noStrike" dirty="0">
                           <a:solidFill>
                             <a:srgbClr val="000000"/>
                           </a:solidFill>
@@ -14113,7 +18179,7 @@
                     <a:p>
                       <a:pPr algn="ctr" fontAlgn="b"/>
                       <a:r>
-                        <a:rPr lang="en-IE" sz="1400" b="0" i="0" u="none" strike="noStrike">
+                        <a:rPr lang="en-IE" sz="1400" b="0" i="0" u="none" strike="noStrike" dirty="0">
                           <a:solidFill>
                             <a:srgbClr val="000000"/>
                           </a:solidFill>
@@ -14568,7 +18634,7 @@
                     <a:p>
                       <a:pPr algn="ctr" fontAlgn="b"/>
                       <a:r>
-                        <a:rPr lang="en-IE" sz="1400" b="0" i="0" u="none" strike="noStrike">
+                        <a:rPr lang="en-IE" sz="1400" b="0" i="0" u="none" strike="noStrike" dirty="0">
                           <a:solidFill>
                             <a:srgbClr val="000000"/>
                           </a:solidFill>
@@ -16137,59 +20203,7 @@
                           </a:highlight>
                           <a:latin typeface="Aptos Narrow" panose="020B0004020202020204" pitchFamily="34" charset="0"/>
                         </a:rPr>
-                        <a:t>1 if </a:t>
-                      </a:r>
-                      <a:r>
-                        <a:rPr lang="en-IE" sz="1400" b="0" i="0" u="none" strike="noStrike" dirty="0" err="1">
-                          <a:solidFill>
-                            <a:srgbClr val="000000"/>
-                          </a:solidFill>
-                          <a:effectLst/>
-                          <a:highlight>
-                            <a:srgbClr val="C0E6F5"/>
-                          </a:highlight>
-                          <a:latin typeface="Aptos Narrow" panose="020B0004020202020204" pitchFamily="34" charset="0"/>
-                        </a:rPr>
-                        <a:t>uns</a:t>
-                      </a:r>
-                      <a:r>
-                        <a:rPr lang="en-IE" sz="1400" b="0" i="0" u="none" strike="noStrike" dirty="0">
-                          <a:solidFill>
-                            <a:srgbClr val="000000"/>
-                          </a:solidFill>
-                          <a:effectLst/>
-                          <a:highlight>
-                            <a:srgbClr val="C0E6F5"/>
-                          </a:highlight>
-                          <a:latin typeface="Aptos Narrow" panose="020B0004020202020204" pitchFamily="34" charset="0"/>
-                        </a:rPr>
-                        <a:t> A &lt; </a:t>
-                      </a:r>
-                      <a:r>
-                        <a:rPr lang="en-IE" sz="1400" b="0" i="0" u="none" strike="noStrike" dirty="0" err="1">
-                          <a:solidFill>
-                            <a:srgbClr val="000000"/>
-                          </a:solidFill>
-                          <a:effectLst/>
-                          <a:highlight>
-                            <a:srgbClr val="C0E6F5"/>
-                          </a:highlight>
-                          <a:latin typeface="Aptos Narrow" panose="020B0004020202020204" pitchFamily="34" charset="0"/>
-                        </a:rPr>
-                        <a:t>uns</a:t>
-                      </a:r>
-                      <a:r>
-                        <a:rPr lang="en-IE" sz="1400" b="0" i="0" u="none" strike="noStrike" dirty="0">
-                          <a:solidFill>
-                            <a:srgbClr val="000000"/>
-                          </a:solidFill>
-                          <a:effectLst/>
-                          <a:highlight>
-                            <a:srgbClr val="C0E6F5"/>
-                          </a:highlight>
-                          <a:latin typeface="Aptos Narrow" panose="020B0004020202020204" pitchFamily="34" charset="0"/>
-                        </a:rPr>
-                        <a:t> B</a:t>
+                        <a:t>1 if uns A &lt; uns B</a:t>
                       </a:r>
                     </a:p>
                   </a:txBody>
@@ -17473,7 +21487,7 @@
                     <a:p>
                       <a:pPr algn="ctr" fontAlgn="b"/>
                       <a:r>
-                        <a:rPr lang="en-IE" sz="1400" b="0" i="0" u="none" strike="noStrike">
+                        <a:rPr lang="en-IE" sz="1400" b="0" i="0" u="none" strike="noStrike" dirty="0">
                           <a:solidFill>
                             <a:srgbClr val="000000"/>
                           </a:solidFill>
@@ -20306,47 +24320,7 @@
                           <a:effectLst/>
                           <a:latin typeface="Aptos Narrow" panose="020B0004020202020204" pitchFamily="34" charset="0"/>
                         </a:rPr>
-                        <a:t>branch = 1 if </a:t>
-                      </a:r>
-                      <a:r>
-                        <a:rPr lang="en-IE" sz="1400" b="0" i="0" u="none" strike="noStrike" dirty="0" err="1">
-                          <a:solidFill>
-                            <a:srgbClr val="000000"/>
-                          </a:solidFill>
-                          <a:effectLst/>
-                          <a:latin typeface="Aptos Narrow" panose="020B0004020202020204" pitchFamily="34" charset="0"/>
-                        </a:rPr>
-                        <a:t>uns</a:t>
-                      </a:r>
-                      <a:r>
-                        <a:rPr lang="en-IE" sz="1400" b="0" i="0" u="none" strike="noStrike" dirty="0">
-                          <a:solidFill>
-                            <a:srgbClr val="000000"/>
-                          </a:solidFill>
-                          <a:effectLst/>
-                          <a:latin typeface="Aptos Narrow" panose="020B0004020202020204" pitchFamily="34" charset="0"/>
-                        </a:rPr>
-                        <a:t> A &lt; </a:t>
-                      </a:r>
-                      <a:r>
-                        <a:rPr lang="en-IE" sz="1400" b="0" i="0" u="none" strike="noStrike" dirty="0" err="1">
-                          <a:solidFill>
-                            <a:srgbClr val="000000"/>
-                          </a:solidFill>
-                          <a:effectLst/>
-                          <a:latin typeface="Aptos Narrow" panose="020B0004020202020204" pitchFamily="34" charset="0"/>
-                        </a:rPr>
-                        <a:t>uns</a:t>
-                      </a:r>
-                      <a:r>
-                        <a:rPr lang="en-IE" sz="1400" b="0" i="0" u="none" strike="noStrike" dirty="0">
-                          <a:solidFill>
-                            <a:srgbClr val="000000"/>
-                          </a:solidFill>
-                          <a:effectLst/>
-                          <a:latin typeface="Aptos Narrow" panose="020B0004020202020204" pitchFamily="34" charset="0"/>
-                        </a:rPr>
-                        <a:t> B</a:t>
+                        <a:t>branch = 1 if uns A &lt; uns B</a:t>
                       </a:r>
                     </a:p>
                   </a:txBody>
@@ -20808,7 +24782,7 @@
                     <a:lstStyle/>
                     <a:p>
                       <a:pPr algn="ctr" fontAlgn="b"/>
-                      <a:endParaRPr lang="en-IE" sz="1400" b="0" i="0" u="none" strike="noStrike">
+                      <a:endParaRPr lang="en-IE" sz="1400" b="0" i="0" u="none" strike="noStrike" dirty="0">
                         <a:solidFill>
                           <a:srgbClr val="000000"/>
                         </a:solidFill>
@@ -21248,47 +25222,7 @@
                           <a:effectLst/>
                           <a:latin typeface="Aptos Narrow" panose="020B0004020202020204" pitchFamily="34" charset="0"/>
                         </a:rPr>
-                        <a:t>branch = 1 if </a:t>
-                      </a:r>
-                      <a:r>
-                        <a:rPr lang="en-IE" sz="1400" b="0" i="0" u="none" strike="noStrike" dirty="0" err="1">
-                          <a:solidFill>
-                            <a:srgbClr val="000000"/>
-                          </a:solidFill>
-                          <a:effectLst/>
-                          <a:latin typeface="Aptos Narrow" panose="020B0004020202020204" pitchFamily="34" charset="0"/>
-                        </a:rPr>
-                        <a:t>uns</a:t>
-                      </a:r>
-                      <a:r>
-                        <a:rPr lang="en-IE" sz="1400" b="0" i="0" u="none" strike="noStrike" dirty="0">
-                          <a:solidFill>
-                            <a:srgbClr val="000000"/>
-                          </a:solidFill>
-                          <a:effectLst/>
-                          <a:latin typeface="Aptos Narrow" panose="020B0004020202020204" pitchFamily="34" charset="0"/>
-                        </a:rPr>
-                        <a:t> A &gt;= </a:t>
-                      </a:r>
-                      <a:r>
-                        <a:rPr lang="en-IE" sz="1400" b="0" i="0" u="none" strike="noStrike" dirty="0" err="1">
-                          <a:solidFill>
-                            <a:srgbClr val="000000"/>
-                          </a:solidFill>
-                          <a:effectLst/>
-                          <a:latin typeface="Aptos Narrow" panose="020B0004020202020204" pitchFamily="34" charset="0"/>
-                        </a:rPr>
-                        <a:t>uns</a:t>
-                      </a:r>
-                      <a:r>
-                        <a:rPr lang="en-IE" sz="1400" b="0" i="0" u="none" strike="noStrike" dirty="0">
-                          <a:solidFill>
-                            <a:srgbClr val="000000"/>
-                          </a:solidFill>
-                          <a:effectLst/>
-                          <a:latin typeface="Aptos Narrow" panose="020B0004020202020204" pitchFamily="34" charset="0"/>
-                        </a:rPr>
-                        <a:t> B</a:t>
+                        <a:t>branch = 1 if uns A &gt;= uns B</a:t>
                       </a:r>
                     </a:p>
                   </a:txBody>
@@ -21997,12 +25931,8 @@
           <a:p>
             <a:pPr algn="r"/>
             <a:r>
-              <a:rPr lang="en-IE" sz="2400" dirty="0" err="1"/>
-              <a:t>dataIn</a:t>
-            </a:r>
-            <a:r>
               <a:rPr lang="en-IE" sz="2400" dirty="0"/>
-              <a:t>(3:0)</a:t>
+              <a:t>dataIn(3:0)</a:t>
             </a:r>
           </a:p>
         </p:txBody>
@@ -22489,10 +26419,9 @@
           <a:p>
             <a:pPr algn="r"/>
             <a:r>
-              <a:rPr lang="en-IE" sz="2400" dirty="0" err="1"/>
+              <a:rPr lang="en-IE" sz="2400" dirty="0"/>
               <a:t>ce</a:t>
             </a:r>
-            <a:endParaRPr lang="en-IE" sz="2400" dirty="0"/>
           </a:p>
         </p:txBody>
       </p:sp>
@@ -22569,10 +26498,9 @@
           <a:p>
             <a:pPr algn="r"/>
             <a:r>
-              <a:rPr lang="en-IE" sz="2400" dirty="0" err="1"/>
+              <a:rPr lang="en-IE" sz="2400" dirty="0"/>
               <a:t>clk</a:t>
             </a:r>
-            <a:endParaRPr lang="en-IE" sz="2400" dirty="0"/>
           </a:p>
         </p:txBody>
       </p:sp>
@@ -22649,10 +26577,9 @@
           <a:p>
             <a:pPr algn="r"/>
             <a:r>
-              <a:rPr lang="en-IE" sz="2400" dirty="0" err="1"/>
+              <a:rPr lang="en-IE" sz="2400" dirty="0"/>
               <a:t>rst</a:t>
             </a:r>
-            <a:endParaRPr lang="en-IE" sz="2400" dirty="0"/>
           </a:p>
         </p:txBody>
       </p:sp>
@@ -22729,10 +26656,9 @@
           <a:p>
             <a:pPr algn="ctr"/>
             <a:r>
-              <a:rPr lang="en-IE" sz="2400" dirty="0" err="1"/>
+              <a:rPr lang="en-IE" sz="2400" dirty="0"/>
               <a:t>ceo</a:t>
             </a:r>
-            <a:endParaRPr lang="en-IE" sz="2400" dirty="0"/>
           </a:p>
         </p:txBody>
       </p:sp>
@@ -23235,10 +27161,9 @@
           <a:p>
             <a:pPr algn="r"/>
             <a:r>
-              <a:rPr lang="en-IE" sz="2400" dirty="0" err="1"/>
+              <a:rPr lang="en-IE" sz="2400" dirty="0"/>
               <a:t>sw</a:t>
             </a:r>
-            <a:endParaRPr lang="en-IE" sz="2400" dirty="0"/>
           </a:p>
         </p:txBody>
       </p:sp>
@@ -23532,10 +27457,9 @@
           <a:p>
             <a:pPr algn="ctr"/>
             <a:r>
-              <a:rPr lang="en-IE" sz="2400" dirty="0" err="1"/>
+              <a:rPr lang="en-IE" sz="2400" dirty="0"/>
               <a:t>clk</a:t>
             </a:r>
-            <a:endParaRPr lang="en-IE" sz="2400" dirty="0"/>
           </a:p>
         </p:txBody>
       </p:sp>
@@ -23784,10 +27708,9 @@
           <a:p>
             <a:pPr algn="ctr"/>
             <a:r>
-              <a:rPr lang="en-IE" sz="2400" dirty="0" err="1"/>
+              <a:rPr lang="en-IE" sz="2400" dirty="0"/>
               <a:t>rst</a:t>
             </a:r>
-            <a:endParaRPr lang="en-IE" sz="2400" dirty="0"/>
           </a:p>
         </p:txBody>
       </p:sp>
@@ -23795,6 +27718,2276 @@
     <p:extLst>
       <p:ext uri="{BB962C8B-B14F-4D97-AF65-F5344CB8AC3E}">
         <p14:creationId xmlns:p14="http://schemas.microsoft.com/office/powerpoint/2010/main" val="321759507"/>
+      </p:ext>
+    </p:extLst>
+  </p:cSld>
+  <p:clrMapOvr>
+    <a:masterClrMapping/>
+  </p:clrMapOvr>
+</p:sld>
+</file>
+
+<file path=ppt/slides/slide8.xml><?xml version="1.0" encoding="utf-8"?>
+<p:sld xmlns:a="http://schemas.openxmlformats.org/drawingml/2006/main" xmlns:r="http://schemas.openxmlformats.org/officeDocument/2006/relationships" xmlns:p="http://schemas.openxmlformats.org/presentationml/2006/main">
+  <p:cSld>
+    <p:spTree>
+      <p:nvGrpSpPr>
+        <p:cNvPr id="1" name=""/>
+        <p:cNvGrpSpPr/>
+        <p:nvPr/>
+      </p:nvGrpSpPr>
+      <p:grpSpPr>
+        <a:xfrm>
+          <a:off x="0" y="0"/>
+          <a:ext cx="0" cy="0"/>
+          <a:chOff x="0" y="0"/>
+          <a:chExt cx="0" cy="0"/>
+        </a:xfrm>
+      </p:grpSpPr>
+      <p:pic>
+        <p:nvPicPr>
+          <p:cNvPr id="17" name="Picture 16">
+            <a:extLst>
+              <a:ext uri="{FF2B5EF4-FFF2-40B4-BE49-F238E27FC236}">
+                <a16:creationId xmlns:a16="http://schemas.microsoft.com/office/drawing/2014/main" id="{8151E144-1DF4-296C-974D-FC13765DB747}"/>
+              </a:ext>
+            </a:extLst>
+          </p:cNvPr>
+          <p:cNvPicPr>
+            <a:picLocks noChangeAspect="1"/>
+          </p:cNvPicPr>
+          <p:nvPr/>
+        </p:nvPicPr>
+        <p:blipFill rotWithShape="1">
+          <a:blip r:embed="rId2"/>
+          <a:srcRect l="67298" b="16080"/>
+          <a:stretch/>
+        </p:blipFill>
+        <p:spPr>
+          <a:xfrm>
+            <a:off x="6541323" y="1786433"/>
+            <a:ext cx="4651131" cy="3130329"/>
+          </a:xfrm>
+          <a:prstGeom prst="rect">
+            <a:avLst/>
+          </a:prstGeom>
+        </p:spPr>
+      </p:pic>
+      <p:cxnSp>
+        <p:nvCxnSpPr>
+          <p:cNvPr id="14" name="Straight Connector 13">
+            <a:extLst>
+              <a:ext uri="{FF2B5EF4-FFF2-40B4-BE49-F238E27FC236}">
+                <a16:creationId xmlns:a16="http://schemas.microsoft.com/office/drawing/2014/main" id="{3EF8BF30-23C7-9F09-4664-65C3A8B28974}"/>
+              </a:ext>
+            </a:extLst>
+          </p:cNvPr>
+          <p:cNvCxnSpPr>
+            <a:cxnSpLocks/>
+          </p:cNvCxnSpPr>
+          <p:nvPr/>
+        </p:nvCxnSpPr>
+        <p:spPr>
+          <a:xfrm flipH="1">
+            <a:off x="1710156" y="3087880"/>
+            <a:ext cx="775830" cy="0"/>
+          </a:xfrm>
+          <a:prstGeom prst="line">
+            <a:avLst/>
+          </a:prstGeom>
+          <a:ln w="44450">
+            <a:solidFill>
+              <a:schemeClr val="tx1"/>
+            </a:solidFill>
+          </a:ln>
+        </p:spPr>
+        <p:style>
+          <a:lnRef idx="2">
+            <a:schemeClr val="accent1"/>
+          </a:lnRef>
+          <a:fillRef idx="0">
+            <a:schemeClr val="accent1"/>
+          </a:fillRef>
+          <a:effectRef idx="1">
+            <a:schemeClr val="accent1"/>
+          </a:effectRef>
+          <a:fontRef idx="minor">
+            <a:schemeClr val="tx1"/>
+          </a:fontRef>
+        </p:style>
+      </p:cxnSp>
+      <p:cxnSp>
+        <p:nvCxnSpPr>
+          <p:cNvPr id="19" name="Straight Connector 18">
+            <a:extLst>
+              <a:ext uri="{FF2B5EF4-FFF2-40B4-BE49-F238E27FC236}">
+                <a16:creationId xmlns:a16="http://schemas.microsoft.com/office/drawing/2014/main" id="{89B28901-6FF2-9CCD-3554-6005142C1170}"/>
+              </a:ext>
+            </a:extLst>
+          </p:cNvPr>
+          <p:cNvCxnSpPr>
+            <a:cxnSpLocks/>
+          </p:cNvCxnSpPr>
+          <p:nvPr/>
+        </p:nvCxnSpPr>
+        <p:spPr>
+          <a:xfrm flipH="1">
+            <a:off x="4044710" y="3429000"/>
+            <a:ext cx="775830" cy="0"/>
+          </a:xfrm>
+          <a:prstGeom prst="line">
+            <a:avLst/>
+          </a:prstGeom>
+          <a:ln w="44450">
+            <a:solidFill>
+              <a:schemeClr val="tx1"/>
+            </a:solidFill>
+          </a:ln>
+        </p:spPr>
+        <p:style>
+          <a:lnRef idx="2">
+            <a:schemeClr val="accent1"/>
+          </a:lnRef>
+          <a:fillRef idx="0">
+            <a:schemeClr val="accent1"/>
+          </a:fillRef>
+          <a:effectRef idx="1">
+            <a:schemeClr val="accent1"/>
+          </a:effectRef>
+          <a:fontRef idx="minor">
+            <a:schemeClr val="tx1"/>
+          </a:fontRef>
+        </p:style>
+      </p:cxnSp>
+      <p:sp>
+        <p:nvSpPr>
+          <p:cNvPr id="21" name="TextBox 20">
+            <a:extLst>
+              <a:ext uri="{FF2B5EF4-FFF2-40B4-BE49-F238E27FC236}">
+                <a16:creationId xmlns:a16="http://schemas.microsoft.com/office/drawing/2014/main" id="{D8857EA5-A34D-B24D-A633-50EB211E3B5D}"/>
+              </a:ext>
+            </a:extLst>
+          </p:cNvPr>
+          <p:cNvSpPr txBox="1"/>
+          <p:nvPr/>
+        </p:nvSpPr>
+        <p:spPr>
+          <a:xfrm>
+            <a:off x="-21789" y="2857047"/>
+            <a:ext cx="1765082" cy="461665"/>
+          </a:xfrm>
+          <a:prstGeom prst="rect">
+            <a:avLst/>
+          </a:prstGeom>
+          <a:noFill/>
+        </p:spPr>
+        <p:txBody>
+          <a:bodyPr wrap="square" rtlCol="0">
+            <a:spAutoFit/>
+          </a:bodyPr>
+          <a:lstStyle/>
+          <a:p>
+            <a:pPr algn="r"/>
+            <a:r>
+              <a:rPr lang="en-IE" sz="2400" dirty="0"/>
+              <a:t>sw</a:t>
+            </a:r>
+          </a:p>
+        </p:txBody>
+      </p:sp>
+      <p:sp>
+        <p:nvSpPr>
+          <p:cNvPr id="23" name="TextBox 22">
+            <a:extLst>
+              <a:ext uri="{FF2B5EF4-FFF2-40B4-BE49-F238E27FC236}">
+                <a16:creationId xmlns:a16="http://schemas.microsoft.com/office/drawing/2014/main" id="{C877C29F-508A-8A88-FE61-55244A4F074A}"/>
+              </a:ext>
+            </a:extLst>
+          </p:cNvPr>
+          <p:cNvSpPr txBox="1"/>
+          <p:nvPr/>
+        </p:nvSpPr>
+        <p:spPr>
+          <a:xfrm>
+            <a:off x="4391498" y="3198167"/>
+            <a:ext cx="1765082" cy="461665"/>
+          </a:xfrm>
+          <a:prstGeom prst="rect">
+            <a:avLst/>
+          </a:prstGeom>
+          <a:noFill/>
+        </p:spPr>
+        <p:txBody>
+          <a:bodyPr wrap="square" rtlCol="0">
+            <a:spAutoFit/>
+          </a:bodyPr>
+          <a:lstStyle/>
+          <a:p>
+            <a:pPr algn="ctr"/>
+            <a:r>
+              <a:rPr lang="en-IE" sz="2400" dirty="0"/>
+              <a:t>aShot</a:t>
+            </a:r>
+          </a:p>
+        </p:txBody>
+      </p:sp>
+      <p:sp>
+        <p:nvSpPr>
+          <p:cNvPr id="25" name="Title 1">
+            <a:extLst>
+              <a:ext uri="{FF2B5EF4-FFF2-40B4-BE49-F238E27FC236}">
+                <a16:creationId xmlns:a16="http://schemas.microsoft.com/office/drawing/2014/main" id="{01454001-434E-8528-36FF-69B9E0629F7E}"/>
+              </a:ext>
+            </a:extLst>
+          </p:cNvPr>
+          <p:cNvSpPr txBox="1">
+            <a:spLocks/>
+          </p:cNvSpPr>
+          <p:nvPr/>
+        </p:nvSpPr>
+        <p:spPr>
+          <a:xfrm>
+            <a:off x="416778" y="359956"/>
+            <a:ext cx="10515600" cy="1325563"/>
+          </a:xfrm>
+          <a:prstGeom prst="rect">
+            <a:avLst/>
+          </a:prstGeom>
+        </p:spPr>
+        <p:txBody>
+          <a:bodyPr vert="horz" lIns="91440" tIns="45720" rIns="91440" bIns="45720" rtlCol="0" anchor="t">
+            <a:normAutofit/>
+          </a:bodyPr>
+          <a:lstStyle>
+            <a:lvl1pPr algn="ctr" defTabSz="914400" rtl="0" eaLnBrk="1" latinLnBrk="0" hangingPunct="1">
+              <a:lnSpc>
+                <a:spcPct val="90000"/>
+              </a:lnSpc>
+              <a:spcBef>
+                <a:spcPct val="0"/>
+              </a:spcBef>
+              <a:buNone/>
+              <a:defRPr sz="6000" kern="1200">
+                <a:solidFill>
+                  <a:schemeClr val="tx1"/>
+                </a:solidFill>
+                <a:latin typeface="+mj-lt"/>
+                <a:ea typeface="+mj-ea"/>
+                <a:cs typeface="+mj-cs"/>
+              </a:defRPr>
+            </a:lvl1pPr>
+          </a:lstStyle>
+          <a:p>
+            <a:pPr algn="l"/>
+            <a:r>
+              <a:rPr lang="en-IE" sz="3600" dirty="0">
+                <a:solidFill>
+                  <a:srgbClr val="0070C0"/>
+                </a:solidFill>
+              </a:rPr>
+              <a:t>Single Shot Walkthrough</a:t>
+            </a:r>
+          </a:p>
+        </p:txBody>
+      </p:sp>
+      <p:sp>
+        <p:nvSpPr>
+          <p:cNvPr id="32" name="TextBox 31">
+            <a:extLst>
+              <a:ext uri="{FF2B5EF4-FFF2-40B4-BE49-F238E27FC236}">
+                <a16:creationId xmlns:a16="http://schemas.microsoft.com/office/drawing/2014/main" id="{256D4574-0417-93A3-2036-968320DAA458}"/>
+              </a:ext>
+            </a:extLst>
+          </p:cNvPr>
+          <p:cNvSpPr txBox="1"/>
+          <p:nvPr/>
+        </p:nvSpPr>
+        <p:spPr>
+          <a:xfrm>
+            <a:off x="7657960" y="1610131"/>
+            <a:ext cx="3009900" cy="369332"/>
+          </a:xfrm>
+          <a:prstGeom prst="rect">
+            <a:avLst/>
+          </a:prstGeom>
+          <a:noFill/>
+        </p:spPr>
+        <p:txBody>
+          <a:bodyPr wrap="square" rtlCol="0">
+            <a:spAutoFit/>
+          </a:bodyPr>
+          <a:lstStyle/>
+          <a:p>
+            <a:pPr algn="ctr"/>
+            <a:r>
+              <a:rPr lang="en-IE" b="1" dirty="0"/>
+              <a:t>Timing Diagram</a:t>
+            </a:r>
+          </a:p>
+        </p:txBody>
+      </p:sp>
+      <p:sp>
+        <p:nvSpPr>
+          <p:cNvPr id="35" name="TextBox 34">
+            <a:extLst>
+              <a:ext uri="{FF2B5EF4-FFF2-40B4-BE49-F238E27FC236}">
+                <a16:creationId xmlns:a16="http://schemas.microsoft.com/office/drawing/2014/main" id="{8F9BAA4C-6F62-F3C7-6364-5D64201599C1}"/>
+              </a:ext>
+            </a:extLst>
+          </p:cNvPr>
+          <p:cNvSpPr txBox="1"/>
+          <p:nvPr/>
+        </p:nvSpPr>
+        <p:spPr>
+          <a:xfrm>
+            <a:off x="1041992" y="1591328"/>
+            <a:ext cx="4874117" cy="369332"/>
+          </a:xfrm>
+          <a:prstGeom prst="rect">
+            <a:avLst/>
+          </a:prstGeom>
+          <a:noFill/>
+        </p:spPr>
+        <p:txBody>
+          <a:bodyPr wrap="square" rtlCol="0">
+            <a:spAutoFit/>
+          </a:bodyPr>
+          <a:lstStyle/>
+          <a:p>
+            <a:pPr algn="ctr"/>
+            <a:r>
+              <a:rPr lang="en-IE" b="1" dirty="0"/>
+              <a:t>Component Symbol</a:t>
+            </a:r>
+          </a:p>
+        </p:txBody>
+      </p:sp>
+      <p:sp>
+        <p:nvSpPr>
+          <p:cNvPr id="2" name="TextBox 1">
+            <a:extLst>
+              <a:ext uri="{FF2B5EF4-FFF2-40B4-BE49-F238E27FC236}">
+                <a16:creationId xmlns:a16="http://schemas.microsoft.com/office/drawing/2014/main" id="{350902B9-CD98-AEB4-9F42-6396DE8DD495}"/>
+              </a:ext>
+            </a:extLst>
+          </p:cNvPr>
+          <p:cNvSpPr txBox="1"/>
+          <p:nvPr/>
+        </p:nvSpPr>
+        <p:spPr>
+          <a:xfrm>
+            <a:off x="6725852" y="742305"/>
+            <a:ext cx="4874117" cy="369332"/>
+          </a:xfrm>
+          <a:prstGeom prst="rect">
+            <a:avLst/>
+          </a:prstGeom>
+          <a:noFill/>
+        </p:spPr>
+        <p:txBody>
+          <a:bodyPr wrap="square" rtlCol="0">
+            <a:spAutoFit/>
+          </a:bodyPr>
+          <a:lstStyle/>
+          <a:p>
+            <a:pPr algn="ctr"/>
+            <a:r>
+              <a:rPr lang="en-IE" b="1" dirty="0"/>
+              <a:t>Target Language: </a:t>
+            </a:r>
+            <a:r>
+              <a:rPr lang="en-IE" dirty="0"/>
+              <a:t>VHDL</a:t>
+            </a:r>
+            <a:endParaRPr lang="en-IE" b="1" dirty="0"/>
+          </a:p>
+        </p:txBody>
+      </p:sp>
+      <p:sp>
+        <p:nvSpPr>
+          <p:cNvPr id="3" name="Rectangle 2">
+            <a:extLst>
+              <a:ext uri="{FF2B5EF4-FFF2-40B4-BE49-F238E27FC236}">
+                <a16:creationId xmlns:a16="http://schemas.microsoft.com/office/drawing/2014/main" id="{22311A79-434B-FC36-E3CE-EC0B20A56D20}"/>
+              </a:ext>
+            </a:extLst>
+          </p:cNvPr>
+          <p:cNvSpPr/>
+          <p:nvPr/>
+        </p:nvSpPr>
+        <p:spPr>
+          <a:xfrm>
+            <a:off x="2490376" y="2665838"/>
+            <a:ext cx="1554334" cy="1526323"/>
+          </a:xfrm>
+          <a:prstGeom prst="rect">
+            <a:avLst/>
+          </a:prstGeom>
+          <a:noFill/>
+          <a:ln w="31750">
+            <a:solidFill>
+              <a:schemeClr val="tx1"/>
+            </a:solidFill>
+          </a:ln>
+        </p:spPr>
+        <p:style>
+          <a:lnRef idx="2">
+            <a:schemeClr val="accent1">
+              <a:shade val="15000"/>
+            </a:schemeClr>
+          </a:lnRef>
+          <a:fillRef idx="1">
+            <a:schemeClr val="accent1"/>
+          </a:fillRef>
+          <a:effectRef idx="0">
+            <a:schemeClr val="accent1"/>
+          </a:effectRef>
+          <a:fontRef idx="minor">
+            <a:schemeClr val="lt1"/>
+          </a:fontRef>
+        </p:style>
+        <p:txBody>
+          <a:bodyPr rtlCol="0" anchor="ctr"/>
+          <a:lstStyle/>
+          <a:p>
+            <a:pPr algn="ctr"/>
+            <a:endParaRPr lang="en-IE"/>
+          </a:p>
+        </p:txBody>
+      </p:sp>
+      <p:sp>
+        <p:nvSpPr>
+          <p:cNvPr id="39" name="TextBox 38">
+            <a:extLst>
+              <a:ext uri="{FF2B5EF4-FFF2-40B4-BE49-F238E27FC236}">
+                <a16:creationId xmlns:a16="http://schemas.microsoft.com/office/drawing/2014/main" id="{C4090375-F4CC-6337-DE4F-37E8A7C6560C}"/>
+              </a:ext>
+            </a:extLst>
+          </p:cNvPr>
+          <p:cNvSpPr txBox="1"/>
+          <p:nvPr/>
+        </p:nvSpPr>
+        <p:spPr>
+          <a:xfrm>
+            <a:off x="946463" y="3642129"/>
+            <a:ext cx="1765082" cy="461665"/>
+          </a:xfrm>
+          <a:prstGeom prst="rect">
+            <a:avLst/>
+          </a:prstGeom>
+          <a:noFill/>
+        </p:spPr>
+        <p:txBody>
+          <a:bodyPr wrap="square" rtlCol="0">
+            <a:spAutoFit/>
+          </a:bodyPr>
+          <a:lstStyle/>
+          <a:p>
+            <a:pPr algn="ctr"/>
+            <a:r>
+              <a:rPr lang="en-IE" sz="2400" dirty="0"/>
+              <a:t>clk</a:t>
+            </a:r>
+          </a:p>
+        </p:txBody>
+      </p:sp>
+      <p:cxnSp>
+        <p:nvCxnSpPr>
+          <p:cNvPr id="40" name="Straight Connector 39">
+            <a:extLst>
+              <a:ext uri="{FF2B5EF4-FFF2-40B4-BE49-F238E27FC236}">
+                <a16:creationId xmlns:a16="http://schemas.microsoft.com/office/drawing/2014/main" id="{C56C4504-6BF6-E94B-303E-0C77240730FA}"/>
+              </a:ext>
+            </a:extLst>
+          </p:cNvPr>
+          <p:cNvCxnSpPr>
+            <a:cxnSpLocks/>
+          </p:cNvCxnSpPr>
+          <p:nvPr/>
+        </p:nvCxnSpPr>
+        <p:spPr>
+          <a:xfrm flipH="1">
+            <a:off x="2711545" y="4192161"/>
+            <a:ext cx="3968" cy="338561"/>
+          </a:xfrm>
+          <a:prstGeom prst="line">
+            <a:avLst/>
+          </a:prstGeom>
+          <a:ln w="19050">
+            <a:solidFill>
+              <a:schemeClr val="tx1"/>
+            </a:solidFill>
+          </a:ln>
+        </p:spPr>
+        <p:style>
+          <a:lnRef idx="2">
+            <a:schemeClr val="accent1"/>
+          </a:lnRef>
+          <a:fillRef idx="0">
+            <a:schemeClr val="accent1"/>
+          </a:fillRef>
+          <a:effectRef idx="1">
+            <a:schemeClr val="accent1"/>
+          </a:effectRef>
+          <a:fontRef idx="minor">
+            <a:schemeClr val="tx1"/>
+          </a:fontRef>
+        </p:style>
+      </p:cxnSp>
+      <p:cxnSp>
+        <p:nvCxnSpPr>
+          <p:cNvPr id="41" name="Straight Connector 40">
+            <a:extLst>
+              <a:ext uri="{FF2B5EF4-FFF2-40B4-BE49-F238E27FC236}">
+                <a16:creationId xmlns:a16="http://schemas.microsoft.com/office/drawing/2014/main" id="{E0BDDEDA-11C9-D8CC-D26D-6ABC796E911E}"/>
+              </a:ext>
+            </a:extLst>
+          </p:cNvPr>
+          <p:cNvCxnSpPr>
+            <a:cxnSpLocks/>
+          </p:cNvCxnSpPr>
+          <p:nvPr/>
+        </p:nvCxnSpPr>
+        <p:spPr>
+          <a:xfrm>
+            <a:off x="2047875" y="3879848"/>
+            <a:ext cx="438111" cy="0"/>
+          </a:xfrm>
+          <a:prstGeom prst="line">
+            <a:avLst/>
+          </a:prstGeom>
+          <a:ln w="19050">
+            <a:solidFill>
+              <a:schemeClr val="tx1"/>
+            </a:solidFill>
+          </a:ln>
+        </p:spPr>
+        <p:style>
+          <a:lnRef idx="2">
+            <a:schemeClr val="accent1"/>
+          </a:lnRef>
+          <a:fillRef idx="0">
+            <a:schemeClr val="accent1"/>
+          </a:fillRef>
+          <a:effectRef idx="1">
+            <a:schemeClr val="accent1"/>
+          </a:effectRef>
+          <a:fontRef idx="minor">
+            <a:schemeClr val="tx1"/>
+          </a:fontRef>
+        </p:style>
+      </p:cxnSp>
+      <p:cxnSp>
+        <p:nvCxnSpPr>
+          <p:cNvPr id="5" name="Straight Connector 4">
+            <a:extLst>
+              <a:ext uri="{FF2B5EF4-FFF2-40B4-BE49-F238E27FC236}">
+                <a16:creationId xmlns:a16="http://schemas.microsoft.com/office/drawing/2014/main" id="{78108D7D-FE9E-6AE9-AAB4-835D00086A64}"/>
+              </a:ext>
+            </a:extLst>
+          </p:cNvPr>
+          <p:cNvCxnSpPr>
+            <a:cxnSpLocks/>
+          </p:cNvCxnSpPr>
+          <p:nvPr/>
+        </p:nvCxnSpPr>
+        <p:spPr>
+          <a:xfrm>
+            <a:off x="2485986" y="3732911"/>
+            <a:ext cx="133351" cy="146937"/>
+          </a:xfrm>
+          <a:prstGeom prst="line">
+            <a:avLst/>
+          </a:prstGeom>
+          <a:ln w="19050">
+            <a:solidFill>
+              <a:schemeClr val="tx1"/>
+            </a:solidFill>
+          </a:ln>
+        </p:spPr>
+        <p:style>
+          <a:lnRef idx="2">
+            <a:schemeClr val="accent1"/>
+          </a:lnRef>
+          <a:fillRef idx="0">
+            <a:schemeClr val="accent1"/>
+          </a:fillRef>
+          <a:effectRef idx="1">
+            <a:schemeClr val="accent1"/>
+          </a:effectRef>
+          <a:fontRef idx="minor">
+            <a:schemeClr val="tx1"/>
+          </a:fontRef>
+        </p:style>
+      </p:cxnSp>
+      <p:cxnSp>
+        <p:nvCxnSpPr>
+          <p:cNvPr id="7" name="Straight Connector 6">
+            <a:extLst>
+              <a:ext uri="{FF2B5EF4-FFF2-40B4-BE49-F238E27FC236}">
+                <a16:creationId xmlns:a16="http://schemas.microsoft.com/office/drawing/2014/main" id="{DC3B271A-802D-FBF7-E2EC-A446B62CAE6E}"/>
+              </a:ext>
+            </a:extLst>
+          </p:cNvPr>
+          <p:cNvCxnSpPr>
+            <a:cxnSpLocks/>
+          </p:cNvCxnSpPr>
+          <p:nvPr/>
+        </p:nvCxnSpPr>
+        <p:spPr>
+          <a:xfrm flipH="1">
+            <a:off x="2494624" y="3872962"/>
+            <a:ext cx="127094" cy="135731"/>
+          </a:xfrm>
+          <a:prstGeom prst="line">
+            <a:avLst/>
+          </a:prstGeom>
+          <a:ln w="19050">
+            <a:solidFill>
+              <a:schemeClr val="tx1"/>
+            </a:solidFill>
+          </a:ln>
+        </p:spPr>
+        <p:style>
+          <a:lnRef idx="2">
+            <a:schemeClr val="accent1"/>
+          </a:lnRef>
+          <a:fillRef idx="0">
+            <a:schemeClr val="accent1"/>
+          </a:fillRef>
+          <a:effectRef idx="1">
+            <a:schemeClr val="accent1"/>
+          </a:effectRef>
+          <a:fontRef idx="minor">
+            <a:schemeClr val="tx1"/>
+          </a:fontRef>
+        </p:style>
+      </p:cxnSp>
+      <p:cxnSp>
+        <p:nvCxnSpPr>
+          <p:cNvPr id="15" name="Straight Connector 14">
+            <a:extLst>
+              <a:ext uri="{FF2B5EF4-FFF2-40B4-BE49-F238E27FC236}">
+                <a16:creationId xmlns:a16="http://schemas.microsoft.com/office/drawing/2014/main" id="{6B96EA57-B3E3-1347-6CA5-E56B5B24D6FC}"/>
+              </a:ext>
+            </a:extLst>
+          </p:cNvPr>
+          <p:cNvCxnSpPr>
+            <a:cxnSpLocks/>
+          </p:cNvCxnSpPr>
+          <p:nvPr/>
+        </p:nvCxnSpPr>
+        <p:spPr>
+          <a:xfrm>
+            <a:off x="2281918" y="4530720"/>
+            <a:ext cx="438111" cy="0"/>
+          </a:xfrm>
+          <a:prstGeom prst="line">
+            <a:avLst/>
+          </a:prstGeom>
+          <a:ln w="19050">
+            <a:solidFill>
+              <a:schemeClr val="tx1"/>
+            </a:solidFill>
+          </a:ln>
+        </p:spPr>
+        <p:style>
+          <a:lnRef idx="2">
+            <a:schemeClr val="accent1"/>
+          </a:lnRef>
+          <a:fillRef idx="0">
+            <a:schemeClr val="accent1"/>
+          </a:fillRef>
+          <a:effectRef idx="1">
+            <a:schemeClr val="accent1"/>
+          </a:effectRef>
+          <a:fontRef idx="minor">
+            <a:schemeClr val="tx1"/>
+          </a:fontRef>
+        </p:style>
+      </p:cxnSp>
+      <p:sp>
+        <p:nvSpPr>
+          <p:cNvPr id="16" name="TextBox 15">
+            <a:extLst>
+              <a:ext uri="{FF2B5EF4-FFF2-40B4-BE49-F238E27FC236}">
+                <a16:creationId xmlns:a16="http://schemas.microsoft.com/office/drawing/2014/main" id="{0535AF81-718D-28C7-1496-7D9FDC606B38}"/>
+              </a:ext>
+            </a:extLst>
+          </p:cNvPr>
+          <p:cNvSpPr txBox="1"/>
+          <p:nvPr/>
+        </p:nvSpPr>
+        <p:spPr>
+          <a:xfrm>
+            <a:off x="1165334" y="4284744"/>
+            <a:ext cx="1765082" cy="461665"/>
+          </a:xfrm>
+          <a:prstGeom prst="rect">
+            <a:avLst/>
+          </a:prstGeom>
+          <a:noFill/>
+        </p:spPr>
+        <p:txBody>
+          <a:bodyPr wrap="square" rtlCol="0">
+            <a:spAutoFit/>
+          </a:bodyPr>
+          <a:lstStyle/>
+          <a:p>
+            <a:pPr algn="ctr"/>
+            <a:r>
+              <a:rPr lang="en-IE" sz="2400" dirty="0"/>
+              <a:t>rst</a:t>
+            </a:r>
+          </a:p>
+        </p:txBody>
+      </p:sp>
+    </p:spTree>
+    <p:extLst>
+      <p:ext uri="{BB962C8B-B14F-4D97-AF65-F5344CB8AC3E}">
+        <p14:creationId xmlns:p14="http://schemas.microsoft.com/office/powerpoint/2010/main" val="1550103257"/>
+      </p:ext>
+    </p:extLst>
+  </p:cSld>
+  <p:clrMapOvr>
+    <a:masterClrMapping/>
+  </p:clrMapOvr>
+</p:sld>
+</file>
+
+<file path=ppt/slides/slide9.xml><?xml version="1.0" encoding="utf-8"?>
+<p:sld xmlns:a="http://schemas.openxmlformats.org/drawingml/2006/main" xmlns:r="http://schemas.openxmlformats.org/officeDocument/2006/relationships" xmlns:p="http://schemas.openxmlformats.org/presentationml/2006/main">
+  <p:cSld>
+    <p:spTree>
+      <p:nvGrpSpPr>
+        <p:cNvPr id="1" name=""/>
+        <p:cNvGrpSpPr/>
+        <p:nvPr/>
+      </p:nvGrpSpPr>
+      <p:grpSpPr>
+        <a:xfrm>
+          <a:off x="0" y="0"/>
+          <a:ext cx="0" cy="0"/>
+          <a:chOff x="0" y="0"/>
+          <a:chExt cx="0" cy="0"/>
+        </a:xfrm>
+      </p:grpSpPr>
+      <p:cxnSp>
+        <p:nvCxnSpPr>
+          <p:cNvPr id="14" name="Straight Connector 13">
+            <a:extLst>
+              <a:ext uri="{FF2B5EF4-FFF2-40B4-BE49-F238E27FC236}">
+                <a16:creationId xmlns:a16="http://schemas.microsoft.com/office/drawing/2014/main" id="{3EF8BF30-23C7-9F09-4664-65C3A8B28974}"/>
+              </a:ext>
+            </a:extLst>
+          </p:cNvPr>
+          <p:cNvCxnSpPr>
+            <a:cxnSpLocks/>
+          </p:cNvCxnSpPr>
+          <p:nvPr/>
+        </p:nvCxnSpPr>
+        <p:spPr>
+          <a:xfrm flipH="1">
+            <a:off x="4703713" y="1813183"/>
+            <a:ext cx="775830" cy="0"/>
+          </a:xfrm>
+          <a:prstGeom prst="line">
+            <a:avLst/>
+          </a:prstGeom>
+          <a:ln w="44450">
+            <a:solidFill>
+              <a:schemeClr val="tx1"/>
+            </a:solidFill>
+          </a:ln>
+        </p:spPr>
+        <p:style>
+          <a:lnRef idx="2">
+            <a:schemeClr val="accent1"/>
+          </a:lnRef>
+          <a:fillRef idx="0">
+            <a:schemeClr val="accent1"/>
+          </a:fillRef>
+          <a:effectRef idx="1">
+            <a:schemeClr val="accent1"/>
+          </a:effectRef>
+          <a:fontRef idx="minor">
+            <a:schemeClr val="tx1"/>
+          </a:fontRef>
+        </p:style>
+      </p:cxnSp>
+      <p:cxnSp>
+        <p:nvCxnSpPr>
+          <p:cNvPr id="18" name="Straight Connector 17">
+            <a:extLst>
+              <a:ext uri="{FF2B5EF4-FFF2-40B4-BE49-F238E27FC236}">
+                <a16:creationId xmlns:a16="http://schemas.microsoft.com/office/drawing/2014/main" id="{E4AD3748-FEAA-9479-F70E-6747EC985D14}"/>
+              </a:ext>
+            </a:extLst>
+          </p:cNvPr>
+          <p:cNvCxnSpPr>
+            <a:cxnSpLocks/>
+          </p:cNvCxnSpPr>
+          <p:nvPr/>
+        </p:nvCxnSpPr>
+        <p:spPr>
+          <a:xfrm flipH="1">
+            <a:off x="4703713" y="2287144"/>
+            <a:ext cx="775830" cy="0"/>
+          </a:xfrm>
+          <a:prstGeom prst="line">
+            <a:avLst/>
+          </a:prstGeom>
+          <a:ln w="44450">
+            <a:solidFill>
+              <a:schemeClr val="tx1"/>
+            </a:solidFill>
+          </a:ln>
+        </p:spPr>
+        <p:style>
+          <a:lnRef idx="2">
+            <a:schemeClr val="accent1"/>
+          </a:lnRef>
+          <a:fillRef idx="0">
+            <a:schemeClr val="accent1"/>
+          </a:fillRef>
+          <a:effectRef idx="1">
+            <a:schemeClr val="accent1"/>
+          </a:effectRef>
+          <a:fontRef idx="minor">
+            <a:schemeClr val="tx1"/>
+          </a:fontRef>
+        </p:style>
+      </p:cxnSp>
+      <p:cxnSp>
+        <p:nvCxnSpPr>
+          <p:cNvPr id="19" name="Straight Connector 18">
+            <a:extLst>
+              <a:ext uri="{FF2B5EF4-FFF2-40B4-BE49-F238E27FC236}">
+                <a16:creationId xmlns:a16="http://schemas.microsoft.com/office/drawing/2014/main" id="{89B28901-6FF2-9CCD-3554-6005142C1170}"/>
+              </a:ext>
+            </a:extLst>
+          </p:cNvPr>
+          <p:cNvCxnSpPr>
+            <a:cxnSpLocks/>
+          </p:cNvCxnSpPr>
+          <p:nvPr/>
+        </p:nvCxnSpPr>
+        <p:spPr>
+          <a:xfrm flipH="1">
+            <a:off x="7038267" y="3722865"/>
+            <a:ext cx="775830" cy="0"/>
+          </a:xfrm>
+          <a:prstGeom prst="line">
+            <a:avLst/>
+          </a:prstGeom>
+          <a:ln w="44450">
+            <a:solidFill>
+              <a:schemeClr val="tx1"/>
+            </a:solidFill>
+          </a:ln>
+        </p:spPr>
+        <p:style>
+          <a:lnRef idx="2">
+            <a:schemeClr val="accent1"/>
+          </a:lnRef>
+          <a:fillRef idx="0">
+            <a:schemeClr val="accent1"/>
+          </a:fillRef>
+          <a:effectRef idx="1">
+            <a:schemeClr val="accent1"/>
+          </a:effectRef>
+          <a:fontRef idx="minor">
+            <a:schemeClr val="tx1"/>
+          </a:fontRef>
+        </p:style>
+      </p:cxnSp>
+      <p:sp>
+        <p:nvSpPr>
+          <p:cNvPr id="21" name="TextBox 20">
+            <a:extLst>
+              <a:ext uri="{FF2B5EF4-FFF2-40B4-BE49-F238E27FC236}">
+                <a16:creationId xmlns:a16="http://schemas.microsoft.com/office/drawing/2014/main" id="{D8857EA5-A34D-B24D-A633-50EB211E3B5D}"/>
+              </a:ext>
+            </a:extLst>
+          </p:cNvPr>
+          <p:cNvSpPr txBox="1"/>
+          <p:nvPr/>
+        </p:nvSpPr>
+        <p:spPr>
+          <a:xfrm>
+            <a:off x="2971768" y="1582350"/>
+            <a:ext cx="1765082" cy="461665"/>
+          </a:xfrm>
+          <a:prstGeom prst="rect">
+            <a:avLst/>
+          </a:prstGeom>
+          <a:noFill/>
+        </p:spPr>
+        <p:txBody>
+          <a:bodyPr wrap="square" rtlCol="0">
+            <a:spAutoFit/>
+          </a:bodyPr>
+          <a:lstStyle/>
+          <a:p>
+            <a:pPr algn="r"/>
+            <a:r>
+              <a:rPr lang="en-IE" sz="2400" dirty="0"/>
+              <a:t>RWr</a:t>
+            </a:r>
+          </a:p>
+        </p:txBody>
+      </p:sp>
+      <p:sp>
+        <p:nvSpPr>
+          <p:cNvPr id="23" name="TextBox 22">
+            <a:extLst>
+              <a:ext uri="{FF2B5EF4-FFF2-40B4-BE49-F238E27FC236}">
+                <a16:creationId xmlns:a16="http://schemas.microsoft.com/office/drawing/2014/main" id="{C877C29F-508A-8A88-FE61-55244A4F074A}"/>
+              </a:ext>
+            </a:extLst>
+          </p:cNvPr>
+          <p:cNvSpPr txBox="1"/>
+          <p:nvPr/>
+        </p:nvSpPr>
+        <p:spPr>
+          <a:xfrm>
+            <a:off x="7775570" y="3478689"/>
+            <a:ext cx="1765082" cy="461665"/>
+          </a:xfrm>
+          <a:prstGeom prst="rect">
+            <a:avLst/>
+          </a:prstGeom>
+          <a:noFill/>
+        </p:spPr>
+        <p:txBody>
+          <a:bodyPr wrap="square" rtlCol="0">
+            <a:spAutoFit/>
+          </a:bodyPr>
+          <a:lstStyle/>
+          <a:p>
+            <a:r>
+              <a:rPr lang="en-IE" sz="2400" dirty="0"/>
+              <a:t>rs1D(4:0)</a:t>
+            </a:r>
+          </a:p>
+        </p:txBody>
+      </p:sp>
+      <p:sp>
+        <p:nvSpPr>
+          <p:cNvPr id="25" name="Title 1">
+            <a:extLst>
+              <a:ext uri="{FF2B5EF4-FFF2-40B4-BE49-F238E27FC236}">
+                <a16:creationId xmlns:a16="http://schemas.microsoft.com/office/drawing/2014/main" id="{01454001-434E-8528-36FF-69B9E0629F7E}"/>
+              </a:ext>
+            </a:extLst>
+          </p:cNvPr>
+          <p:cNvSpPr txBox="1">
+            <a:spLocks/>
+          </p:cNvSpPr>
+          <p:nvPr/>
+        </p:nvSpPr>
+        <p:spPr>
+          <a:xfrm>
+            <a:off x="416778" y="359956"/>
+            <a:ext cx="10515600" cy="1325563"/>
+          </a:xfrm>
+          <a:prstGeom prst="rect">
+            <a:avLst/>
+          </a:prstGeom>
+        </p:spPr>
+        <p:txBody>
+          <a:bodyPr vert="horz" lIns="91440" tIns="45720" rIns="91440" bIns="45720" rtlCol="0" anchor="t">
+            <a:normAutofit/>
+          </a:bodyPr>
+          <a:lstStyle>
+            <a:lvl1pPr algn="ctr" defTabSz="914400" rtl="0" eaLnBrk="1" latinLnBrk="0" hangingPunct="1">
+              <a:lnSpc>
+                <a:spcPct val="90000"/>
+              </a:lnSpc>
+              <a:spcBef>
+                <a:spcPct val="0"/>
+              </a:spcBef>
+              <a:buNone/>
+              <a:defRPr sz="6000" kern="1200">
+                <a:solidFill>
+                  <a:schemeClr val="tx1"/>
+                </a:solidFill>
+                <a:latin typeface="+mj-lt"/>
+                <a:ea typeface="+mj-ea"/>
+                <a:cs typeface="+mj-cs"/>
+              </a:defRPr>
+            </a:lvl1pPr>
+          </a:lstStyle>
+          <a:p>
+            <a:pPr algn="l"/>
+            <a:r>
+              <a:rPr lang="en-IE" sz="3600" dirty="0">
+                <a:solidFill>
+                  <a:srgbClr val="0070C0"/>
+                </a:solidFill>
+              </a:rPr>
+              <a:t>RISC-V Register Bank Walkthrough</a:t>
+            </a:r>
+          </a:p>
+        </p:txBody>
+      </p:sp>
+      <p:sp>
+        <p:nvSpPr>
+          <p:cNvPr id="35" name="TextBox 34">
+            <a:extLst>
+              <a:ext uri="{FF2B5EF4-FFF2-40B4-BE49-F238E27FC236}">
+                <a16:creationId xmlns:a16="http://schemas.microsoft.com/office/drawing/2014/main" id="{8F9BAA4C-6F62-F3C7-6364-5D64201599C1}"/>
+              </a:ext>
+            </a:extLst>
+          </p:cNvPr>
+          <p:cNvSpPr txBox="1"/>
+          <p:nvPr/>
+        </p:nvSpPr>
+        <p:spPr>
+          <a:xfrm>
+            <a:off x="3824041" y="1214984"/>
+            <a:ext cx="4874117" cy="369332"/>
+          </a:xfrm>
+          <a:prstGeom prst="rect">
+            <a:avLst/>
+          </a:prstGeom>
+          <a:noFill/>
+        </p:spPr>
+        <p:txBody>
+          <a:bodyPr wrap="square" rtlCol="0">
+            <a:spAutoFit/>
+          </a:bodyPr>
+          <a:lstStyle/>
+          <a:p>
+            <a:pPr algn="ctr"/>
+            <a:r>
+              <a:rPr lang="en-IE" b="1" dirty="0"/>
+              <a:t>Component Symbol</a:t>
+            </a:r>
+          </a:p>
+        </p:txBody>
+      </p:sp>
+      <p:sp>
+        <p:nvSpPr>
+          <p:cNvPr id="2" name="TextBox 1">
+            <a:extLst>
+              <a:ext uri="{FF2B5EF4-FFF2-40B4-BE49-F238E27FC236}">
+                <a16:creationId xmlns:a16="http://schemas.microsoft.com/office/drawing/2014/main" id="{350902B9-CD98-AEB4-9F42-6396DE8DD495}"/>
+              </a:ext>
+            </a:extLst>
+          </p:cNvPr>
+          <p:cNvSpPr txBox="1"/>
+          <p:nvPr/>
+        </p:nvSpPr>
+        <p:spPr>
+          <a:xfrm>
+            <a:off x="6205814" y="455880"/>
+            <a:ext cx="4874117" cy="369332"/>
+          </a:xfrm>
+          <a:prstGeom prst="rect">
+            <a:avLst/>
+          </a:prstGeom>
+          <a:noFill/>
+        </p:spPr>
+        <p:txBody>
+          <a:bodyPr wrap="square" rtlCol="0">
+            <a:spAutoFit/>
+          </a:bodyPr>
+          <a:lstStyle/>
+          <a:p>
+            <a:pPr algn="ctr"/>
+            <a:r>
+              <a:rPr lang="en-IE" b="1" dirty="0"/>
+              <a:t>Target Language: </a:t>
+            </a:r>
+            <a:r>
+              <a:rPr lang="en-IE" dirty="0"/>
+              <a:t>VHDL</a:t>
+            </a:r>
+            <a:endParaRPr lang="en-IE" b="1" dirty="0"/>
+          </a:p>
+        </p:txBody>
+      </p:sp>
+      <p:sp>
+        <p:nvSpPr>
+          <p:cNvPr id="3" name="Rectangle 2">
+            <a:extLst>
+              <a:ext uri="{FF2B5EF4-FFF2-40B4-BE49-F238E27FC236}">
+                <a16:creationId xmlns:a16="http://schemas.microsoft.com/office/drawing/2014/main" id="{22311A79-434B-FC36-E3CE-EC0B20A56D20}"/>
+              </a:ext>
+            </a:extLst>
+          </p:cNvPr>
+          <p:cNvSpPr/>
+          <p:nvPr/>
+        </p:nvSpPr>
+        <p:spPr>
+          <a:xfrm>
+            <a:off x="5483933" y="1685519"/>
+            <a:ext cx="1554334" cy="4964662"/>
+          </a:xfrm>
+          <a:prstGeom prst="rect">
+            <a:avLst/>
+          </a:prstGeom>
+          <a:noFill/>
+          <a:ln w="31750">
+            <a:solidFill>
+              <a:schemeClr val="tx1"/>
+            </a:solidFill>
+          </a:ln>
+        </p:spPr>
+        <p:style>
+          <a:lnRef idx="2">
+            <a:schemeClr val="accent1">
+              <a:shade val="15000"/>
+            </a:schemeClr>
+          </a:lnRef>
+          <a:fillRef idx="1">
+            <a:schemeClr val="accent1"/>
+          </a:fillRef>
+          <a:effectRef idx="0">
+            <a:schemeClr val="accent1"/>
+          </a:effectRef>
+          <a:fontRef idx="minor">
+            <a:schemeClr val="lt1"/>
+          </a:fontRef>
+        </p:style>
+        <p:txBody>
+          <a:bodyPr rtlCol="0" anchor="ctr"/>
+          <a:lstStyle/>
+          <a:p>
+            <a:pPr algn="ctr"/>
+            <a:endParaRPr lang="en-IE"/>
+          </a:p>
+        </p:txBody>
+      </p:sp>
+      <p:sp>
+        <p:nvSpPr>
+          <p:cNvPr id="4" name="TextBox 3">
+            <a:extLst>
+              <a:ext uri="{FF2B5EF4-FFF2-40B4-BE49-F238E27FC236}">
+                <a16:creationId xmlns:a16="http://schemas.microsoft.com/office/drawing/2014/main" id="{AEE51C77-7C03-D01A-DED9-24B9E06D1F4D}"/>
+              </a:ext>
+            </a:extLst>
+          </p:cNvPr>
+          <p:cNvSpPr txBox="1"/>
+          <p:nvPr/>
+        </p:nvSpPr>
+        <p:spPr>
+          <a:xfrm>
+            <a:off x="2972024" y="2056311"/>
+            <a:ext cx="1765082" cy="461665"/>
+          </a:xfrm>
+          <a:prstGeom prst="rect">
+            <a:avLst/>
+          </a:prstGeom>
+          <a:noFill/>
+        </p:spPr>
+        <p:txBody>
+          <a:bodyPr wrap="square" rtlCol="0">
+            <a:spAutoFit/>
+          </a:bodyPr>
+          <a:lstStyle/>
+          <a:p>
+            <a:pPr algn="r"/>
+            <a:r>
+              <a:rPr lang="en-IE" sz="2400" dirty="0"/>
+              <a:t>rd(4:0)</a:t>
+            </a:r>
+          </a:p>
+        </p:txBody>
+      </p:sp>
+      <p:sp>
+        <p:nvSpPr>
+          <p:cNvPr id="5" name="Title 1">
+            <a:extLst>
+              <a:ext uri="{FF2B5EF4-FFF2-40B4-BE49-F238E27FC236}">
+                <a16:creationId xmlns:a16="http://schemas.microsoft.com/office/drawing/2014/main" id="{68D06736-86E0-D377-F01C-1402C7F468A9}"/>
+              </a:ext>
+            </a:extLst>
+          </p:cNvPr>
+          <p:cNvSpPr txBox="1">
+            <a:spLocks/>
+          </p:cNvSpPr>
+          <p:nvPr/>
+        </p:nvSpPr>
+        <p:spPr>
+          <a:xfrm>
+            <a:off x="416778" y="858034"/>
+            <a:ext cx="10515600" cy="541616"/>
+          </a:xfrm>
+          <a:prstGeom prst="rect">
+            <a:avLst/>
+          </a:prstGeom>
+        </p:spPr>
+        <p:txBody>
+          <a:bodyPr vert="horz" lIns="91440" tIns="45720" rIns="91440" bIns="45720" rtlCol="0" anchor="t">
+            <a:normAutofit/>
+          </a:bodyPr>
+          <a:lstStyle>
+            <a:lvl1pPr algn="ctr" defTabSz="914400" rtl="0" eaLnBrk="1" latinLnBrk="0" hangingPunct="1">
+              <a:lnSpc>
+                <a:spcPct val="90000"/>
+              </a:lnSpc>
+              <a:spcBef>
+                <a:spcPct val="0"/>
+              </a:spcBef>
+              <a:buNone/>
+              <a:defRPr sz="6000" kern="1200">
+                <a:solidFill>
+                  <a:schemeClr val="tx1"/>
+                </a:solidFill>
+                <a:latin typeface="+mj-lt"/>
+                <a:ea typeface="+mj-ea"/>
+                <a:cs typeface="+mj-cs"/>
+              </a:defRPr>
+            </a:lvl1pPr>
+          </a:lstStyle>
+          <a:p>
+            <a:pPr algn="l"/>
+            <a:endParaRPr lang="en-IE" sz="2000" dirty="0">
+              <a:solidFill>
+                <a:srgbClr val="0070C0"/>
+              </a:solidFill>
+            </a:endParaRPr>
+          </a:p>
+        </p:txBody>
+      </p:sp>
+      <p:cxnSp>
+        <p:nvCxnSpPr>
+          <p:cNvPr id="7" name="Straight Connector 6">
+            <a:extLst>
+              <a:ext uri="{FF2B5EF4-FFF2-40B4-BE49-F238E27FC236}">
+                <a16:creationId xmlns:a16="http://schemas.microsoft.com/office/drawing/2014/main" id="{DA27893C-A608-5BDA-1461-A9A569996D0E}"/>
+              </a:ext>
+            </a:extLst>
+          </p:cNvPr>
+          <p:cNvCxnSpPr>
+            <a:cxnSpLocks/>
+          </p:cNvCxnSpPr>
+          <p:nvPr/>
+        </p:nvCxnSpPr>
+        <p:spPr>
+          <a:xfrm flipH="1">
+            <a:off x="4703713" y="2769744"/>
+            <a:ext cx="775830" cy="0"/>
+          </a:xfrm>
+          <a:prstGeom prst="line">
+            <a:avLst/>
+          </a:prstGeom>
+          <a:ln w="44450">
+            <a:solidFill>
+              <a:schemeClr val="tx1"/>
+            </a:solidFill>
+          </a:ln>
+        </p:spPr>
+        <p:style>
+          <a:lnRef idx="2">
+            <a:schemeClr val="accent1"/>
+          </a:lnRef>
+          <a:fillRef idx="0">
+            <a:schemeClr val="accent1"/>
+          </a:fillRef>
+          <a:effectRef idx="1">
+            <a:schemeClr val="accent1"/>
+          </a:effectRef>
+          <a:fontRef idx="minor">
+            <a:schemeClr val="tx1"/>
+          </a:fontRef>
+        </p:style>
+      </p:cxnSp>
+      <p:sp>
+        <p:nvSpPr>
+          <p:cNvPr id="8" name="TextBox 7">
+            <a:extLst>
+              <a:ext uri="{FF2B5EF4-FFF2-40B4-BE49-F238E27FC236}">
+                <a16:creationId xmlns:a16="http://schemas.microsoft.com/office/drawing/2014/main" id="{C834BA52-2B96-5726-6FFC-C1021B8ADD2A}"/>
+              </a:ext>
+            </a:extLst>
+          </p:cNvPr>
+          <p:cNvSpPr txBox="1"/>
+          <p:nvPr/>
+        </p:nvSpPr>
+        <p:spPr>
+          <a:xfrm>
+            <a:off x="2972024" y="2538911"/>
+            <a:ext cx="1765082" cy="461665"/>
+          </a:xfrm>
+          <a:prstGeom prst="rect">
+            <a:avLst/>
+          </a:prstGeom>
+          <a:noFill/>
+        </p:spPr>
+        <p:txBody>
+          <a:bodyPr wrap="square" rtlCol="0">
+            <a:spAutoFit/>
+          </a:bodyPr>
+          <a:lstStyle/>
+          <a:p>
+            <a:pPr algn="r"/>
+            <a:r>
+              <a:rPr lang="en-IE" sz="2400" dirty="0"/>
+              <a:t>rs1(4:0)</a:t>
+            </a:r>
+          </a:p>
+        </p:txBody>
+      </p:sp>
+      <p:cxnSp>
+        <p:nvCxnSpPr>
+          <p:cNvPr id="13" name="Straight Connector 12">
+            <a:extLst>
+              <a:ext uri="{FF2B5EF4-FFF2-40B4-BE49-F238E27FC236}">
+                <a16:creationId xmlns:a16="http://schemas.microsoft.com/office/drawing/2014/main" id="{DF547848-2462-9173-4123-892BCC665B5A}"/>
+              </a:ext>
+            </a:extLst>
+          </p:cNvPr>
+          <p:cNvCxnSpPr>
+            <a:cxnSpLocks/>
+          </p:cNvCxnSpPr>
+          <p:nvPr/>
+        </p:nvCxnSpPr>
+        <p:spPr>
+          <a:xfrm flipH="1">
+            <a:off x="4703713" y="3191625"/>
+            <a:ext cx="775830" cy="0"/>
+          </a:xfrm>
+          <a:prstGeom prst="line">
+            <a:avLst/>
+          </a:prstGeom>
+          <a:ln w="44450">
+            <a:solidFill>
+              <a:schemeClr val="tx1"/>
+            </a:solidFill>
+          </a:ln>
+        </p:spPr>
+        <p:style>
+          <a:lnRef idx="2">
+            <a:schemeClr val="accent1"/>
+          </a:lnRef>
+          <a:fillRef idx="0">
+            <a:schemeClr val="accent1"/>
+          </a:fillRef>
+          <a:effectRef idx="1">
+            <a:schemeClr val="accent1"/>
+          </a:effectRef>
+          <a:fontRef idx="minor">
+            <a:schemeClr val="tx1"/>
+          </a:fontRef>
+        </p:style>
+      </p:cxnSp>
+      <p:sp>
+        <p:nvSpPr>
+          <p:cNvPr id="15" name="TextBox 14">
+            <a:extLst>
+              <a:ext uri="{FF2B5EF4-FFF2-40B4-BE49-F238E27FC236}">
+                <a16:creationId xmlns:a16="http://schemas.microsoft.com/office/drawing/2014/main" id="{365C62DA-CC2E-BCFF-1D6C-FB3351386387}"/>
+              </a:ext>
+            </a:extLst>
+          </p:cNvPr>
+          <p:cNvSpPr txBox="1"/>
+          <p:nvPr/>
+        </p:nvSpPr>
+        <p:spPr>
+          <a:xfrm>
+            <a:off x="2972024" y="2960792"/>
+            <a:ext cx="1765082" cy="461665"/>
+          </a:xfrm>
+          <a:prstGeom prst="rect">
+            <a:avLst/>
+          </a:prstGeom>
+          <a:noFill/>
+        </p:spPr>
+        <p:txBody>
+          <a:bodyPr wrap="square" rtlCol="0">
+            <a:spAutoFit/>
+          </a:bodyPr>
+          <a:lstStyle/>
+          <a:p>
+            <a:pPr algn="r"/>
+            <a:r>
+              <a:rPr lang="en-IE" sz="2400" dirty="0"/>
+              <a:t>rs2(4:0)</a:t>
+            </a:r>
+          </a:p>
+        </p:txBody>
+      </p:sp>
+      <p:cxnSp>
+        <p:nvCxnSpPr>
+          <p:cNvPr id="16" name="Straight Connector 15">
+            <a:extLst>
+              <a:ext uri="{FF2B5EF4-FFF2-40B4-BE49-F238E27FC236}">
+                <a16:creationId xmlns:a16="http://schemas.microsoft.com/office/drawing/2014/main" id="{0699EC9C-B654-0C1F-B6D9-12D3CB7B0D3A}"/>
+              </a:ext>
+            </a:extLst>
+          </p:cNvPr>
+          <p:cNvCxnSpPr>
+            <a:cxnSpLocks/>
+          </p:cNvCxnSpPr>
+          <p:nvPr/>
+        </p:nvCxnSpPr>
+        <p:spPr>
+          <a:xfrm flipH="1">
+            <a:off x="4703713" y="3708700"/>
+            <a:ext cx="775830" cy="0"/>
+          </a:xfrm>
+          <a:prstGeom prst="line">
+            <a:avLst/>
+          </a:prstGeom>
+          <a:ln w="44450">
+            <a:solidFill>
+              <a:schemeClr val="tx1"/>
+            </a:solidFill>
+          </a:ln>
+        </p:spPr>
+        <p:style>
+          <a:lnRef idx="2">
+            <a:schemeClr val="accent1"/>
+          </a:lnRef>
+          <a:fillRef idx="0">
+            <a:schemeClr val="accent1"/>
+          </a:fillRef>
+          <a:effectRef idx="1">
+            <a:schemeClr val="accent1"/>
+          </a:effectRef>
+          <a:fontRef idx="minor">
+            <a:schemeClr val="tx1"/>
+          </a:fontRef>
+        </p:style>
+      </p:cxnSp>
+      <p:sp>
+        <p:nvSpPr>
+          <p:cNvPr id="17" name="TextBox 16">
+            <a:extLst>
+              <a:ext uri="{FF2B5EF4-FFF2-40B4-BE49-F238E27FC236}">
+                <a16:creationId xmlns:a16="http://schemas.microsoft.com/office/drawing/2014/main" id="{D959FF9C-B43A-A94F-5E99-DE8444871E2A}"/>
+              </a:ext>
+            </a:extLst>
+          </p:cNvPr>
+          <p:cNvSpPr txBox="1"/>
+          <p:nvPr/>
+        </p:nvSpPr>
+        <p:spPr>
+          <a:xfrm>
+            <a:off x="2392218" y="3465167"/>
+            <a:ext cx="2344888" cy="461665"/>
+          </a:xfrm>
+          <a:prstGeom prst="rect">
+            <a:avLst/>
+          </a:prstGeom>
+          <a:noFill/>
+        </p:spPr>
+        <p:txBody>
+          <a:bodyPr wrap="square" rtlCol="0">
+            <a:spAutoFit/>
+          </a:bodyPr>
+          <a:lstStyle/>
+          <a:p>
+            <a:pPr algn="r"/>
+            <a:r>
+              <a:rPr lang="en-IE" sz="2400" dirty="0"/>
+              <a:t>clk</a:t>
+            </a:r>
+          </a:p>
+        </p:txBody>
+      </p:sp>
+      <p:cxnSp>
+        <p:nvCxnSpPr>
+          <p:cNvPr id="20" name="Straight Connector 19">
+            <a:extLst>
+              <a:ext uri="{FF2B5EF4-FFF2-40B4-BE49-F238E27FC236}">
+                <a16:creationId xmlns:a16="http://schemas.microsoft.com/office/drawing/2014/main" id="{F2403A07-E428-7260-6123-003A04B5C6C4}"/>
+              </a:ext>
+            </a:extLst>
+          </p:cNvPr>
+          <p:cNvCxnSpPr>
+            <a:cxnSpLocks/>
+          </p:cNvCxnSpPr>
+          <p:nvPr/>
+        </p:nvCxnSpPr>
+        <p:spPr>
+          <a:xfrm flipH="1">
+            <a:off x="4703713" y="4170365"/>
+            <a:ext cx="775830" cy="0"/>
+          </a:xfrm>
+          <a:prstGeom prst="line">
+            <a:avLst/>
+          </a:prstGeom>
+          <a:ln w="44450">
+            <a:solidFill>
+              <a:schemeClr val="tx1"/>
+            </a:solidFill>
+          </a:ln>
+        </p:spPr>
+        <p:style>
+          <a:lnRef idx="2">
+            <a:schemeClr val="accent1"/>
+          </a:lnRef>
+          <a:fillRef idx="0">
+            <a:schemeClr val="accent1"/>
+          </a:fillRef>
+          <a:effectRef idx="1">
+            <a:schemeClr val="accent1"/>
+          </a:effectRef>
+          <a:fontRef idx="minor">
+            <a:schemeClr val="tx1"/>
+          </a:fontRef>
+        </p:style>
+      </p:cxnSp>
+      <p:sp>
+        <p:nvSpPr>
+          <p:cNvPr id="22" name="TextBox 21">
+            <a:extLst>
+              <a:ext uri="{FF2B5EF4-FFF2-40B4-BE49-F238E27FC236}">
+                <a16:creationId xmlns:a16="http://schemas.microsoft.com/office/drawing/2014/main" id="{55A0950F-6F43-4B08-651A-CFB09E3F81BB}"/>
+              </a:ext>
+            </a:extLst>
+          </p:cNvPr>
+          <p:cNvSpPr txBox="1"/>
+          <p:nvPr/>
+        </p:nvSpPr>
+        <p:spPr>
+          <a:xfrm>
+            <a:off x="2576945" y="3939532"/>
+            <a:ext cx="2160161" cy="461665"/>
+          </a:xfrm>
+          <a:prstGeom prst="rect">
+            <a:avLst/>
+          </a:prstGeom>
+          <a:noFill/>
+        </p:spPr>
+        <p:txBody>
+          <a:bodyPr wrap="square" rtlCol="0">
+            <a:spAutoFit/>
+          </a:bodyPr>
+          <a:lstStyle/>
+          <a:p>
+            <a:pPr algn="r"/>
+            <a:r>
+              <a:rPr lang="en-IE" sz="2400" dirty="0"/>
+              <a:t>WBDat(31:0)</a:t>
+            </a:r>
+          </a:p>
+        </p:txBody>
+      </p:sp>
+      <p:cxnSp>
+        <p:nvCxnSpPr>
+          <p:cNvPr id="24" name="Straight Connector 23">
+            <a:extLst>
+              <a:ext uri="{FF2B5EF4-FFF2-40B4-BE49-F238E27FC236}">
+                <a16:creationId xmlns:a16="http://schemas.microsoft.com/office/drawing/2014/main" id="{6B7A3D28-4706-6975-96B6-35C7A9F3A04E}"/>
+              </a:ext>
+            </a:extLst>
+          </p:cNvPr>
+          <p:cNvCxnSpPr>
+            <a:cxnSpLocks/>
+          </p:cNvCxnSpPr>
+          <p:nvPr/>
+        </p:nvCxnSpPr>
+        <p:spPr>
+          <a:xfrm flipH="1">
+            <a:off x="7038267" y="4219984"/>
+            <a:ext cx="775830" cy="0"/>
+          </a:xfrm>
+          <a:prstGeom prst="line">
+            <a:avLst/>
+          </a:prstGeom>
+          <a:ln w="44450">
+            <a:solidFill>
+              <a:schemeClr val="tx1"/>
+            </a:solidFill>
+          </a:ln>
+        </p:spPr>
+        <p:style>
+          <a:lnRef idx="2">
+            <a:schemeClr val="accent1"/>
+          </a:lnRef>
+          <a:fillRef idx="0">
+            <a:schemeClr val="accent1"/>
+          </a:fillRef>
+          <a:effectRef idx="1">
+            <a:schemeClr val="accent1"/>
+          </a:effectRef>
+          <a:fontRef idx="minor">
+            <a:schemeClr val="tx1"/>
+          </a:fontRef>
+        </p:style>
+      </p:cxnSp>
+      <p:cxnSp>
+        <p:nvCxnSpPr>
+          <p:cNvPr id="27" name="Straight Connector 26">
+            <a:extLst>
+              <a:ext uri="{FF2B5EF4-FFF2-40B4-BE49-F238E27FC236}">
+                <a16:creationId xmlns:a16="http://schemas.microsoft.com/office/drawing/2014/main" id="{CB9E3989-33DE-0D2E-6C7A-65C29E54F2E9}"/>
+              </a:ext>
+            </a:extLst>
+          </p:cNvPr>
+          <p:cNvCxnSpPr>
+            <a:cxnSpLocks/>
+          </p:cNvCxnSpPr>
+          <p:nvPr/>
+        </p:nvCxnSpPr>
+        <p:spPr>
+          <a:xfrm flipH="1">
+            <a:off x="7038267" y="4673605"/>
+            <a:ext cx="775830" cy="0"/>
+          </a:xfrm>
+          <a:prstGeom prst="line">
+            <a:avLst/>
+          </a:prstGeom>
+          <a:ln w="44450">
+            <a:solidFill>
+              <a:schemeClr val="tx1"/>
+            </a:solidFill>
+          </a:ln>
+        </p:spPr>
+        <p:style>
+          <a:lnRef idx="2">
+            <a:schemeClr val="accent1"/>
+          </a:lnRef>
+          <a:fillRef idx="0">
+            <a:schemeClr val="accent1"/>
+          </a:fillRef>
+          <a:effectRef idx="1">
+            <a:schemeClr val="accent1"/>
+          </a:effectRef>
+          <a:fontRef idx="minor">
+            <a:schemeClr val="tx1"/>
+          </a:fontRef>
+        </p:style>
+      </p:cxnSp>
+      <p:cxnSp>
+        <p:nvCxnSpPr>
+          <p:cNvPr id="30" name="Straight Connector 29">
+            <a:extLst>
+              <a:ext uri="{FF2B5EF4-FFF2-40B4-BE49-F238E27FC236}">
+                <a16:creationId xmlns:a16="http://schemas.microsoft.com/office/drawing/2014/main" id="{6C549A85-2CD1-8C11-3F89-C34DBC55B2A6}"/>
+              </a:ext>
+            </a:extLst>
+          </p:cNvPr>
+          <p:cNvCxnSpPr>
+            <a:cxnSpLocks/>
+          </p:cNvCxnSpPr>
+          <p:nvPr/>
+        </p:nvCxnSpPr>
+        <p:spPr>
+          <a:xfrm>
+            <a:off x="5489067" y="3582558"/>
+            <a:ext cx="121501" cy="128523"/>
+          </a:xfrm>
+          <a:prstGeom prst="line">
+            <a:avLst/>
+          </a:prstGeom>
+          <a:ln w="19050">
+            <a:solidFill>
+              <a:schemeClr val="tx1"/>
+            </a:solidFill>
+          </a:ln>
+        </p:spPr>
+        <p:style>
+          <a:lnRef idx="2">
+            <a:schemeClr val="accent1"/>
+          </a:lnRef>
+          <a:fillRef idx="0">
+            <a:schemeClr val="accent1"/>
+          </a:fillRef>
+          <a:effectRef idx="1">
+            <a:schemeClr val="accent1"/>
+          </a:effectRef>
+          <a:fontRef idx="minor">
+            <a:schemeClr val="tx1"/>
+          </a:fontRef>
+        </p:style>
+      </p:cxnSp>
+      <p:cxnSp>
+        <p:nvCxnSpPr>
+          <p:cNvPr id="31" name="Straight Connector 30">
+            <a:extLst>
+              <a:ext uri="{FF2B5EF4-FFF2-40B4-BE49-F238E27FC236}">
+                <a16:creationId xmlns:a16="http://schemas.microsoft.com/office/drawing/2014/main" id="{37B8745D-1303-7B46-3BA9-9978AEA0E0A2}"/>
+              </a:ext>
+            </a:extLst>
+          </p:cNvPr>
+          <p:cNvCxnSpPr>
+            <a:cxnSpLocks/>
+          </p:cNvCxnSpPr>
+          <p:nvPr/>
+        </p:nvCxnSpPr>
+        <p:spPr>
+          <a:xfrm flipH="1">
+            <a:off x="5489067" y="3700965"/>
+            <a:ext cx="127094" cy="135731"/>
+          </a:xfrm>
+          <a:prstGeom prst="line">
+            <a:avLst/>
+          </a:prstGeom>
+          <a:ln w="19050">
+            <a:solidFill>
+              <a:schemeClr val="tx1"/>
+            </a:solidFill>
+          </a:ln>
+        </p:spPr>
+        <p:style>
+          <a:lnRef idx="2">
+            <a:schemeClr val="accent1"/>
+          </a:lnRef>
+          <a:fillRef idx="0">
+            <a:schemeClr val="accent1"/>
+          </a:fillRef>
+          <a:effectRef idx="1">
+            <a:schemeClr val="accent1"/>
+          </a:effectRef>
+          <a:fontRef idx="minor">
+            <a:schemeClr val="tx1"/>
+          </a:fontRef>
+        </p:style>
+      </p:cxnSp>
+      <p:cxnSp>
+        <p:nvCxnSpPr>
+          <p:cNvPr id="10" name="Straight Connector 9">
+            <a:extLst>
+              <a:ext uri="{FF2B5EF4-FFF2-40B4-BE49-F238E27FC236}">
+                <a16:creationId xmlns:a16="http://schemas.microsoft.com/office/drawing/2014/main" id="{B39759A4-3DDF-F705-E6C0-0F2AB0BA32F3}"/>
+              </a:ext>
+            </a:extLst>
+          </p:cNvPr>
+          <p:cNvCxnSpPr>
+            <a:cxnSpLocks/>
+          </p:cNvCxnSpPr>
+          <p:nvPr/>
+        </p:nvCxnSpPr>
+        <p:spPr>
+          <a:xfrm flipH="1">
+            <a:off x="4713237" y="4677522"/>
+            <a:ext cx="775830" cy="0"/>
+          </a:xfrm>
+          <a:prstGeom prst="line">
+            <a:avLst/>
+          </a:prstGeom>
+          <a:ln w="44450">
+            <a:solidFill>
+              <a:schemeClr val="tx1"/>
+            </a:solidFill>
+          </a:ln>
+        </p:spPr>
+        <p:style>
+          <a:lnRef idx="2">
+            <a:schemeClr val="accent1"/>
+          </a:lnRef>
+          <a:fillRef idx="0">
+            <a:schemeClr val="accent1"/>
+          </a:fillRef>
+          <a:effectRef idx="1">
+            <a:schemeClr val="accent1"/>
+          </a:effectRef>
+          <a:fontRef idx="minor">
+            <a:schemeClr val="tx1"/>
+          </a:fontRef>
+        </p:style>
+      </p:cxnSp>
+      <p:cxnSp>
+        <p:nvCxnSpPr>
+          <p:cNvPr id="11" name="Straight Connector 10">
+            <a:extLst>
+              <a:ext uri="{FF2B5EF4-FFF2-40B4-BE49-F238E27FC236}">
+                <a16:creationId xmlns:a16="http://schemas.microsoft.com/office/drawing/2014/main" id="{C60BC242-89FB-DDE5-9A0E-CA215ABD959E}"/>
+              </a:ext>
+            </a:extLst>
+          </p:cNvPr>
+          <p:cNvCxnSpPr>
+            <a:cxnSpLocks/>
+          </p:cNvCxnSpPr>
+          <p:nvPr/>
+        </p:nvCxnSpPr>
+        <p:spPr>
+          <a:xfrm flipH="1">
+            <a:off x="4713237" y="5151483"/>
+            <a:ext cx="775830" cy="0"/>
+          </a:xfrm>
+          <a:prstGeom prst="line">
+            <a:avLst/>
+          </a:prstGeom>
+          <a:ln w="44450">
+            <a:solidFill>
+              <a:schemeClr val="tx1"/>
+            </a:solidFill>
+          </a:ln>
+        </p:spPr>
+        <p:style>
+          <a:lnRef idx="2">
+            <a:schemeClr val="accent1"/>
+          </a:lnRef>
+          <a:fillRef idx="0">
+            <a:schemeClr val="accent1"/>
+          </a:fillRef>
+          <a:effectRef idx="1">
+            <a:schemeClr val="accent1"/>
+          </a:effectRef>
+          <a:fontRef idx="minor">
+            <a:schemeClr val="tx1"/>
+          </a:fontRef>
+        </p:style>
+      </p:cxnSp>
+      <p:sp>
+        <p:nvSpPr>
+          <p:cNvPr id="12" name="TextBox 11">
+            <a:extLst>
+              <a:ext uri="{FF2B5EF4-FFF2-40B4-BE49-F238E27FC236}">
+                <a16:creationId xmlns:a16="http://schemas.microsoft.com/office/drawing/2014/main" id="{9169C157-E25B-BC67-A620-AB25BB9EB951}"/>
+              </a:ext>
+            </a:extLst>
+          </p:cNvPr>
+          <p:cNvSpPr txBox="1"/>
+          <p:nvPr/>
+        </p:nvSpPr>
+        <p:spPr>
+          <a:xfrm>
+            <a:off x="2981292" y="4446689"/>
+            <a:ext cx="1765082" cy="461665"/>
+          </a:xfrm>
+          <a:prstGeom prst="rect">
+            <a:avLst/>
+          </a:prstGeom>
+          <a:noFill/>
+        </p:spPr>
+        <p:txBody>
+          <a:bodyPr wrap="square" rtlCol="0">
+            <a:spAutoFit/>
+          </a:bodyPr>
+          <a:lstStyle/>
+          <a:p>
+            <a:pPr algn="r"/>
+            <a:r>
+              <a:rPr lang="en-IE" sz="2400" dirty="0"/>
+              <a:t>ce</a:t>
+            </a:r>
+          </a:p>
+        </p:txBody>
+      </p:sp>
+      <p:sp>
+        <p:nvSpPr>
+          <p:cNvPr id="29" name="TextBox 28">
+            <a:extLst>
+              <a:ext uri="{FF2B5EF4-FFF2-40B4-BE49-F238E27FC236}">
+                <a16:creationId xmlns:a16="http://schemas.microsoft.com/office/drawing/2014/main" id="{7B658E95-1A8D-9BF2-9B82-08ABD2BABD4A}"/>
+              </a:ext>
+            </a:extLst>
+          </p:cNvPr>
+          <p:cNvSpPr txBox="1"/>
+          <p:nvPr/>
+        </p:nvSpPr>
+        <p:spPr>
+          <a:xfrm>
+            <a:off x="2981548" y="4920650"/>
+            <a:ext cx="1765082" cy="461665"/>
+          </a:xfrm>
+          <a:prstGeom prst="rect">
+            <a:avLst/>
+          </a:prstGeom>
+          <a:noFill/>
+        </p:spPr>
+        <p:txBody>
+          <a:bodyPr wrap="square" rtlCol="0">
+            <a:spAutoFit/>
+          </a:bodyPr>
+          <a:lstStyle/>
+          <a:p>
+            <a:pPr algn="r"/>
+            <a:r>
+              <a:rPr lang="en-IE" sz="2400" dirty="0"/>
+              <a:t>rst</a:t>
+            </a:r>
+          </a:p>
+        </p:txBody>
+      </p:sp>
+      <p:cxnSp>
+        <p:nvCxnSpPr>
+          <p:cNvPr id="32" name="Straight Connector 31">
+            <a:extLst>
+              <a:ext uri="{FF2B5EF4-FFF2-40B4-BE49-F238E27FC236}">
+                <a16:creationId xmlns:a16="http://schemas.microsoft.com/office/drawing/2014/main" id="{EAE6AAB8-5061-FCB1-A281-FA4A023E8DFB}"/>
+              </a:ext>
+            </a:extLst>
+          </p:cNvPr>
+          <p:cNvCxnSpPr>
+            <a:cxnSpLocks/>
+          </p:cNvCxnSpPr>
+          <p:nvPr/>
+        </p:nvCxnSpPr>
+        <p:spPr>
+          <a:xfrm flipH="1">
+            <a:off x="4713237" y="5634083"/>
+            <a:ext cx="775830" cy="0"/>
+          </a:xfrm>
+          <a:prstGeom prst="line">
+            <a:avLst/>
+          </a:prstGeom>
+          <a:ln w="44450">
+            <a:solidFill>
+              <a:schemeClr val="tx1"/>
+            </a:solidFill>
+          </a:ln>
+        </p:spPr>
+        <p:style>
+          <a:lnRef idx="2">
+            <a:schemeClr val="accent1"/>
+          </a:lnRef>
+          <a:fillRef idx="0">
+            <a:schemeClr val="accent1"/>
+          </a:fillRef>
+          <a:effectRef idx="1">
+            <a:schemeClr val="accent1"/>
+          </a:effectRef>
+          <a:fontRef idx="minor">
+            <a:schemeClr val="tx1"/>
+          </a:fontRef>
+        </p:style>
+      </p:cxnSp>
+      <p:sp>
+        <p:nvSpPr>
+          <p:cNvPr id="33" name="TextBox 32">
+            <a:extLst>
+              <a:ext uri="{FF2B5EF4-FFF2-40B4-BE49-F238E27FC236}">
+                <a16:creationId xmlns:a16="http://schemas.microsoft.com/office/drawing/2014/main" id="{221F63EE-3F8B-E890-FAF8-DF32678FB3D5}"/>
+              </a:ext>
+            </a:extLst>
+          </p:cNvPr>
+          <p:cNvSpPr txBox="1"/>
+          <p:nvPr/>
+        </p:nvSpPr>
+        <p:spPr>
+          <a:xfrm>
+            <a:off x="914400" y="5403250"/>
+            <a:ext cx="3832230" cy="461665"/>
+          </a:xfrm>
+          <a:prstGeom prst="rect">
+            <a:avLst/>
+          </a:prstGeom>
+          <a:noFill/>
+        </p:spPr>
+        <p:txBody>
+          <a:bodyPr wrap="square" rtlCol="0">
+            <a:spAutoFit/>
+          </a:bodyPr>
+          <a:lstStyle/>
+          <a:p>
+            <a:pPr algn="r"/>
+            <a:r>
+              <a:rPr lang="en-IE" sz="2400" dirty="0"/>
+              <a:t>host_datToMem(31:0)</a:t>
+            </a:r>
+          </a:p>
+        </p:txBody>
+      </p:sp>
+      <p:cxnSp>
+        <p:nvCxnSpPr>
+          <p:cNvPr id="34" name="Straight Connector 33">
+            <a:extLst>
+              <a:ext uri="{FF2B5EF4-FFF2-40B4-BE49-F238E27FC236}">
+                <a16:creationId xmlns:a16="http://schemas.microsoft.com/office/drawing/2014/main" id="{2D70C370-A812-70BB-59A6-DC87E677DCCF}"/>
+              </a:ext>
+            </a:extLst>
+          </p:cNvPr>
+          <p:cNvCxnSpPr>
+            <a:cxnSpLocks/>
+          </p:cNvCxnSpPr>
+          <p:nvPr/>
+        </p:nvCxnSpPr>
+        <p:spPr>
+          <a:xfrm flipH="1">
+            <a:off x="4713237" y="6055964"/>
+            <a:ext cx="775830" cy="0"/>
+          </a:xfrm>
+          <a:prstGeom prst="line">
+            <a:avLst/>
+          </a:prstGeom>
+          <a:ln w="44450">
+            <a:solidFill>
+              <a:schemeClr val="tx1"/>
+            </a:solidFill>
+          </a:ln>
+        </p:spPr>
+        <p:style>
+          <a:lnRef idx="2">
+            <a:schemeClr val="accent1"/>
+          </a:lnRef>
+          <a:fillRef idx="0">
+            <a:schemeClr val="accent1"/>
+          </a:fillRef>
+          <a:effectRef idx="1">
+            <a:schemeClr val="accent1"/>
+          </a:effectRef>
+          <a:fontRef idx="minor">
+            <a:schemeClr val="tx1"/>
+          </a:fontRef>
+        </p:style>
+      </p:cxnSp>
+      <p:sp>
+        <p:nvSpPr>
+          <p:cNvPr id="36" name="TextBox 35">
+            <a:extLst>
+              <a:ext uri="{FF2B5EF4-FFF2-40B4-BE49-F238E27FC236}">
+                <a16:creationId xmlns:a16="http://schemas.microsoft.com/office/drawing/2014/main" id="{FEED6CDA-7BBA-66DB-40DC-0767E1CE19B6}"/>
+              </a:ext>
+            </a:extLst>
+          </p:cNvPr>
+          <p:cNvSpPr txBox="1"/>
+          <p:nvPr/>
+        </p:nvSpPr>
+        <p:spPr>
+          <a:xfrm>
+            <a:off x="517236" y="5825131"/>
+            <a:ext cx="4229394" cy="461665"/>
+          </a:xfrm>
+          <a:prstGeom prst="rect">
+            <a:avLst/>
+          </a:prstGeom>
+          <a:noFill/>
+        </p:spPr>
+        <p:txBody>
+          <a:bodyPr wrap="square" rtlCol="0">
+            <a:spAutoFit/>
+          </a:bodyPr>
+          <a:lstStyle/>
+          <a:p>
+            <a:pPr algn="r"/>
+            <a:r>
+              <a:rPr lang="en-IE" sz="2400" dirty="0"/>
+              <a:t>host_memAdd(15:0)</a:t>
+            </a:r>
+          </a:p>
+        </p:txBody>
+      </p:sp>
+      <p:cxnSp>
+        <p:nvCxnSpPr>
+          <p:cNvPr id="37" name="Straight Connector 36">
+            <a:extLst>
+              <a:ext uri="{FF2B5EF4-FFF2-40B4-BE49-F238E27FC236}">
+                <a16:creationId xmlns:a16="http://schemas.microsoft.com/office/drawing/2014/main" id="{73D4E75E-004A-43CF-56B2-C16704F3C101}"/>
+              </a:ext>
+            </a:extLst>
+          </p:cNvPr>
+          <p:cNvCxnSpPr>
+            <a:cxnSpLocks/>
+          </p:cNvCxnSpPr>
+          <p:nvPr/>
+        </p:nvCxnSpPr>
+        <p:spPr>
+          <a:xfrm flipH="1">
+            <a:off x="4703713" y="6526857"/>
+            <a:ext cx="775830" cy="0"/>
+          </a:xfrm>
+          <a:prstGeom prst="line">
+            <a:avLst/>
+          </a:prstGeom>
+          <a:ln w="44450">
+            <a:solidFill>
+              <a:schemeClr val="tx1"/>
+            </a:solidFill>
+          </a:ln>
+        </p:spPr>
+        <p:style>
+          <a:lnRef idx="2">
+            <a:schemeClr val="accent1"/>
+          </a:lnRef>
+          <a:fillRef idx="0">
+            <a:schemeClr val="accent1"/>
+          </a:fillRef>
+          <a:effectRef idx="1">
+            <a:schemeClr val="accent1"/>
+          </a:effectRef>
+          <a:fontRef idx="minor">
+            <a:schemeClr val="tx1"/>
+          </a:fontRef>
+        </p:style>
+      </p:cxnSp>
+      <p:sp>
+        <p:nvSpPr>
+          <p:cNvPr id="38" name="TextBox 37">
+            <a:extLst>
+              <a:ext uri="{FF2B5EF4-FFF2-40B4-BE49-F238E27FC236}">
+                <a16:creationId xmlns:a16="http://schemas.microsoft.com/office/drawing/2014/main" id="{886011F7-1AD3-C9B2-06FC-FA351FB37419}"/>
+              </a:ext>
+            </a:extLst>
+          </p:cNvPr>
+          <p:cNvSpPr txBox="1"/>
+          <p:nvPr/>
+        </p:nvSpPr>
+        <p:spPr>
+          <a:xfrm>
+            <a:off x="2381283" y="6283219"/>
+            <a:ext cx="2344888" cy="461665"/>
+          </a:xfrm>
+          <a:prstGeom prst="rect">
+            <a:avLst/>
+          </a:prstGeom>
+          <a:noFill/>
+        </p:spPr>
+        <p:txBody>
+          <a:bodyPr wrap="square" rtlCol="0">
+            <a:spAutoFit/>
+          </a:bodyPr>
+          <a:lstStyle/>
+          <a:p>
+            <a:pPr algn="r"/>
+            <a:r>
+              <a:rPr lang="en-IE" sz="2400" dirty="0"/>
+              <a:t>RBWe</a:t>
+            </a:r>
+          </a:p>
+        </p:txBody>
+      </p:sp>
+      <p:cxnSp>
+        <p:nvCxnSpPr>
+          <p:cNvPr id="39" name="Straight Connector 38">
+            <a:extLst>
+              <a:ext uri="{FF2B5EF4-FFF2-40B4-BE49-F238E27FC236}">
+                <a16:creationId xmlns:a16="http://schemas.microsoft.com/office/drawing/2014/main" id="{98DD9F22-ABCF-BFA6-73AC-E2CD92848366}"/>
+              </a:ext>
+            </a:extLst>
+          </p:cNvPr>
+          <p:cNvCxnSpPr>
+            <a:cxnSpLocks/>
+          </p:cNvCxnSpPr>
+          <p:nvPr/>
+        </p:nvCxnSpPr>
+        <p:spPr>
+          <a:xfrm flipH="1">
+            <a:off x="4713237" y="8290846"/>
+            <a:ext cx="775830" cy="0"/>
+          </a:xfrm>
+          <a:prstGeom prst="line">
+            <a:avLst/>
+          </a:prstGeom>
+          <a:ln w="44450">
+            <a:solidFill>
+              <a:schemeClr val="tx1"/>
+            </a:solidFill>
+          </a:ln>
+        </p:spPr>
+        <p:style>
+          <a:lnRef idx="2">
+            <a:schemeClr val="accent1"/>
+          </a:lnRef>
+          <a:fillRef idx="0">
+            <a:schemeClr val="accent1"/>
+          </a:fillRef>
+          <a:effectRef idx="1">
+            <a:schemeClr val="accent1"/>
+          </a:effectRef>
+          <a:fontRef idx="minor">
+            <a:schemeClr val="tx1"/>
+          </a:fontRef>
+        </p:style>
+      </p:cxnSp>
+      <p:sp>
+        <p:nvSpPr>
+          <p:cNvPr id="40" name="TextBox 39">
+            <a:extLst>
+              <a:ext uri="{FF2B5EF4-FFF2-40B4-BE49-F238E27FC236}">
+                <a16:creationId xmlns:a16="http://schemas.microsoft.com/office/drawing/2014/main" id="{60F1A798-9006-710B-8038-9CC5693C56B3}"/>
+              </a:ext>
+            </a:extLst>
+          </p:cNvPr>
+          <p:cNvSpPr txBox="1"/>
+          <p:nvPr/>
+        </p:nvSpPr>
+        <p:spPr>
+          <a:xfrm>
+            <a:off x="2586469" y="8060013"/>
+            <a:ext cx="2160161" cy="461665"/>
+          </a:xfrm>
+          <a:prstGeom prst="rect">
+            <a:avLst/>
+          </a:prstGeom>
+          <a:noFill/>
+        </p:spPr>
+        <p:txBody>
+          <a:bodyPr wrap="square" rtlCol="0">
+            <a:spAutoFit/>
+          </a:bodyPr>
+          <a:lstStyle/>
+          <a:p>
+            <a:pPr algn="r"/>
+            <a:r>
+              <a:rPr lang="en-IE" sz="2400" dirty="0"/>
+              <a:t>WBDat(31:0)</a:t>
+            </a:r>
+          </a:p>
+        </p:txBody>
+      </p:sp>
+      <p:sp>
+        <p:nvSpPr>
+          <p:cNvPr id="53" name="TextBox 52">
+            <a:extLst>
+              <a:ext uri="{FF2B5EF4-FFF2-40B4-BE49-F238E27FC236}">
+                <a16:creationId xmlns:a16="http://schemas.microsoft.com/office/drawing/2014/main" id="{ADA38160-EB52-11F7-1028-E3776CE17AEF}"/>
+              </a:ext>
+            </a:extLst>
+          </p:cNvPr>
+          <p:cNvSpPr txBox="1"/>
+          <p:nvPr/>
+        </p:nvSpPr>
+        <p:spPr>
+          <a:xfrm>
+            <a:off x="7775570" y="3953697"/>
+            <a:ext cx="1765082" cy="461665"/>
+          </a:xfrm>
+          <a:prstGeom prst="rect">
+            <a:avLst/>
+          </a:prstGeom>
+          <a:noFill/>
+        </p:spPr>
+        <p:txBody>
+          <a:bodyPr wrap="square" rtlCol="0">
+            <a:spAutoFit/>
+          </a:bodyPr>
+          <a:lstStyle/>
+          <a:p>
+            <a:r>
+              <a:rPr lang="en-IE" sz="2400" dirty="0"/>
+              <a:t>rs2D(4:0)</a:t>
+            </a:r>
+          </a:p>
+        </p:txBody>
+      </p:sp>
+      <p:sp>
+        <p:nvSpPr>
+          <p:cNvPr id="54" name="TextBox 53">
+            <a:extLst>
+              <a:ext uri="{FF2B5EF4-FFF2-40B4-BE49-F238E27FC236}">
+                <a16:creationId xmlns:a16="http://schemas.microsoft.com/office/drawing/2014/main" id="{0714CCE6-2B57-24A4-8C8F-79BD39D10D7F}"/>
+              </a:ext>
+            </a:extLst>
+          </p:cNvPr>
+          <p:cNvSpPr txBox="1"/>
+          <p:nvPr/>
+        </p:nvSpPr>
+        <p:spPr>
+          <a:xfrm>
+            <a:off x="7775569" y="4448714"/>
+            <a:ext cx="1913375" cy="461665"/>
+          </a:xfrm>
+          <a:prstGeom prst="rect">
+            <a:avLst/>
+          </a:prstGeom>
+          <a:noFill/>
+        </p:spPr>
+        <p:txBody>
+          <a:bodyPr wrap="square" rtlCol="0">
+            <a:spAutoFit/>
+          </a:bodyPr>
+          <a:lstStyle/>
+          <a:p>
+            <a:r>
+              <a:rPr lang="en-IE" sz="2400" dirty="0"/>
+              <a:t>RBOut(31:0)</a:t>
+            </a:r>
+          </a:p>
+        </p:txBody>
+      </p:sp>
+    </p:spTree>
+    <p:extLst>
+      <p:ext uri="{BB962C8B-B14F-4D97-AF65-F5344CB8AC3E}">
+        <p14:creationId xmlns:p14="http://schemas.microsoft.com/office/powerpoint/2010/main" val="121265068"/>
       </p:ext>
     </p:extLst>
   </p:cSld>
@@ -24117,4 +30310,319 @@
     </a:ext>
   </a:extLst>
 </a:theme>
+</file>
+
+<file path=ppt/theme/theme2.xml><?xml version="1.0" encoding="utf-8"?>
+<a:theme xmlns:a="http://schemas.openxmlformats.org/drawingml/2006/main" name="Office Theme">
+  <a:themeElements>
+    <a:clrScheme name="Office">
+      <a:dk1>
+        <a:sysClr val="windowText" lastClr="000000"/>
+      </a:dk1>
+      <a:lt1>
+        <a:sysClr val="window" lastClr="FFFFFF"/>
+      </a:lt1>
+      <a:dk2>
+        <a:srgbClr val="0E2841"/>
+      </a:dk2>
+      <a:lt2>
+        <a:srgbClr val="E8E8E8"/>
+      </a:lt2>
+      <a:accent1>
+        <a:srgbClr val="156082"/>
+      </a:accent1>
+      <a:accent2>
+        <a:srgbClr val="E97132"/>
+      </a:accent2>
+      <a:accent3>
+        <a:srgbClr val="196B24"/>
+      </a:accent3>
+      <a:accent4>
+        <a:srgbClr val="0F9ED5"/>
+      </a:accent4>
+      <a:accent5>
+        <a:srgbClr val="A02B93"/>
+      </a:accent5>
+      <a:accent6>
+        <a:srgbClr val="4EA72E"/>
+      </a:accent6>
+      <a:hlink>
+        <a:srgbClr val="467886"/>
+      </a:hlink>
+      <a:folHlink>
+        <a:srgbClr val="96607D"/>
+      </a:folHlink>
+    </a:clrScheme>
+    <a:fontScheme name="Office">
+      <a:majorFont>
+        <a:latin typeface="Aptos Display" panose="02110004020202020204"/>
+        <a:ea typeface=""/>
+        <a:cs typeface=""/>
+        <a:font script="Jpan" typeface="游ゴシック Light"/>
+        <a:font script="Hang" typeface="맑은 고딕"/>
+        <a:font script="Hans" typeface="等线 Light"/>
+        <a:font script="Hant" typeface="新細明體"/>
+        <a:font script="Arab" typeface="Times New Roman"/>
+        <a:font script="Hebr" typeface="Times New Roman"/>
+        <a:font script="Thai" typeface="Angsana New"/>
+        <a:font script="Ethi" typeface="Nyala"/>
+        <a:font script="Beng" typeface="Vrinda"/>
+        <a:font script="Gujr" typeface="Shruti"/>
+        <a:font script="Khmr" typeface="MoolBoran"/>
+        <a:font script="Knda" typeface="Tunga"/>
+        <a:font script="Guru" typeface="Raavi"/>
+        <a:font script="Cans" typeface="Euphemia"/>
+        <a:font script="Cher" typeface="Plantagenet Cherokee"/>
+        <a:font script="Yiii" typeface="Microsoft Yi Baiti"/>
+        <a:font script="Tibt" typeface="Microsoft Himalaya"/>
+        <a:font script="Thaa" typeface="MV Boli"/>
+        <a:font script="Deva" typeface="Mangal"/>
+        <a:font script="Telu" typeface="Gautami"/>
+        <a:font script="Taml" typeface="Latha"/>
+        <a:font script="Syrc" typeface="Estrangelo Edessa"/>
+        <a:font script="Orya" typeface="Kalinga"/>
+        <a:font script="Mlym" typeface="Kartika"/>
+        <a:font script="Laoo" typeface="DokChampa"/>
+        <a:font script="Sinh" typeface="Iskoola Pota"/>
+        <a:font script="Mong" typeface="Mongolian Baiti"/>
+        <a:font script="Viet" typeface="Times New Roman"/>
+        <a:font script="Uigh" typeface="Microsoft Uighur"/>
+        <a:font script="Geor" typeface="Sylfaen"/>
+        <a:font script="Armn" typeface="Arial"/>
+        <a:font script="Bugi" typeface="Leelawadee UI"/>
+        <a:font script="Bopo" typeface="Microsoft JhengHei"/>
+        <a:font script="Java" typeface="Javanese Text"/>
+        <a:font script="Lisu" typeface="Segoe UI"/>
+        <a:font script="Mymr" typeface="Myanmar Text"/>
+        <a:font script="Nkoo" typeface="Ebrima"/>
+        <a:font script="Olck" typeface="Nirmala UI"/>
+        <a:font script="Osma" typeface="Ebrima"/>
+        <a:font script="Phag" typeface="Phagspa"/>
+        <a:font script="Syrn" typeface="Estrangelo Edessa"/>
+        <a:font script="Syrj" typeface="Estrangelo Edessa"/>
+        <a:font script="Syre" typeface="Estrangelo Edessa"/>
+        <a:font script="Sora" typeface="Nirmala UI"/>
+        <a:font script="Tale" typeface="Microsoft Tai Le"/>
+        <a:font script="Talu" typeface="Microsoft New Tai Lue"/>
+        <a:font script="Tfng" typeface="Ebrima"/>
+      </a:majorFont>
+      <a:minorFont>
+        <a:latin typeface="Aptos" panose="02110004020202020204"/>
+        <a:ea typeface=""/>
+        <a:cs typeface=""/>
+        <a:font script="Jpan" typeface="游ゴシック"/>
+        <a:font script="Hang" typeface="맑은 고딕"/>
+        <a:font script="Hans" typeface="等线"/>
+        <a:font script="Hant" typeface="新細明體"/>
+        <a:font script="Arab" typeface="Arial"/>
+        <a:font script="Hebr" typeface="Arial"/>
+        <a:font script="Thai" typeface="Cordia New"/>
+        <a:font script="Ethi" typeface="Nyala"/>
+        <a:font script="Beng" typeface="Vrinda"/>
+        <a:font script="Gujr" typeface="Shruti"/>
+        <a:font script="Khmr" typeface="DaunPenh"/>
+        <a:font script="Knda" typeface="Tunga"/>
+        <a:font script="Guru" typeface="Raavi"/>
+        <a:font script="Cans" typeface="Euphemia"/>
+        <a:font script="Cher" typeface="Plantagenet Cherokee"/>
+        <a:font script="Yiii" typeface="Microsoft Yi Baiti"/>
+        <a:font script="Tibt" typeface="Microsoft Himalaya"/>
+        <a:font script="Thaa" typeface="MV Boli"/>
+        <a:font script="Deva" typeface="Mangal"/>
+        <a:font script="Telu" typeface="Gautami"/>
+        <a:font script="Taml" typeface="Latha"/>
+        <a:font script="Syrc" typeface="Estrangelo Edessa"/>
+        <a:font script="Orya" typeface="Kalinga"/>
+        <a:font script="Mlym" typeface="Kartika"/>
+        <a:font script="Laoo" typeface="DokChampa"/>
+        <a:font script="Sinh" typeface="Iskoola Pota"/>
+        <a:font script="Mong" typeface="Mongolian Baiti"/>
+        <a:font script="Viet" typeface="Arial"/>
+        <a:font script="Uigh" typeface="Microsoft Uighur"/>
+        <a:font script="Geor" typeface="Sylfaen"/>
+        <a:font script="Armn" typeface="Arial"/>
+        <a:font script="Bugi" typeface="Leelawadee UI"/>
+        <a:font script="Bopo" typeface="Microsoft JhengHei"/>
+        <a:font script="Java" typeface="Javanese Text"/>
+        <a:font script="Lisu" typeface="Segoe UI"/>
+        <a:font script="Mymr" typeface="Myanmar Text"/>
+        <a:font script="Nkoo" typeface="Ebrima"/>
+        <a:font script="Olck" typeface="Nirmala UI"/>
+        <a:font script="Osma" typeface="Ebrima"/>
+        <a:font script="Phag" typeface="Phagspa"/>
+        <a:font script="Syrn" typeface="Estrangelo Edessa"/>
+        <a:font script="Syrj" typeface="Estrangelo Edessa"/>
+        <a:font script="Syre" typeface="Estrangelo Edessa"/>
+        <a:font script="Sora" typeface="Nirmala UI"/>
+        <a:font script="Tale" typeface="Microsoft Tai Le"/>
+        <a:font script="Talu" typeface="Microsoft New Tai Lue"/>
+        <a:font script="Tfng" typeface="Ebrima"/>
+      </a:minorFont>
+    </a:fontScheme>
+    <a:fmtScheme name="Office">
+      <a:fillStyleLst>
+        <a:solidFill>
+          <a:schemeClr val="phClr"/>
+        </a:solidFill>
+        <a:gradFill rotWithShape="1">
+          <a:gsLst>
+            <a:gs pos="0">
+              <a:schemeClr val="phClr">
+                <a:lumMod val="110000"/>
+                <a:satMod val="105000"/>
+                <a:tint val="67000"/>
+              </a:schemeClr>
+            </a:gs>
+            <a:gs pos="50000">
+              <a:schemeClr val="phClr">
+                <a:lumMod val="105000"/>
+                <a:satMod val="103000"/>
+                <a:tint val="73000"/>
+              </a:schemeClr>
+            </a:gs>
+            <a:gs pos="100000">
+              <a:schemeClr val="phClr">
+                <a:lumMod val="105000"/>
+                <a:satMod val="109000"/>
+                <a:tint val="81000"/>
+              </a:schemeClr>
+            </a:gs>
+          </a:gsLst>
+          <a:lin ang="5400000" scaled="0"/>
+        </a:gradFill>
+        <a:gradFill rotWithShape="1">
+          <a:gsLst>
+            <a:gs pos="0">
+              <a:schemeClr val="phClr">
+                <a:satMod val="103000"/>
+                <a:lumMod val="102000"/>
+                <a:tint val="94000"/>
+              </a:schemeClr>
+            </a:gs>
+            <a:gs pos="50000">
+              <a:schemeClr val="phClr">
+                <a:satMod val="110000"/>
+                <a:lumMod val="100000"/>
+                <a:shade val="100000"/>
+              </a:schemeClr>
+            </a:gs>
+            <a:gs pos="100000">
+              <a:schemeClr val="phClr">
+                <a:lumMod val="99000"/>
+                <a:satMod val="120000"/>
+                <a:shade val="78000"/>
+              </a:schemeClr>
+            </a:gs>
+          </a:gsLst>
+          <a:lin ang="5400000" scaled="0"/>
+        </a:gradFill>
+      </a:fillStyleLst>
+      <a:lnStyleLst>
+        <a:ln w="12700" cap="flat" cmpd="sng" algn="ctr">
+          <a:solidFill>
+            <a:schemeClr val="phClr"/>
+          </a:solidFill>
+          <a:prstDash val="solid"/>
+          <a:miter lim="800000"/>
+        </a:ln>
+        <a:ln w="19050" cap="flat" cmpd="sng" algn="ctr">
+          <a:solidFill>
+            <a:schemeClr val="phClr"/>
+          </a:solidFill>
+          <a:prstDash val="solid"/>
+          <a:miter lim="800000"/>
+        </a:ln>
+        <a:ln w="25400" cap="flat" cmpd="sng" algn="ctr">
+          <a:solidFill>
+            <a:schemeClr val="phClr"/>
+          </a:solidFill>
+          <a:prstDash val="solid"/>
+          <a:miter lim="800000"/>
+        </a:ln>
+      </a:lnStyleLst>
+      <a:effectStyleLst>
+        <a:effectStyle>
+          <a:effectLst/>
+        </a:effectStyle>
+        <a:effectStyle>
+          <a:effectLst/>
+        </a:effectStyle>
+        <a:effectStyle>
+          <a:effectLst>
+            <a:outerShdw blurRad="57150" dist="19050" dir="5400000" algn="ctr" rotWithShape="0">
+              <a:srgbClr val="000000">
+                <a:alpha val="63000"/>
+              </a:srgbClr>
+            </a:outerShdw>
+          </a:effectLst>
+        </a:effectStyle>
+      </a:effectStyleLst>
+      <a:bgFillStyleLst>
+        <a:solidFill>
+          <a:schemeClr val="phClr"/>
+        </a:solidFill>
+        <a:solidFill>
+          <a:schemeClr val="phClr">
+            <a:tint val="95000"/>
+            <a:satMod val="170000"/>
+          </a:schemeClr>
+        </a:solidFill>
+        <a:gradFill rotWithShape="1">
+          <a:gsLst>
+            <a:gs pos="0">
+              <a:schemeClr val="phClr">
+                <a:tint val="93000"/>
+                <a:satMod val="150000"/>
+                <a:shade val="98000"/>
+                <a:lumMod val="102000"/>
+              </a:schemeClr>
+            </a:gs>
+            <a:gs pos="50000">
+              <a:schemeClr val="phClr">
+                <a:tint val="98000"/>
+                <a:satMod val="130000"/>
+                <a:shade val="90000"/>
+                <a:lumMod val="103000"/>
+              </a:schemeClr>
+            </a:gs>
+            <a:gs pos="100000">
+              <a:schemeClr val="phClr">
+                <a:shade val="63000"/>
+                <a:satMod val="120000"/>
+              </a:schemeClr>
+            </a:gs>
+          </a:gsLst>
+          <a:lin ang="5400000" scaled="0"/>
+        </a:gradFill>
+      </a:bgFillStyleLst>
+    </a:fmtScheme>
+  </a:themeElements>
+  <a:objectDefaults>
+    <a:lnDef>
+      <a:spPr/>
+      <a:bodyPr/>
+      <a:lstStyle/>
+      <a:style>
+        <a:lnRef idx="2">
+          <a:schemeClr val="accent1"/>
+        </a:lnRef>
+        <a:fillRef idx="0">
+          <a:schemeClr val="accent1"/>
+        </a:fillRef>
+        <a:effectRef idx="1">
+          <a:schemeClr val="accent1"/>
+        </a:effectRef>
+        <a:fontRef idx="minor">
+          <a:schemeClr val="tx1"/>
+        </a:fontRef>
+      </a:style>
+    </a:lnDef>
+  </a:objectDefaults>
+  <a:extraClrSchemeLst/>
+  <a:extLst>
+    <a:ext uri="{05A4C25C-085E-4340-85A3-A5531E510DB2}">
+      <thm15:themeFamily xmlns:thm15="http://schemas.microsoft.com/office/thememl/2012/main" name="Office Theme" id="{2E142A2C-CD16-42D6-873A-C26D2A0506FA}" vid="{1BDDFF52-6CD6-40A5-AB3C-68EB2F1E4D0A}"/>
+    </a:ext>
+  </a:extLst>
+</a:theme>
 </file>
--- a/docs/walkthroughs.pptx
+++ b/docs/walkthroughs.pptx
@@ -252,7 +252,7 @@
           <a:p>
             <a:fld id="{BA55FEFE-ABF1-487A-9341-20249636FC0C}" type="datetimeFigureOut">
               <a:rPr lang="en-IE" smtClean="0"/>
-              <a:t>08/05/2024</a:t>
+              <a:t>09/05/2024</a:t>
             </a:fld>
             <a:endParaRPr lang="en-IE"/>
           </a:p>
@@ -753,7 +753,7 @@
           <a:p>
             <a:fld id="{F806B19E-785D-496F-9875-753CF7F81483}" type="datetimeFigureOut">
               <a:rPr lang="en-IE" smtClean="0"/>
-              <a:t>08/05/2024</a:t>
+              <a:t>09/05/2024</a:t>
             </a:fld>
             <a:endParaRPr lang="en-IE"/>
           </a:p>
@@ -953,7 +953,7 @@
           <a:p>
             <a:fld id="{F806B19E-785D-496F-9875-753CF7F81483}" type="datetimeFigureOut">
               <a:rPr lang="en-IE" smtClean="0"/>
-              <a:t>08/05/2024</a:t>
+              <a:t>09/05/2024</a:t>
             </a:fld>
             <a:endParaRPr lang="en-IE"/>
           </a:p>
@@ -1163,7 +1163,7 @@
           <a:p>
             <a:fld id="{F806B19E-785D-496F-9875-753CF7F81483}" type="datetimeFigureOut">
               <a:rPr lang="en-IE" smtClean="0"/>
-              <a:t>08/05/2024</a:t>
+              <a:t>09/05/2024</a:t>
             </a:fld>
             <a:endParaRPr lang="en-IE"/>
           </a:p>
@@ -1363,7 +1363,7 @@
           <a:p>
             <a:fld id="{F806B19E-785D-496F-9875-753CF7F81483}" type="datetimeFigureOut">
               <a:rPr lang="en-IE" smtClean="0"/>
-              <a:t>08/05/2024</a:t>
+              <a:t>09/05/2024</a:t>
             </a:fld>
             <a:endParaRPr lang="en-IE"/>
           </a:p>
@@ -1639,7 +1639,7 @@
           <a:p>
             <a:fld id="{F806B19E-785D-496F-9875-753CF7F81483}" type="datetimeFigureOut">
               <a:rPr lang="en-IE" smtClean="0"/>
-              <a:t>08/05/2024</a:t>
+              <a:t>09/05/2024</a:t>
             </a:fld>
             <a:endParaRPr lang="en-IE"/>
           </a:p>
@@ -1907,7 +1907,7 @@
           <a:p>
             <a:fld id="{F806B19E-785D-496F-9875-753CF7F81483}" type="datetimeFigureOut">
               <a:rPr lang="en-IE" smtClean="0"/>
-              <a:t>08/05/2024</a:t>
+              <a:t>09/05/2024</a:t>
             </a:fld>
             <a:endParaRPr lang="en-IE"/>
           </a:p>
@@ -2322,7 +2322,7 @@
           <a:p>
             <a:fld id="{F806B19E-785D-496F-9875-753CF7F81483}" type="datetimeFigureOut">
               <a:rPr lang="en-IE" smtClean="0"/>
-              <a:t>08/05/2024</a:t>
+              <a:t>09/05/2024</a:t>
             </a:fld>
             <a:endParaRPr lang="en-IE"/>
           </a:p>
@@ -2464,7 +2464,7 @@
           <a:p>
             <a:fld id="{F806B19E-785D-496F-9875-753CF7F81483}" type="datetimeFigureOut">
               <a:rPr lang="en-IE" smtClean="0"/>
-              <a:t>08/05/2024</a:t>
+              <a:t>09/05/2024</a:t>
             </a:fld>
             <a:endParaRPr lang="en-IE"/>
           </a:p>
@@ -2577,7 +2577,7 @@
           <a:p>
             <a:fld id="{F806B19E-785D-496F-9875-753CF7F81483}" type="datetimeFigureOut">
               <a:rPr lang="en-IE" smtClean="0"/>
-              <a:t>08/05/2024</a:t>
+              <a:t>09/05/2024</a:t>
             </a:fld>
             <a:endParaRPr lang="en-IE"/>
           </a:p>
@@ -2890,7 +2890,7 @@
           <a:p>
             <a:fld id="{F806B19E-785D-496F-9875-753CF7F81483}" type="datetimeFigureOut">
               <a:rPr lang="en-IE" smtClean="0"/>
-              <a:t>08/05/2024</a:t>
+              <a:t>09/05/2024</a:t>
             </a:fld>
             <a:endParaRPr lang="en-IE"/>
           </a:p>
@@ -3179,7 +3179,7 @@
           <a:p>
             <a:fld id="{F806B19E-785D-496F-9875-753CF7F81483}" type="datetimeFigureOut">
               <a:rPr lang="en-IE" smtClean="0"/>
-              <a:t>08/05/2024</a:t>
+              <a:t>09/05/2024</a:t>
             </a:fld>
             <a:endParaRPr lang="en-IE"/>
           </a:p>
@@ -3422,7 +3422,7 @@
           <a:p>
             <a:fld id="{F806B19E-785D-496F-9875-753CF7F81483}" type="datetimeFigureOut">
               <a:rPr lang="en-IE" smtClean="0"/>
-              <a:t>08/05/2024</a:t>
+              <a:t>09/05/2024</a:t>
             </a:fld>
             <a:endParaRPr lang="en-IE"/>
           </a:p>
@@ -4302,7 +4302,7 @@
                   <a:srgbClr val="0070C0"/>
                 </a:solidFill>
               </a:rPr>
-              <a:t>Mux2_1 Walkthrough</a:t>
+              <a:t>Mux2_1 Walkthrough – PYNQ &amp; SoC Builder Basics</a:t>
             </a:r>
           </a:p>
         </p:txBody>
@@ -5614,7 +5614,7 @@
         </p:nvSpPr>
         <p:spPr>
           <a:xfrm>
-            <a:off x="6725852" y="742305"/>
+            <a:off x="6725852" y="1240799"/>
             <a:ext cx="4874117" cy="369332"/>
           </a:xfrm>
           <a:prstGeom prst="rect">
@@ -9940,12 +9940,12 @@
                         </a:spcAft>
                       </a:pPr>
                       <a:r>
-                        <a:rPr lang="en-IE" sz="2000" kern="100">
+                        <a:rPr lang="en-IE" sz="2000" kern="100" dirty="0">
                           <a:effectLst/>
                         </a:rPr>
                         <a:t>addIn1</a:t>
                       </a:r>
-                      <a:endParaRPr lang="en-IE" sz="2000" kern="100">
+                      <a:endParaRPr lang="en-IE" sz="2000" kern="100" dirty="0">
                         <a:effectLst/>
                         <a:latin typeface="Aptos" panose="020B0004020202020204" pitchFamily="34" charset="0"/>
                         <a:ea typeface="Aptos" panose="020B0004020202020204" pitchFamily="34" charset="0"/>
@@ -25788,7 +25788,7 @@
         </p:nvCxnSpPr>
         <p:spPr>
           <a:xfrm flipH="1">
-            <a:off x="4703713" y="3069325"/>
+            <a:off x="1560463" y="3301886"/>
             <a:ext cx="775830" cy="0"/>
           </a:xfrm>
           <a:prstGeom prst="line">
@@ -25831,7 +25831,7 @@
         </p:nvCxnSpPr>
         <p:spPr>
           <a:xfrm flipH="1">
-            <a:off x="4703713" y="3543286"/>
+            <a:off x="1560463" y="3775847"/>
             <a:ext cx="775830" cy="0"/>
           </a:xfrm>
           <a:prstGeom prst="line">
@@ -25874,7 +25874,7 @@
         </p:nvCxnSpPr>
         <p:spPr>
           <a:xfrm flipH="1">
-            <a:off x="7038267" y="3722865"/>
+            <a:off x="3895017" y="3955426"/>
             <a:ext cx="775830" cy="0"/>
           </a:xfrm>
           <a:prstGeom prst="line">
@@ -25915,7 +25915,7 @@
         </p:nvSpPr>
         <p:spPr>
           <a:xfrm>
-            <a:off x="2971768" y="2838492"/>
+            <a:off x="-171482" y="3071053"/>
             <a:ext cx="1765082" cy="461665"/>
           </a:xfrm>
           <a:prstGeom prst="rect">
@@ -25951,7 +25951,7 @@
         </p:nvSpPr>
         <p:spPr>
           <a:xfrm>
-            <a:off x="7560654" y="3480497"/>
+            <a:off x="4417404" y="3713058"/>
             <a:ext cx="1765082" cy="461665"/>
           </a:xfrm>
           <a:prstGeom prst="rect">
@@ -26046,7 +26046,7 @@
         </p:nvSpPr>
         <p:spPr>
           <a:xfrm>
-            <a:off x="3824041" y="1951333"/>
+            <a:off x="680791" y="2183894"/>
             <a:ext cx="4874117" cy="369332"/>
           </a:xfrm>
           <a:prstGeom prst="rect">
@@ -26082,7 +26082,7 @@
         </p:nvSpPr>
         <p:spPr>
           <a:xfrm>
-            <a:off x="3824040" y="1452958"/>
+            <a:off x="680790" y="1685519"/>
             <a:ext cx="4874117" cy="369332"/>
           </a:xfrm>
           <a:prstGeom prst="rect">
@@ -26123,7 +26123,7 @@
         </p:nvSpPr>
         <p:spPr>
           <a:xfrm>
-            <a:off x="5483933" y="2812383"/>
+            <a:off x="2340683" y="3044944"/>
             <a:ext cx="1554334" cy="2834637"/>
           </a:xfrm>
           <a:prstGeom prst="rect">
@@ -26175,7 +26175,7 @@
         </p:nvSpPr>
         <p:spPr>
           <a:xfrm>
-            <a:off x="2972024" y="3312453"/>
+            <a:off x="-171226" y="3545014"/>
             <a:ext cx="1765082" cy="461665"/>
           </a:xfrm>
           <a:prstGeom prst="rect">
@@ -26283,7 +26283,7 @@
         </p:nvCxnSpPr>
         <p:spPr>
           <a:xfrm flipH="1">
-            <a:off x="4703713" y="4025886"/>
+            <a:off x="1560463" y="4258447"/>
             <a:ext cx="775830" cy="0"/>
           </a:xfrm>
           <a:prstGeom prst="line">
@@ -26324,7 +26324,7 @@
         </p:nvSpPr>
         <p:spPr>
           <a:xfrm>
-            <a:off x="2972024" y="3795053"/>
+            <a:off x="-171226" y="4027614"/>
             <a:ext cx="1765082" cy="461665"/>
           </a:xfrm>
           <a:prstGeom prst="rect">
@@ -26362,7 +26362,7 @@
         </p:nvCxnSpPr>
         <p:spPr>
           <a:xfrm flipH="1">
-            <a:off x="4703713" y="4447767"/>
+            <a:off x="1560463" y="4680328"/>
             <a:ext cx="775830" cy="0"/>
           </a:xfrm>
           <a:prstGeom prst="line">
@@ -26403,7 +26403,7 @@
         </p:nvSpPr>
         <p:spPr>
           <a:xfrm>
-            <a:off x="2972024" y="4216934"/>
+            <a:off x="-171226" y="4449495"/>
             <a:ext cx="1765082" cy="461665"/>
           </a:xfrm>
           <a:prstGeom prst="rect">
@@ -26441,7 +26441,7 @@
         </p:nvCxnSpPr>
         <p:spPr>
           <a:xfrm flipH="1">
-            <a:off x="4703713" y="4964842"/>
+            <a:off x="1560463" y="5197403"/>
             <a:ext cx="775830" cy="0"/>
           </a:xfrm>
           <a:prstGeom prst="line">
@@ -26482,7 +26482,7 @@
         </p:nvSpPr>
         <p:spPr>
           <a:xfrm>
-            <a:off x="2972024" y="4721309"/>
+            <a:off x="-171226" y="4953870"/>
             <a:ext cx="1765082" cy="461665"/>
           </a:xfrm>
           <a:prstGeom prst="rect">
@@ -26520,7 +26520,7 @@
         </p:nvCxnSpPr>
         <p:spPr>
           <a:xfrm flipH="1">
-            <a:off x="4703713" y="5426507"/>
+            <a:off x="1560463" y="5659068"/>
             <a:ext cx="775830" cy="0"/>
           </a:xfrm>
           <a:prstGeom prst="line">
@@ -26561,7 +26561,7 @@
         </p:nvSpPr>
         <p:spPr>
           <a:xfrm>
-            <a:off x="2972024" y="5195674"/>
+            <a:off x="-171226" y="5428235"/>
             <a:ext cx="1765082" cy="461665"/>
           </a:xfrm>
           <a:prstGeom prst="rect">
@@ -26599,7 +26599,7 @@
         </p:nvCxnSpPr>
         <p:spPr>
           <a:xfrm flipH="1">
-            <a:off x="7038267" y="4219984"/>
+            <a:off x="3895017" y="4452545"/>
             <a:ext cx="775830" cy="0"/>
           </a:xfrm>
           <a:prstGeom prst="line">
@@ -26640,7 +26640,7 @@
         </p:nvSpPr>
         <p:spPr>
           <a:xfrm>
-            <a:off x="7236632" y="3956025"/>
+            <a:off x="4093382" y="4188586"/>
             <a:ext cx="1765082" cy="461665"/>
           </a:xfrm>
           <a:prstGeom prst="rect">
@@ -26678,7 +26678,7 @@
         </p:nvCxnSpPr>
         <p:spPr>
           <a:xfrm flipH="1">
-            <a:off x="7038267" y="4673605"/>
+            <a:off x="3895017" y="4906166"/>
             <a:ext cx="775830" cy="0"/>
           </a:xfrm>
           <a:prstGeom prst="line">
@@ -26719,7 +26719,7 @@
         </p:nvSpPr>
         <p:spPr>
           <a:xfrm>
-            <a:off x="7160432" y="4435046"/>
+            <a:off x="4017182" y="4667607"/>
             <a:ext cx="1765082" cy="461665"/>
           </a:xfrm>
           <a:prstGeom prst="rect">
@@ -26757,7 +26757,7 @@
         </p:nvCxnSpPr>
         <p:spPr>
           <a:xfrm>
-            <a:off x="5489067" y="4838700"/>
+            <a:off x="2345817" y="5071261"/>
             <a:ext cx="121501" cy="128523"/>
           </a:xfrm>
           <a:prstGeom prst="line">
@@ -26800,7 +26800,7 @@
         </p:nvCxnSpPr>
         <p:spPr>
           <a:xfrm flipH="1">
-            <a:off x="5489067" y="4957107"/>
+            <a:off x="2345817" y="5189668"/>
             <a:ext cx="127094" cy="135731"/>
           </a:xfrm>
           <a:prstGeom prst="line">
@@ -26827,6 +26827,2203 @@
           </a:fontRef>
         </p:style>
       </p:cxnSp>
+      <p:graphicFrame>
+        <p:nvGraphicFramePr>
+          <p:cNvPr id="6" name="Table 5">
+            <a:extLst>
+              <a:ext uri="{FF2B5EF4-FFF2-40B4-BE49-F238E27FC236}">
+                <a16:creationId xmlns:a16="http://schemas.microsoft.com/office/drawing/2014/main" id="{8A0CBA40-E9F7-6FD9-433C-C199E36E09A1}"/>
+              </a:ext>
+            </a:extLst>
+          </p:cNvPr>
+          <p:cNvGraphicFramePr>
+            <a:graphicFrameLocks noGrp="1"/>
+          </p:cNvGraphicFramePr>
+          <p:nvPr>
+            <p:extLst>
+              <p:ext uri="{D42A27DB-BD31-4B8C-83A1-F6EECF244321}">
+                <p14:modId xmlns:p14="http://schemas.microsoft.com/office/powerpoint/2010/main" val="2230274597"/>
+              </p:ext>
+            </p:extLst>
+          </p:nvPr>
+        </p:nvGraphicFramePr>
+        <p:xfrm>
+          <a:off x="6409738" y="2552929"/>
+          <a:ext cx="5522060" cy="2834640"/>
+        </p:xfrm>
+        <a:graphic>
+          <a:graphicData uri="http://schemas.openxmlformats.org/drawingml/2006/table">
+            <a:tbl>
+              <a:tblPr firstRow="1" firstCol="1" bandRow="1">
+                <a:tableStyleId>{5C22544A-7EE6-4342-B048-85BDC9FD1C3A}</a:tableStyleId>
+              </a:tblPr>
+              <a:tblGrid>
+                <a:gridCol w="671154">
+                  <a:extLst>
+                    <a:ext uri="{9D8B030D-6E8A-4147-A177-3AD203B41FA5}">
+                      <a16:colId xmlns:a16="http://schemas.microsoft.com/office/drawing/2014/main" val="632269450"/>
+                    </a:ext>
+                  </a:extLst>
+                </a:gridCol>
+                <a:gridCol w="1061960">
+                  <a:extLst>
+                    <a:ext uri="{9D8B030D-6E8A-4147-A177-3AD203B41FA5}">
+                      <a16:colId xmlns:a16="http://schemas.microsoft.com/office/drawing/2014/main" val="3591683957"/>
+                    </a:ext>
+                  </a:extLst>
+                </a:gridCol>
+                <a:gridCol w="451703">
+                  <a:extLst>
+                    <a:ext uri="{9D8B030D-6E8A-4147-A177-3AD203B41FA5}">
+                      <a16:colId xmlns:a16="http://schemas.microsoft.com/office/drawing/2014/main" val="2978511069"/>
+                    </a:ext>
+                  </a:extLst>
+                </a:gridCol>
+                <a:gridCol w="466943">
+                  <a:extLst>
+                    <a:ext uri="{9D8B030D-6E8A-4147-A177-3AD203B41FA5}">
+                      <a16:colId xmlns:a16="http://schemas.microsoft.com/office/drawing/2014/main" val="3710863235"/>
+                    </a:ext>
+                  </a:extLst>
+                </a:gridCol>
+                <a:gridCol w="826598">
+                  <a:extLst>
+                    <a:ext uri="{9D8B030D-6E8A-4147-A177-3AD203B41FA5}">
+                      <a16:colId xmlns:a16="http://schemas.microsoft.com/office/drawing/2014/main" val="1295610678"/>
+                    </a:ext>
+                  </a:extLst>
+                </a:gridCol>
+                <a:gridCol w="472002">
+                  <a:extLst>
+                    <a:ext uri="{9D8B030D-6E8A-4147-A177-3AD203B41FA5}">
+                      <a16:colId xmlns:a16="http://schemas.microsoft.com/office/drawing/2014/main" val="2327951184"/>
+                    </a:ext>
+                  </a:extLst>
+                </a:gridCol>
+                <a:gridCol w="591908">
+                  <a:extLst>
+                    <a:ext uri="{9D8B030D-6E8A-4147-A177-3AD203B41FA5}">
+                      <a16:colId xmlns:a16="http://schemas.microsoft.com/office/drawing/2014/main" val="682056852"/>
+                    </a:ext>
+                  </a:extLst>
+                </a:gridCol>
+                <a:gridCol w="979792">
+                  <a:extLst>
+                    <a:ext uri="{9D8B030D-6E8A-4147-A177-3AD203B41FA5}">
+                      <a16:colId xmlns:a16="http://schemas.microsoft.com/office/drawing/2014/main" val="3922249164"/>
+                    </a:ext>
+                  </a:extLst>
+                </a:gridCol>
+              </a:tblGrid>
+              <a:tr h="0">
+                <a:tc>
+                  <a:txBody>
+                    <a:bodyPr/>
+                    <a:lstStyle/>
+                    <a:p>
+                      <a:pPr algn="ctr">
+                        <a:lnSpc>
+                          <a:spcPct val="107000"/>
+                        </a:lnSpc>
+                        <a:spcAft>
+                          <a:spcPts val="800"/>
+                        </a:spcAft>
+                      </a:pPr>
+                      <a:r>
+                        <a:rPr lang="en-IE" sz="2000" kern="100" dirty="0">
+                          <a:effectLst/>
+                        </a:rPr>
+                        <a:t>load</a:t>
+                      </a:r>
+                      <a:endParaRPr lang="en-IE" sz="2000" kern="100" dirty="0">
+                        <a:effectLst/>
+                        <a:latin typeface="Aptos" panose="020B0004020202020204" pitchFamily="34" charset="0"/>
+                        <a:ea typeface="Aptos" panose="020B0004020202020204" pitchFamily="34" charset="0"/>
+                        <a:cs typeface="Times New Roman" panose="02020603050405020304" pitchFamily="18" charset="0"/>
+                      </a:endParaRPr>
+                    </a:p>
+                  </a:txBody>
+                  <a:tcPr marL="68580" marR="68580" marT="0" marB="0"/>
+                </a:tc>
+                <a:tc>
+                  <a:txBody>
+                    <a:bodyPr/>
+                    <a:lstStyle/>
+                    <a:p>
+                      <a:pPr algn="ctr">
+                        <a:lnSpc>
+                          <a:spcPct val="107000"/>
+                        </a:lnSpc>
+                        <a:spcAft>
+                          <a:spcPts val="800"/>
+                        </a:spcAft>
+                      </a:pPr>
+                      <a:r>
+                        <a:rPr lang="en-IE" sz="2000" kern="100" dirty="0">
+                          <a:effectLst/>
+                        </a:rPr>
+                        <a:t>loadDat</a:t>
+                      </a:r>
+                      <a:endParaRPr lang="en-IE" sz="2000" kern="100" dirty="0">
+                        <a:effectLst/>
+                        <a:latin typeface="Aptos" panose="020B0004020202020204" pitchFamily="34" charset="0"/>
+                        <a:ea typeface="Aptos" panose="020B0004020202020204" pitchFamily="34" charset="0"/>
+                        <a:cs typeface="Times New Roman" panose="02020603050405020304" pitchFamily="18" charset="0"/>
+                      </a:endParaRPr>
+                    </a:p>
+                  </a:txBody>
+                  <a:tcPr marL="68580" marR="68580" marT="0" marB="0"/>
+                </a:tc>
+                <a:tc>
+                  <a:txBody>
+                    <a:bodyPr/>
+                    <a:lstStyle/>
+                    <a:p>
+                      <a:pPr algn="ctr">
+                        <a:lnSpc>
+                          <a:spcPct val="107000"/>
+                        </a:lnSpc>
+                        <a:spcAft>
+                          <a:spcPts val="800"/>
+                        </a:spcAft>
+                      </a:pPr>
+                      <a:r>
+                        <a:rPr lang="en-IE" sz="2000" kern="100" dirty="0">
+                          <a:effectLst/>
+                        </a:rPr>
+                        <a:t>ce</a:t>
+                      </a:r>
+                      <a:endParaRPr lang="en-IE" sz="2000" kern="100" dirty="0">
+                        <a:effectLst/>
+                        <a:latin typeface="Aptos" panose="020B0004020202020204" pitchFamily="34" charset="0"/>
+                        <a:ea typeface="Aptos" panose="020B0004020202020204" pitchFamily="34" charset="0"/>
+                        <a:cs typeface="Times New Roman" panose="02020603050405020304" pitchFamily="18" charset="0"/>
+                      </a:endParaRPr>
+                    </a:p>
+                  </a:txBody>
+                  <a:tcPr marL="68580" marR="68580" marT="0" marB="0"/>
+                </a:tc>
+                <a:tc>
+                  <a:txBody>
+                    <a:bodyPr/>
+                    <a:lstStyle/>
+                    <a:p>
+                      <a:pPr algn="ctr">
+                        <a:lnSpc>
+                          <a:spcPct val="107000"/>
+                        </a:lnSpc>
+                        <a:spcAft>
+                          <a:spcPts val="800"/>
+                        </a:spcAft>
+                      </a:pPr>
+                      <a:r>
+                        <a:rPr lang="en-IE" sz="2000" kern="100" dirty="0">
+                          <a:effectLst/>
+                        </a:rPr>
+                        <a:t>up</a:t>
+                      </a:r>
+                      <a:endParaRPr lang="en-IE" sz="2000" kern="100" dirty="0">
+                        <a:effectLst/>
+                        <a:latin typeface="Aptos" panose="020B0004020202020204" pitchFamily="34" charset="0"/>
+                        <a:ea typeface="Aptos" panose="020B0004020202020204" pitchFamily="34" charset="0"/>
+                        <a:cs typeface="Times New Roman" panose="02020603050405020304" pitchFamily="18" charset="0"/>
+                      </a:endParaRPr>
+                    </a:p>
+                  </a:txBody>
+                  <a:tcPr marL="68580" marR="68580" marT="0" marB="0"/>
+                </a:tc>
+                <a:tc>
+                  <a:txBody>
+                    <a:bodyPr/>
+                    <a:lstStyle/>
+                    <a:p>
+                      <a:pPr algn="ctr">
+                        <a:lnSpc>
+                          <a:spcPct val="107000"/>
+                        </a:lnSpc>
+                        <a:spcAft>
+                          <a:spcPts val="800"/>
+                        </a:spcAft>
+                      </a:pPr>
+                      <a:r>
+                        <a:rPr lang="en-IE" sz="2000" kern="100" dirty="0">
+                          <a:effectLst/>
+                        </a:rPr>
+                        <a:t>count</a:t>
+                      </a:r>
+                      <a:endParaRPr lang="en-IE" sz="2000" kern="100" dirty="0">
+                        <a:effectLst/>
+                        <a:latin typeface="Aptos" panose="020B0004020202020204" pitchFamily="34" charset="0"/>
+                        <a:ea typeface="Aptos" panose="020B0004020202020204" pitchFamily="34" charset="0"/>
+                        <a:cs typeface="Times New Roman" panose="02020603050405020304" pitchFamily="18" charset="0"/>
+                      </a:endParaRPr>
+                    </a:p>
+                  </a:txBody>
+                  <a:tcPr marL="68580" marR="68580" marT="0" marB="0"/>
+                </a:tc>
+                <a:tc>
+                  <a:txBody>
+                    <a:bodyPr/>
+                    <a:lstStyle/>
+                    <a:p>
+                      <a:pPr algn="ctr">
+                        <a:lnSpc>
+                          <a:spcPct val="107000"/>
+                        </a:lnSpc>
+                        <a:spcAft>
+                          <a:spcPts val="800"/>
+                        </a:spcAft>
+                      </a:pPr>
+                      <a:r>
+                        <a:rPr lang="en-IE" sz="2000" kern="100" dirty="0">
+                          <a:effectLst/>
+                          <a:latin typeface="Aptos" panose="020B0004020202020204" pitchFamily="34" charset="0"/>
+                          <a:ea typeface="Aptos" panose="020B0004020202020204" pitchFamily="34" charset="0"/>
+                          <a:cs typeface="Times New Roman" panose="02020603050405020304" pitchFamily="18" charset="0"/>
+                        </a:rPr>
+                        <a:t>TC</a:t>
+                      </a:r>
+                    </a:p>
+                  </a:txBody>
+                  <a:tcPr marL="68580" marR="68580" marT="0" marB="0"/>
+                </a:tc>
+                <a:tc>
+                  <a:txBody>
+                    <a:bodyPr/>
+                    <a:lstStyle/>
+                    <a:p>
+                      <a:pPr algn="ctr">
+                        <a:lnSpc>
+                          <a:spcPct val="107000"/>
+                        </a:lnSpc>
+                        <a:spcAft>
+                          <a:spcPts val="800"/>
+                        </a:spcAft>
+                      </a:pPr>
+                      <a:r>
+                        <a:rPr lang="en-IE" sz="2000" kern="100" dirty="0">
+                          <a:effectLst/>
+                          <a:latin typeface="Aptos" panose="020B0004020202020204" pitchFamily="34" charset="0"/>
+                          <a:ea typeface="Aptos" panose="020B0004020202020204" pitchFamily="34" charset="0"/>
+                          <a:cs typeface="Times New Roman" panose="02020603050405020304" pitchFamily="18" charset="0"/>
+                        </a:rPr>
+                        <a:t>ceo</a:t>
+                      </a:r>
+                    </a:p>
+                  </a:txBody>
+                  <a:tcPr marL="68580" marR="68580" marT="0" marB="0"/>
+                </a:tc>
+                <a:tc>
+                  <a:txBody>
+                    <a:bodyPr/>
+                    <a:lstStyle/>
+                    <a:p>
+                      <a:pPr algn="ctr">
+                        <a:lnSpc>
+                          <a:spcPct val="107000"/>
+                        </a:lnSpc>
+                        <a:spcAft>
+                          <a:spcPts val="800"/>
+                        </a:spcAft>
+                      </a:pPr>
+                      <a:r>
+                        <a:rPr lang="en-IE" sz="2000" kern="100" dirty="0">
+                          <a:effectLst/>
+                          <a:latin typeface="Aptos" panose="020B0004020202020204" pitchFamily="34" charset="0"/>
+                          <a:ea typeface="Aptos" panose="020B0004020202020204" pitchFamily="34" charset="0"/>
+                          <a:cs typeface="Times New Roman" panose="02020603050405020304" pitchFamily="18" charset="0"/>
+                        </a:rPr>
+                        <a:t>Delay</a:t>
+                      </a:r>
+                    </a:p>
+                  </a:txBody>
+                  <a:tcPr marL="68580" marR="68580" marT="0" marB="0"/>
+                </a:tc>
+                <a:extLst>
+                  <a:ext uri="{0D108BD9-81ED-4DB2-BD59-A6C34878D82A}">
+                    <a16:rowId xmlns:a16="http://schemas.microsoft.com/office/drawing/2014/main" val="3031448275"/>
+                  </a:ext>
+                </a:extLst>
+              </a:tr>
+              <a:tr h="0">
+                <a:tc>
+                  <a:txBody>
+                    <a:bodyPr/>
+                    <a:lstStyle/>
+                    <a:p>
+                      <a:pPr algn="ctr">
+                        <a:lnSpc>
+                          <a:spcPct val="107000"/>
+                        </a:lnSpc>
+                        <a:spcAft>
+                          <a:spcPts val="800"/>
+                        </a:spcAft>
+                      </a:pPr>
+                      <a:r>
+                        <a:rPr lang="en-IE" sz="2000" b="0" kern="100" dirty="0">
+                          <a:solidFill>
+                            <a:sysClr val="windowText" lastClr="000000"/>
+                          </a:solidFill>
+                          <a:effectLst/>
+                          <a:latin typeface="Aptos" panose="020B0004020202020204" pitchFamily="34" charset="0"/>
+                          <a:ea typeface="Aptos" panose="020B0004020202020204" pitchFamily="34" charset="0"/>
+                          <a:cs typeface="Times New Roman" panose="02020603050405020304" pitchFamily="18" charset="0"/>
+                        </a:rPr>
+                        <a:t>1</a:t>
+                      </a:r>
+                    </a:p>
+                  </a:txBody>
+                  <a:tcPr marL="68580" marR="68580" marT="0" marB="0">
+                    <a:solidFill>
+                      <a:srgbClr val="CCD2D8"/>
+                    </a:solidFill>
+                  </a:tcPr>
+                </a:tc>
+                <a:tc>
+                  <a:txBody>
+                    <a:bodyPr/>
+                    <a:lstStyle/>
+                    <a:p>
+                      <a:pPr algn="ctr">
+                        <a:lnSpc>
+                          <a:spcPct val="107000"/>
+                        </a:lnSpc>
+                        <a:spcAft>
+                          <a:spcPts val="800"/>
+                        </a:spcAft>
+                      </a:pPr>
+                      <a:r>
+                        <a:rPr lang="en-IE" sz="2000" strike="noStrike" kern="100" dirty="0">
+                          <a:effectLst/>
+                          <a:latin typeface="Aptos" panose="020B0004020202020204" pitchFamily="34" charset="0"/>
+                          <a:ea typeface="Aptos" panose="020B0004020202020204" pitchFamily="34" charset="0"/>
+                          <a:cs typeface="Times New Roman" panose="02020603050405020304" pitchFamily="18" charset="0"/>
+                        </a:rPr>
+                        <a:t>d</a:t>
+                      </a:r>
+                    </a:p>
+                  </a:txBody>
+                  <a:tcPr marL="68580" marR="68580" marT="0" marB="0"/>
+                </a:tc>
+                <a:tc>
+                  <a:txBody>
+                    <a:bodyPr/>
+                    <a:lstStyle/>
+                    <a:p>
+                      <a:pPr algn="ctr">
+                        <a:lnSpc>
+                          <a:spcPct val="107000"/>
+                        </a:lnSpc>
+                        <a:spcAft>
+                          <a:spcPts val="800"/>
+                        </a:spcAft>
+                      </a:pPr>
+                      <a:r>
+                        <a:rPr lang="en-IE" sz="2000" kern="100">
+                          <a:effectLst/>
+                        </a:rPr>
+                        <a:t>0</a:t>
+                      </a:r>
+                      <a:endParaRPr lang="en-IE" sz="2000" kern="100">
+                        <a:effectLst/>
+                        <a:latin typeface="Aptos" panose="020B0004020202020204" pitchFamily="34" charset="0"/>
+                        <a:ea typeface="Aptos" panose="020B0004020202020204" pitchFamily="34" charset="0"/>
+                        <a:cs typeface="Times New Roman" panose="02020603050405020304" pitchFamily="18" charset="0"/>
+                      </a:endParaRPr>
+                    </a:p>
+                  </a:txBody>
+                  <a:tcPr marL="68580" marR="68580" marT="0" marB="0"/>
+                </a:tc>
+                <a:tc>
+                  <a:txBody>
+                    <a:bodyPr/>
+                    <a:lstStyle/>
+                    <a:p>
+                      <a:pPr algn="ctr">
+                        <a:lnSpc>
+                          <a:spcPct val="107000"/>
+                        </a:lnSpc>
+                        <a:spcAft>
+                          <a:spcPts val="800"/>
+                        </a:spcAft>
+                      </a:pPr>
+                      <a:r>
+                        <a:rPr lang="en-IE" sz="2000" kern="100" dirty="0">
+                          <a:effectLst/>
+                        </a:rPr>
+                        <a:t>0</a:t>
+                      </a:r>
+                      <a:endParaRPr lang="en-IE" sz="2000" kern="100" dirty="0">
+                        <a:effectLst/>
+                        <a:latin typeface="Aptos" panose="020B0004020202020204" pitchFamily="34" charset="0"/>
+                        <a:ea typeface="Aptos" panose="020B0004020202020204" pitchFamily="34" charset="0"/>
+                        <a:cs typeface="Times New Roman" panose="02020603050405020304" pitchFamily="18" charset="0"/>
+                      </a:endParaRPr>
+                    </a:p>
+                  </a:txBody>
+                  <a:tcPr marL="68580" marR="68580" marT="0" marB="0"/>
+                </a:tc>
+                <a:tc>
+                  <a:txBody>
+                    <a:bodyPr/>
+                    <a:lstStyle/>
+                    <a:p>
+                      <a:pPr algn="ctr">
+                        <a:lnSpc>
+                          <a:spcPct val="107000"/>
+                        </a:lnSpc>
+                        <a:spcAft>
+                          <a:spcPts val="800"/>
+                        </a:spcAft>
+                      </a:pPr>
+                      <a:r>
+                        <a:rPr lang="en-IE" sz="2000" kern="100" dirty="0">
+                          <a:effectLst/>
+                        </a:rPr>
+                        <a:t>D</a:t>
+                      </a:r>
+                      <a:endParaRPr lang="en-IE" sz="2000" kern="100" dirty="0">
+                        <a:effectLst/>
+                        <a:latin typeface="Aptos" panose="020B0004020202020204" pitchFamily="34" charset="0"/>
+                        <a:ea typeface="Aptos" panose="020B0004020202020204" pitchFamily="34" charset="0"/>
+                        <a:cs typeface="Times New Roman" panose="02020603050405020304" pitchFamily="18" charset="0"/>
+                      </a:endParaRPr>
+                    </a:p>
+                  </a:txBody>
+                  <a:tcPr marL="68580" marR="68580" marT="0" marB="0"/>
+                </a:tc>
+                <a:tc>
+                  <a:txBody>
+                    <a:bodyPr/>
+                    <a:lstStyle/>
+                    <a:p>
+                      <a:pPr algn="ctr">
+                        <a:lnSpc>
+                          <a:spcPct val="107000"/>
+                        </a:lnSpc>
+                        <a:spcAft>
+                          <a:spcPts val="800"/>
+                        </a:spcAft>
+                      </a:pPr>
+                      <a:r>
+                        <a:rPr lang="en-IE" sz="2000" kern="100" dirty="0">
+                          <a:effectLst/>
+                          <a:latin typeface="Aptos" panose="020B0004020202020204" pitchFamily="34" charset="0"/>
+                          <a:ea typeface="Aptos" panose="020B0004020202020204" pitchFamily="34" charset="0"/>
+                          <a:cs typeface="Times New Roman" panose="02020603050405020304" pitchFamily="18" charset="0"/>
+                        </a:rPr>
+                        <a:t>0</a:t>
+                      </a:r>
+                    </a:p>
+                  </a:txBody>
+                  <a:tcPr marL="68580" marR="68580" marT="0" marB="0"/>
+                </a:tc>
+                <a:tc>
+                  <a:txBody>
+                    <a:bodyPr/>
+                    <a:lstStyle/>
+                    <a:p>
+                      <a:pPr algn="ctr">
+                        <a:lnSpc>
+                          <a:spcPct val="107000"/>
+                        </a:lnSpc>
+                        <a:spcAft>
+                          <a:spcPts val="800"/>
+                        </a:spcAft>
+                      </a:pPr>
+                      <a:r>
+                        <a:rPr lang="en-IE" sz="2000" kern="100" dirty="0">
+                          <a:effectLst/>
+                          <a:latin typeface="Aptos" panose="020B0004020202020204" pitchFamily="34" charset="0"/>
+                          <a:ea typeface="Aptos" panose="020B0004020202020204" pitchFamily="34" charset="0"/>
+                          <a:cs typeface="Times New Roman" panose="02020603050405020304" pitchFamily="18" charset="0"/>
+                        </a:rPr>
+                        <a:t>0</a:t>
+                      </a:r>
+                    </a:p>
+                  </a:txBody>
+                  <a:tcPr marL="68580" marR="68580" marT="0" marB="0"/>
+                </a:tc>
+                <a:tc>
+                  <a:txBody>
+                    <a:bodyPr/>
+                    <a:lstStyle/>
+                    <a:p>
+                      <a:pPr algn="ctr">
+                        <a:lnSpc>
+                          <a:spcPct val="107000"/>
+                        </a:lnSpc>
+                        <a:spcAft>
+                          <a:spcPts val="800"/>
+                        </a:spcAft>
+                      </a:pPr>
+                      <a:r>
+                        <a:rPr lang="en-IE" sz="2000" kern="100" dirty="0">
+                          <a:effectLst/>
+                          <a:latin typeface="Aptos" panose="020B0004020202020204" pitchFamily="34" charset="0"/>
+                          <a:ea typeface="Aptos" panose="020B0004020202020204" pitchFamily="34" charset="0"/>
+                          <a:cs typeface="Times New Roman" panose="02020603050405020304" pitchFamily="18" charset="0"/>
+                        </a:rPr>
+                        <a:t>1</a:t>
+                      </a:r>
+                    </a:p>
+                  </a:txBody>
+                  <a:tcPr marL="68580" marR="68580" marT="0" marB="0"/>
+                </a:tc>
+                <a:extLst>
+                  <a:ext uri="{0D108BD9-81ED-4DB2-BD59-A6C34878D82A}">
+                    <a16:rowId xmlns:a16="http://schemas.microsoft.com/office/drawing/2014/main" val="3197015712"/>
+                  </a:ext>
+                </a:extLst>
+              </a:tr>
+              <a:tr h="0">
+                <a:tc>
+                  <a:txBody>
+                    <a:bodyPr/>
+                    <a:lstStyle/>
+                    <a:p>
+                      <a:pPr algn="ctr">
+                        <a:lnSpc>
+                          <a:spcPct val="107000"/>
+                        </a:lnSpc>
+                        <a:spcAft>
+                          <a:spcPts val="800"/>
+                        </a:spcAft>
+                      </a:pPr>
+                      <a:r>
+                        <a:rPr lang="en-IE" sz="2000" b="0" kern="100" dirty="0">
+                          <a:solidFill>
+                            <a:sysClr val="windowText" lastClr="000000"/>
+                          </a:solidFill>
+                          <a:effectLst/>
+                        </a:rPr>
+                        <a:t>0</a:t>
+                      </a:r>
+                      <a:endParaRPr lang="en-IE" sz="2000" b="0" kern="100" dirty="0">
+                        <a:solidFill>
+                          <a:sysClr val="windowText" lastClr="000000"/>
+                        </a:solidFill>
+                        <a:effectLst/>
+                        <a:latin typeface="Aptos" panose="020B0004020202020204" pitchFamily="34" charset="0"/>
+                        <a:ea typeface="Aptos" panose="020B0004020202020204" pitchFamily="34" charset="0"/>
+                        <a:cs typeface="Times New Roman" panose="02020603050405020304" pitchFamily="18" charset="0"/>
+                      </a:endParaRPr>
+                    </a:p>
+                  </a:txBody>
+                  <a:tcPr marL="68580" marR="68580" marT="0" marB="0">
+                    <a:solidFill>
+                      <a:srgbClr val="E7EAED"/>
+                    </a:solidFill>
+                  </a:tcPr>
+                </a:tc>
+                <a:tc>
+                  <a:txBody>
+                    <a:bodyPr/>
+                    <a:lstStyle/>
+                    <a:p>
+                      <a:pPr algn="ctr">
+                        <a:lnSpc>
+                          <a:spcPct val="107000"/>
+                        </a:lnSpc>
+                        <a:spcAft>
+                          <a:spcPts val="800"/>
+                        </a:spcAft>
+                      </a:pPr>
+                      <a:r>
+                        <a:rPr lang="en-IE" sz="2000" strike="noStrike" kern="100" dirty="0">
+                          <a:effectLst/>
+                          <a:latin typeface="Aptos" panose="020B0004020202020204" pitchFamily="34" charset="0"/>
+                          <a:ea typeface="Aptos" panose="020B0004020202020204" pitchFamily="34" charset="0"/>
+                          <a:cs typeface="Times New Roman" panose="02020603050405020304" pitchFamily="18" charset="0"/>
+                        </a:rPr>
+                        <a:t>d</a:t>
+                      </a:r>
+                    </a:p>
+                  </a:txBody>
+                  <a:tcPr marL="68580" marR="68580" marT="0" marB="0"/>
+                </a:tc>
+                <a:tc>
+                  <a:txBody>
+                    <a:bodyPr/>
+                    <a:lstStyle/>
+                    <a:p>
+                      <a:pPr algn="ctr">
+                        <a:lnSpc>
+                          <a:spcPct val="107000"/>
+                        </a:lnSpc>
+                        <a:spcAft>
+                          <a:spcPts val="800"/>
+                        </a:spcAft>
+                      </a:pPr>
+                      <a:r>
+                        <a:rPr lang="en-IE" sz="2000" kern="100">
+                          <a:effectLst/>
+                        </a:rPr>
+                        <a:t>1</a:t>
+                      </a:r>
+                      <a:endParaRPr lang="en-IE" sz="2000" kern="100">
+                        <a:effectLst/>
+                        <a:latin typeface="Aptos" panose="020B0004020202020204" pitchFamily="34" charset="0"/>
+                        <a:ea typeface="Aptos" panose="020B0004020202020204" pitchFamily="34" charset="0"/>
+                        <a:cs typeface="Times New Roman" panose="02020603050405020304" pitchFamily="18" charset="0"/>
+                      </a:endParaRPr>
+                    </a:p>
+                  </a:txBody>
+                  <a:tcPr marL="68580" marR="68580" marT="0" marB="0"/>
+                </a:tc>
+                <a:tc>
+                  <a:txBody>
+                    <a:bodyPr/>
+                    <a:lstStyle/>
+                    <a:p>
+                      <a:pPr algn="ctr">
+                        <a:lnSpc>
+                          <a:spcPct val="107000"/>
+                        </a:lnSpc>
+                        <a:spcAft>
+                          <a:spcPts val="800"/>
+                        </a:spcAft>
+                      </a:pPr>
+                      <a:r>
+                        <a:rPr lang="en-IE" sz="2000" kern="100" dirty="0">
+                          <a:effectLst/>
+                        </a:rPr>
+                        <a:t>1</a:t>
+                      </a:r>
+                      <a:endParaRPr lang="en-IE" sz="2000" kern="100" dirty="0">
+                        <a:effectLst/>
+                        <a:latin typeface="Aptos" panose="020B0004020202020204" pitchFamily="34" charset="0"/>
+                        <a:ea typeface="Aptos" panose="020B0004020202020204" pitchFamily="34" charset="0"/>
+                        <a:cs typeface="Times New Roman" panose="02020603050405020304" pitchFamily="18" charset="0"/>
+                      </a:endParaRPr>
+                    </a:p>
+                  </a:txBody>
+                  <a:tcPr marL="68580" marR="68580" marT="0" marB="0"/>
+                </a:tc>
+                <a:tc>
+                  <a:txBody>
+                    <a:bodyPr/>
+                    <a:lstStyle/>
+                    <a:p>
+                      <a:pPr algn="ctr">
+                        <a:lnSpc>
+                          <a:spcPct val="107000"/>
+                        </a:lnSpc>
+                        <a:spcAft>
+                          <a:spcPts val="800"/>
+                        </a:spcAft>
+                      </a:pPr>
+                      <a:r>
+                        <a:rPr lang="en-IE" sz="2000" kern="100" dirty="0">
+                          <a:effectLst/>
+                          <a:latin typeface="Aptos" panose="020B0004020202020204" pitchFamily="34" charset="0"/>
+                          <a:ea typeface="Aptos" panose="020B0004020202020204" pitchFamily="34" charset="0"/>
+                          <a:cs typeface="Times New Roman" panose="02020603050405020304" pitchFamily="18" charset="0"/>
+                        </a:rPr>
+                        <a:t>F</a:t>
+                      </a:r>
+                    </a:p>
+                  </a:txBody>
+                  <a:tcPr marL="68580" marR="68580" marT="0" marB="0"/>
+                </a:tc>
+                <a:tc>
+                  <a:txBody>
+                    <a:bodyPr/>
+                    <a:lstStyle/>
+                    <a:p>
+                      <a:pPr algn="ctr">
+                        <a:lnSpc>
+                          <a:spcPct val="107000"/>
+                        </a:lnSpc>
+                        <a:spcAft>
+                          <a:spcPts val="800"/>
+                        </a:spcAft>
+                      </a:pPr>
+                      <a:r>
+                        <a:rPr lang="en-IE" sz="2000" kern="100" dirty="0">
+                          <a:effectLst/>
+                          <a:latin typeface="Aptos" panose="020B0004020202020204" pitchFamily="34" charset="0"/>
+                          <a:ea typeface="Aptos" panose="020B0004020202020204" pitchFamily="34" charset="0"/>
+                          <a:cs typeface="Times New Roman" panose="02020603050405020304" pitchFamily="18" charset="0"/>
+                        </a:rPr>
+                        <a:t>1</a:t>
+                      </a:r>
+                    </a:p>
+                  </a:txBody>
+                  <a:tcPr marL="68580" marR="68580" marT="0" marB="0"/>
+                </a:tc>
+                <a:tc>
+                  <a:txBody>
+                    <a:bodyPr/>
+                    <a:lstStyle/>
+                    <a:p>
+                      <a:pPr algn="ctr">
+                        <a:lnSpc>
+                          <a:spcPct val="107000"/>
+                        </a:lnSpc>
+                        <a:spcAft>
+                          <a:spcPts val="800"/>
+                        </a:spcAft>
+                      </a:pPr>
+                      <a:r>
+                        <a:rPr lang="en-IE" sz="2000" kern="100" dirty="0">
+                          <a:effectLst/>
+                          <a:latin typeface="Aptos" panose="020B0004020202020204" pitchFamily="34" charset="0"/>
+                          <a:ea typeface="Aptos" panose="020B0004020202020204" pitchFamily="34" charset="0"/>
+                          <a:cs typeface="Times New Roman" panose="02020603050405020304" pitchFamily="18" charset="0"/>
+                        </a:rPr>
+                        <a:t>1</a:t>
+                      </a:r>
+                    </a:p>
+                  </a:txBody>
+                  <a:tcPr marL="68580" marR="68580" marT="0" marB="0"/>
+                </a:tc>
+                <a:tc>
+                  <a:txBody>
+                    <a:bodyPr/>
+                    <a:lstStyle/>
+                    <a:p>
+                      <a:pPr algn="ctr">
+                        <a:lnSpc>
+                          <a:spcPct val="107000"/>
+                        </a:lnSpc>
+                        <a:spcAft>
+                          <a:spcPts val="800"/>
+                        </a:spcAft>
+                      </a:pPr>
+                      <a:r>
+                        <a:rPr lang="en-IE" sz="2000" kern="100" dirty="0">
+                          <a:effectLst/>
+                          <a:latin typeface="Aptos" panose="020B0004020202020204" pitchFamily="34" charset="0"/>
+                          <a:ea typeface="Aptos" panose="020B0004020202020204" pitchFamily="34" charset="0"/>
+                          <a:cs typeface="Times New Roman" panose="02020603050405020304" pitchFamily="18" charset="0"/>
+                        </a:rPr>
+                        <a:t>2</a:t>
+                      </a:r>
+                    </a:p>
+                  </a:txBody>
+                  <a:tcPr marL="68580" marR="68580" marT="0" marB="0"/>
+                </a:tc>
+                <a:extLst>
+                  <a:ext uri="{0D108BD9-81ED-4DB2-BD59-A6C34878D82A}">
+                    <a16:rowId xmlns:a16="http://schemas.microsoft.com/office/drawing/2014/main" val="3312477705"/>
+                  </a:ext>
+                </a:extLst>
+              </a:tr>
+              <a:tr h="0">
+                <a:tc>
+                  <a:txBody>
+                    <a:bodyPr/>
+                    <a:lstStyle/>
+                    <a:p>
+                      <a:pPr algn="ctr">
+                        <a:lnSpc>
+                          <a:spcPct val="107000"/>
+                        </a:lnSpc>
+                        <a:spcAft>
+                          <a:spcPts val="800"/>
+                        </a:spcAft>
+                      </a:pPr>
+                      <a:r>
+                        <a:rPr lang="en-IE" sz="2000" b="0" kern="100" dirty="0">
+                          <a:solidFill>
+                            <a:sysClr val="windowText" lastClr="000000"/>
+                          </a:solidFill>
+                          <a:effectLst/>
+                        </a:rPr>
+                        <a:t>0</a:t>
+                      </a:r>
+                      <a:endParaRPr lang="en-IE" sz="2000" b="0" kern="100" dirty="0">
+                        <a:solidFill>
+                          <a:sysClr val="windowText" lastClr="000000"/>
+                        </a:solidFill>
+                        <a:effectLst/>
+                        <a:latin typeface="Aptos" panose="020B0004020202020204" pitchFamily="34" charset="0"/>
+                        <a:ea typeface="Aptos" panose="020B0004020202020204" pitchFamily="34" charset="0"/>
+                        <a:cs typeface="Times New Roman" panose="02020603050405020304" pitchFamily="18" charset="0"/>
+                      </a:endParaRPr>
+                    </a:p>
+                  </a:txBody>
+                  <a:tcPr marL="68580" marR="68580" marT="0" marB="0">
+                    <a:solidFill>
+                      <a:srgbClr val="CCD2D8"/>
+                    </a:solidFill>
+                  </a:tcPr>
+                </a:tc>
+                <a:tc>
+                  <a:txBody>
+                    <a:bodyPr/>
+                    <a:lstStyle/>
+                    <a:p>
+                      <a:pPr algn="ctr">
+                        <a:lnSpc>
+                          <a:spcPct val="107000"/>
+                        </a:lnSpc>
+                        <a:spcAft>
+                          <a:spcPts val="800"/>
+                        </a:spcAft>
+                      </a:pPr>
+                      <a:r>
+                        <a:rPr lang="en-IE" sz="2000" strike="noStrike" kern="100" dirty="0">
+                          <a:effectLst/>
+                          <a:latin typeface="Aptos" panose="020B0004020202020204" pitchFamily="34" charset="0"/>
+                          <a:ea typeface="Aptos" panose="020B0004020202020204" pitchFamily="34" charset="0"/>
+                          <a:cs typeface="Times New Roman" panose="02020603050405020304" pitchFamily="18" charset="0"/>
+                        </a:rPr>
+                        <a:t>d</a:t>
+                      </a:r>
+                    </a:p>
+                  </a:txBody>
+                  <a:tcPr marL="68580" marR="68580" marT="0" marB="0"/>
+                </a:tc>
+                <a:tc>
+                  <a:txBody>
+                    <a:bodyPr/>
+                    <a:lstStyle/>
+                    <a:p>
+                      <a:pPr algn="ctr">
+                        <a:lnSpc>
+                          <a:spcPct val="107000"/>
+                        </a:lnSpc>
+                        <a:spcAft>
+                          <a:spcPts val="800"/>
+                        </a:spcAft>
+                      </a:pPr>
+                      <a:r>
+                        <a:rPr lang="en-IE" sz="2000" kern="100">
+                          <a:effectLst/>
+                        </a:rPr>
+                        <a:t>0</a:t>
+                      </a:r>
+                      <a:endParaRPr lang="en-IE" sz="2000" kern="100">
+                        <a:effectLst/>
+                        <a:latin typeface="Aptos" panose="020B0004020202020204" pitchFamily="34" charset="0"/>
+                        <a:ea typeface="Aptos" panose="020B0004020202020204" pitchFamily="34" charset="0"/>
+                        <a:cs typeface="Times New Roman" panose="02020603050405020304" pitchFamily="18" charset="0"/>
+                      </a:endParaRPr>
+                    </a:p>
+                  </a:txBody>
+                  <a:tcPr marL="68580" marR="68580" marT="0" marB="0"/>
+                </a:tc>
+                <a:tc>
+                  <a:txBody>
+                    <a:bodyPr/>
+                    <a:lstStyle/>
+                    <a:p>
+                      <a:pPr algn="ctr">
+                        <a:lnSpc>
+                          <a:spcPct val="107000"/>
+                        </a:lnSpc>
+                        <a:spcAft>
+                          <a:spcPts val="800"/>
+                        </a:spcAft>
+                      </a:pPr>
+                      <a:r>
+                        <a:rPr lang="en-IE" sz="2000" kern="100" dirty="0">
+                          <a:effectLst/>
+                        </a:rPr>
+                        <a:t>1</a:t>
+                      </a:r>
+                      <a:endParaRPr lang="en-IE" sz="2000" kern="100" dirty="0">
+                        <a:effectLst/>
+                        <a:latin typeface="Aptos" panose="020B0004020202020204" pitchFamily="34" charset="0"/>
+                        <a:ea typeface="Aptos" panose="020B0004020202020204" pitchFamily="34" charset="0"/>
+                        <a:cs typeface="Times New Roman" panose="02020603050405020304" pitchFamily="18" charset="0"/>
+                      </a:endParaRPr>
+                    </a:p>
+                  </a:txBody>
+                  <a:tcPr marL="68580" marR="68580" marT="0" marB="0"/>
+                </a:tc>
+                <a:tc>
+                  <a:txBody>
+                    <a:bodyPr/>
+                    <a:lstStyle/>
+                    <a:p>
+                      <a:pPr algn="ctr">
+                        <a:lnSpc>
+                          <a:spcPct val="107000"/>
+                        </a:lnSpc>
+                        <a:spcAft>
+                          <a:spcPts val="800"/>
+                        </a:spcAft>
+                      </a:pPr>
+                      <a:r>
+                        <a:rPr lang="en-IE" sz="2000" kern="100" dirty="0">
+                          <a:effectLst/>
+                          <a:latin typeface="Aptos" panose="020B0004020202020204" pitchFamily="34" charset="0"/>
+                          <a:ea typeface="Aptos" panose="020B0004020202020204" pitchFamily="34" charset="0"/>
+                          <a:cs typeface="Times New Roman" panose="02020603050405020304" pitchFamily="18" charset="0"/>
+                        </a:rPr>
+                        <a:t>F</a:t>
+                      </a:r>
+                    </a:p>
+                  </a:txBody>
+                  <a:tcPr marL="68580" marR="68580" marT="0" marB="0"/>
+                </a:tc>
+                <a:tc>
+                  <a:txBody>
+                    <a:bodyPr/>
+                    <a:lstStyle/>
+                    <a:p>
+                      <a:pPr algn="ctr">
+                        <a:lnSpc>
+                          <a:spcPct val="107000"/>
+                        </a:lnSpc>
+                        <a:spcAft>
+                          <a:spcPts val="800"/>
+                        </a:spcAft>
+                      </a:pPr>
+                      <a:r>
+                        <a:rPr lang="en-IE" sz="2000" kern="100" dirty="0">
+                          <a:effectLst/>
+                          <a:latin typeface="Aptos" panose="020B0004020202020204" pitchFamily="34" charset="0"/>
+                          <a:ea typeface="Aptos" panose="020B0004020202020204" pitchFamily="34" charset="0"/>
+                          <a:cs typeface="Times New Roman" panose="02020603050405020304" pitchFamily="18" charset="0"/>
+                        </a:rPr>
+                        <a:t>1</a:t>
+                      </a:r>
+                    </a:p>
+                  </a:txBody>
+                  <a:tcPr marL="68580" marR="68580" marT="0" marB="0"/>
+                </a:tc>
+                <a:tc>
+                  <a:txBody>
+                    <a:bodyPr/>
+                    <a:lstStyle/>
+                    <a:p>
+                      <a:pPr algn="ctr">
+                        <a:lnSpc>
+                          <a:spcPct val="107000"/>
+                        </a:lnSpc>
+                        <a:spcAft>
+                          <a:spcPts val="800"/>
+                        </a:spcAft>
+                      </a:pPr>
+                      <a:r>
+                        <a:rPr lang="en-IE" sz="2000" kern="100" dirty="0">
+                          <a:effectLst/>
+                          <a:latin typeface="Aptos" panose="020B0004020202020204" pitchFamily="34" charset="0"/>
+                          <a:ea typeface="Aptos" panose="020B0004020202020204" pitchFamily="34" charset="0"/>
+                          <a:cs typeface="Times New Roman" panose="02020603050405020304" pitchFamily="18" charset="0"/>
+                        </a:rPr>
+                        <a:t>0</a:t>
+                      </a:r>
+                    </a:p>
+                  </a:txBody>
+                  <a:tcPr marL="68580" marR="68580" marT="0" marB="0"/>
+                </a:tc>
+                <a:tc>
+                  <a:txBody>
+                    <a:bodyPr/>
+                    <a:lstStyle/>
+                    <a:p>
+                      <a:pPr algn="ctr">
+                        <a:lnSpc>
+                          <a:spcPct val="107000"/>
+                        </a:lnSpc>
+                        <a:spcAft>
+                          <a:spcPts val="800"/>
+                        </a:spcAft>
+                      </a:pPr>
+                      <a:r>
+                        <a:rPr lang="en-IE" sz="2000" kern="100" dirty="0">
+                          <a:effectLst/>
+                          <a:latin typeface="Aptos" panose="020B0004020202020204" pitchFamily="34" charset="0"/>
+                          <a:ea typeface="Aptos" panose="020B0004020202020204" pitchFamily="34" charset="0"/>
+                          <a:cs typeface="Times New Roman" panose="02020603050405020304" pitchFamily="18" charset="0"/>
+                        </a:rPr>
+                        <a:t>1</a:t>
+                      </a:r>
+                    </a:p>
+                  </a:txBody>
+                  <a:tcPr marL="68580" marR="68580" marT="0" marB="0"/>
+                </a:tc>
+                <a:extLst>
+                  <a:ext uri="{0D108BD9-81ED-4DB2-BD59-A6C34878D82A}">
+                    <a16:rowId xmlns:a16="http://schemas.microsoft.com/office/drawing/2014/main" val="192216379"/>
+                  </a:ext>
+                </a:extLst>
+              </a:tr>
+              <a:tr h="0">
+                <a:tc>
+                  <a:txBody>
+                    <a:bodyPr/>
+                    <a:lstStyle/>
+                    <a:p>
+                      <a:pPr algn="ctr">
+                        <a:lnSpc>
+                          <a:spcPct val="107000"/>
+                        </a:lnSpc>
+                        <a:spcAft>
+                          <a:spcPts val="800"/>
+                        </a:spcAft>
+                      </a:pPr>
+                      <a:r>
+                        <a:rPr lang="en-IE" sz="2000" b="0" kern="100" dirty="0">
+                          <a:solidFill>
+                            <a:sysClr val="windowText" lastClr="000000"/>
+                          </a:solidFill>
+                          <a:effectLst/>
+                        </a:rPr>
+                        <a:t>0</a:t>
+                      </a:r>
+                      <a:endParaRPr lang="en-IE" sz="2000" b="0" kern="100" dirty="0">
+                        <a:solidFill>
+                          <a:sysClr val="windowText" lastClr="000000"/>
+                        </a:solidFill>
+                        <a:effectLst/>
+                        <a:latin typeface="Aptos" panose="020B0004020202020204" pitchFamily="34" charset="0"/>
+                        <a:ea typeface="Aptos" panose="020B0004020202020204" pitchFamily="34" charset="0"/>
+                        <a:cs typeface="Times New Roman" panose="02020603050405020304" pitchFamily="18" charset="0"/>
+                      </a:endParaRPr>
+                    </a:p>
+                  </a:txBody>
+                  <a:tcPr marL="68580" marR="68580" marT="0" marB="0">
+                    <a:solidFill>
+                      <a:srgbClr val="E7EAED"/>
+                    </a:solidFill>
+                  </a:tcPr>
+                </a:tc>
+                <a:tc>
+                  <a:txBody>
+                    <a:bodyPr/>
+                    <a:lstStyle/>
+                    <a:p>
+                      <a:pPr algn="ctr">
+                        <a:lnSpc>
+                          <a:spcPct val="107000"/>
+                        </a:lnSpc>
+                        <a:spcAft>
+                          <a:spcPts val="800"/>
+                        </a:spcAft>
+                      </a:pPr>
+                      <a:r>
+                        <a:rPr lang="en-IE" sz="2000" strike="noStrike" kern="100" dirty="0">
+                          <a:effectLst/>
+                          <a:latin typeface="Aptos" panose="020B0004020202020204" pitchFamily="34" charset="0"/>
+                          <a:ea typeface="Aptos" panose="020B0004020202020204" pitchFamily="34" charset="0"/>
+                          <a:cs typeface="Times New Roman" panose="02020603050405020304" pitchFamily="18" charset="0"/>
+                        </a:rPr>
+                        <a:t>d</a:t>
+                      </a:r>
+                    </a:p>
+                  </a:txBody>
+                  <a:tcPr marL="68580" marR="68580" marT="0" marB="0"/>
+                </a:tc>
+                <a:tc>
+                  <a:txBody>
+                    <a:bodyPr/>
+                    <a:lstStyle/>
+                    <a:p>
+                      <a:pPr algn="ctr">
+                        <a:lnSpc>
+                          <a:spcPct val="107000"/>
+                        </a:lnSpc>
+                        <a:spcAft>
+                          <a:spcPts val="800"/>
+                        </a:spcAft>
+                      </a:pPr>
+                      <a:r>
+                        <a:rPr lang="en-IE" sz="2000" kern="100">
+                          <a:effectLst/>
+                        </a:rPr>
+                        <a:t>1</a:t>
+                      </a:r>
+                      <a:endParaRPr lang="en-IE" sz="2000" kern="100">
+                        <a:effectLst/>
+                        <a:latin typeface="Aptos" panose="020B0004020202020204" pitchFamily="34" charset="0"/>
+                        <a:ea typeface="Aptos" panose="020B0004020202020204" pitchFamily="34" charset="0"/>
+                        <a:cs typeface="Times New Roman" panose="02020603050405020304" pitchFamily="18" charset="0"/>
+                      </a:endParaRPr>
+                    </a:p>
+                  </a:txBody>
+                  <a:tcPr marL="68580" marR="68580" marT="0" marB="0"/>
+                </a:tc>
+                <a:tc>
+                  <a:txBody>
+                    <a:bodyPr/>
+                    <a:lstStyle/>
+                    <a:p>
+                      <a:pPr algn="ctr">
+                        <a:lnSpc>
+                          <a:spcPct val="107000"/>
+                        </a:lnSpc>
+                        <a:spcAft>
+                          <a:spcPts val="800"/>
+                        </a:spcAft>
+                      </a:pPr>
+                      <a:r>
+                        <a:rPr lang="en-IE" sz="2000" kern="100" dirty="0">
+                          <a:effectLst/>
+                          <a:latin typeface="Aptos" panose="020B0004020202020204" pitchFamily="34" charset="0"/>
+                          <a:ea typeface="Aptos" panose="020B0004020202020204" pitchFamily="34" charset="0"/>
+                          <a:cs typeface="Times New Roman" panose="02020603050405020304" pitchFamily="18" charset="0"/>
+                        </a:rPr>
+                        <a:t>1</a:t>
+                      </a:r>
+                    </a:p>
+                  </a:txBody>
+                  <a:tcPr marL="68580" marR="68580" marT="0" marB="0"/>
+                </a:tc>
+                <a:tc>
+                  <a:txBody>
+                    <a:bodyPr/>
+                    <a:lstStyle/>
+                    <a:p>
+                      <a:pPr algn="ctr">
+                        <a:lnSpc>
+                          <a:spcPct val="107000"/>
+                        </a:lnSpc>
+                        <a:spcAft>
+                          <a:spcPts val="800"/>
+                        </a:spcAft>
+                      </a:pPr>
+                      <a:r>
+                        <a:rPr lang="en-IE" sz="2000" kern="100" dirty="0">
+                          <a:effectLst/>
+                        </a:rPr>
+                        <a:t>1</a:t>
+                      </a:r>
+                      <a:endParaRPr lang="en-IE" sz="2000" kern="100" dirty="0">
+                        <a:effectLst/>
+                        <a:latin typeface="Aptos" panose="020B0004020202020204" pitchFamily="34" charset="0"/>
+                        <a:ea typeface="Aptos" panose="020B0004020202020204" pitchFamily="34" charset="0"/>
+                        <a:cs typeface="Times New Roman" panose="02020603050405020304" pitchFamily="18" charset="0"/>
+                      </a:endParaRPr>
+                    </a:p>
+                  </a:txBody>
+                  <a:tcPr marL="68580" marR="68580" marT="0" marB="0"/>
+                </a:tc>
+                <a:tc>
+                  <a:txBody>
+                    <a:bodyPr/>
+                    <a:lstStyle/>
+                    <a:p>
+                      <a:pPr algn="ctr">
+                        <a:lnSpc>
+                          <a:spcPct val="107000"/>
+                        </a:lnSpc>
+                        <a:spcAft>
+                          <a:spcPts val="800"/>
+                        </a:spcAft>
+                      </a:pPr>
+                      <a:r>
+                        <a:rPr lang="en-IE" sz="2000" kern="100" dirty="0">
+                          <a:effectLst/>
+                          <a:latin typeface="Aptos" panose="020B0004020202020204" pitchFamily="34" charset="0"/>
+                          <a:ea typeface="Aptos" panose="020B0004020202020204" pitchFamily="34" charset="0"/>
+                          <a:cs typeface="Times New Roman" panose="02020603050405020304" pitchFamily="18" charset="0"/>
+                        </a:rPr>
+                        <a:t>0</a:t>
+                      </a:r>
+                    </a:p>
+                  </a:txBody>
+                  <a:tcPr marL="68580" marR="68580" marT="0" marB="0"/>
+                </a:tc>
+                <a:tc>
+                  <a:txBody>
+                    <a:bodyPr/>
+                    <a:lstStyle/>
+                    <a:p>
+                      <a:pPr algn="ctr">
+                        <a:lnSpc>
+                          <a:spcPct val="107000"/>
+                        </a:lnSpc>
+                        <a:spcAft>
+                          <a:spcPts val="800"/>
+                        </a:spcAft>
+                      </a:pPr>
+                      <a:r>
+                        <a:rPr lang="en-IE" sz="2000" kern="100" dirty="0">
+                          <a:effectLst/>
+                          <a:latin typeface="Aptos" panose="020B0004020202020204" pitchFamily="34" charset="0"/>
+                          <a:ea typeface="Aptos" panose="020B0004020202020204" pitchFamily="34" charset="0"/>
+                          <a:cs typeface="Times New Roman" panose="02020603050405020304" pitchFamily="18" charset="0"/>
+                        </a:rPr>
+                        <a:t>0</a:t>
+                      </a:r>
+                    </a:p>
+                  </a:txBody>
+                  <a:tcPr marL="68580" marR="68580" marT="0" marB="0"/>
+                </a:tc>
+                <a:tc>
+                  <a:txBody>
+                    <a:bodyPr/>
+                    <a:lstStyle/>
+                    <a:p>
+                      <a:pPr algn="ctr">
+                        <a:lnSpc>
+                          <a:spcPct val="107000"/>
+                        </a:lnSpc>
+                        <a:spcAft>
+                          <a:spcPts val="800"/>
+                        </a:spcAft>
+                      </a:pPr>
+                      <a:r>
+                        <a:rPr lang="en-IE" sz="2000" kern="100" dirty="0">
+                          <a:effectLst/>
+                          <a:latin typeface="Aptos" panose="020B0004020202020204" pitchFamily="34" charset="0"/>
+                          <a:ea typeface="Aptos" panose="020B0004020202020204" pitchFamily="34" charset="0"/>
+                          <a:cs typeface="Times New Roman" panose="02020603050405020304" pitchFamily="18" charset="0"/>
+                        </a:rPr>
+                        <a:t>2</a:t>
+                      </a:r>
+                    </a:p>
+                  </a:txBody>
+                  <a:tcPr marL="68580" marR="68580" marT="0" marB="0"/>
+                </a:tc>
+                <a:extLst>
+                  <a:ext uri="{0D108BD9-81ED-4DB2-BD59-A6C34878D82A}">
+                    <a16:rowId xmlns:a16="http://schemas.microsoft.com/office/drawing/2014/main" val="1706996301"/>
+                  </a:ext>
+                </a:extLst>
+              </a:tr>
+              <a:tr h="0">
+                <a:tc>
+                  <a:txBody>
+                    <a:bodyPr/>
+                    <a:lstStyle/>
+                    <a:p>
+                      <a:pPr algn="ctr">
+                        <a:lnSpc>
+                          <a:spcPct val="107000"/>
+                        </a:lnSpc>
+                        <a:spcAft>
+                          <a:spcPts val="800"/>
+                        </a:spcAft>
+                      </a:pPr>
+                      <a:r>
+                        <a:rPr lang="en-IE" sz="2000" b="0" kern="100" dirty="0">
+                          <a:solidFill>
+                            <a:sysClr val="windowText" lastClr="000000"/>
+                          </a:solidFill>
+                          <a:effectLst/>
+                          <a:latin typeface="Aptos" panose="020B0004020202020204" pitchFamily="34" charset="0"/>
+                          <a:ea typeface="Aptos" panose="020B0004020202020204" pitchFamily="34" charset="0"/>
+                          <a:cs typeface="Times New Roman" panose="02020603050405020304" pitchFamily="18" charset="0"/>
+                        </a:rPr>
+                        <a:t>0</a:t>
+                      </a:r>
+                    </a:p>
+                  </a:txBody>
+                  <a:tcPr marL="68580" marR="68580" marT="0" marB="0">
+                    <a:solidFill>
+                      <a:srgbClr val="CCD2D8"/>
+                    </a:solidFill>
+                  </a:tcPr>
+                </a:tc>
+                <a:tc>
+                  <a:txBody>
+                    <a:bodyPr/>
+                    <a:lstStyle/>
+                    <a:p>
+                      <a:pPr algn="ctr">
+                        <a:lnSpc>
+                          <a:spcPct val="107000"/>
+                        </a:lnSpc>
+                        <a:spcAft>
+                          <a:spcPts val="800"/>
+                        </a:spcAft>
+                      </a:pPr>
+                      <a:r>
+                        <a:rPr lang="en-IE" sz="2000" strike="noStrike" kern="100" dirty="0">
+                          <a:effectLst/>
+                          <a:latin typeface="Aptos" panose="020B0004020202020204" pitchFamily="34" charset="0"/>
+                          <a:ea typeface="Aptos" panose="020B0004020202020204" pitchFamily="34" charset="0"/>
+                          <a:cs typeface="Times New Roman" panose="02020603050405020304" pitchFamily="18" charset="0"/>
+                        </a:rPr>
+                        <a:t>d</a:t>
+                      </a:r>
+                    </a:p>
+                  </a:txBody>
+                  <a:tcPr marL="68580" marR="68580" marT="0" marB="0"/>
+                </a:tc>
+                <a:tc>
+                  <a:txBody>
+                    <a:bodyPr/>
+                    <a:lstStyle/>
+                    <a:p>
+                      <a:pPr algn="ctr">
+                        <a:lnSpc>
+                          <a:spcPct val="107000"/>
+                        </a:lnSpc>
+                        <a:spcAft>
+                          <a:spcPts val="800"/>
+                        </a:spcAft>
+                      </a:pPr>
+                      <a:r>
+                        <a:rPr lang="en-IE" sz="2000" kern="100" dirty="0">
+                          <a:effectLst/>
+                        </a:rPr>
+                        <a:t>1</a:t>
+                      </a:r>
+                      <a:endParaRPr lang="en-IE" sz="2000" kern="100" dirty="0">
+                        <a:effectLst/>
+                        <a:latin typeface="Aptos" panose="020B0004020202020204" pitchFamily="34" charset="0"/>
+                        <a:ea typeface="Aptos" panose="020B0004020202020204" pitchFamily="34" charset="0"/>
+                        <a:cs typeface="Times New Roman" panose="02020603050405020304" pitchFamily="18" charset="0"/>
+                      </a:endParaRPr>
+                    </a:p>
+                  </a:txBody>
+                  <a:tcPr marL="68580" marR="68580" marT="0" marB="0"/>
+                </a:tc>
+                <a:tc>
+                  <a:txBody>
+                    <a:bodyPr/>
+                    <a:lstStyle/>
+                    <a:p>
+                      <a:pPr algn="ctr">
+                        <a:lnSpc>
+                          <a:spcPct val="107000"/>
+                        </a:lnSpc>
+                        <a:spcAft>
+                          <a:spcPts val="800"/>
+                        </a:spcAft>
+                      </a:pPr>
+                      <a:r>
+                        <a:rPr lang="en-IE" sz="2000" kern="100" dirty="0">
+                          <a:effectLst/>
+                          <a:latin typeface="Aptos" panose="020B0004020202020204" pitchFamily="34" charset="0"/>
+                          <a:ea typeface="Aptos" panose="020B0004020202020204" pitchFamily="34" charset="0"/>
+                          <a:cs typeface="Times New Roman" panose="02020603050405020304" pitchFamily="18" charset="0"/>
+                        </a:rPr>
+                        <a:t>0</a:t>
+                      </a:r>
+                    </a:p>
+                  </a:txBody>
+                  <a:tcPr marL="68580" marR="68580" marT="0" marB="0"/>
+                </a:tc>
+                <a:tc>
+                  <a:txBody>
+                    <a:bodyPr/>
+                    <a:lstStyle/>
+                    <a:p>
+                      <a:pPr algn="ctr">
+                        <a:lnSpc>
+                          <a:spcPct val="107000"/>
+                        </a:lnSpc>
+                        <a:spcAft>
+                          <a:spcPts val="800"/>
+                        </a:spcAft>
+                      </a:pPr>
+                      <a:r>
+                        <a:rPr lang="en-IE" sz="2000" kern="100" dirty="0">
+                          <a:effectLst/>
+                          <a:latin typeface="Aptos" panose="020B0004020202020204" pitchFamily="34" charset="0"/>
+                          <a:ea typeface="Aptos" panose="020B0004020202020204" pitchFamily="34" charset="0"/>
+                          <a:cs typeface="Times New Roman" panose="02020603050405020304" pitchFamily="18" charset="0"/>
+                        </a:rPr>
+                        <a:t>0</a:t>
+                      </a:r>
+                    </a:p>
+                  </a:txBody>
+                  <a:tcPr marL="68580" marR="68580" marT="0" marB="0"/>
+                </a:tc>
+                <a:tc>
+                  <a:txBody>
+                    <a:bodyPr/>
+                    <a:lstStyle/>
+                    <a:p>
+                      <a:pPr algn="ctr">
+                        <a:lnSpc>
+                          <a:spcPct val="107000"/>
+                        </a:lnSpc>
+                        <a:spcAft>
+                          <a:spcPts val="800"/>
+                        </a:spcAft>
+                      </a:pPr>
+                      <a:r>
+                        <a:rPr lang="en-IE" sz="2000" kern="100" dirty="0">
+                          <a:effectLst/>
+                          <a:latin typeface="Aptos" panose="020B0004020202020204" pitchFamily="34" charset="0"/>
+                          <a:ea typeface="Aptos" panose="020B0004020202020204" pitchFamily="34" charset="0"/>
+                          <a:cs typeface="Times New Roman" panose="02020603050405020304" pitchFamily="18" charset="0"/>
+                        </a:rPr>
+                        <a:t>1</a:t>
+                      </a:r>
+                    </a:p>
+                  </a:txBody>
+                  <a:tcPr marL="68580" marR="68580" marT="0" marB="0"/>
+                </a:tc>
+                <a:tc>
+                  <a:txBody>
+                    <a:bodyPr/>
+                    <a:lstStyle/>
+                    <a:p>
+                      <a:pPr algn="ctr">
+                        <a:lnSpc>
+                          <a:spcPct val="107000"/>
+                        </a:lnSpc>
+                        <a:spcAft>
+                          <a:spcPts val="800"/>
+                        </a:spcAft>
+                      </a:pPr>
+                      <a:r>
+                        <a:rPr lang="en-IE" sz="2000" kern="100" dirty="0">
+                          <a:effectLst/>
+                          <a:latin typeface="Aptos" panose="020B0004020202020204" pitchFamily="34" charset="0"/>
+                          <a:ea typeface="Aptos" panose="020B0004020202020204" pitchFamily="34" charset="0"/>
+                          <a:cs typeface="Times New Roman" panose="02020603050405020304" pitchFamily="18" charset="0"/>
+                        </a:rPr>
+                        <a:t>1</a:t>
+                      </a:r>
+                    </a:p>
+                  </a:txBody>
+                  <a:tcPr marL="68580" marR="68580" marT="0" marB="0"/>
+                </a:tc>
+                <a:tc>
+                  <a:txBody>
+                    <a:bodyPr/>
+                    <a:lstStyle/>
+                    <a:p>
+                      <a:pPr algn="ctr">
+                        <a:lnSpc>
+                          <a:spcPct val="107000"/>
+                        </a:lnSpc>
+                        <a:spcAft>
+                          <a:spcPts val="800"/>
+                        </a:spcAft>
+                      </a:pPr>
+                      <a:r>
+                        <a:rPr lang="en-IE" sz="2000" kern="100" dirty="0">
+                          <a:effectLst/>
+                          <a:latin typeface="Aptos" panose="020B0004020202020204" pitchFamily="34" charset="0"/>
+                          <a:ea typeface="Aptos" panose="020B0004020202020204" pitchFamily="34" charset="0"/>
+                          <a:cs typeface="Times New Roman" panose="02020603050405020304" pitchFamily="18" charset="0"/>
+                        </a:rPr>
+                        <a:t>1</a:t>
+                      </a:r>
+                    </a:p>
+                  </a:txBody>
+                  <a:tcPr marL="68580" marR="68580" marT="0" marB="0"/>
+                </a:tc>
+                <a:extLst>
+                  <a:ext uri="{0D108BD9-81ED-4DB2-BD59-A6C34878D82A}">
+                    <a16:rowId xmlns:a16="http://schemas.microsoft.com/office/drawing/2014/main" val="482810141"/>
+                  </a:ext>
+                </a:extLst>
+              </a:tr>
+              <a:tr h="0">
+                <a:tc>
+                  <a:txBody>
+                    <a:bodyPr/>
+                    <a:lstStyle/>
+                    <a:p>
+                      <a:pPr algn="ctr">
+                        <a:lnSpc>
+                          <a:spcPct val="107000"/>
+                        </a:lnSpc>
+                        <a:spcAft>
+                          <a:spcPts val="800"/>
+                        </a:spcAft>
+                      </a:pPr>
+                      <a:r>
+                        <a:rPr lang="en-IE" sz="2000" b="0" kern="100" dirty="0">
+                          <a:solidFill>
+                            <a:sysClr val="windowText" lastClr="000000"/>
+                          </a:solidFill>
+                          <a:effectLst/>
+                          <a:latin typeface="Aptos" panose="020B0004020202020204" pitchFamily="34" charset="0"/>
+                          <a:ea typeface="Aptos" panose="020B0004020202020204" pitchFamily="34" charset="0"/>
+                          <a:cs typeface="Times New Roman" panose="02020603050405020304" pitchFamily="18" charset="0"/>
+                        </a:rPr>
+                        <a:t>0</a:t>
+                      </a:r>
+                    </a:p>
+                  </a:txBody>
+                  <a:tcPr marL="68580" marR="68580" marT="0" marB="0">
+                    <a:solidFill>
+                      <a:srgbClr val="E7EAED"/>
+                    </a:solidFill>
+                  </a:tcPr>
+                </a:tc>
+                <a:tc>
+                  <a:txBody>
+                    <a:bodyPr/>
+                    <a:lstStyle/>
+                    <a:p>
+                      <a:pPr algn="ctr">
+                        <a:lnSpc>
+                          <a:spcPct val="107000"/>
+                        </a:lnSpc>
+                        <a:spcAft>
+                          <a:spcPts val="800"/>
+                        </a:spcAft>
+                      </a:pPr>
+                      <a:r>
+                        <a:rPr lang="en-IE" sz="2000" strike="noStrike" kern="100" dirty="0">
+                          <a:effectLst/>
+                          <a:latin typeface="Aptos" panose="020B0004020202020204" pitchFamily="34" charset="0"/>
+                          <a:ea typeface="Aptos" panose="020B0004020202020204" pitchFamily="34" charset="0"/>
+                          <a:cs typeface="Times New Roman" panose="02020603050405020304" pitchFamily="18" charset="0"/>
+                        </a:rPr>
+                        <a:t>d</a:t>
+                      </a:r>
+                    </a:p>
+                  </a:txBody>
+                  <a:tcPr marL="68580" marR="68580" marT="0" marB="0"/>
+                </a:tc>
+                <a:tc>
+                  <a:txBody>
+                    <a:bodyPr/>
+                    <a:lstStyle/>
+                    <a:p>
+                      <a:pPr algn="ctr">
+                        <a:lnSpc>
+                          <a:spcPct val="107000"/>
+                        </a:lnSpc>
+                        <a:spcAft>
+                          <a:spcPts val="800"/>
+                        </a:spcAft>
+                      </a:pPr>
+                      <a:r>
+                        <a:rPr lang="en-IE" sz="2000" kern="100" dirty="0">
+                          <a:effectLst/>
+                        </a:rPr>
+                        <a:t>0</a:t>
+                      </a:r>
+                      <a:endParaRPr lang="en-IE" sz="2000" kern="100" dirty="0">
+                        <a:effectLst/>
+                        <a:latin typeface="Aptos" panose="020B0004020202020204" pitchFamily="34" charset="0"/>
+                        <a:ea typeface="Aptos" panose="020B0004020202020204" pitchFamily="34" charset="0"/>
+                        <a:cs typeface="Times New Roman" panose="02020603050405020304" pitchFamily="18" charset="0"/>
+                      </a:endParaRPr>
+                    </a:p>
+                  </a:txBody>
+                  <a:tcPr marL="68580" marR="68580" marT="0" marB="0"/>
+                </a:tc>
+                <a:tc>
+                  <a:txBody>
+                    <a:bodyPr/>
+                    <a:lstStyle/>
+                    <a:p>
+                      <a:pPr algn="ctr">
+                        <a:lnSpc>
+                          <a:spcPct val="107000"/>
+                        </a:lnSpc>
+                        <a:spcAft>
+                          <a:spcPts val="800"/>
+                        </a:spcAft>
+                      </a:pPr>
+                      <a:r>
+                        <a:rPr lang="en-IE" sz="2000" kern="100" dirty="0">
+                          <a:effectLst/>
+                        </a:rPr>
+                        <a:t>0</a:t>
+                      </a:r>
+                      <a:endParaRPr lang="en-IE" sz="2000" kern="100" dirty="0">
+                        <a:effectLst/>
+                        <a:latin typeface="Aptos" panose="020B0004020202020204" pitchFamily="34" charset="0"/>
+                        <a:ea typeface="Aptos" panose="020B0004020202020204" pitchFamily="34" charset="0"/>
+                        <a:cs typeface="Times New Roman" panose="02020603050405020304" pitchFamily="18" charset="0"/>
+                      </a:endParaRPr>
+                    </a:p>
+                  </a:txBody>
+                  <a:tcPr marL="68580" marR="68580" marT="0" marB="0"/>
+                </a:tc>
+                <a:tc>
+                  <a:txBody>
+                    <a:bodyPr/>
+                    <a:lstStyle/>
+                    <a:p>
+                      <a:pPr algn="ctr">
+                        <a:lnSpc>
+                          <a:spcPct val="107000"/>
+                        </a:lnSpc>
+                        <a:spcAft>
+                          <a:spcPts val="800"/>
+                        </a:spcAft>
+                      </a:pPr>
+                      <a:r>
+                        <a:rPr lang="en-IE" sz="2000" kern="100" dirty="0">
+                          <a:effectLst/>
+                          <a:latin typeface="Aptos" panose="020B0004020202020204" pitchFamily="34" charset="0"/>
+                          <a:ea typeface="Aptos" panose="020B0004020202020204" pitchFamily="34" charset="0"/>
+                          <a:cs typeface="Times New Roman" panose="02020603050405020304" pitchFamily="18" charset="0"/>
+                        </a:rPr>
+                        <a:t>0</a:t>
+                      </a:r>
+                    </a:p>
+                  </a:txBody>
+                  <a:tcPr marL="68580" marR="68580" marT="0" marB="0"/>
+                </a:tc>
+                <a:tc>
+                  <a:txBody>
+                    <a:bodyPr/>
+                    <a:lstStyle/>
+                    <a:p>
+                      <a:pPr algn="ctr">
+                        <a:lnSpc>
+                          <a:spcPct val="107000"/>
+                        </a:lnSpc>
+                        <a:spcAft>
+                          <a:spcPts val="800"/>
+                        </a:spcAft>
+                      </a:pPr>
+                      <a:r>
+                        <a:rPr lang="en-IE" sz="2000" kern="100" dirty="0">
+                          <a:effectLst/>
+                          <a:latin typeface="Aptos" panose="020B0004020202020204" pitchFamily="34" charset="0"/>
+                          <a:ea typeface="Aptos" panose="020B0004020202020204" pitchFamily="34" charset="0"/>
+                          <a:cs typeface="Times New Roman" panose="02020603050405020304" pitchFamily="18" charset="0"/>
+                        </a:rPr>
+                        <a:t>1</a:t>
+                      </a:r>
+                    </a:p>
+                  </a:txBody>
+                  <a:tcPr marL="68580" marR="68580" marT="0" marB="0"/>
+                </a:tc>
+                <a:tc>
+                  <a:txBody>
+                    <a:bodyPr/>
+                    <a:lstStyle/>
+                    <a:p>
+                      <a:pPr algn="ctr">
+                        <a:lnSpc>
+                          <a:spcPct val="107000"/>
+                        </a:lnSpc>
+                        <a:spcAft>
+                          <a:spcPts val="800"/>
+                        </a:spcAft>
+                      </a:pPr>
+                      <a:r>
+                        <a:rPr lang="en-IE" sz="2000" kern="100" dirty="0">
+                          <a:effectLst/>
+                          <a:latin typeface="Aptos" panose="020B0004020202020204" pitchFamily="34" charset="0"/>
+                          <a:ea typeface="Aptos" panose="020B0004020202020204" pitchFamily="34" charset="0"/>
+                          <a:cs typeface="Times New Roman" panose="02020603050405020304" pitchFamily="18" charset="0"/>
+                        </a:rPr>
+                        <a:t>0</a:t>
+                      </a:r>
+                    </a:p>
+                  </a:txBody>
+                  <a:tcPr marL="68580" marR="68580" marT="0" marB="0"/>
+                </a:tc>
+                <a:tc>
+                  <a:txBody>
+                    <a:bodyPr/>
+                    <a:lstStyle/>
+                    <a:p>
+                      <a:pPr algn="ctr">
+                        <a:lnSpc>
+                          <a:spcPct val="107000"/>
+                        </a:lnSpc>
+                        <a:spcAft>
+                          <a:spcPts val="800"/>
+                        </a:spcAft>
+                      </a:pPr>
+                      <a:r>
+                        <a:rPr lang="en-IE" sz="2000" kern="100" dirty="0">
+                          <a:effectLst/>
+                          <a:latin typeface="Aptos" panose="020B0004020202020204" pitchFamily="34" charset="0"/>
+                          <a:ea typeface="Aptos" panose="020B0004020202020204" pitchFamily="34" charset="0"/>
+                          <a:cs typeface="Times New Roman" panose="02020603050405020304" pitchFamily="18" charset="0"/>
+                        </a:rPr>
+                        <a:t>1</a:t>
+                      </a:r>
+                    </a:p>
+                  </a:txBody>
+                  <a:tcPr marL="68580" marR="68580" marT="0" marB="0"/>
+                </a:tc>
+                <a:extLst>
+                  <a:ext uri="{0D108BD9-81ED-4DB2-BD59-A6C34878D82A}">
+                    <a16:rowId xmlns:a16="http://schemas.microsoft.com/office/drawing/2014/main" val="3213564784"/>
+                  </a:ext>
+                </a:extLst>
+              </a:tr>
+              <a:tr h="0">
+                <a:tc>
+                  <a:txBody>
+                    <a:bodyPr/>
+                    <a:lstStyle/>
+                    <a:p>
+                      <a:pPr algn="ctr">
+                        <a:lnSpc>
+                          <a:spcPct val="107000"/>
+                        </a:lnSpc>
+                        <a:spcAft>
+                          <a:spcPts val="800"/>
+                        </a:spcAft>
+                      </a:pPr>
+                      <a:r>
+                        <a:rPr lang="en-IE" sz="2000" b="0" kern="100" dirty="0">
+                          <a:solidFill>
+                            <a:sysClr val="windowText" lastClr="000000"/>
+                          </a:solidFill>
+                          <a:effectLst/>
+                          <a:latin typeface="Aptos" panose="020B0004020202020204" pitchFamily="34" charset="0"/>
+                          <a:ea typeface="Aptos" panose="020B0004020202020204" pitchFamily="34" charset="0"/>
+                          <a:cs typeface="Times New Roman" panose="02020603050405020304" pitchFamily="18" charset="0"/>
+                        </a:rPr>
+                        <a:t>0</a:t>
+                      </a:r>
+                    </a:p>
+                  </a:txBody>
+                  <a:tcPr marL="68580" marR="68580" marT="0" marB="0">
+                    <a:solidFill>
+                      <a:srgbClr val="CCD2D8"/>
+                    </a:solidFill>
+                  </a:tcPr>
+                </a:tc>
+                <a:tc>
+                  <a:txBody>
+                    <a:bodyPr/>
+                    <a:lstStyle/>
+                    <a:p>
+                      <a:pPr algn="ctr">
+                        <a:lnSpc>
+                          <a:spcPct val="107000"/>
+                        </a:lnSpc>
+                        <a:spcAft>
+                          <a:spcPts val="800"/>
+                        </a:spcAft>
+                      </a:pPr>
+                      <a:r>
+                        <a:rPr lang="en-IE" sz="2000" strike="noStrike" kern="100" dirty="0">
+                          <a:effectLst/>
+                          <a:latin typeface="Aptos" panose="020B0004020202020204" pitchFamily="34" charset="0"/>
+                          <a:ea typeface="Aptos" panose="020B0004020202020204" pitchFamily="34" charset="0"/>
+                          <a:cs typeface="Times New Roman" panose="02020603050405020304" pitchFamily="18" charset="0"/>
+                        </a:rPr>
+                        <a:t>d</a:t>
+                      </a:r>
+                    </a:p>
+                  </a:txBody>
+                  <a:tcPr marL="68580" marR="68580" marT="0" marB="0"/>
+                </a:tc>
+                <a:tc>
+                  <a:txBody>
+                    <a:bodyPr/>
+                    <a:lstStyle/>
+                    <a:p>
+                      <a:pPr algn="ctr">
+                        <a:lnSpc>
+                          <a:spcPct val="107000"/>
+                        </a:lnSpc>
+                        <a:spcAft>
+                          <a:spcPts val="800"/>
+                        </a:spcAft>
+                      </a:pPr>
+                      <a:r>
+                        <a:rPr lang="en-IE" sz="2000" kern="100" dirty="0">
+                          <a:effectLst/>
+                        </a:rPr>
+                        <a:t>1</a:t>
+                      </a:r>
+                      <a:endParaRPr lang="en-IE" sz="2000" kern="100" dirty="0">
+                        <a:effectLst/>
+                        <a:latin typeface="Aptos" panose="020B0004020202020204" pitchFamily="34" charset="0"/>
+                        <a:ea typeface="Aptos" panose="020B0004020202020204" pitchFamily="34" charset="0"/>
+                        <a:cs typeface="Times New Roman" panose="02020603050405020304" pitchFamily="18" charset="0"/>
+                      </a:endParaRPr>
+                    </a:p>
+                  </a:txBody>
+                  <a:tcPr marL="68580" marR="68580" marT="0" marB="0"/>
+                </a:tc>
+                <a:tc>
+                  <a:txBody>
+                    <a:bodyPr/>
+                    <a:lstStyle/>
+                    <a:p>
+                      <a:pPr algn="ctr">
+                        <a:lnSpc>
+                          <a:spcPct val="107000"/>
+                        </a:lnSpc>
+                        <a:spcAft>
+                          <a:spcPts val="800"/>
+                        </a:spcAft>
+                      </a:pPr>
+                      <a:r>
+                        <a:rPr lang="en-IE" sz="2000" kern="100" dirty="0">
+                          <a:effectLst/>
+                        </a:rPr>
+                        <a:t>0</a:t>
+                      </a:r>
+                      <a:endParaRPr lang="en-IE" sz="2000" kern="100" dirty="0">
+                        <a:effectLst/>
+                        <a:latin typeface="Aptos" panose="020B0004020202020204" pitchFamily="34" charset="0"/>
+                        <a:ea typeface="Aptos" panose="020B0004020202020204" pitchFamily="34" charset="0"/>
+                        <a:cs typeface="Times New Roman" panose="02020603050405020304" pitchFamily="18" charset="0"/>
+                      </a:endParaRPr>
+                    </a:p>
+                  </a:txBody>
+                  <a:tcPr marL="68580" marR="68580" marT="0" marB="0"/>
+                </a:tc>
+                <a:tc>
+                  <a:txBody>
+                    <a:bodyPr/>
+                    <a:lstStyle/>
+                    <a:p>
+                      <a:pPr algn="ctr">
+                        <a:lnSpc>
+                          <a:spcPct val="107000"/>
+                        </a:lnSpc>
+                        <a:spcAft>
+                          <a:spcPts val="800"/>
+                        </a:spcAft>
+                      </a:pPr>
+                      <a:r>
+                        <a:rPr lang="en-IE" sz="2000" kern="100" dirty="0">
+                          <a:effectLst/>
+                          <a:latin typeface="Aptos" panose="020B0004020202020204" pitchFamily="34" charset="0"/>
+                          <a:ea typeface="Aptos" panose="020B0004020202020204" pitchFamily="34" charset="0"/>
+                          <a:cs typeface="Times New Roman" panose="02020603050405020304" pitchFamily="18" charset="0"/>
+                        </a:rPr>
+                        <a:t>F</a:t>
+                      </a:r>
+                    </a:p>
+                  </a:txBody>
+                  <a:tcPr marL="68580" marR="68580" marT="0" marB="0"/>
+                </a:tc>
+                <a:tc>
+                  <a:txBody>
+                    <a:bodyPr/>
+                    <a:lstStyle/>
+                    <a:p>
+                      <a:pPr algn="ctr">
+                        <a:lnSpc>
+                          <a:spcPct val="107000"/>
+                        </a:lnSpc>
+                        <a:spcAft>
+                          <a:spcPts val="800"/>
+                        </a:spcAft>
+                      </a:pPr>
+                      <a:r>
+                        <a:rPr lang="en-IE" sz="2000" kern="100" dirty="0">
+                          <a:effectLst/>
+                          <a:latin typeface="Aptos" panose="020B0004020202020204" pitchFamily="34" charset="0"/>
+                          <a:ea typeface="Aptos" panose="020B0004020202020204" pitchFamily="34" charset="0"/>
+                          <a:cs typeface="Times New Roman" panose="02020603050405020304" pitchFamily="18" charset="0"/>
+                        </a:rPr>
+                        <a:t>0</a:t>
+                      </a:r>
+                    </a:p>
+                  </a:txBody>
+                  <a:tcPr marL="68580" marR="68580" marT="0" marB="0"/>
+                </a:tc>
+                <a:tc>
+                  <a:txBody>
+                    <a:bodyPr/>
+                    <a:lstStyle/>
+                    <a:p>
+                      <a:pPr algn="ctr">
+                        <a:lnSpc>
+                          <a:spcPct val="107000"/>
+                        </a:lnSpc>
+                        <a:spcAft>
+                          <a:spcPts val="800"/>
+                        </a:spcAft>
+                      </a:pPr>
+                      <a:r>
+                        <a:rPr lang="en-IE" sz="2000" kern="100" dirty="0">
+                          <a:effectLst/>
+                          <a:latin typeface="Aptos" panose="020B0004020202020204" pitchFamily="34" charset="0"/>
+                          <a:ea typeface="Aptos" panose="020B0004020202020204" pitchFamily="34" charset="0"/>
+                          <a:cs typeface="Times New Roman" panose="02020603050405020304" pitchFamily="18" charset="0"/>
+                        </a:rPr>
+                        <a:t>0</a:t>
+                      </a:r>
+                    </a:p>
+                  </a:txBody>
+                  <a:tcPr marL="68580" marR="68580" marT="0" marB="0"/>
+                </a:tc>
+                <a:tc>
+                  <a:txBody>
+                    <a:bodyPr/>
+                    <a:lstStyle/>
+                    <a:p>
+                      <a:pPr algn="ctr">
+                        <a:lnSpc>
+                          <a:spcPct val="107000"/>
+                        </a:lnSpc>
+                        <a:spcAft>
+                          <a:spcPts val="800"/>
+                        </a:spcAft>
+                      </a:pPr>
+                      <a:r>
+                        <a:rPr lang="en-IE" sz="2000" kern="100" dirty="0">
+                          <a:effectLst/>
+                          <a:latin typeface="Aptos" panose="020B0004020202020204" pitchFamily="34" charset="0"/>
+                          <a:ea typeface="Aptos" panose="020B0004020202020204" pitchFamily="34" charset="0"/>
+                          <a:cs typeface="Times New Roman" panose="02020603050405020304" pitchFamily="18" charset="0"/>
+                        </a:rPr>
+                        <a:t>1</a:t>
+                      </a:r>
+                    </a:p>
+                  </a:txBody>
+                  <a:tcPr marL="68580" marR="68580" marT="0" marB="0"/>
+                </a:tc>
+                <a:extLst>
+                  <a:ext uri="{0D108BD9-81ED-4DB2-BD59-A6C34878D82A}">
+                    <a16:rowId xmlns:a16="http://schemas.microsoft.com/office/drawing/2014/main" val="4165928909"/>
+                  </a:ext>
+                </a:extLst>
+              </a:tr>
+              <a:tr h="0">
+                <a:tc>
+                  <a:txBody>
+                    <a:bodyPr/>
+                    <a:lstStyle/>
+                    <a:p>
+                      <a:pPr algn="ctr">
+                        <a:lnSpc>
+                          <a:spcPct val="107000"/>
+                        </a:lnSpc>
+                        <a:spcAft>
+                          <a:spcPts val="800"/>
+                        </a:spcAft>
+                      </a:pPr>
+                      <a:r>
+                        <a:rPr lang="en-IE" sz="2000" b="0" kern="100" dirty="0">
+                          <a:solidFill>
+                            <a:sysClr val="windowText" lastClr="000000"/>
+                          </a:solidFill>
+                          <a:effectLst/>
+                          <a:latin typeface="Aptos" panose="020B0004020202020204" pitchFamily="34" charset="0"/>
+                          <a:ea typeface="Aptos" panose="020B0004020202020204" pitchFamily="34" charset="0"/>
+                          <a:cs typeface="Times New Roman" panose="02020603050405020304" pitchFamily="18" charset="0"/>
+                        </a:rPr>
+                        <a:t>0</a:t>
+                      </a:r>
+                    </a:p>
+                  </a:txBody>
+                  <a:tcPr marL="68580" marR="68580" marT="0" marB="0">
+                    <a:solidFill>
+                      <a:srgbClr val="E7EAED"/>
+                    </a:solidFill>
+                  </a:tcPr>
+                </a:tc>
+                <a:tc>
+                  <a:txBody>
+                    <a:bodyPr/>
+                    <a:lstStyle/>
+                    <a:p>
+                      <a:pPr algn="ctr">
+                        <a:lnSpc>
+                          <a:spcPct val="107000"/>
+                        </a:lnSpc>
+                        <a:spcAft>
+                          <a:spcPts val="800"/>
+                        </a:spcAft>
+                      </a:pPr>
+                      <a:r>
+                        <a:rPr lang="en-IE" sz="2000" strike="noStrike" kern="100" dirty="0">
+                          <a:effectLst/>
+                          <a:latin typeface="Aptos" panose="020B0004020202020204" pitchFamily="34" charset="0"/>
+                          <a:ea typeface="Aptos" panose="020B0004020202020204" pitchFamily="34" charset="0"/>
+                          <a:cs typeface="Times New Roman" panose="02020603050405020304" pitchFamily="18" charset="0"/>
+                        </a:rPr>
+                        <a:t>d</a:t>
+                      </a:r>
+                    </a:p>
+                  </a:txBody>
+                  <a:tcPr marL="68580" marR="68580" marT="0" marB="0"/>
+                </a:tc>
+                <a:tc>
+                  <a:txBody>
+                    <a:bodyPr/>
+                    <a:lstStyle/>
+                    <a:p>
+                      <a:pPr algn="ctr">
+                        <a:lnSpc>
+                          <a:spcPct val="107000"/>
+                        </a:lnSpc>
+                        <a:spcAft>
+                          <a:spcPts val="800"/>
+                        </a:spcAft>
+                      </a:pPr>
+                      <a:r>
+                        <a:rPr lang="en-IE" sz="2000" kern="100">
+                          <a:effectLst/>
+                        </a:rPr>
+                        <a:t>1</a:t>
+                      </a:r>
+                      <a:endParaRPr lang="en-IE" sz="2000" kern="100">
+                        <a:effectLst/>
+                        <a:latin typeface="Aptos" panose="020B0004020202020204" pitchFamily="34" charset="0"/>
+                        <a:ea typeface="Aptos" panose="020B0004020202020204" pitchFamily="34" charset="0"/>
+                        <a:cs typeface="Times New Roman" panose="02020603050405020304" pitchFamily="18" charset="0"/>
+                      </a:endParaRPr>
+                    </a:p>
+                  </a:txBody>
+                  <a:tcPr marL="68580" marR="68580" marT="0" marB="0"/>
+                </a:tc>
+                <a:tc>
+                  <a:txBody>
+                    <a:bodyPr/>
+                    <a:lstStyle/>
+                    <a:p>
+                      <a:pPr algn="ctr">
+                        <a:lnSpc>
+                          <a:spcPct val="107000"/>
+                        </a:lnSpc>
+                        <a:spcAft>
+                          <a:spcPts val="800"/>
+                        </a:spcAft>
+                      </a:pPr>
+                      <a:r>
+                        <a:rPr lang="en-IE" sz="2000" kern="100" dirty="0">
+                          <a:effectLst/>
+                          <a:latin typeface="Aptos" panose="020B0004020202020204" pitchFamily="34" charset="0"/>
+                          <a:ea typeface="Aptos" panose="020B0004020202020204" pitchFamily="34" charset="0"/>
+                          <a:cs typeface="Times New Roman" panose="02020603050405020304" pitchFamily="18" charset="0"/>
+                        </a:rPr>
+                        <a:t>0</a:t>
+                      </a:r>
+                    </a:p>
+                  </a:txBody>
+                  <a:tcPr marL="68580" marR="68580" marT="0" marB="0"/>
+                </a:tc>
+                <a:tc>
+                  <a:txBody>
+                    <a:bodyPr/>
+                    <a:lstStyle/>
+                    <a:p>
+                      <a:pPr algn="ctr">
+                        <a:lnSpc>
+                          <a:spcPct val="107000"/>
+                        </a:lnSpc>
+                        <a:spcAft>
+                          <a:spcPts val="800"/>
+                        </a:spcAft>
+                      </a:pPr>
+                      <a:r>
+                        <a:rPr lang="en-IE" sz="2000" kern="100" dirty="0">
+                          <a:effectLst/>
+                          <a:latin typeface="Aptos" panose="020B0004020202020204" pitchFamily="34" charset="0"/>
+                          <a:ea typeface="Aptos" panose="020B0004020202020204" pitchFamily="34" charset="0"/>
+                          <a:cs typeface="Times New Roman" panose="02020603050405020304" pitchFamily="18" charset="0"/>
+                        </a:rPr>
+                        <a:t>0</a:t>
+                      </a:r>
+                    </a:p>
+                  </a:txBody>
+                  <a:tcPr marL="68580" marR="68580" marT="0" marB="0"/>
+                </a:tc>
+                <a:tc>
+                  <a:txBody>
+                    <a:bodyPr/>
+                    <a:lstStyle/>
+                    <a:p>
+                      <a:pPr algn="ctr">
+                        <a:lnSpc>
+                          <a:spcPct val="107000"/>
+                        </a:lnSpc>
+                        <a:spcAft>
+                          <a:spcPts val="800"/>
+                        </a:spcAft>
+                      </a:pPr>
+                      <a:r>
+                        <a:rPr lang="en-IE" sz="2000" kern="100" dirty="0">
+                          <a:effectLst/>
+                          <a:latin typeface="Aptos" panose="020B0004020202020204" pitchFamily="34" charset="0"/>
+                          <a:ea typeface="Aptos" panose="020B0004020202020204" pitchFamily="34" charset="0"/>
+                          <a:cs typeface="Times New Roman" panose="02020603050405020304" pitchFamily="18" charset="0"/>
+                        </a:rPr>
+                        <a:t>1</a:t>
+                      </a:r>
+                    </a:p>
+                  </a:txBody>
+                  <a:tcPr marL="68580" marR="68580" marT="0" marB="0"/>
+                </a:tc>
+                <a:tc>
+                  <a:txBody>
+                    <a:bodyPr/>
+                    <a:lstStyle/>
+                    <a:p>
+                      <a:pPr algn="ctr">
+                        <a:lnSpc>
+                          <a:spcPct val="107000"/>
+                        </a:lnSpc>
+                        <a:spcAft>
+                          <a:spcPts val="800"/>
+                        </a:spcAft>
+                      </a:pPr>
+                      <a:r>
+                        <a:rPr lang="en-IE" sz="2000" kern="100" dirty="0">
+                          <a:effectLst/>
+                          <a:latin typeface="Aptos" panose="020B0004020202020204" pitchFamily="34" charset="0"/>
+                          <a:ea typeface="Aptos" panose="020B0004020202020204" pitchFamily="34" charset="0"/>
+                          <a:cs typeface="Times New Roman" panose="02020603050405020304" pitchFamily="18" charset="0"/>
+                        </a:rPr>
+                        <a:t>1</a:t>
+                      </a:r>
+                    </a:p>
+                  </a:txBody>
+                  <a:tcPr marL="68580" marR="68580" marT="0" marB="0"/>
+                </a:tc>
+                <a:tc>
+                  <a:txBody>
+                    <a:bodyPr/>
+                    <a:lstStyle/>
+                    <a:p>
+                      <a:pPr algn="ctr">
+                        <a:lnSpc>
+                          <a:spcPct val="107000"/>
+                        </a:lnSpc>
+                        <a:spcAft>
+                          <a:spcPts val="800"/>
+                        </a:spcAft>
+                      </a:pPr>
+                      <a:r>
+                        <a:rPr lang="en-IE" sz="2000" kern="100" dirty="0">
+                          <a:effectLst/>
+                          <a:latin typeface="Aptos" panose="020B0004020202020204" pitchFamily="34" charset="0"/>
+                          <a:ea typeface="Aptos" panose="020B0004020202020204" pitchFamily="34" charset="0"/>
+                          <a:cs typeface="Times New Roman" panose="02020603050405020304" pitchFamily="18" charset="0"/>
+                        </a:rPr>
+                        <a:t>15</a:t>
+                      </a:r>
+                    </a:p>
+                  </a:txBody>
+                  <a:tcPr marL="68580" marR="68580" marT="0" marB="0"/>
+                </a:tc>
+                <a:extLst>
+                  <a:ext uri="{0D108BD9-81ED-4DB2-BD59-A6C34878D82A}">
+                    <a16:rowId xmlns:a16="http://schemas.microsoft.com/office/drawing/2014/main" val="3405039270"/>
+                  </a:ext>
+                </a:extLst>
+              </a:tr>
+            </a:tbl>
+          </a:graphicData>
+        </a:graphic>
+      </p:graphicFrame>
+      <p:sp>
+        <p:nvSpPr>
+          <p:cNvPr id="9" name="TextBox 8">
+            <a:extLst>
+              <a:ext uri="{FF2B5EF4-FFF2-40B4-BE49-F238E27FC236}">
+                <a16:creationId xmlns:a16="http://schemas.microsoft.com/office/drawing/2014/main" id="{C6CEE8C8-3361-58CA-2B5B-B59EC1F02CAE}"/>
+              </a:ext>
+            </a:extLst>
+          </p:cNvPr>
+          <p:cNvSpPr txBox="1"/>
+          <p:nvPr/>
+        </p:nvSpPr>
+        <p:spPr>
+          <a:xfrm>
+            <a:off x="7665818" y="2183597"/>
+            <a:ext cx="3009900" cy="369332"/>
+          </a:xfrm>
+          <a:prstGeom prst="rect">
+            <a:avLst/>
+          </a:prstGeom>
+          <a:noFill/>
+        </p:spPr>
+        <p:txBody>
+          <a:bodyPr wrap="square" rtlCol="0">
+            <a:spAutoFit/>
+          </a:bodyPr>
+          <a:lstStyle/>
+          <a:p>
+            <a:pPr algn="ctr"/>
+            <a:r>
+              <a:rPr lang="en-IE" b="1" dirty="0"/>
+              <a:t>Test plan</a:t>
+            </a:r>
+          </a:p>
+        </p:txBody>
+      </p:sp>
     </p:spTree>
     <p:extLst>
       <p:ext uri="{BB962C8B-B14F-4D97-AF65-F5344CB8AC3E}">
@@ -26983,6 +29180,360 @@
               </a:rPr>
               <a:t>with Asynchronous reset</a:t>
             </a:r>
+          </a:p>
+        </p:txBody>
+      </p:sp>
+      <p:sp>
+        <p:nvSpPr>
+          <p:cNvPr id="3" name="TextBox 2">
+            <a:extLst>
+              <a:ext uri="{FF2B5EF4-FFF2-40B4-BE49-F238E27FC236}">
+                <a16:creationId xmlns:a16="http://schemas.microsoft.com/office/drawing/2014/main" id="{35F11B4E-8D69-9144-F969-CB03402B236D}"/>
+              </a:ext>
+            </a:extLst>
+          </p:cNvPr>
+          <p:cNvSpPr txBox="1"/>
+          <p:nvPr/>
+        </p:nvSpPr>
+        <p:spPr>
+          <a:xfrm>
+            <a:off x="10280002" y="1601890"/>
+            <a:ext cx="6097554" cy="5632311"/>
+          </a:xfrm>
+          <a:prstGeom prst="rect">
+            <a:avLst/>
+          </a:prstGeom>
+          <a:noFill/>
+        </p:spPr>
+        <p:txBody>
+          <a:bodyPr wrap="square">
+            <a:spAutoFit/>
+          </a:bodyPr>
+          <a:lstStyle/>
+          <a:p>
+            <a:r>
+              <a:rPr lang="en-GB" dirty="0">
+                <a:effectLst/>
+              </a:rPr>
+              <a:t>Signals load </a:t>
+            </a:r>
+            <a:r>
+              <a:rPr lang="en-GB" dirty="0" err="1">
+                <a:effectLst/>
+              </a:rPr>
+              <a:t>loadDat</a:t>
+            </a:r>
+            <a:r>
+              <a:rPr lang="en-GB" dirty="0">
+                <a:effectLst/>
+              </a:rPr>
+              <a:t> ce up count TC ceo Delay </a:t>
+            </a:r>
+            <a:r>
+              <a:rPr lang="en-GB" dirty="0" err="1">
+                <a:effectLst/>
+              </a:rPr>
+              <a:t>TestNo</a:t>
+            </a:r>
+            <a:r>
+              <a:rPr lang="en-GB" dirty="0">
+                <a:effectLst/>
+              </a:rPr>
+              <a:t> Note</a:t>
+            </a:r>
+          </a:p>
+          <a:p>
+            <a:r>
+              <a:rPr lang="en-GB" dirty="0">
+                <a:effectLst/>
+              </a:rPr>
+              <a:t>Mode in in in in out </a:t>
+            </a:r>
+            <a:r>
+              <a:rPr lang="en-GB" dirty="0" err="1">
+                <a:effectLst/>
+              </a:rPr>
+              <a:t>out</a:t>
+            </a:r>
+            <a:r>
+              <a:rPr lang="en-GB" dirty="0">
+                <a:effectLst/>
+              </a:rPr>
+              <a:t> </a:t>
+            </a:r>
+            <a:r>
+              <a:rPr lang="en-GB" dirty="0" err="1">
+                <a:effectLst/>
+              </a:rPr>
+              <a:t>out</a:t>
+            </a:r>
+            <a:r>
+              <a:rPr lang="en-GB" dirty="0">
+                <a:effectLst/>
+              </a:rPr>
+              <a:t> None </a:t>
+            </a:r>
+            <a:r>
+              <a:rPr lang="en-GB" dirty="0" err="1">
+                <a:effectLst/>
+              </a:rPr>
+              <a:t>None</a:t>
+            </a:r>
+            <a:r>
+              <a:rPr lang="en-GB" dirty="0">
+                <a:effectLst/>
+              </a:rPr>
+              <a:t> </a:t>
+            </a:r>
+            <a:r>
+              <a:rPr lang="en-GB" dirty="0" err="1">
+                <a:effectLst/>
+              </a:rPr>
+              <a:t>None</a:t>
+            </a:r>
+            <a:endParaRPr lang="en-GB" dirty="0">
+              <a:effectLst/>
+            </a:endParaRPr>
+          </a:p>
+          <a:p>
+            <a:r>
+              <a:rPr lang="en-GB" dirty="0">
+                <a:effectLst/>
+              </a:rPr>
+              <a:t>Radix 1'b 4'h 1'b </a:t>
+            </a:r>
+            <a:r>
+              <a:rPr lang="en-GB" dirty="0" err="1">
+                <a:effectLst/>
+              </a:rPr>
+              <a:t>1'b</a:t>
+            </a:r>
+            <a:r>
+              <a:rPr lang="en-GB" dirty="0">
+                <a:effectLst/>
+              </a:rPr>
+              <a:t> 4'h 1'b </a:t>
+            </a:r>
+            <a:r>
+              <a:rPr lang="en-GB" dirty="0" err="1">
+                <a:effectLst/>
+              </a:rPr>
+              <a:t>1'b</a:t>
+            </a:r>
+            <a:r>
+              <a:rPr lang="en-GB" dirty="0">
+                <a:effectLst/>
+              </a:rPr>
+              <a:t> None </a:t>
+            </a:r>
+            <a:r>
+              <a:rPr lang="en-GB" dirty="0" err="1">
+                <a:effectLst/>
+              </a:rPr>
+              <a:t>None</a:t>
+            </a:r>
+            <a:r>
+              <a:rPr lang="en-GB" dirty="0">
+                <a:effectLst/>
+              </a:rPr>
+              <a:t> </a:t>
+            </a:r>
+            <a:r>
+              <a:rPr lang="en-GB" dirty="0" err="1">
+                <a:effectLst/>
+              </a:rPr>
+              <a:t>None</a:t>
+            </a:r>
+            <a:endParaRPr lang="en-GB" dirty="0">
+              <a:effectLst/>
+            </a:endParaRPr>
+          </a:p>
+          <a:p>
+            <a:r>
+              <a:rPr lang="en-GB" dirty="0">
+                <a:effectLst/>
+              </a:rPr>
+              <a:t>= = = = = = = = = = =</a:t>
+            </a:r>
+          </a:p>
+          <a:p>
+            <a:r>
+              <a:rPr lang="en-GB" dirty="0">
+                <a:effectLst/>
+              </a:rPr>
+              <a:t>1 d 0 0 d 0 0 1 1 load 0xd</a:t>
+            </a:r>
+          </a:p>
+          <a:p>
+            <a:r>
+              <a:rPr lang="en-GB" dirty="0">
+                <a:effectLst/>
+              </a:rPr>
+              <a:t>0 d 1 1 f 1 1 2 2 0xf, TC and ceo asserted</a:t>
+            </a:r>
+          </a:p>
+          <a:p>
+            <a:r>
+              <a:rPr lang="en-GB" dirty="0">
+                <a:effectLst/>
+              </a:rPr>
+              <a:t>0 d 0 1 f 1 0 1 3 0xf, TC asserted, ceo </a:t>
+            </a:r>
+            <a:r>
+              <a:rPr lang="en-GB" dirty="0" err="1">
+                <a:effectLst/>
+              </a:rPr>
+              <a:t>deasserted</a:t>
+            </a:r>
+            <a:endParaRPr lang="en-GB" dirty="0">
+              <a:effectLst/>
+            </a:endParaRPr>
+          </a:p>
+          <a:p>
+            <a:r>
+              <a:rPr lang="en-GB" dirty="0">
+                <a:effectLst/>
+              </a:rPr>
+              <a:t>0 d 1 1 1 0 0 2 4 count increments to 0, ,then to 1</a:t>
+            </a:r>
+          </a:p>
+          <a:p>
+            <a:r>
+              <a:rPr lang="en-GB" dirty="0">
+                <a:effectLst/>
+              </a:rPr>
+              <a:t>0 d 1 0 0 1 1 1 5 count down to 0, TC and ceo asserted</a:t>
+            </a:r>
+          </a:p>
+          <a:p>
+            <a:r>
+              <a:rPr lang="en-GB" dirty="0">
+                <a:effectLst/>
+              </a:rPr>
+              <a:t>0 d 0 0 0 1 0 1 6 0, TC asserted, ceo </a:t>
+            </a:r>
+            <a:r>
+              <a:rPr lang="en-GB" dirty="0" err="1">
+                <a:effectLst/>
+              </a:rPr>
+              <a:t>deasserted</a:t>
+            </a:r>
+            <a:endParaRPr lang="en-GB" dirty="0">
+              <a:effectLst/>
+            </a:endParaRPr>
+          </a:p>
+          <a:p>
+            <a:r>
+              <a:rPr lang="en-GB" dirty="0">
+                <a:effectLst/>
+              </a:rPr>
+              <a:t>0 d 1 0 f 0 0 1 7 count own to 0xf</a:t>
+            </a:r>
+          </a:p>
+          <a:p>
+            <a:r>
+              <a:rPr lang="en-GB" dirty="0">
+                <a:effectLst/>
+              </a:rPr>
+              <a:t>0 d 1 0 0 1 1 15 8 0, TC and ceo asserted</a:t>
+            </a:r>
+          </a:p>
+          <a:p>
+            <a:r>
+              <a:rPr lang="en-GB" dirty="0">
+                <a:effectLst/>
+              </a:rPr>
+              <a:t># Example of a comment - comments are ignored by the </a:t>
+            </a:r>
+            <a:r>
+              <a:rPr lang="en-GB" dirty="0" err="1">
+                <a:effectLst/>
+              </a:rPr>
+              <a:t>testplan</a:t>
+            </a:r>
+            <a:r>
+              <a:rPr lang="en-GB" dirty="0">
+                <a:effectLst/>
+              </a:rPr>
+              <a:t> generator </a:t>
+            </a:r>
+          </a:p>
+          <a:p>
+            <a:r>
+              <a:rPr lang="en-GB" dirty="0">
+                <a:effectLst/>
+              </a:rPr>
+              <a:t># HDLGen-ChatGPT Test Specification </a:t>
+            </a:r>
+          </a:p>
+          <a:p>
+            <a:r>
+              <a:rPr lang="en-GB" dirty="0">
+                <a:effectLst/>
+              </a:rPr>
+              <a:t># Title: 4-bit </a:t>
+            </a:r>
+            <a:r>
+              <a:rPr lang="en-GB" dirty="0" err="1">
+                <a:effectLst/>
+              </a:rPr>
+              <a:t>cascadable</a:t>
+            </a:r>
+            <a:r>
+              <a:rPr lang="en-GB" dirty="0">
+                <a:effectLst/>
+              </a:rPr>
+              <a:t>, loadable, up/down counter, with </a:t>
+            </a:r>
+            <a:r>
+              <a:rPr lang="en-GB" dirty="0" err="1">
+                <a:effectLst/>
+              </a:rPr>
+              <a:t>asynchronpous</a:t>
+            </a:r>
+            <a:r>
+              <a:rPr lang="en-GB" dirty="0">
+                <a:effectLst/>
+              </a:rPr>
+              <a:t> rst </a:t>
+            </a:r>
+          </a:p>
+          <a:p>
+            <a:r>
+              <a:rPr lang="en-GB" dirty="0">
+                <a:effectLst/>
+              </a:rPr>
+              <a:t># Created by: </a:t>
+            </a:r>
+            <a:r>
+              <a:rPr lang="en-GB" dirty="0" err="1">
+                <a:effectLst/>
+              </a:rPr>
+              <a:t>Fearghal</a:t>
+            </a:r>
+            <a:r>
+              <a:rPr lang="en-GB" dirty="0">
+                <a:effectLst/>
+              </a:rPr>
+              <a:t> Morgan </a:t>
+            </a:r>
+          </a:p>
+          <a:p>
+            <a:r>
+              <a:rPr lang="en-GB" dirty="0">
+                <a:effectLst/>
+              </a:rPr>
+              <a:t># Date: 20/02/2024 </a:t>
+            </a:r>
+          </a:p>
+          <a:p>
+            <a:r>
+              <a:rPr lang="en-GB" dirty="0">
+                <a:effectLst/>
+              </a:rPr>
+              <a:t># Component type: Register-Transfer Logic</a:t>
+            </a:r>
+            <a:endParaRPr lang="en-IE" dirty="0"/>
           </a:p>
         </p:txBody>
       </p:sp>
